--- a/labs/WSAA07.01 Data layered.pptx
+++ b/labs/WSAA07.01 Data layered.pptx
@@ -70,20 +70,17 @@
             <a:noAutofit/>
           </a:bodyPr>
           <a:p>
+            <a:pPr algn="ctr">
+              <a:buNone/>
+            </a:pPr>
             <a:r>
-              <a:rPr b="0" lang="en-US" sz="1800" spc="-1" strike="noStrike">
-                <a:solidFill>
-                  <a:srgbClr val="000000"/>
-                </a:solidFill>
-                <a:latin typeface="Rockwell"/>
+              <a:rPr b="0" lang="en-IE" sz="4400" spc="-1" strike="noStrike">
+                <a:latin typeface="Arial"/>
               </a:rPr>
               <a:t>Click to move the slide</a:t>
             </a:r>
-            <a:endParaRPr b="0" lang="en-US" sz="1800" spc="-1" strike="noStrike">
-              <a:solidFill>
-                <a:srgbClr val="000000"/>
-              </a:solidFill>
-              <a:latin typeface="Rockwell"/>
+            <a:endParaRPr b="0" lang="en-IE" sz="4400" spc="-1" strike="noStrike">
+              <a:latin typeface="Arial"/>
             </a:endParaRPr>
           </a:p>
         </p:txBody>
@@ -305,7 +302,7 @@
             <a:pPr algn="r">
               <a:buNone/>
             </a:pPr>
-            <a:fld id="{24A99214-FDA2-4722-AAAF-261FBA4A7B08}" type="slidenum">
+            <a:fld id="{682B13CE-8E56-4157-82A7-EA75FF404A78}" type="slidenum">
               <a:rPr b="0" lang="en-IE" sz="1400" spc="-1" strike="noStrike">
                 <a:latin typeface="Times New Roman"/>
               </a:rPr>
@@ -353,7 +350,7 @@
         <p:spPr>
           <a:xfrm>
             <a:off x="685800" y="1143000"/>
-            <a:ext cx="5486040" cy="3085920"/>
+            <a:ext cx="5485320" cy="3085200"/>
           </a:xfrm>
           <a:prstGeom prst="rect">
             <a:avLst/>
@@ -375,8 +372,8 @@
         </p:nvSpPr>
         <p:spPr>
           <a:xfrm>
-            <a:off x="685800" y="4400640"/>
-            <a:ext cx="5486040" cy="3600000"/>
+            <a:off x="180000" y="4400640"/>
+            <a:ext cx="6569640" cy="4644000"/>
           </a:xfrm>
           <a:prstGeom prst="rect">
             <a:avLst/>
@@ -387,64 +384,252 @@
           </a:ln>
         </p:spPr>
         <p:txBody>
-          <a:bodyPr anchor="t">
+          <a:bodyPr lIns="0" rIns="0" tIns="0" bIns="0" anchor="t">
             <a:noAutofit/>
           </a:bodyPr>
           <a:p>
+            <a:pPr marL="216000" indent="-216000">
+              <a:lnSpc>
+                <a:spcPct val="100000"/>
+              </a:lnSpc>
+              <a:buNone/>
+              <a:tabLst>
+                <a:tab algn="l" pos="0"/>
+              </a:tabLst>
+            </a:pPr>
             <a:r>
-              <a:rPr b="0" lang="en-IE" sz="2000" spc="-1" strike="noStrike">
+              <a:rPr b="0" lang="en-IE" sz="1600" spc="-1" strike="noStrike">
                 <a:latin typeface="Arial"/>
               </a:rPr>
               <a:t>Mysql-connector sample code,</a:t>
             </a:r>
-            <a:endParaRPr b="0" lang="en-IE" sz="2000" spc="-1" strike="noStrike">
+            <a:endParaRPr b="0" lang="en-IE" sz="1600" spc="-1" strike="noStrike">
               <a:latin typeface="Arial"/>
             </a:endParaRPr>
           </a:p>
           <a:p>
-            <a:endParaRPr b="0" lang="en-IE" sz="2000" spc="-1" strike="noStrike">
-              <a:latin typeface="Arial"/>
-            </a:endParaRPr>
-          </a:p>
-          <a:p>
+            <a:pPr marL="216000" indent="-216000">
+              <a:lnSpc>
+                <a:spcPct val="100000"/>
+              </a:lnSpc>
+              <a:buNone/>
+              <a:tabLst>
+                <a:tab algn="l" pos="0"/>
+              </a:tabLst>
+            </a:pPr>
             <a:r>
-              <a:rPr b="0" lang="en-IE" sz="2000" spc="-1" strike="noStrike">
+              <a:rPr b="0" lang="en-IE" sz="1600" spc="-1" strike="noStrike">
                 <a:latin typeface="Arial"/>
               </a:rPr>
               <a:t>https://dev.mysql.com/doc/connector-python/en/connector-python-examples.html</a:t>
             </a:r>
+            <a:endParaRPr b="0" lang="en-IE" sz="1600" spc="-1" strike="noStrike">
+              <a:latin typeface="Arial"/>
+            </a:endParaRPr>
+          </a:p>
+          <a:p>
+            <a:pPr marL="216000" indent="-216000">
+              <a:lnSpc>
+                <a:spcPct val="100000"/>
+              </a:lnSpc>
+              <a:buNone/>
+              <a:tabLst>
+                <a:tab algn="l" pos="0"/>
+              </a:tabLst>
+            </a:pPr>
             <a:endParaRPr b="0" lang="en-IE" sz="2000" spc="-1" strike="noStrike">
               <a:latin typeface="Arial"/>
             </a:endParaRPr>
           </a:p>
           <a:p>
-            <a:endParaRPr b="0" lang="en-IE" sz="2000" spc="-1" strike="noStrike">
-              <a:latin typeface="Arial"/>
-            </a:endParaRPr>
-          </a:p>
-          <a:p>
+            <a:pPr marL="216000" indent="-216000">
+              <a:lnSpc>
+                <a:spcPct val="100000"/>
+              </a:lnSpc>
+              <a:buNone/>
+              <a:tabLst>
+                <a:tab algn="l" pos="0"/>
+              </a:tabLst>
+            </a:pPr>
             <a:r>
-              <a:rPr b="0" lang="en-IE" sz="2000" spc="-1" strike="noStrike">
+              <a:rPr b="0" lang="en-IE" sz="1600" spc="-1" strike="noStrike">
                 <a:latin typeface="Arial"/>
               </a:rPr>
               <a:t>Configuration files,</a:t>
             </a:r>
-            <a:endParaRPr b="0" lang="en-IE" sz="2000" spc="-1" strike="noStrike">
+            <a:endParaRPr b="0" lang="en-IE" sz="1600" spc="-1" strike="noStrike">
               <a:latin typeface="Arial"/>
             </a:endParaRPr>
           </a:p>
           <a:p>
-            <a:endParaRPr b="0" lang="en-IE" sz="2000" spc="-1" strike="noStrike">
-              <a:latin typeface="Arial"/>
-            </a:endParaRPr>
-          </a:p>
-          <a:p>
+            <a:pPr marL="216000" indent="-216000">
+              <a:lnSpc>
+                <a:spcPct val="100000"/>
+              </a:lnSpc>
+              <a:buNone/>
+              <a:tabLst>
+                <a:tab algn="l" pos="0"/>
+              </a:tabLst>
+            </a:pPr>
             <a:r>
-              <a:rPr b="0" lang="en-IE" sz="2000" spc="-1" strike="noStrike">
+              <a:rPr b="0" lang="en-IE" sz="1600" spc="-1" strike="noStrike" u="sng">
+                <a:solidFill>
+                  <a:srgbClr val="000000"/>
+                </a:solidFill>
+                <a:uFillTx/>
                 <a:latin typeface="Arial"/>
+                <a:hlinkClick r:id="rId1"/>
               </a:rPr>
               <a:t>https://martin-thoma.com/configuration-files-in-python/</a:t>
             </a:r>
+            <a:endParaRPr b="0" lang="en-IE" sz="1600" spc="-1" strike="noStrike">
+              <a:latin typeface="Arial"/>
+            </a:endParaRPr>
+          </a:p>
+          <a:p>
+            <a:pPr marL="216000" indent="-216000">
+              <a:lnSpc>
+                <a:spcPct val="100000"/>
+              </a:lnSpc>
+              <a:buNone/>
+              <a:tabLst>
+                <a:tab algn="l" pos="0"/>
+              </a:tabLst>
+            </a:pPr>
+            <a:endParaRPr b="0" lang="en-IE" sz="2000" spc="-1" strike="noStrike">
+              <a:latin typeface="Arial"/>
+            </a:endParaRPr>
+          </a:p>
+          <a:p>
+            <a:pPr marL="216000" indent="-216000">
+              <a:lnSpc>
+                <a:spcPct val="100000"/>
+              </a:lnSpc>
+              <a:buNone/>
+              <a:tabLst>
+                <a:tab algn="l" pos="0"/>
+              </a:tabLst>
+            </a:pPr>
+            <a:r>
+              <a:rPr b="0" lang="en-IE" sz="1600" spc="-1" strike="noStrike">
+                <a:latin typeface="Arial"/>
+              </a:rPr>
+              <a:t>Databases and how you interact with data that's outside of let's say a flash server or any application that </a:t>
+            </a:r>
+            <a:r>
+              <a:rPr b="0" lang="en-IE" sz="1600" spc="-1" strike="noStrike">
+                <a:latin typeface="Arial"/>
+              </a:rPr>
+              <a:t>you're writing. DAO and how you can run SQL in your Python.</a:t>
+            </a:r>
+            <a:endParaRPr b="0" lang="en-IE" sz="1600" spc="-1" strike="noStrike">
+              <a:latin typeface="Arial"/>
+            </a:endParaRPr>
+          </a:p>
+          <a:p>
+            <a:pPr marL="216000" indent="-216000">
+              <a:lnSpc>
+                <a:spcPct val="100000"/>
+              </a:lnSpc>
+              <a:buNone/>
+              <a:tabLst>
+                <a:tab algn="l" pos="0"/>
+              </a:tabLst>
+            </a:pPr>
+            <a:endParaRPr b="0" lang="en-IE" sz="2000" spc="-1" strike="noStrike">
+              <a:latin typeface="Arial"/>
+            </a:endParaRPr>
+          </a:p>
+          <a:p>
+            <a:pPr marL="216000" indent="-216000">
+              <a:lnSpc>
+                <a:spcPct val="100000"/>
+              </a:lnSpc>
+              <a:buNone/>
+              <a:tabLst>
+                <a:tab algn="l" pos="0"/>
+              </a:tabLst>
+            </a:pPr>
+            <a:r>
+              <a:rPr b="0" lang="en-IE" sz="1600" spc="-1" strike="noStrike">
+                <a:latin typeface="Arial"/>
+              </a:rPr>
+              <a:t>If you already have a server and MySQL client on your machine, you should not install WAMP </a:t>
+            </a:r>
+            <a:endParaRPr b="0" lang="en-IE" sz="1600" spc="-1" strike="noStrike">
+              <a:latin typeface="Arial"/>
+            </a:endParaRPr>
+          </a:p>
+          <a:p>
+            <a:pPr marL="216000" indent="-216000">
+              <a:lnSpc>
+                <a:spcPct val="100000"/>
+              </a:lnSpc>
+              <a:buNone/>
+              <a:tabLst>
+                <a:tab algn="l" pos="0"/>
+              </a:tabLst>
+            </a:pPr>
+            <a:r>
+              <a:rPr b="0" lang="en-IE" sz="1600" spc="-1" strike="noStrike">
+                <a:latin typeface="Arial"/>
+              </a:rPr>
+              <a:t>In this lecture we go through creating an internal API for dealing with data sources. </a:t>
+            </a:r>
+            <a:endParaRPr b="0" lang="en-IE" sz="1600" spc="-1" strike="noStrike">
+              <a:latin typeface="Arial"/>
+            </a:endParaRPr>
+          </a:p>
+          <a:p>
+            <a:pPr marL="216000" indent="-216000">
+              <a:lnSpc>
+                <a:spcPct val="100000"/>
+              </a:lnSpc>
+              <a:buNone/>
+              <a:tabLst>
+                <a:tab algn="l" pos="0"/>
+              </a:tabLst>
+            </a:pPr>
+            <a:r>
+              <a:rPr b="0" lang="en-IE" sz="1600" spc="-1" strike="noStrike">
+                <a:latin typeface="Arial"/>
+              </a:rPr>
+              <a:t>In practice, this means creating a separate file that has functions that can be called (e.g. from your flask </a:t>
+            </a:r>
+            <a:r>
+              <a:rPr b="0" lang="en-IE" sz="1600" spc="-1" strike="noStrike">
+                <a:latin typeface="Arial"/>
+              </a:rPr>
+              <a:t>server)</a:t>
+            </a:r>
+            <a:endParaRPr b="0" lang="en-IE" sz="1600" spc="-1" strike="noStrike">
+              <a:latin typeface="Arial"/>
+            </a:endParaRPr>
+          </a:p>
+          <a:p>
+            <a:pPr marL="216000" indent="-216000">
+              <a:lnSpc>
+                <a:spcPct val="100000"/>
+              </a:lnSpc>
+              <a:buNone/>
+              <a:tabLst>
+                <a:tab algn="l" pos="0"/>
+              </a:tabLst>
+            </a:pPr>
+            <a:endParaRPr b="0" lang="en-IE" sz="2000" spc="-1" strike="noStrike">
+              <a:latin typeface="Arial"/>
+            </a:endParaRPr>
+          </a:p>
+          <a:p>
+            <a:pPr marL="216000" indent="-216000">
+              <a:lnSpc>
+                <a:spcPct val="100000"/>
+              </a:lnSpc>
+              <a:buNone/>
+              <a:tabLst>
+                <a:tab algn="l" pos="0"/>
+              </a:tabLst>
+            </a:pPr>
             <a:endParaRPr b="0" lang="en-IE" sz="2000" spc="-1" strike="noStrike">
               <a:latin typeface="Arial"/>
             </a:endParaRPr>
@@ -464,7 +649,7 @@
         <p:spPr>
           <a:xfrm>
             <a:off x="3884760" y="8685360"/>
-            <a:ext cx="2971440" cy="458280"/>
+            <a:ext cx="2970720" cy="457560"/>
           </a:xfrm>
           <a:prstGeom prst="rect">
             <a:avLst/>
@@ -475,7 +660,7 @@
           </a:ln>
         </p:spPr>
         <p:txBody>
-          <a:bodyPr anchor="b">
+          <a:bodyPr lIns="0" rIns="0" tIns="0" bIns="0" anchor="b">
             <a:noAutofit/>
           </a:bodyPr>
           <a:lstStyle>
@@ -496,7 +681,7 @@
               </a:lnSpc>
               <a:buNone/>
             </a:pPr>
-            <a:fld id="{F92051BD-1CF6-4F63-B9FB-B283C01F259A}" type="slidenum">
+            <a:fld id="{0F67E8E7-1A4A-481A-AEF9-D7B82F3D97C5}" type="slidenum">
               <a:rPr b="0" lang="en-IE" sz="1200" spc="-1" strike="noStrike">
                 <a:latin typeface="Times New Roman"/>
               </a:rPr>
@@ -504,6 +689,108 @@
             </a:fld>
             <a:endParaRPr b="0" lang="en-IE" sz="1200" spc="-1" strike="noStrike">
               <a:latin typeface="Times New Roman"/>
+            </a:endParaRPr>
+          </a:p>
+        </p:txBody>
+      </p:sp>
+    </p:spTree>
+  </p:cSld>
+</p:notes>
+</file>
+
+<file path=ppt/notesSlides/notesSlide2.xml><?xml version="1.0" encoding="utf-8"?>
+<p:notes xmlns:a="http://schemas.openxmlformats.org/drawingml/2006/main" xmlns:p="http://schemas.openxmlformats.org/presentationml/2006/main" xmlns:r="http://schemas.openxmlformats.org/officeDocument/2006/relationships" xmlns:p14="http://schemas.microsoft.com/office/powerpoint/2010/main" xmlns:p15="http://schemas.microsoft.com/office/powerpoint/2012/main" xmlns:mc="http://schemas.openxmlformats.org/markup-compatibility/2006">
+  <p:cSld>
+    <p:spTree>
+      <p:nvGrpSpPr>
+        <p:cNvPr id="1" name=""/>
+        <p:cNvGrpSpPr/>
+        <p:nvPr/>
+      </p:nvGrpSpPr>
+      <p:grpSpPr>
+        <a:xfrm>
+          <a:off x="0" y="0"/>
+          <a:ext cx="0" cy="0"/>
+          <a:chOff x="0" y="0"/>
+          <a:chExt cx="0" cy="0"/>
+        </a:xfrm>
+      </p:grpSpPr>
+      <p:sp>
+        <p:nvSpPr>
+          <p:cNvPr id="349" name="PlaceHolder 1"/>
+          <p:cNvSpPr>
+            <a:spLocks noGrp="1"/>
+          </p:cNvSpPr>
+          <p:nvPr>
+            <p:ph type="sldImg"/>
+          </p:nvPr>
+        </p:nvSpPr>
+        <p:spPr>
+          <a:xfrm>
+            <a:off x="-107280" y="180000"/>
+            <a:ext cx="7126920" cy="4008600"/>
+          </a:xfrm>
+          <a:prstGeom prst="rect">
+            <a:avLst/>
+          </a:prstGeom>
+          <a:ln w="0">
+            <a:noFill/>
+          </a:ln>
+        </p:spPr>
+      </p:sp>
+      <p:sp>
+        <p:nvSpPr>
+          <p:cNvPr id="350" name="PlaceHolder 2"/>
+          <p:cNvSpPr>
+            <a:spLocks noGrp="1"/>
+          </p:cNvSpPr>
+          <p:nvPr>
+            <p:ph type="body"/>
+          </p:nvPr>
+        </p:nvSpPr>
+        <p:spPr>
+          <a:xfrm>
+            <a:off x="36360" y="4365000"/>
+            <a:ext cx="6668280" cy="4679640"/>
+          </a:xfrm>
+          <a:prstGeom prst="rect">
+            <a:avLst/>
+          </a:prstGeom>
+          <a:noFill/>
+          <a:ln w="0">
+            <a:noFill/>
+          </a:ln>
+        </p:spPr>
+        <p:txBody>
+          <a:bodyPr lIns="0" rIns="0" tIns="0" bIns="0" anchor="t">
+            <a:noAutofit/>
+          </a:bodyPr>
+          <a:p>
+            <a:pPr marL="216000" indent="-216000">
+              <a:lnSpc>
+                <a:spcPct val="100000"/>
+              </a:lnSpc>
+              <a:buNone/>
+            </a:pPr>
+            <a:r>
+              <a:rPr b="0" lang="en-IE" sz="2000" spc="-1" strike="noStrike">
+                <a:latin typeface="Arial"/>
+              </a:rPr>
+              <a:t>In this lecture we go through creating an internal API for dealing with data sources. In practice, this means creating a separate file that has functions that can be called (e.g. from your flask server)</a:t>
+            </a:r>
+            <a:endParaRPr b="0" lang="en-IE" sz="2000" spc="-1" strike="noStrike">
+              <a:latin typeface="Arial"/>
+            </a:endParaRPr>
+          </a:p>
+          <a:p>
+            <a:pPr marL="216000" indent="-216000">
+              <a:lnSpc>
+                <a:spcPct val="100000"/>
+              </a:lnSpc>
+              <a:buNone/>
+            </a:pPr>
+            <a:endParaRPr b="0" lang="en-IE" sz="2000" spc="-1" strike="noStrike">
+              <a:latin typeface="Arial"/>
             </a:endParaRPr>
           </a:p>
         </p:txBody>
@@ -537,7 +824,7 @@
             <a:spLocks noGrp="1"/>
           </p:cNvSpPr>
           <p:nvPr>
-            <p:ph type="ftr" idx="2"/>
+            <p:ph type="ftr" idx="1"/>
           </p:nvPr>
         </p:nvSpPr>
         <p:spPr/>
@@ -557,14 +844,14 @@
             <a:spLocks noGrp="1"/>
           </p:cNvSpPr>
           <p:nvPr>
-            <p:ph type="sldNum" idx="3"/>
+            <p:ph type="sldNum" idx="2"/>
           </p:nvPr>
         </p:nvSpPr>
         <p:spPr/>
         <p:txBody>
           <a:bodyPr/>
           <a:p>
-            <a:fld id="{3B0FA872-3A51-4BAC-AF49-0DD8EC4DC647}" type="slidenum">
+            <a:fld id="{E43AD4DB-7019-41C1-B5CF-3C8FC445E53A}" type="slidenum">
               <a:t>&lt;#&gt;</a:t>
             </a:fld>
           </a:p>
@@ -577,7 +864,7 @@
             <a:spLocks noGrp="1"/>
           </p:cNvSpPr>
           <p:nvPr>
-            <p:ph type="dt" idx="1"/>
+            <p:ph type="dt" idx="3"/>
           </p:nvPr>
         </p:nvSpPr>
         <p:spPr/>
@@ -625,8 +912,8 @@
         </p:nvSpPr>
         <p:spPr>
           <a:xfrm>
-            <a:off x="1069920" y="484560"/>
-            <a:ext cx="10058040" cy="1608840"/>
+            <a:off x="609480" y="273600"/>
+            <a:ext cx="10972440" cy="1144800"/>
           </a:xfrm>
           <a:prstGeom prst="rect">
             <a:avLst/>
@@ -641,11 +928,11 @@
             <a:noAutofit/>
           </a:bodyPr>
           <a:p>
-            <a:endParaRPr b="0" lang="en-US" sz="1800" spc="-1" strike="noStrike">
-              <a:solidFill>
-                <a:srgbClr val="000000"/>
-              </a:solidFill>
-              <a:latin typeface="Rockwell"/>
+            <a:pPr algn="ctr">
+              <a:buNone/>
+            </a:pPr>
+            <a:endParaRPr b="0" lang="en-IE" sz="4400" spc="-1" strike="noStrike">
+              <a:latin typeface="Arial"/>
             </a:endParaRPr>
           </a:p>
         </p:txBody>
@@ -662,8 +949,8 @@
         </p:nvSpPr>
         <p:spPr>
           <a:xfrm>
-            <a:off x="1069920" y="2121480"/>
-            <a:ext cx="10058040" cy="1931760"/>
+            <a:off x="609480" y="1604520"/>
+            <a:ext cx="10972440" cy="1896840"/>
           </a:xfrm>
           <a:prstGeom prst="rect">
             <a:avLst/>
@@ -678,20 +965,8 @@
             <a:normAutofit/>
           </a:bodyPr>
           <a:p>
-            <a:pPr>
-              <a:lnSpc>
-                <a:spcPct val="90000"/>
-              </a:lnSpc>
-              <a:spcBef>
-                <a:spcPts val="1417"/>
-              </a:spcBef>
-              <a:buNone/>
-            </a:pPr>
-            <a:endParaRPr b="0" lang="en-US" sz="2000" spc="-1" strike="noStrike">
-              <a:solidFill>
-                <a:srgbClr val="000000"/>
-              </a:solidFill>
-              <a:latin typeface="Rockwell"/>
+            <a:endParaRPr b="0" lang="en-IE" sz="3200" spc="-1" strike="noStrike">
+              <a:latin typeface="Arial"/>
             </a:endParaRPr>
           </a:p>
         </p:txBody>
@@ -708,8 +983,8 @@
         </p:nvSpPr>
         <p:spPr>
           <a:xfrm>
-            <a:off x="1069920" y="4237200"/>
-            <a:ext cx="10058040" cy="1931760"/>
+            <a:off x="609480" y="3682080"/>
+            <a:ext cx="10972440" cy="1896840"/>
           </a:xfrm>
           <a:prstGeom prst="rect">
             <a:avLst/>
@@ -724,20 +999,8 @@
             <a:normAutofit/>
           </a:bodyPr>
           <a:p>
-            <a:pPr>
-              <a:lnSpc>
-                <a:spcPct val="90000"/>
-              </a:lnSpc>
-              <a:spcBef>
-                <a:spcPts val="1417"/>
-              </a:spcBef>
-              <a:buNone/>
-            </a:pPr>
-            <a:endParaRPr b="0" lang="en-US" sz="2000" spc="-1" strike="noStrike">
-              <a:solidFill>
-                <a:srgbClr val="000000"/>
-              </a:solidFill>
-              <a:latin typeface="Rockwell"/>
+            <a:endParaRPr b="0" lang="en-IE" sz="3200" spc="-1" strike="noStrike">
+              <a:latin typeface="Arial"/>
             </a:endParaRPr>
           </a:p>
         </p:txBody>
@@ -749,7 +1012,7 @@
             <a:spLocks noGrp="1"/>
           </p:cNvSpPr>
           <p:nvPr>
-            <p:ph type="ftr" idx="2"/>
+            <p:ph type="ftr" idx="1"/>
           </p:nvPr>
         </p:nvSpPr>
         <p:spPr/>
@@ -769,14 +1032,14 @@
             <a:spLocks noGrp="1"/>
           </p:cNvSpPr>
           <p:nvPr>
-            <p:ph type="sldNum" idx="3"/>
+            <p:ph type="sldNum" idx="2"/>
           </p:nvPr>
         </p:nvSpPr>
         <p:spPr/>
         <p:txBody>
           <a:bodyPr/>
           <a:p>
-            <a:fld id="{08A0A9A1-0540-4712-97E8-7BCFE947873B}" type="slidenum">
+            <a:fld id="{4F94F4AF-11FA-4ECA-B67B-5421EAF8CB2B}" type="slidenum">
               <a:t>&lt;#&gt;</a:t>
             </a:fld>
           </a:p>
@@ -789,7 +1052,7 @@
             <a:spLocks noGrp="1"/>
           </p:cNvSpPr>
           <p:nvPr>
-            <p:ph type="dt" idx="1"/>
+            <p:ph type="dt" idx="3"/>
           </p:nvPr>
         </p:nvSpPr>
         <p:spPr/>
@@ -837,8 +1100,8 @@
         </p:nvSpPr>
         <p:spPr>
           <a:xfrm>
-            <a:off x="1069920" y="484560"/>
-            <a:ext cx="10058040" cy="1608840"/>
+            <a:off x="609480" y="273600"/>
+            <a:ext cx="10972440" cy="1144800"/>
           </a:xfrm>
           <a:prstGeom prst="rect">
             <a:avLst/>
@@ -853,11 +1116,11 @@
             <a:noAutofit/>
           </a:bodyPr>
           <a:p>
-            <a:endParaRPr b="0" lang="en-US" sz="1800" spc="-1" strike="noStrike">
-              <a:solidFill>
-                <a:srgbClr val="000000"/>
-              </a:solidFill>
-              <a:latin typeface="Rockwell"/>
+            <a:pPr algn="ctr">
+              <a:buNone/>
+            </a:pPr>
+            <a:endParaRPr b="0" lang="en-IE" sz="4400" spc="-1" strike="noStrike">
+              <a:latin typeface="Arial"/>
             </a:endParaRPr>
           </a:p>
         </p:txBody>
@@ -874,8 +1137,8 @@
         </p:nvSpPr>
         <p:spPr>
           <a:xfrm>
-            <a:off x="1069920" y="2121480"/>
-            <a:ext cx="4908240" cy="1931760"/>
+            <a:off x="609480" y="1604520"/>
+            <a:ext cx="5354280" cy="1896840"/>
           </a:xfrm>
           <a:prstGeom prst="rect">
             <a:avLst/>
@@ -890,20 +1153,8 @@
             <a:normAutofit/>
           </a:bodyPr>
           <a:p>
-            <a:pPr>
-              <a:lnSpc>
-                <a:spcPct val="90000"/>
-              </a:lnSpc>
-              <a:spcBef>
-                <a:spcPts val="1417"/>
-              </a:spcBef>
-              <a:buNone/>
-            </a:pPr>
-            <a:endParaRPr b="0" lang="en-US" sz="2000" spc="-1" strike="noStrike">
-              <a:solidFill>
-                <a:srgbClr val="000000"/>
-              </a:solidFill>
-              <a:latin typeface="Rockwell"/>
+            <a:endParaRPr b="0" lang="en-IE" sz="3200" spc="-1" strike="noStrike">
+              <a:latin typeface="Arial"/>
             </a:endParaRPr>
           </a:p>
         </p:txBody>
@@ -920,8 +1171,8 @@
         </p:nvSpPr>
         <p:spPr>
           <a:xfrm>
-            <a:off x="6224040" y="2121480"/>
-            <a:ext cx="4908240" cy="1931760"/>
+            <a:off x="6231960" y="1604520"/>
+            <a:ext cx="5354280" cy="1896840"/>
           </a:xfrm>
           <a:prstGeom prst="rect">
             <a:avLst/>
@@ -936,20 +1187,8 @@
             <a:normAutofit/>
           </a:bodyPr>
           <a:p>
-            <a:pPr>
-              <a:lnSpc>
-                <a:spcPct val="90000"/>
-              </a:lnSpc>
-              <a:spcBef>
-                <a:spcPts val="1417"/>
-              </a:spcBef>
-              <a:buNone/>
-            </a:pPr>
-            <a:endParaRPr b="0" lang="en-US" sz="2000" spc="-1" strike="noStrike">
-              <a:solidFill>
-                <a:srgbClr val="000000"/>
-              </a:solidFill>
-              <a:latin typeface="Rockwell"/>
+            <a:endParaRPr b="0" lang="en-IE" sz="3200" spc="-1" strike="noStrike">
+              <a:latin typeface="Arial"/>
             </a:endParaRPr>
           </a:p>
         </p:txBody>
@@ -966,8 +1205,8 @@
         </p:nvSpPr>
         <p:spPr>
           <a:xfrm>
-            <a:off x="1069920" y="4237200"/>
-            <a:ext cx="4908240" cy="1931760"/>
+            <a:off x="609480" y="3682080"/>
+            <a:ext cx="5354280" cy="1896840"/>
           </a:xfrm>
           <a:prstGeom prst="rect">
             <a:avLst/>
@@ -982,20 +1221,8 @@
             <a:normAutofit/>
           </a:bodyPr>
           <a:p>
-            <a:pPr>
-              <a:lnSpc>
-                <a:spcPct val="90000"/>
-              </a:lnSpc>
-              <a:spcBef>
-                <a:spcPts val="1417"/>
-              </a:spcBef>
-              <a:buNone/>
-            </a:pPr>
-            <a:endParaRPr b="0" lang="en-US" sz="2000" spc="-1" strike="noStrike">
-              <a:solidFill>
-                <a:srgbClr val="000000"/>
-              </a:solidFill>
-              <a:latin typeface="Rockwell"/>
+            <a:endParaRPr b="0" lang="en-IE" sz="3200" spc="-1" strike="noStrike">
+              <a:latin typeface="Arial"/>
             </a:endParaRPr>
           </a:p>
         </p:txBody>
@@ -1012,8 +1239,8 @@
         </p:nvSpPr>
         <p:spPr>
           <a:xfrm>
-            <a:off x="6224040" y="4237200"/>
-            <a:ext cx="4908240" cy="1931760"/>
+            <a:off x="6231960" y="3682080"/>
+            <a:ext cx="5354280" cy="1896840"/>
           </a:xfrm>
           <a:prstGeom prst="rect">
             <a:avLst/>
@@ -1028,20 +1255,8 @@
             <a:normAutofit/>
           </a:bodyPr>
           <a:p>
-            <a:pPr>
-              <a:lnSpc>
-                <a:spcPct val="90000"/>
-              </a:lnSpc>
-              <a:spcBef>
-                <a:spcPts val="1417"/>
-              </a:spcBef>
-              <a:buNone/>
-            </a:pPr>
-            <a:endParaRPr b="0" lang="en-US" sz="2000" spc="-1" strike="noStrike">
-              <a:solidFill>
-                <a:srgbClr val="000000"/>
-              </a:solidFill>
-              <a:latin typeface="Rockwell"/>
+            <a:endParaRPr b="0" lang="en-IE" sz="3200" spc="-1" strike="noStrike">
+              <a:latin typeface="Arial"/>
             </a:endParaRPr>
           </a:p>
         </p:txBody>
@@ -1053,7 +1268,7 @@
             <a:spLocks noGrp="1"/>
           </p:cNvSpPr>
           <p:nvPr>
-            <p:ph type="ftr" idx="2"/>
+            <p:ph type="ftr" idx="1"/>
           </p:nvPr>
         </p:nvSpPr>
         <p:spPr/>
@@ -1073,14 +1288,14 @@
             <a:spLocks noGrp="1"/>
           </p:cNvSpPr>
           <p:nvPr>
-            <p:ph type="sldNum" idx="3"/>
+            <p:ph type="sldNum" idx="2"/>
           </p:nvPr>
         </p:nvSpPr>
         <p:spPr/>
         <p:txBody>
           <a:bodyPr/>
           <a:p>
-            <a:fld id="{5321D755-21E1-4C4C-9799-C0944EF1F73F}" type="slidenum">
+            <a:fld id="{0A27A7ED-24DB-4D6A-9538-58651C0AC7B3}" type="slidenum">
               <a:t>&lt;#&gt;</a:t>
             </a:fld>
           </a:p>
@@ -1093,7 +1308,7 @@
             <a:spLocks noGrp="1"/>
           </p:cNvSpPr>
           <p:nvPr>
-            <p:ph type="dt" idx="1"/>
+            <p:ph type="dt" idx="3"/>
           </p:nvPr>
         </p:nvSpPr>
         <p:spPr/>
@@ -1141,8 +1356,8 @@
         </p:nvSpPr>
         <p:spPr>
           <a:xfrm>
-            <a:off x="1069920" y="484560"/>
-            <a:ext cx="10058040" cy="1608840"/>
+            <a:off x="609480" y="273600"/>
+            <a:ext cx="10972440" cy="1144800"/>
           </a:xfrm>
           <a:prstGeom prst="rect">
             <a:avLst/>
@@ -1157,11 +1372,11 @@
             <a:noAutofit/>
           </a:bodyPr>
           <a:p>
-            <a:endParaRPr b="0" lang="en-US" sz="1800" spc="-1" strike="noStrike">
-              <a:solidFill>
-                <a:srgbClr val="000000"/>
-              </a:solidFill>
-              <a:latin typeface="Rockwell"/>
+            <a:pPr algn="ctr">
+              <a:buNone/>
+            </a:pPr>
+            <a:endParaRPr b="0" lang="en-IE" sz="4400" spc="-1" strike="noStrike">
+              <a:latin typeface="Arial"/>
             </a:endParaRPr>
           </a:p>
         </p:txBody>
@@ -1178,8 +1393,8 @@
         </p:nvSpPr>
         <p:spPr>
           <a:xfrm>
-            <a:off x="1069920" y="2121480"/>
-            <a:ext cx="3238560" cy="1931760"/>
+            <a:off x="609480" y="1604520"/>
+            <a:ext cx="3533040" cy="1896840"/>
           </a:xfrm>
           <a:prstGeom prst="rect">
             <a:avLst/>
@@ -1194,20 +1409,8 @@
             <a:normAutofit/>
           </a:bodyPr>
           <a:p>
-            <a:pPr>
-              <a:lnSpc>
-                <a:spcPct val="90000"/>
-              </a:lnSpc>
-              <a:spcBef>
-                <a:spcPts val="1417"/>
-              </a:spcBef>
-              <a:buNone/>
-            </a:pPr>
-            <a:endParaRPr b="0" lang="en-US" sz="2000" spc="-1" strike="noStrike">
-              <a:solidFill>
-                <a:srgbClr val="000000"/>
-              </a:solidFill>
-              <a:latin typeface="Rockwell"/>
+            <a:endParaRPr b="0" lang="en-IE" sz="3200" spc="-1" strike="noStrike">
+              <a:latin typeface="Arial"/>
             </a:endParaRPr>
           </a:p>
         </p:txBody>
@@ -1224,8 +1427,8 @@
         </p:nvSpPr>
         <p:spPr>
           <a:xfrm>
-            <a:off x="4470840" y="2121480"/>
-            <a:ext cx="3238560" cy="1931760"/>
+            <a:off x="4319640" y="1604520"/>
+            <a:ext cx="3533040" cy="1896840"/>
           </a:xfrm>
           <a:prstGeom prst="rect">
             <a:avLst/>
@@ -1240,20 +1443,8 @@
             <a:normAutofit/>
           </a:bodyPr>
           <a:p>
-            <a:pPr>
-              <a:lnSpc>
-                <a:spcPct val="90000"/>
-              </a:lnSpc>
-              <a:spcBef>
-                <a:spcPts val="1417"/>
-              </a:spcBef>
-              <a:buNone/>
-            </a:pPr>
-            <a:endParaRPr b="0" lang="en-US" sz="2000" spc="-1" strike="noStrike">
-              <a:solidFill>
-                <a:srgbClr val="000000"/>
-              </a:solidFill>
-              <a:latin typeface="Rockwell"/>
+            <a:endParaRPr b="0" lang="en-IE" sz="3200" spc="-1" strike="noStrike">
+              <a:latin typeface="Arial"/>
             </a:endParaRPr>
           </a:p>
         </p:txBody>
@@ -1270,8 +1461,8 @@
         </p:nvSpPr>
         <p:spPr>
           <a:xfrm>
-            <a:off x="7871760" y="2121480"/>
-            <a:ext cx="3238560" cy="1931760"/>
+            <a:off x="8029800" y="1604520"/>
+            <a:ext cx="3533040" cy="1896840"/>
           </a:xfrm>
           <a:prstGeom prst="rect">
             <a:avLst/>
@@ -1286,20 +1477,8 @@
             <a:normAutofit/>
           </a:bodyPr>
           <a:p>
-            <a:pPr>
-              <a:lnSpc>
-                <a:spcPct val="90000"/>
-              </a:lnSpc>
-              <a:spcBef>
-                <a:spcPts val="1417"/>
-              </a:spcBef>
-              <a:buNone/>
-            </a:pPr>
-            <a:endParaRPr b="0" lang="en-US" sz="2000" spc="-1" strike="noStrike">
-              <a:solidFill>
-                <a:srgbClr val="000000"/>
-              </a:solidFill>
-              <a:latin typeface="Rockwell"/>
+            <a:endParaRPr b="0" lang="en-IE" sz="3200" spc="-1" strike="noStrike">
+              <a:latin typeface="Arial"/>
             </a:endParaRPr>
           </a:p>
         </p:txBody>
@@ -1316,8 +1495,8 @@
         </p:nvSpPr>
         <p:spPr>
           <a:xfrm>
-            <a:off x="1069920" y="4237200"/>
-            <a:ext cx="3238560" cy="1931760"/>
+            <a:off x="609480" y="3682080"/>
+            <a:ext cx="3533040" cy="1896840"/>
           </a:xfrm>
           <a:prstGeom prst="rect">
             <a:avLst/>
@@ -1332,20 +1511,8 @@
             <a:normAutofit/>
           </a:bodyPr>
           <a:p>
-            <a:pPr>
-              <a:lnSpc>
-                <a:spcPct val="90000"/>
-              </a:lnSpc>
-              <a:spcBef>
-                <a:spcPts val="1417"/>
-              </a:spcBef>
-              <a:buNone/>
-            </a:pPr>
-            <a:endParaRPr b="0" lang="en-US" sz="2000" spc="-1" strike="noStrike">
-              <a:solidFill>
-                <a:srgbClr val="000000"/>
-              </a:solidFill>
-              <a:latin typeface="Rockwell"/>
+            <a:endParaRPr b="0" lang="en-IE" sz="3200" spc="-1" strike="noStrike">
+              <a:latin typeface="Arial"/>
             </a:endParaRPr>
           </a:p>
         </p:txBody>
@@ -1362,8 +1529,8 @@
         </p:nvSpPr>
         <p:spPr>
           <a:xfrm>
-            <a:off x="4470840" y="4237200"/>
-            <a:ext cx="3238560" cy="1931760"/>
+            <a:off x="4319640" y="3682080"/>
+            <a:ext cx="3533040" cy="1896840"/>
           </a:xfrm>
           <a:prstGeom prst="rect">
             <a:avLst/>
@@ -1378,20 +1545,8 @@
             <a:normAutofit/>
           </a:bodyPr>
           <a:p>
-            <a:pPr>
-              <a:lnSpc>
-                <a:spcPct val="90000"/>
-              </a:lnSpc>
-              <a:spcBef>
-                <a:spcPts val="1417"/>
-              </a:spcBef>
-              <a:buNone/>
-            </a:pPr>
-            <a:endParaRPr b="0" lang="en-US" sz="2000" spc="-1" strike="noStrike">
-              <a:solidFill>
-                <a:srgbClr val="000000"/>
-              </a:solidFill>
-              <a:latin typeface="Rockwell"/>
+            <a:endParaRPr b="0" lang="en-IE" sz="3200" spc="-1" strike="noStrike">
+              <a:latin typeface="Arial"/>
             </a:endParaRPr>
           </a:p>
         </p:txBody>
@@ -1408,8 +1563,8 @@
         </p:nvSpPr>
         <p:spPr>
           <a:xfrm>
-            <a:off x="7871760" y="4237200"/>
-            <a:ext cx="3238560" cy="1931760"/>
+            <a:off x="8029800" y="3682080"/>
+            <a:ext cx="3533040" cy="1896840"/>
           </a:xfrm>
           <a:prstGeom prst="rect">
             <a:avLst/>
@@ -1424,20 +1579,8 @@
             <a:normAutofit/>
           </a:bodyPr>
           <a:p>
-            <a:pPr>
-              <a:lnSpc>
-                <a:spcPct val="90000"/>
-              </a:lnSpc>
-              <a:spcBef>
-                <a:spcPts val="1417"/>
-              </a:spcBef>
-              <a:buNone/>
-            </a:pPr>
-            <a:endParaRPr b="0" lang="en-US" sz="2000" spc="-1" strike="noStrike">
-              <a:solidFill>
-                <a:srgbClr val="000000"/>
-              </a:solidFill>
-              <a:latin typeface="Rockwell"/>
+            <a:endParaRPr b="0" lang="en-IE" sz="3200" spc="-1" strike="noStrike">
+              <a:latin typeface="Arial"/>
             </a:endParaRPr>
           </a:p>
         </p:txBody>
@@ -1449,7 +1592,7 @@
             <a:spLocks noGrp="1"/>
           </p:cNvSpPr>
           <p:nvPr>
-            <p:ph type="ftr" idx="2"/>
+            <p:ph type="ftr" idx="1"/>
           </p:nvPr>
         </p:nvSpPr>
         <p:spPr/>
@@ -1469,14 +1612,14 @@
             <a:spLocks noGrp="1"/>
           </p:cNvSpPr>
           <p:nvPr>
-            <p:ph type="sldNum" idx="3"/>
+            <p:ph type="sldNum" idx="2"/>
           </p:nvPr>
         </p:nvSpPr>
         <p:spPr/>
         <p:txBody>
           <a:bodyPr/>
           <a:p>
-            <a:fld id="{70765B81-3DC2-4E62-B4F3-DE2E5D7A31B4}" type="slidenum">
+            <a:fld id="{D4025613-BAD5-48B2-AFB3-44F6353C9EF2}" type="slidenum">
               <a:t>&lt;#&gt;</a:t>
             </a:fld>
           </a:p>
@@ -1489,7 +1632,7 @@
             <a:spLocks noGrp="1"/>
           </p:cNvSpPr>
           <p:nvPr>
-            <p:ph type="dt" idx="1"/>
+            <p:ph type="dt" idx="3"/>
           </p:nvPr>
         </p:nvSpPr>
         <p:spPr/>
@@ -1532,7 +1675,7 @@
             <a:spLocks noGrp="1"/>
           </p:cNvSpPr>
           <p:nvPr>
-            <p:ph type="ftr" idx="5"/>
+            <p:ph type="ftr" idx="4"/>
           </p:nvPr>
         </p:nvSpPr>
         <p:spPr/>
@@ -1552,14 +1695,14 @@
             <a:spLocks noGrp="1"/>
           </p:cNvSpPr>
           <p:nvPr>
-            <p:ph type="sldNum" idx="6"/>
+            <p:ph type="sldNum" idx="5"/>
           </p:nvPr>
         </p:nvSpPr>
         <p:spPr/>
         <p:txBody>
           <a:bodyPr/>
           <a:p>
-            <a:fld id="{D79FE38E-04F3-4E02-86A0-CFA4D502D88F}" type="slidenum">
+            <a:fld id="{1E5072AA-55F0-4FE6-A7AB-8F335D6F4F54}" type="slidenum">
               <a:t>&lt;#&gt;</a:t>
             </a:fld>
           </a:p>
@@ -1572,7 +1715,7 @@
             <a:spLocks noGrp="1"/>
           </p:cNvSpPr>
           <p:nvPr>
-            <p:ph type="dt" idx="4"/>
+            <p:ph type="dt" idx="6"/>
           </p:nvPr>
         </p:nvSpPr>
         <p:spPr/>
@@ -1620,8 +1763,8 @@
         </p:nvSpPr>
         <p:spPr>
           <a:xfrm>
-            <a:off x="1069920" y="484560"/>
-            <a:ext cx="10058040" cy="1608840"/>
+            <a:off x="609480" y="273600"/>
+            <a:ext cx="10972440" cy="1144800"/>
           </a:xfrm>
           <a:prstGeom prst="rect">
             <a:avLst/>
@@ -1636,11 +1779,11 @@
             <a:noAutofit/>
           </a:bodyPr>
           <a:p>
-            <a:endParaRPr b="0" lang="en-US" sz="1800" spc="-1" strike="noStrike">
-              <a:solidFill>
-                <a:srgbClr val="000000"/>
-              </a:solidFill>
-              <a:latin typeface="Rockwell"/>
+            <a:pPr algn="ctr">
+              <a:buNone/>
+            </a:pPr>
+            <a:endParaRPr b="0" lang="en-IE" sz="4400" spc="-1" strike="noStrike">
+              <a:latin typeface="Arial"/>
             </a:endParaRPr>
           </a:p>
         </p:txBody>
@@ -1657,8 +1800,8 @@
         </p:nvSpPr>
         <p:spPr>
           <a:xfrm>
-            <a:off x="1069920" y="2121480"/>
-            <a:ext cx="10058040" cy="4050360"/>
+            <a:off x="609480" y="1604520"/>
+            <a:ext cx="10972440" cy="3977280"/>
           </a:xfrm>
           <a:prstGeom prst="rect">
             <a:avLst/>
@@ -1689,7 +1832,7 @@
             <a:spLocks noGrp="1"/>
           </p:cNvSpPr>
           <p:nvPr>
-            <p:ph type="ftr" idx="5"/>
+            <p:ph type="ftr" idx="4"/>
           </p:nvPr>
         </p:nvSpPr>
         <p:spPr/>
@@ -1709,14 +1852,14 @@
             <a:spLocks noGrp="1"/>
           </p:cNvSpPr>
           <p:nvPr>
-            <p:ph type="sldNum" idx="6"/>
+            <p:ph type="sldNum" idx="5"/>
           </p:nvPr>
         </p:nvSpPr>
         <p:spPr/>
         <p:txBody>
           <a:bodyPr/>
           <a:p>
-            <a:fld id="{AC04F877-7297-4C0E-A371-D9CBD25461A7}" type="slidenum">
+            <a:fld id="{DE0CD644-26FD-4892-ABCE-3E3AEC188A0B}" type="slidenum">
               <a:t>&lt;#&gt;</a:t>
             </a:fld>
           </a:p>
@@ -1729,7 +1872,7 @@
             <a:spLocks noGrp="1"/>
           </p:cNvSpPr>
           <p:nvPr>
-            <p:ph type="dt" idx="4"/>
+            <p:ph type="dt" idx="6"/>
           </p:nvPr>
         </p:nvSpPr>
         <p:spPr/>
@@ -1777,8 +1920,8 @@
         </p:nvSpPr>
         <p:spPr>
           <a:xfrm>
-            <a:off x="1069920" y="484560"/>
-            <a:ext cx="10058040" cy="1608840"/>
+            <a:off x="609480" y="273600"/>
+            <a:ext cx="10972440" cy="1144800"/>
           </a:xfrm>
           <a:prstGeom prst="rect">
             <a:avLst/>
@@ -1793,11 +1936,11 @@
             <a:noAutofit/>
           </a:bodyPr>
           <a:p>
-            <a:endParaRPr b="0" lang="en-US" sz="1800" spc="-1" strike="noStrike">
-              <a:solidFill>
-                <a:srgbClr val="000000"/>
-              </a:solidFill>
-              <a:latin typeface="Rockwell"/>
+            <a:pPr algn="ctr">
+              <a:buNone/>
+            </a:pPr>
+            <a:endParaRPr b="0" lang="en-IE" sz="4400" spc="-1" strike="noStrike">
+              <a:latin typeface="Arial"/>
             </a:endParaRPr>
           </a:p>
         </p:txBody>
@@ -1814,8 +1957,8 @@
         </p:nvSpPr>
         <p:spPr>
           <a:xfrm>
-            <a:off x="1069920" y="2121480"/>
-            <a:ext cx="10058040" cy="4050360"/>
+            <a:off x="609480" y="1604520"/>
+            <a:ext cx="10972440" cy="3977280"/>
           </a:xfrm>
           <a:prstGeom prst="rect">
             <a:avLst/>
@@ -1830,20 +1973,8 @@
             <a:normAutofit/>
           </a:bodyPr>
           <a:p>
-            <a:pPr>
-              <a:lnSpc>
-                <a:spcPct val="90000"/>
-              </a:lnSpc>
-              <a:spcBef>
-                <a:spcPts val="1417"/>
-              </a:spcBef>
-              <a:buNone/>
-            </a:pPr>
-            <a:endParaRPr b="0" lang="en-US" sz="2000" spc="-1" strike="noStrike">
-              <a:solidFill>
-                <a:srgbClr val="000000"/>
-              </a:solidFill>
-              <a:latin typeface="Rockwell"/>
+            <a:endParaRPr b="0" lang="en-IE" sz="3200" spc="-1" strike="noStrike">
+              <a:latin typeface="Arial"/>
             </a:endParaRPr>
           </a:p>
         </p:txBody>
@@ -1855,7 +1986,7 @@
             <a:spLocks noGrp="1"/>
           </p:cNvSpPr>
           <p:nvPr>
-            <p:ph type="ftr" idx="5"/>
+            <p:ph type="ftr" idx="4"/>
           </p:nvPr>
         </p:nvSpPr>
         <p:spPr/>
@@ -1875,14 +2006,14 @@
             <a:spLocks noGrp="1"/>
           </p:cNvSpPr>
           <p:nvPr>
-            <p:ph type="sldNum" idx="6"/>
+            <p:ph type="sldNum" idx="5"/>
           </p:nvPr>
         </p:nvSpPr>
         <p:spPr/>
         <p:txBody>
           <a:bodyPr/>
           <a:p>
-            <a:fld id="{20B4A457-35FE-4B18-BD1A-B07107ECE38B}" type="slidenum">
+            <a:fld id="{79D0E5D4-8759-4151-AA54-3A14B9681118}" type="slidenum">
               <a:t>&lt;#&gt;</a:t>
             </a:fld>
           </a:p>
@@ -1895,7 +2026,7 @@
             <a:spLocks noGrp="1"/>
           </p:cNvSpPr>
           <p:nvPr>
-            <p:ph type="dt" idx="4"/>
+            <p:ph type="dt" idx="6"/>
           </p:nvPr>
         </p:nvSpPr>
         <p:spPr/>
@@ -1943,8 +2074,8 @@
         </p:nvSpPr>
         <p:spPr>
           <a:xfrm>
-            <a:off x="1069920" y="484560"/>
-            <a:ext cx="10058040" cy="1608840"/>
+            <a:off x="609480" y="273600"/>
+            <a:ext cx="10972440" cy="1144800"/>
           </a:xfrm>
           <a:prstGeom prst="rect">
             <a:avLst/>
@@ -1959,11 +2090,11 @@
             <a:noAutofit/>
           </a:bodyPr>
           <a:p>
-            <a:endParaRPr b="0" lang="en-US" sz="1800" spc="-1" strike="noStrike">
-              <a:solidFill>
-                <a:srgbClr val="000000"/>
-              </a:solidFill>
-              <a:latin typeface="Rockwell"/>
+            <a:pPr algn="ctr">
+              <a:buNone/>
+            </a:pPr>
+            <a:endParaRPr b="0" lang="en-IE" sz="4400" spc="-1" strike="noStrike">
+              <a:latin typeface="Arial"/>
             </a:endParaRPr>
           </a:p>
         </p:txBody>
@@ -1980,8 +2111,8 @@
         </p:nvSpPr>
         <p:spPr>
           <a:xfrm>
-            <a:off x="1069920" y="2121480"/>
-            <a:ext cx="4908240" cy="4050360"/>
+            <a:off x="609480" y="1604520"/>
+            <a:ext cx="5354280" cy="3977280"/>
           </a:xfrm>
           <a:prstGeom prst="rect">
             <a:avLst/>
@@ -1996,20 +2127,8 @@
             <a:normAutofit/>
           </a:bodyPr>
           <a:p>
-            <a:pPr>
-              <a:lnSpc>
-                <a:spcPct val="90000"/>
-              </a:lnSpc>
-              <a:spcBef>
-                <a:spcPts val="1417"/>
-              </a:spcBef>
-              <a:buNone/>
-            </a:pPr>
-            <a:endParaRPr b="0" lang="en-US" sz="2000" spc="-1" strike="noStrike">
-              <a:solidFill>
-                <a:srgbClr val="000000"/>
-              </a:solidFill>
-              <a:latin typeface="Rockwell"/>
+            <a:endParaRPr b="0" lang="en-IE" sz="3200" spc="-1" strike="noStrike">
+              <a:latin typeface="Arial"/>
             </a:endParaRPr>
           </a:p>
         </p:txBody>
@@ -2026,8 +2145,8 @@
         </p:nvSpPr>
         <p:spPr>
           <a:xfrm>
-            <a:off x="6224040" y="2121480"/>
-            <a:ext cx="4908240" cy="4050360"/>
+            <a:off x="6231960" y="1604520"/>
+            <a:ext cx="5354280" cy="3977280"/>
           </a:xfrm>
           <a:prstGeom prst="rect">
             <a:avLst/>
@@ -2042,20 +2161,8 @@
             <a:normAutofit/>
           </a:bodyPr>
           <a:p>
-            <a:pPr>
-              <a:lnSpc>
-                <a:spcPct val="90000"/>
-              </a:lnSpc>
-              <a:spcBef>
-                <a:spcPts val="1417"/>
-              </a:spcBef>
-              <a:buNone/>
-            </a:pPr>
-            <a:endParaRPr b="0" lang="en-US" sz="2000" spc="-1" strike="noStrike">
-              <a:solidFill>
-                <a:srgbClr val="000000"/>
-              </a:solidFill>
-              <a:latin typeface="Rockwell"/>
+            <a:endParaRPr b="0" lang="en-IE" sz="3200" spc="-1" strike="noStrike">
+              <a:latin typeface="Arial"/>
             </a:endParaRPr>
           </a:p>
         </p:txBody>
@@ -2067,7 +2174,7 @@
             <a:spLocks noGrp="1"/>
           </p:cNvSpPr>
           <p:nvPr>
-            <p:ph type="ftr" idx="5"/>
+            <p:ph type="ftr" idx="4"/>
           </p:nvPr>
         </p:nvSpPr>
         <p:spPr/>
@@ -2087,14 +2194,14 @@
             <a:spLocks noGrp="1"/>
           </p:cNvSpPr>
           <p:nvPr>
-            <p:ph type="sldNum" idx="6"/>
+            <p:ph type="sldNum" idx="5"/>
           </p:nvPr>
         </p:nvSpPr>
         <p:spPr/>
         <p:txBody>
           <a:bodyPr/>
           <a:p>
-            <a:fld id="{87B72B6D-CDB8-40DB-B665-C161DE718712}" type="slidenum">
+            <a:fld id="{FF35E0CF-0024-4447-9BC5-480FB2EED0FB}" type="slidenum">
               <a:t>&lt;#&gt;</a:t>
             </a:fld>
           </a:p>
@@ -2107,7 +2214,7 @@
             <a:spLocks noGrp="1"/>
           </p:cNvSpPr>
           <p:nvPr>
-            <p:ph type="dt" idx="4"/>
+            <p:ph type="dt" idx="6"/>
           </p:nvPr>
         </p:nvSpPr>
         <p:spPr/>
@@ -2155,8 +2262,8 @@
         </p:nvSpPr>
         <p:spPr>
           <a:xfrm>
-            <a:off x="1069920" y="484560"/>
-            <a:ext cx="10058040" cy="1608840"/>
+            <a:off x="609480" y="273600"/>
+            <a:ext cx="10972440" cy="1144800"/>
           </a:xfrm>
           <a:prstGeom prst="rect">
             <a:avLst/>
@@ -2171,11 +2278,11 @@
             <a:noAutofit/>
           </a:bodyPr>
           <a:p>
-            <a:endParaRPr b="0" lang="en-US" sz="1800" spc="-1" strike="noStrike">
-              <a:solidFill>
-                <a:srgbClr val="000000"/>
-              </a:solidFill>
-              <a:latin typeface="Rockwell"/>
+            <a:pPr algn="ctr">
+              <a:buNone/>
+            </a:pPr>
+            <a:endParaRPr b="0" lang="en-IE" sz="4400" spc="-1" strike="noStrike">
+              <a:latin typeface="Arial"/>
             </a:endParaRPr>
           </a:p>
         </p:txBody>
@@ -2187,7 +2294,7 @@
             <a:spLocks noGrp="1"/>
           </p:cNvSpPr>
           <p:nvPr>
-            <p:ph type="ftr" idx="5"/>
+            <p:ph type="ftr" idx="4"/>
           </p:nvPr>
         </p:nvSpPr>
         <p:spPr/>
@@ -2207,14 +2314,14 @@
             <a:spLocks noGrp="1"/>
           </p:cNvSpPr>
           <p:nvPr>
-            <p:ph type="sldNum" idx="6"/>
+            <p:ph type="sldNum" idx="5"/>
           </p:nvPr>
         </p:nvSpPr>
         <p:spPr/>
         <p:txBody>
           <a:bodyPr/>
           <a:p>
-            <a:fld id="{A6352672-E9DC-4D0E-8FF6-6687EEAE6168}" type="slidenum">
+            <a:fld id="{977C4C31-8E62-4712-AC7B-88BB71A4C95D}" type="slidenum">
               <a:t>&lt;#&gt;</a:t>
             </a:fld>
           </a:p>
@@ -2227,7 +2334,7 @@
             <a:spLocks noGrp="1"/>
           </p:cNvSpPr>
           <p:nvPr>
-            <p:ph type="dt" idx="4"/>
+            <p:ph type="dt" idx="6"/>
           </p:nvPr>
         </p:nvSpPr>
         <p:spPr/>
@@ -2275,8 +2382,8 @@
         </p:nvSpPr>
         <p:spPr>
           <a:xfrm>
-            <a:off x="1069920" y="484560"/>
-            <a:ext cx="10058040" cy="7458840"/>
+            <a:off x="609480" y="273600"/>
+            <a:ext cx="10972440" cy="5307840"/>
           </a:xfrm>
           <a:prstGeom prst="rect">
             <a:avLst/>
@@ -2307,7 +2414,7 @@
             <a:spLocks noGrp="1"/>
           </p:cNvSpPr>
           <p:nvPr>
-            <p:ph type="ftr" idx="5"/>
+            <p:ph type="ftr" idx="4"/>
           </p:nvPr>
         </p:nvSpPr>
         <p:spPr/>
@@ -2327,14 +2434,14 @@
             <a:spLocks noGrp="1"/>
           </p:cNvSpPr>
           <p:nvPr>
-            <p:ph type="sldNum" idx="6"/>
+            <p:ph type="sldNum" idx="5"/>
           </p:nvPr>
         </p:nvSpPr>
         <p:spPr/>
         <p:txBody>
           <a:bodyPr/>
           <a:p>
-            <a:fld id="{28A68B68-0CCD-45C9-B6B1-F13C73B4CC0F}" type="slidenum">
+            <a:fld id="{B85B212E-5C70-42B6-AD83-272CB8F37F17}" type="slidenum">
               <a:t>&lt;#&gt;</a:t>
             </a:fld>
           </a:p>
@@ -2347,7 +2454,7 @@
             <a:spLocks noGrp="1"/>
           </p:cNvSpPr>
           <p:nvPr>
-            <p:ph type="dt" idx="4"/>
+            <p:ph type="dt" idx="6"/>
           </p:nvPr>
         </p:nvSpPr>
         <p:spPr/>
@@ -2395,8 +2502,8 @@
         </p:nvSpPr>
         <p:spPr>
           <a:xfrm>
-            <a:off x="1069920" y="484560"/>
-            <a:ext cx="10058040" cy="1608840"/>
+            <a:off x="609480" y="273600"/>
+            <a:ext cx="10972440" cy="1144800"/>
           </a:xfrm>
           <a:prstGeom prst="rect">
             <a:avLst/>
@@ -2411,11 +2518,11 @@
             <a:noAutofit/>
           </a:bodyPr>
           <a:p>
-            <a:endParaRPr b="0" lang="en-US" sz="1800" spc="-1" strike="noStrike">
-              <a:solidFill>
-                <a:srgbClr val="000000"/>
-              </a:solidFill>
-              <a:latin typeface="Rockwell"/>
+            <a:pPr algn="ctr">
+              <a:buNone/>
+            </a:pPr>
+            <a:endParaRPr b="0" lang="en-IE" sz="4400" spc="-1" strike="noStrike">
+              <a:latin typeface="Arial"/>
             </a:endParaRPr>
           </a:p>
         </p:txBody>
@@ -2432,8 +2539,8 @@
         </p:nvSpPr>
         <p:spPr>
           <a:xfrm>
-            <a:off x="1069920" y="2121480"/>
-            <a:ext cx="4908240" cy="1931760"/>
+            <a:off x="609480" y="1604520"/>
+            <a:ext cx="5354280" cy="1896840"/>
           </a:xfrm>
           <a:prstGeom prst="rect">
             <a:avLst/>
@@ -2448,20 +2555,8 @@
             <a:normAutofit/>
           </a:bodyPr>
           <a:p>
-            <a:pPr>
-              <a:lnSpc>
-                <a:spcPct val="90000"/>
-              </a:lnSpc>
-              <a:spcBef>
-                <a:spcPts val="1417"/>
-              </a:spcBef>
-              <a:buNone/>
-            </a:pPr>
-            <a:endParaRPr b="0" lang="en-US" sz="2000" spc="-1" strike="noStrike">
-              <a:solidFill>
-                <a:srgbClr val="000000"/>
-              </a:solidFill>
-              <a:latin typeface="Rockwell"/>
+            <a:endParaRPr b="0" lang="en-IE" sz="3200" spc="-1" strike="noStrike">
+              <a:latin typeface="Arial"/>
             </a:endParaRPr>
           </a:p>
         </p:txBody>
@@ -2478,8 +2573,8 @@
         </p:nvSpPr>
         <p:spPr>
           <a:xfrm>
-            <a:off x="6224040" y="2121480"/>
-            <a:ext cx="4908240" cy="4050360"/>
+            <a:off x="6231960" y="1604520"/>
+            <a:ext cx="5354280" cy="3977280"/>
           </a:xfrm>
           <a:prstGeom prst="rect">
             <a:avLst/>
@@ -2494,20 +2589,8 @@
             <a:normAutofit/>
           </a:bodyPr>
           <a:p>
-            <a:pPr>
-              <a:lnSpc>
-                <a:spcPct val="90000"/>
-              </a:lnSpc>
-              <a:spcBef>
-                <a:spcPts val="1417"/>
-              </a:spcBef>
-              <a:buNone/>
-            </a:pPr>
-            <a:endParaRPr b="0" lang="en-US" sz="2000" spc="-1" strike="noStrike">
-              <a:solidFill>
-                <a:srgbClr val="000000"/>
-              </a:solidFill>
-              <a:latin typeface="Rockwell"/>
+            <a:endParaRPr b="0" lang="en-IE" sz="3200" spc="-1" strike="noStrike">
+              <a:latin typeface="Arial"/>
             </a:endParaRPr>
           </a:p>
         </p:txBody>
@@ -2524,8 +2607,8 @@
         </p:nvSpPr>
         <p:spPr>
           <a:xfrm>
-            <a:off x="1069920" y="4237200"/>
-            <a:ext cx="4908240" cy="1931760"/>
+            <a:off x="609480" y="3682080"/>
+            <a:ext cx="5354280" cy="1896840"/>
           </a:xfrm>
           <a:prstGeom prst="rect">
             <a:avLst/>
@@ -2540,20 +2623,8 @@
             <a:normAutofit/>
           </a:bodyPr>
           <a:p>
-            <a:pPr>
-              <a:lnSpc>
-                <a:spcPct val="90000"/>
-              </a:lnSpc>
-              <a:spcBef>
-                <a:spcPts val="1417"/>
-              </a:spcBef>
-              <a:buNone/>
-            </a:pPr>
-            <a:endParaRPr b="0" lang="en-US" sz="2000" spc="-1" strike="noStrike">
-              <a:solidFill>
-                <a:srgbClr val="000000"/>
-              </a:solidFill>
-              <a:latin typeface="Rockwell"/>
+            <a:endParaRPr b="0" lang="en-IE" sz="3200" spc="-1" strike="noStrike">
+              <a:latin typeface="Arial"/>
             </a:endParaRPr>
           </a:p>
         </p:txBody>
@@ -2565,7 +2636,7 @@
             <a:spLocks noGrp="1"/>
           </p:cNvSpPr>
           <p:nvPr>
-            <p:ph type="ftr" idx="5"/>
+            <p:ph type="ftr" idx="4"/>
           </p:nvPr>
         </p:nvSpPr>
         <p:spPr/>
@@ -2585,14 +2656,14 @@
             <a:spLocks noGrp="1"/>
           </p:cNvSpPr>
           <p:nvPr>
-            <p:ph type="sldNum" idx="6"/>
+            <p:ph type="sldNum" idx="5"/>
           </p:nvPr>
         </p:nvSpPr>
         <p:spPr/>
         <p:txBody>
           <a:bodyPr/>
           <a:p>
-            <a:fld id="{2D10C79E-93FA-4653-88F0-F5B304FC1E4B}" type="slidenum">
+            <a:fld id="{B43DD24F-470F-46F5-B7CD-3E7A3AA3E9D7}" type="slidenum">
               <a:t>&lt;#&gt;</a:t>
             </a:fld>
           </a:p>
@@ -2605,7 +2676,7 @@
             <a:spLocks noGrp="1"/>
           </p:cNvSpPr>
           <p:nvPr>
-            <p:ph type="dt" idx="4"/>
+            <p:ph type="dt" idx="6"/>
           </p:nvPr>
         </p:nvSpPr>
         <p:spPr/>
@@ -2653,8 +2724,8 @@
         </p:nvSpPr>
         <p:spPr>
           <a:xfrm>
-            <a:off x="1069920" y="484560"/>
-            <a:ext cx="10058040" cy="1608840"/>
+            <a:off x="609480" y="273600"/>
+            <a:ext cx="10972440" cy="1144800"/>
           </a:xfrm>
           <a:prstGeom prst="rect">
             <a:avLst/>
@@ -2669,11 +2740,11 @@
             <a:noAutofit/>
           </a:bodyPr>
           <a:p>
-            <a:endParaRPr b="0" lang="en-US" sz="1800" spc="-1" strike="noStrike">
-              <a:solidFill>
-                <a:srgbClr val="000000"/>
-              </a:solidFill>
-              <a:latin typeface="Rockwell"/>
+            <a:pPr algn="ctr">
+              <a:buNone/>
+            </a:pPr>
+            <a:endParaRPr b="0" lang="en-IE" sz="4400" spc="-1" strike="noStrike">
+              <a:latin typeface="Arial"/>
             </a:endParaRPr>
           </a:p>
         </p:txBody>
@@ -2690,8 +2761,8 @@
         </p:nvSpPr>
         <p:spPr>
           <a:xfrm>
-            <a:off x="1069920" y="2121480"/>
-            <a:ext cx="10058040" cy="4050360"/>
+            <a:off x="609480" y="1604520"/>
+            <a:ext cx="10972440" cy="3977280"/>
           </a:xfrm>
           <a:prstGeom prst="rect">
             <a:avLst/>
@@ -2722,7 +2793,7 @@
             <a:spLocks noGrp="1"/>
           </p:cNvSpPr>
           <p:nvPr>
-            <p:ph type="ftr" idx="2"/>
+            <p:ph type="ftr" idx="1"/>
           </p:nvPr>
         </p:nvSpPr>
         <p:spPr/>
@@ -2742,14 +2813,14 @@
             <a:spLocks noGrp="1"/>
           </p:cNvSpPr>
           <p:nvPr>
-            <p:ph type="sldNum" idx="3"/>
+            <p:ph type="sldNum" idx="2"/>
           </p:nvPr>
         </p:nvSpPr>
         <p:spPr/>
         <p:txBody>
           <a:bodyPr/>
           <a:p>
-            <a:fld id="{701FE19D-384D-4E46-A698-811C307E5CB8}" type="slidenum">
+            <a:fld id="{1E19545E-CF9E-458B-9B51-C1FB34625048}" type="slidenum">
               <a:t>&lt;#&gt;</a:t>
             </a:fld>
           </a:p>
@@ -2762,7 +2833,7 @@
             <a:spLocks noGrp="1"/>
           </p:cNvSpPr>
           <p:nvPr>
-            <p:ph type="dt" idx="1"/>
+            <p:ph type="dt" idx="3"/>
           </p:nvPr>
         </p:nvSpPr>
         <p:spPr/>
@@ -2810,8 +2881,8 @@
         </p:nvSpPr>
         <p:spPr>
           <a:xfrm>
-            <a:off x="1069920" y="484560"/>
-            <a:ext cx="10058040" cy="1608840"/>
+            <a:off x="609480" y="273600"/>
+            <a:ext cx="10972440" cy="1144800"/>
           </a:xfrm>
           <a:prstGeom prst="rect">
             <a:avLst/>
@@ -2826,11 +2897,11 @@
             <a:noAutofit/>
           </a:bodyPr>
           <a:p>
-            <a:endParaRPr b="0" lang="en-US" sz="1800" spc="-1" strike="noStrike">
-              <a:solidFill>
-                <a:srgbClr val="000000"/>
-              </a:solidFill>
-              <a:latin typeface="Rockwell"/>
+            <a:pPr algn="ctr">
+              <a:buNone/>
+            </a:pPr>
+            <a:endParaRPr b="0" lang="en-IE" sz="4400" spc="-1" strike="noStrike">
+              <a:latin typeface="Arial"/>
             </a:endParaRPr>
           </a:p>
         </p:txBody>
@@ -2847,8 +2918,8 @@
         </p:nvSpPr>
         <p:spPr>
           <a:xfrm>
-            <a:off x="1069920" y="2121480"/>
-            <a:ext cx="4908240" cy="4050360"/>
+            <a:off x="609480" y="1604520"/>
+            <a:ext cx="5354280" cy="3977280"/>
           </a:xfrm>
           <a:prstGeom prst="rect">
             <a:avLst/>
@@ -2863,20 +2934,8 @@
             <a:normAutofit/>
           </a:bodyPr>
           <a:p>
-            <a:pPr>
-              <a:lnSpc>
-                <a:spcPct val="90000"/>
-              </a:lnSpc>
-              <a:spcBef>
-                <a:spcPts val="1417"/>
-              </a:spcBef>
-              <a:buNone/>
-            </a:pPr>
-            <a:endParaRPr b="0" lang="en-US" sz="2000" spc="-1" strike="noStrike">
-              <a:solidFill>
-                <a:srgbClr val="000000"/>
-              </a:solidFill>
-              <a:latin typeface="Rockwell"/>
+            <a:endParaRPr b="0" lang="en-IE" sz="3200" spc="-1" strike="noStrike">
+              <a:latin typeface="Arial"/>
             </a:endParaRPr>
           </a:p>
         </p:txBody>
@@ -2893,8 +2952,8 @@
         </p:nvSpPr>
         <p:spPr>
           <a:xfrm>
-            <a:off x="6224040" y="2121480"/>
-            <a:ext cx="4908240" cy="1931760"/>
+            <a:off x="6231960" y="1604520"/>
+            <a:ext cx="5354280" cy="1896840"/>
           </a:xfrm>
           <a:prstGeom prst="rect">
             <a:avLst/>
@@ -2909,20 +2968,8 @@
             <a:normAutofit/>
           </a:bodyPr>
           <a:p>
-            <a:pPr>
-              <a:lnSpc>
-                <a:spcPct val="90000"/>
-              </a:lnSpc>
-              <a:spcBef>
-                <a:spcPts val="1417"/>
-              </a:spcBef>
-              <a:buNone/>
-            </a:pPr>
-            <a:endParaRPr b="0" lang="en-US" sz="2000" spc="-1" strike="noStrike">
-              <a:solidFill>
-                <a:srgbClr val="000000"/>
-              </a:solidFill>
-              <a:latin typeface="Rockwell"/>
+            <a:endParaRPr b="0" lang="en-IE" sz="3200" spc="-1" strike="noStrike">
+              <a:latin typeface="Arial"/>
             </a:endParaRPr>
           </a:p>
         </p:txBody>
@@ -2939,8 +2986,8 @@
         </p:nvSpPr>
         <p:spPr>
           <a:xfrm>
-            <a:off x="6224040" y="4237200"/>
-            <a:ext cx="4908240" cy="1931760"/>
+            <a:off x="6231960" y="3682080"/>
+            <a:ext cx="5354280" cy="1896840"/>
           </a:xfrm>
           <a:prstGeom prst="rect">
             <a:avLst/>
@@ -2955,20 +3002,8 @@
             <a:normAutofit/>
           </a:bodyPr>
           <a:p>
-            <a:pPr>
-              <a:lnSpc>
-                <a:spcPct val="90000"/>
-              </a:lnSpc>
-              <a:spcBef>
-                <a:spcPts val="1417"/>
-              </a:spcBef>
-              <a:buNone/>
-            </a:pPr>
-            <a:endParaRPr b="0" lang="en-US" sz="2000" spc="-1" strike="noStrike">
-              <a:solidFill>
-                <a:srgbClr val="000000"/>
-              </a:solidFill>
-              <a:latin typeface="Rockwell"/>
+            <a:endParaRPr b="0" lang="en-IE" sz="3200" spc="-1" strike="noStrike">
+              <a:latin typeface="Arial"/>
             </a:endParaRPr>
           </a:p>
         </p:txBody>
@@ -2980,7 +3015,7 @@
             <a:spLocks noGrp="1"/>
           </p:cNvSpPr>
           <p:nvPr>
-            <p:ph type="ftr" idx="5"/>
+            <p:ph type="ftr" idx="4"/>
           </p:nvPr>
         </p:nvSpPr>
         <p:spPr/>
@@ -3000,14 +3035,14 @@
             <a:spLocks noGrp="1"/>
           </p:cNvSpPr>
           <p:nvPr>
-            <p:ph type="sldNum" idx="6"/>
+            <p:ph type="sldNum" idx="5"/>
           </p:nvPr>
         </p:nvSpPr>
         <p:spPr/>
         <p:txBody>
           <a:bodyPr/>
           <a:p>
-            <a:fld id="{736DB6C6-37E8-46EF-9145-AE61AD71F9D6}" type="slidenum">
+            <a:fld id="{EC520818-3882-4E01-82FF-2C85A88C130E}" type="slidenum">
               <a:t>&lt;#&gt;</a:t>
             </a:fld>
           </a:p>
@@ -3020,7 +3055,7 @@
             <a:spLocks noGrp="1"/>
           </p:cNvSpPr>
           <p:nvPr>
-            <p:ph type="dt" idx="4"/>
+            <p:ph type="dt" idx="6"/>
           </p:nvPr>
         </p:nvSpPr>
         <p:spPr/>
@@ -3068,8 +3103,8 @@
         </p:nvSpPr>
         <p:spPr>
           <a:xfrm>
-            <a:off x="1069920" y="484560"/>
-            <a:ext cx="10058040" cy="1608840"/>
+            <a:off x="609480" y="273600"/>
+            <a:ext cx="10972440" cy="1144800"/>
           </a:xfrm>
           <a:prstGeom prst="rect">
             <a:avLst/>
@@ -3084,11 +3119,11 @@
             <a:noAutofit/>
           </a:bodyPr>
           <a:p>
-            <a:endParaRPr b="0" lang="en-US" sz="1800" spc="-1" strike="noStrike">
-              <a:solidFill>
-                <a:srgbClr val="000000"/>
-              </a:solidFill>
-              <a:latin typeface="Rockwell"/>
+            <a:pPr algn="ctr">
+              <a:buNone/>
+            </a:pPr>
+            <a:endParaRPr b="0" lang="en-IE" sz="4400" spc="-1" strike="noStrike">
+              <a:latin typeface="Arial"/>
             </a:endParaRPr>
           </a:p>
         </p:txBody>
@@ -3105,8 +3140,8 @@
         </p:nvSpPr>
         <p:spPr>
           <a:xfrm>
-            <a:off x="1069920" y="2121480"/>
-            <a:ext cx="4908240" cy="1931760"/>
+            <a:off x="609480" y="1604520"/>
+            <a:ext cx="5354280" cy="1896840"/>
           </a:xfrm>
           <a:prstGeom prst="rect">
             <a:avLst/>
@@ -3121,20 +3156,8 @@
             <a:normAutofit/>
           </a:bodyPr>
           <a:p>
-            <a:pPr>
-              <a:lnSpc>
-                <a:spcPct val="90000"/>
-              </a:lnSpc>
-              <a:spcBef>
-                <a:spcPts val="1417"/>
-              </a:spcBef>
-              <a:buNone/>
-            </a:pPr>
-            <a:endParaRPr b="0" lang="en-US" sz="2000" spc="-1" strike="noStrike">
-              <a:solidFill>
-                <a:srgbClr val="000000"/>
-              </a:solidFill>
-              <a:latin typeface="Rockwell"/>
+            <a:endParaRPr b="0" lang="en-IE" sz="3200" spc="-1" strike="noStrike">
+              <a:latin typeface="Arial"/>
             </a:endParaRPr>
           </a:p>
         </p:txBody>
@@ -3151,8 +3174,8 @@
         </p:nvSpPr>
         <p:spPr>
           <a:xfrm>
-            <a:off x="6224040" y="2121480"/>
-            <a:ext cx="4908240" cy="1931760"/>
+            <a:off x="6231960" y="1604520"/>
+            <a:ext cx="5354280" cy="1896840"/>
           </a:xfrm>
           <a:prstGeom prst="rect">
             <a:avLst/>
@@ -3167,20 +3190,8 @@
             <a:normAutofit/>
           </a:bodyPr>
           <a:p>
-            <a:pPr>
-              <a:lnSpc>
-                <a:spcPct val="90000"/>
-              </a:lnSpc>
-              <a:spcBef>
-                <a:spcPts val="1417"/>
-              </a:spcBef>
-              <a:buNone/>
-            </a:pPr>
-            <a:endParaRPr b="0" lang="en-US" sz="2000" spc="-1" strike="noStrike">
-              <a:solidFill>
-                <a:srgbClr val="000000"/>
-              </a:solidFill>
-              <a:latin typeface="Rockwell"/>
+            <a:endParaRPr b="0" lang="en-IE" sz="3200" spc="-1" strike="noStrike">
+              <a:latin typeface="Arial"/>
             </a:endParaRPr>
           </a:p>
         </p:txBody>
@@ -3197,8 +3208,8 @@
         </p:nvSpPr>
         <p:spPr>
           <a:xfrm>
-            <a:off x="1069920" y="4237200"/>
-            <a:ext cx="10058040" cy="1931760"/>
+            <a:off x="609480" y="3682080"/>
+            <a:ext cx="10972440" cy="1896840"/>
           </a:xfrm>
           <a:prstGeom prst="rect">
             <a:avLst/>
@@ -3213,20 +3224,8 @@
             <a:normAutofit/>
           </a:bodyPr>
           <a:p>
-            <a:pPr>
-              <a:lnSpc>
-                <a:spcPct val="90000"/>
-              </a:lnSpc>
-              <a:spcBef>
-                <a:spcPts val="1417"/>
-              </a:spcBef>
-              <a:buNone/>
-            </a:pPr>
-            <a:endParaRPr b="0" lang="en-US" sz="2000" spc="-1" strike="noStrike">
-              <a:solidFill>
-                <a:srgbClr val="000000"/>
-              </a:solidFill>
-              <a:latin typeface="Rockwell"/>
+            <a:endParaRPr b="0" lang="en-IE" sz="3200" spc="-1" strike="noStrike">
+              <a:latin typeface="Arial"/>
             </a:endParaRPr>
           </a:p>
         </p:txBody>
@@ -3238,7 +3237,7 @@
             <a:spLocks noGrp="1"/>
           </p:cNvSpPr>
           <p:nvPr>
-            <p:ph type="ftr" idx="5"/>
+            <p:ph type="ftr" idx="4"/>
           </p:nvPr>
         </p:nvSpPr>
         <p:spPr/>
@@ -3258,14 +3257,14 @@
             <a:spLocks noGrp="1"/>
           </p:cNvSpPr>
           <p:nvPr>
-            <p:ph type="sldNum" idx="6"/>
+            <p:ph type="sldNum" idx="5"/>
           </p:nvPr>
         </p:nvSpPr>
         <p:spPr/>
         <p:txBody>
           <a:bodyPr/>
           <a:p>
-            <a:fld id="{301B0699-4AD6-4C97-A8B1-F8F09677936A}" type="slidenum">
+            <a:fld id="{EDEE6081-20DB-45ED-BF7E-B784F3E7E787}" type="slidenum">
               <a:t>&lt;#&gt;</a:t>
             </a:fld>
           </a:p>
@@ -3278,7 +3277,7 @@
             <a:spLocks noGrp="1"/>
           </p:cNvSpPr>
           <p:nvPr>
-            <p:ph type="dt" idx="4"/>
+            <p:ph type="dt" idx="6"/>
           </p:nvPr>
         </p:nvSpPr>
         <p:spPr/>
@@ -3326,8 +3325,8 @@
         </p:nvSpPr>
         <p:spPr>
           <a:xfrm>
-            <a:off x="1069920" y="484560"/>
-            <a:ext cx="10058040" cy="1608840"/>
+            <a:off x="609480" y="273600"/>
+            <a:ext cx="10972440" cy="1144800"/>
           </a:xfrm>
           <a:prstGeom prst="rect">
             <a:avLst/>
@@ -3342,11 +3341,11 @@
             <a:noAutofit/>
           </a:bodyPr>
           <a:p>
-            <a:endParaRPr b="0" lang="en-US" sz="1800" spc="-1" strike="noStrike">
-              <a:solidFill>
-                <a:srgbClr val="000000"/>
-              </a:solidFill>
-              <a:latin typeface="Rockwell"/>
+            <a:pPr algn="ctr">
+              <a:buNone/>
+            </a:pPr>
+            <a:endParaRPr b="0" lang="en-IE" sz="4400" spc="-1" strike="noStrike">
+              <a:latin typeface="Arial"/>
             </a:endParaRPr>
           </a:p>
         </p:txBody>
@@ -3363,8 +3362,8 @@
         </p:nvSpPr>
         <p:spPr>
           <a:xfrm>
-            <a:off x="1069920" y="2121480"/>
-            <a:ext cx="10058040" cy="1931760"/>
+            <a:off x="609480" y="1604520"/>
+            <a:ext cx="10972440" cy="1896840"/>
           </a:xfrm>
           <a:prstGeom prst="rect">
             <a:avLst/>
@@ -3379,20 +3378,8 @@
             <a:normAutofit/>
           </a:bodyPr>
           <a:p>
-            <a:pPr>
-              <a:lnSpc>
-                <a:spcPct val="90000"/>
-              </a:lnSpc>
-              <a:spcBef>
-                <a:spcPts val="1417"/>
-              </a:spcBef>
-              <a:buNone/>
-            </a:pPr>
-            <a:endParaRPr b="0" lang="en-US" sz="2000" spc="-1" strike="noStrike">
-              <a:solidFill>
-                <a:srgbClr val="000000"/>
-              </a:solidFill>
-              <a:latin typeface="Rockwell"/>
+            <a:endParaRPr b="0" lang="en-IE" sz="3200" spc="-1" strike="noStrike">
+              <a:latin typeface="Arial"/>
             </a:endParaRPr>
           </a:p>
         </p:txBody>
@@ -3409,8 +3396,8 @@
         </p:nvSpPr>
         <p:spPr>
           <a:xfrm>
-            <a:off x="1069920" y="4237200"/>
-            <a:ext cx="10058040" cy="1931760"/>
+            <a:off x="609480" y="3682080"/>
+            <a:ext cx="10972440" cy="1896840"/>
           </a:xfrm>
           <a:prstGeom prst="rect">
             <a:avLst/>
@@ -3425,20 +3412,8 @@
             <a:normAutofit/>
           </a:bodyPr>
           <a:p>
-            <a:pPr>
-              <a:lnSpc>
-                <a:spcPct val="90000"/>
-              </a:lnSpc>
-              <a:spcBef>
-                <a:spcPts val="1417"/>
-              </a:spcBef>
-              <a:buNone/>
-            </a:pPr>
-            <a:endParaRPr b="0" lang="en-US" sz="2000" spc="-1" strike="noStrike">
-              <a:solidFill>
-                <a:srgbClr val="000000"/>
-              </a:solidFill>
-              <a:latin typeface="Rockwell"/>
+            <a:endParaRPr b="0" lang="en-IE" sz="3200" spc="-1" strike="noStrike">
+              <a:latin typeface="Arial"/>
             </a:endParaRPr>
           </a:p>
         </p:txBody>
@@ -3450,7 +3425,7 @@
             <a:spLocks noGrp="1"/>
           </p:cNvSpPr>
           <p:nvPr>
-            <p:ph type="ftr" idx="5"/>
+            <p:ph type="ftr" idx="4"/>
           </p:nvPr>
         </p:nvSpPr>
         <p:spPr/>
@@ -3470,14 +3445,14 @@
             <a:spLocks noGrp="1"/>
           </p:cNvSpPr>
           <p:nvPr>
-            <p:ph type="sldNum" idx="6"/>
+            <p:ph type="sldNum" idx="5"/>
           </p:nvPr>
         </p:nvSpPr>
         <p:spPr/>
         <p:txBody>
           <a:bodyPr/>
           <a:p>
-            <a:fld id="{2E34413F-2658-4DED-AD73-D40C25569719}" type="slidenum">
+            <a:fld id="{8683364F-9AAA-442D-B753-4F5AF6A7FF19}" type="slidenum">
               <a:t>&lt;#&gt;</a:t>
             </a:fld>
           </a:p>
@@ -3490,7 +3465,7 @@
             <a:spLocks noGrp="1"/>
           </p:cNvSpPr>
           <p:nvPr>
-            <p:ph type="dt" idx="4"/>
+            <p:ph type="dt" idx="6"/>
           </p:nvPr>
         </p:nvSpPr>
         <p:spPr/>
@@ -3538,8 +3513,8 @@
         </p:nvSpPr>
         <p:spPr>
           <a:xfrm>
-            <a:off x="1069920" y="484560"/>
-            <a:ext cx="10058040" cy="1608840"/>
+            <a:off x="609480" y="273600"/>
+            <a:ext cx="10972440" cy="1144800"/>
           </a:xfrm>
           <a:prstGeom prst="rect">
             <a:avLst/>
@@ -3554,11 +3529,11 @@
             <a:noAutofit/>
           </a:bodyPr>
           <a:p>
-            <a:endParaRPr b="0" lang="en-US" sz="1800" spc="-1" strike="noStrike">
-              <a:solidFill>
-                <a:srgbClr val="000000"/>
-              </a:solidFill>
-              <a:latin typeface="Rockwell"/>
+            <a:pPr algn="ctr">
+              <a:buNone/>
+            </a:pPr>
+            <a:endParaRPr b="0" lang="en-IE" sz="4400" spc="-1" strike="noStrike">
+              <a:latin typeface="Arial"/>
             </a:endParaRPr>
           </a:p>
         </p:txBody>
@@ -3575,8 +3550,8 @@
         </p:nvSpPr>
         <p:spPr>
           <a:xfrm>
-            <a:off x="1069920" y="2121480"/>
-            <a:ext cx="4908240" cy="1931760"/>
+            <a:off x="609480" y="1604520"/>
+            <a:ext cx="5354280" cy="1896840"/>
           </a:xfrm>
           <a:prstGeom prst="rect">
             <a:avLst/>
@@ -3591,20 +3566,8 @@
             <a:normAutofit/>
           </a:bodyPr>
           <a:p>
-            <a:pPr>
-              <a:lnSpc>
-                <a:spcPct val="90000"/>
-              </a:lnSpc>
-              <a:spcBef>
-                <a:spcPts val="1417"/>
-              </a:spcBef>
-              <a:buNone/>
-            </a:pPr>
-            <a:endParaRPr b="0" lang="en-US" sz="2000" spc="-1" strike="noStrike">
-              <a:solidFill>
-                <a:srgbClr val="000000"/>
-              </a:solidFill>
-              <a:latin typeface="Rockwell"/>
+            <a:endParaRPr b="0" lang="en-IE" sz="3200" spc="-1" strike="noStrike">
+              <a:latin typeface="Arial"/>
             </a:endParaRPr>
           </a:p>
         </p:txBody>
@@ -3621,8 +3584,8 @@
         </p:nvSpPr>
         <p:spPr>
           <a:xfrm>
-            <a:off x="6224040" y="2121480"/>
-            <a:ext cx="4908240" cy="1931760"/>
+            <a:off x="6231960" y="1604520"/>
+            <a:ext cx="5354280" cy="1896840"/>
           </a:xfrm>
           <a:prstGeom prst="rect">
             <a:avLst/>
@@ -3637,20 +3600,8 @@
             <a:normAutofit/>
           </a:bodyPr>
           <a:p>
-            <a:pPr>
-              <a:lnSpc>
-                <a:spcPct val="90000"/>
-              </a:lnSpc>
-              <a:spcBef>
-                <a:spcPts val="1417"/>
-              </a:spcBef>
-              <a:buNone/>
-            </a:pPr>
-            <a:endParaRPr b="0" lang="en-US" sz="2000" spc="-1" strike="noStrike">
-              <a:solidFill>
-                <a:srgbClr val="000000"/>
-              </a:solidFill>
-              <a:latin typeface="Rockwell"/>
+            <a:endParaRPr b="0" lang="en-IE" sz="3200" spc="-1" strike="noStrike">
+              <a:latin typeface="Arial"/>
             </a:endParaRPr>
           </a:p>
         </p:txBody>
@@ -3667,8 +3618,8 @@
         </p:nvSpPr>
         <p:spPr>
           <a:xfrm>
-            <a:off x="1069920" y="4237200"/>
-            <a:ext cx="4908240" cy="1931760"/>
+            <a:off x="609480" y="3682080"/>
+            <a:ext cx="5354280" cy="1896840"/>
           </a:xfrm>
           <a:prstGeom prst="rect">
             <a:avLst/>
@@ -3683,20 +3634,8 @@
             <a:normAutofit/>
           </a:bodyPr>
           <a:p>
-            <a:pPr>
-              <a:lnSpc>
-                <a:spcPct val="90000"/>
-              </a:lnSpc>
-              <a:spcBef>
-                <a:spcPts val="1417"/>
-              </a:spcBef>
-              <a:buNone/>
-            </a:pPr>
-            <a:endParaRPr b="0" lang="en-US" sz="2000" spc="-1" strike="noStrike">
-              <a:solidFill>
-                <a:srgbClr val="000000"/>
-              </a:solidFill>
-              <a:latin typeface="Rockwell"/>
+            <a:endParaRPr b="0" lang="en-IE" sz="3200" spc="-1" strike="noStrike">
+              <a:latin typeface="Arial"/>
             </a:endParaRPr>
           </a:p>
         </p:txBody>
@@ -3713,8 +3652,8 @@
         </p:nvSpPr>
         <p:spPr>
           <a:xfrm>
-            <a:off x="6224040" y="4237200"/>
-            <a:ext cx="4908240" cy="1931760"/>
+            <a:off x="6231960" y="3682080"/>
+            <a:ext cx="5354280" cy="1896840"/>
           </a:xfrm>
           <a:prstGeom prst="rect">
             <a:avLst/>
@@ -3729,20 +3668,8 @@
             <a:normAutofit/>
           </a:bodyPr>
           <a:p>
-            <a:pPr>
-              <a:lnSpc>
-                <a:spcPct val="90000"/>
-              </a:lnSpc>
-              <a:spcBef>
-                <a:spcPts val="1417"/>
-              </a:spcBef>
-              <a:buNone/>
-            </a:pPr>
-            <a:endParaRPr b="0" lang="en-US" sz="2000" spc="-1" strike="noStrike">
-              <a:solidFill>
-                <a:srgbClr val="000000"/>
-              </a:solidFill>
-              <a:latin typeface="Rockwell"/>
+            <a:endParaRPr b="0" lang="en-IE" sz="3200" spc="-1" strike="noStrike">
+              <a:latin typeface="Arial"/>
             </a:endParaRPr>
           </a:p>
         </p:txBody>
@@ -3754,7 +3681,7 @@
             <a:spLocks noGrp="1"/>
           </p:cNvSpPr>
           <p:nvPr>
-            <p:ph type="ftr" idx="5"/>
+            <p:ph type="ftr" idx="4"/>
           </p:nvPr>
         </p:nvSpPr>
         <p:spPr/>
@@ -3774,14 +3701,14 @@
             <a:spLocks noGrp="1"/>
           </p:cNvSpPr>
           <p:nvPr>
-            <p:ph type="sldNum" idx="6"/>
+            <p:ph type="sldNum" idx="5"/>
           </p:nvPr>
         </p:nvSpPr>
         <p:spPr/>
         <p:txBody>
           <a:bodyPr/>
           <a:p>
-            <a:fld id="{91211B07-E5F4-408B-89CB-6A0435DF22FB}" type="slidenum">
+            <a:fld id="{8CC9E2D3-2EE5-4D11-928D-B849EEC490FD}" type="slidenum">
               <a:t>&lt;#&gt;</a:t>
             </a:fld>
           </a:p>
@@ -3794,7 +3721,7 @@
             <a:spLocks noGrp="1"/>
           </p:cNvSpPr>
           <p:nvPr>
-            <p:ph type="dt" idx="4"/>
+            <p:ph type="dt" idx="6"/>
           </p:nvPr>
         </p:nvSpPr>
         <p:spPr/>
@@ -3842,8 +3769,8 @@
         </p:nvSpPr>
         <p:spPr>
           <a:xfrm>
-            <a:off x="1069920" y="484560"/>
-            <a:ext cx="10058040" cy="1608840"/>
+            <a:off x="609480" y="273600"/>
+            <a:ext cx="10972440" cy="1144800"/>
           </a:xfrm>
           <a:prstGeom prst="rect">
             <a:avLst/>
@@ -3858,11 +3785,11 @@
             <a:noAutofit/>
           </a:bodyPr>
           <a:p>
-            <a:endParaRPr b="0" lang="en-US" sz="1800" spc="-1" strike="noStrike">
-              <a:solidFill>
-                <a:srgbClr val="000000"/>
-              </a:solidFill>
-              <a:latin typeface="Rockwell"/>
+            <a:pPr algn="ctr">
+              <a:buNone/>
+            </a:pPr>
+            <a:endParaRPr b="0" lang="en-IE" sz="4400" spc="-1" strike="noStrike">
+              <a:latin typeface="Arial"/>
             </a:endParaRPr>
           </a:p>
         </p:txBody>
@@ -3879,8 +3806,8 @@
         </p:nvSpPr>
         <p:spPr>
           <a:xfrm>
-            <a:off x="1069920" y="2121480"/>
-            <a:ext cx="3238560" cy="1931760"/>
+            <a:off x="609480" y="1604520"/>
+            <a:ext cx="3533040" cy="1896840"/>
           </a:xfrm>
           <a:prstGeom prst="rect">
             <a:avLst/>
@@ -3895,20 +3822,8 @@
             <a:normAutofit/>
           </a:bodyPr>
           <a:p>
-            <a:pPr>
-              <a:lnSpc>
-                <a:spcPct val="90000"/>
-              </a:lnSpc>
-              <a:spcBef>
-                <a:spcPts val="1417"/>
-              </a:spcBef>
-              <a:buNone/>
-            </a:pPr>
-            <a:endParaRPr b="0" lang="en-US" sz="2000" spc="-1" strike="noStrike">
-              <a:solidFill>
-                <a:srgbClr val="000000"/>
-              </a:solidFill>
-              <a:latin typeface="Rockwell"/>
+            <a:endParaRPr b="0" lang="en-IE" sz="3200" spc="-1" strike="noStrike">
+              <a:latin typeface="Arial"/>
             </a:endParaRPr>
           </a:p>
         </p:txBody>
@@ -3925,8 +3840,8 @@
         </p:nvSpPr>
         <p:spPr>
           <a:xfrm>
-            <a:off x="4470840" y="2121480"/>
-            <a:ext cx="3238560" cy="1931760"/>
+            <a:off x="4319640" y="1604520"/>
+            <a:ext cx="3533040" cy="1896840"/>
           </a:xfrm>
           <a:prstGeom prst="rect">
             <a:avLst/>
@@ -3941,20 +3856,8 @@
             <a:normAutofit/>
           </a:bodyPr>
           <a:p>
-            <a:pPr>
-              <a:lnSpc>
-                <a:spcPct val="90000"/>
-              </a:lnSpc>
-              <a:spcBef>
-                <a:spcPts val="1417"/>
-              </a:spcBef>
-              <a:buNone/>
-            </a:pPr>
-            <a:endParaRPr b="0" lang="en-US" sz="2000" spc="-1" strike="noStrike">
-              <a:solidFill>
-                <a:srgbClr val="000000"/>
-              </a:solidFill>
-              <a:latin typeface="Rockwell"/>
+            <a:endParaRPr b="0" lang="en-IE" sz="3200" spc="-1" strike="noStrike">
+              <a:latin typeface="Arial"/>
             </a:endParaRPr>
           </a:p>
         </p:txBody>
@@ -3971,8 +3874,8 @@
         </p:nvSpPr>
         <p:spPr>
           <a:xfrm>
-            <a:off x="7871760" y="2121480"/>
-            <a:ext cx="3238560" cy="1931760"/>
+            <a:off x="8029800" y="1604520"/>
+            <a:ext cx="3533040" cy="1896840"/>
           </a:xfrm>
           <a:prstGeom prst="rect">
             <a:avLst/>
@@ -3987,20 +3890,8 @@
             <a:normAutofit/>
           </a:bodyPr>
           <a:p>
-            <a:pPr>
-              <a:lnSpc>
-                <a:spcPct val="90000"/>
-              </a:lnSpc>
-              <a:spcBef>
-                <a:spcPts val="1417"/>
-              </a:spcBef>
-              <a:buNone/>
-            </a:pPr>
-            <a:endParaRPr b="0" lang="en-US" sz="2000" spc="-1" strike="noStrike">
-              <a:solidFill>
-                <a:srgbClr val="000000"/>
-              </a:solidFill>
-              <a:latin typeface="Rockwell"/>
+            <a:endParaRPr b="0" lang="en-IE" sz="3200" spc="-1" strike="noStrike">
+              <a:latin typeface="Arial"/>
             </a:endParaRPr>
           </a:p>
         </p:txBody>
@@ -4017,8 +3908,8 @@
         </p:nvSpPr>
         <p:spPr>
           <a:xfrm>
-            <a:off x="1069920" y="4237200"/>
-            <a:ext cx="3238560" cy="1931760"/>
+            <a:off x="609480" y="3682080"/>
+            <a:ext cx="3533040" cy="1896840"/>
           </a:xfrm>
           <a:prstGeom prst="rect">
             <a:avLst/>
@@ -4033,20 +3924,8 @@
             <a:normAutofit/>
           </a:bodyPr>
           <a:p>
-            <a:pPr>
-              <a:lnSpc>
-                <a:spcPct val="90000"/>
-              </a:lnSpc>
-              <a:spcBef>
-                <a:spcPts val="1417"/>
-              </a:spcBef>
-              <a:buNone/>
-            </a:pPr>
-            <a:endParaRPr b="0" lang="en-US" sz="2000" spc="-1" strike="noStrike">
-              <a:solidFill>
-                <a:srgbClr val="000000"/>
-              </a:solidFill>
-              <a:latin typeface="Rockwell"/>
+            <a:endParaRPr b="0" lang="en-IE" sz="3200" spc="-1" strike="noStrike">
+              <a:latin typeface="Arial"/>
             </a:endParaRPr>
           </a:p>
         </p:txBody>
@@ -4063,8 +3942,8 @@
         </p:nvSpPr>
         <p:spPr>
           <a:xfrm>
-            <a:off x="4470840" y="4237200"/>
-            <a:ext cx="3238560" cy="1931760"/>
+            <a:off x="4319640" y="3682080"/>
+            <a:ext cx="3533040" cy="1896840"/>
           </a:xfrm>
           <a:prstGeom prst="rect">
             <a:avLst/>
@@ -4079,20 +3958,8 @@
             <a:normAutofit/>
           </a:bodyPr>
           <a:p>
-            <a:pPr>
-              <a:lnSpc>
-                <a:spcPct val="90000"/>
-              </a:lnSpc>
-              <a:spcBef>
-                <a:spcPts val="1417"/>
-              </a:spcBef>
-              <a:buNone/>
-            </a:pPr>
-            <a:endParaRPr b="0" lang="en-US" sz="2000" spc="-1" strike="noStrike">
-              <a:solidFill>
-                <a:srgbClr val="000000"/>
-              </a:solidFill>
-              <a:latin typeface="Rockwell"/>
+            <a:endParaRPr b="0" lang="en-IE" sz="3200" spc="-1" strike="noStrike">
+              <a:latin typeface="Arial"/>
             </a:endParaRPr>
           </a:p>
         </p:txBody>
@@ -4109,8 +3976,8 @@
         </p:nvSpPr>
         <p:spPr>
           <a:xfrm>
-            <a:off x="7871760" y="4237200"/>
-            <a:ext cx="3238560" cy="1931760"/>
+            <a:off x="8029800" y="3682080"/>
+            <a:ext cx="3533040" cy="1896840"/>
           </a:xfrm>
           <a:prstGeom prst="rect">
             <a:avLst/>
@@ -4125,20 +3992,8 @@
             <a:normAutofit/>
           </a:bodyPr>
           <a:p>
-            <a:pPr>
-              <a:lnSpc>
-                <a:spcPct val="90000"/>
-              </a:lnSpc>
-              <a:spcBef>
-                <a:spcPts val="1417"/>
-              </a:spcBef>
-              <a:buNone/>
-            </a:pPr>
-            <a:endParaRPr b="0" lang="en-US" sz="2000" spc="-1" strike="noStrike">
-              <a:solidFill>
-                <a:srgbClr val="000000"/>
-              </a:solidFill>
-              <a:latin typeface="Rockwell"/>
+            <a:endParaRPr b="0" lang="en-IE" sz="3200" spc="-1" strike="noStrike">
+              <a:latin typeface="Arial"/>
             </a:endParaRPr>
           </a:p>
         </p:txBody>
@@ -4150,7 +4005,7 @@
             <a:spLocks noGrp="1"/>
           </p:cNvSpPr>
           <p:nvPr>
-            <p:ph type="ftr" idx="5"/>
+            <p:ph type="ftr" idx="4"/>
           </p:nvPr>
         </p:nvSpPr>
         <p:spPr/>
@@ -4170,14 +4025,14 @@
             <a:spLocks noGrp="1"/>
           </p:cNvSpPr>
           <p:nvPr>
-            <p:ph type="sldNum" idx="6"/>
+            <p:ph type="sldNum" idx="5"/>
           </p:nvPr>
         </p:nvSpPr>
         <p:spPr/>
         <p:txBody>
           <a:bodyPr/>
           <a:p>
-            <a:fld id="{98D5C841-EC64-494B-B9BD-000554E92F1A}" type="slidenum">
+            <a:fld id="{A7ECF841-8757-4881-A254-E4E53B772B45}" type="slidenum">
               <a:t>&lt;#&gt;</a:t>
             </a:fld>
           </a:p>
@@ -4190,7 +4045,7 @@
             <a:spLocks noGrp="1"/>
           </p:cNvSpPr>
           <p:nvPr>
-            <p:ph type="dt" idx="4"/>
+            <p:ph type="dt" idx="6"/>
           </p:nvPr>
         </p:nvSpPr>
         <p:spPr/>
@@ -4238,8 +4093,8 @@
         </p:nvSpPr>
         <p:spPr>
           <a:xfrm>
-            <a:off x="1069920" y="484560"/>
-            <a:ext cx="10058040" cy="1608840"/>
+            <a:off x="609480" y="273600"/>
+            <a:ext cx="10972440" cy="1144800"/>
           </a:xfrm>
           <a:prstGeom prst="rect">
             <a:avLst/>
@@ -4254,11 +4109,11 @@
             <a:noAutofit/>
           </a:bodyPr>
           <a:p>
-            <a:endParaRPr b="0" lang="en-US" sz="1800" spc="-1" strike="noStrike">
-              <a:solidFill>
-                <a:srgbClr val="000000"/>
-              </a:solidFill>
-              <a:latin typeface="Rockwell"/>
+            <a:pPr algn="ctr">
+              <a:buNone/>
+            </a:pPr>
+            <a:endParaRPr b="0" lang="en-IE" sz="4400" spc="-1" strike="noStrike">
+              <a:latin typeface="Arial"/>
             </a:endParaRPr>
           </a:p>
         </p:txBody>
@@ -4275,8 +4130,8 @@
         </p:nvSpPr>
         <p:spPr>
           <a:xfrm>
-            <a:off x="1069920" y="2121480"/>
-            <a:ext cx="10058040" cy="4050360"/>
+            <a:off x="609480" y="1604520"/>
+            <a:ext cx="10972440" cy="3977280"/>
           </a:xfrm>
           <a:prstGeom prst="rect">
             <a:avLst/>
@@ -4291,20 +4146,8 @@
             <a:normAutofit/>
           </a:bodyPr>
           <a:p>
-            <a:pPr>
-              <a:lnSpc>
-                <a:spcPct val="90000"/>
-              </a:lnSpc>
-              <a:spcBef>
-                <a:spcPts val="1417"/>
-              </a:spcBef>
-              <a:buNone/>
-            </a:pPr>
-            <a:endParaRPr b="0" lang="en-US" sz="2000" spc="-1" strike="noStrike">
-              <a:solidFill>
-                <a:srgbClr val="000000"/>
-              </a:solidFill>
-              <a:latin typeface="Rockwell"/>
+            <a:endParaRPr b="0" lang="en-IE" sz="3200" spc="-1" strike="noStrike">
+              <a:latin typeface="Arial"/>
             </a:endParaRPr>
           </a:p>
         </p:txBody>
@@ -4316,7 +4159,7 @@
             <a:spLocks noGrp="1"/>
           </p:cNvSpPr>
           <p:nvPr>
-            <p:ph type="ftr" idx="2"/>
+            <p:ph type="ftr" idx="1"/>
           </p:nvPr>
         </p:nvSpPr>
         <p:spPr/>
@@ -4336,14 +4179,14 @@
             <a:spLocks noGrp="1"/>
           </p:cNvSpPr>
           <p:nvPr>
-            <p:ph type="sldNum" idx="3"/>
+            <p:ph type="sldNum" idx="2"/>
           </p:nvPr>
         </p:nvSpPr>
         <p:spPr/>
         <p:txBody>
           <a:bodyPr/>
           <a:p>
-            <a:fld id="{8E17AF7C-0392-4964-A36A-D5DFE16E544A}" type="slidenum">
+            <a:fld id="{DBBA38DA-9CBC-4E21-93B8-86FDF2FF6AB2}" type="slidenum">
               <a:t>&lt;#&gt;</a:t>
             </a:fld>
           </a:p>
@@ -4356,7 +4199,7 @@
             <a:spLocks noGrp="1"/>
           </p:cNvSpPr>
           <p:nvPr>
-            <p:ph type="dt" idx="1"/>
+            <p:ph type="dt" idx="3"/>
           </p:nvPr>
         </p:nvSpPr>
         <p:spPr/>
@@ -4404,8 +4247,8 @@
         </p:nvSpPr>
         <p:spPr>
           <a:xfrm>
-            <a:off x="1069920" y="484560"/>
-            <a:ext cx="10058040" cy="1608840"/>
+            <a:off x="609480" y="273600"/>
+            <a:ext cx="10972440" cy="1144800"/>
           </a:xfrm>
           <a:prstGeom prst="rect">
             <a:avLst/>
@@ -4420,11 +4263,11 @@
             <a:noAutofit/>
           </a:bodyPr>
           <a:p>
-            <a:endParaRPr b="0" lang="en-US" sz="1800" spc="-1" strike="noStrike">
-              <a:solidFill>
-                <a:srgbClr val="000000"/>
-              </a:solidFill>
-              <a:latin typeface="Rockwell"/>
+            <a:pPr algn="ctr">
+              <a:buNone/>
+            </a:pPr>
+            <a:endParaRPr b="0" lang="en-IE" sz="4400" spc="-1" strike="noStrike">
+              <a:latin typeface="Arial"/>
             </a:endParaRPr>
           </a:p>
         </p:txBody>
@@ -4441,8 +4284,8 @@
         </p:nvSpPr>
         <p:spPr>
           <a:xfrm>
-            <a:off x="1069920" y="2121480"/>
-            <a:ext cx="4908240" cy="4050360"/>
+            <a:off x="609480" y="1604520"/>
+            <a:ext cx="5354280" cy="3977280"/>
           </a:xfrm>
           <a:prstGeom prst="rect">
             <a:avLst/>
@@ -4457,20 +4300,8 @@
             <a:normAutofit/>
           </a:bodyPr>
           <a:p>
-            <a:pPr>
-              <a:lnSpc>
-                <a:spcPct val="90000"/>
-              </a:lnSpc>
-              <a:spcBef>
-                <a:spcPts val="1417"/>
-              </a:spcBef>
-              <a:buNone/>
-            </a:pPr>
-            <a:endParaRPr b="0" lang="en-US" sz="2000" spc="-1" strike="noStrike">
-              <a:solidFill>
-                <a:srgbClr val="000000"/>
-              </a:solidFill>
-              <a:latin typeface="Rockwell"/>
+            <a:endParaRPr b="0" lang="en-IE" sz="3200" spc="-1" strike="noStrike">
+              <a:latin typeface="Arial"/>
             </a:endParaRPr>
           </a:p>
         </p:txBody>
@@ -4487,8 +4318,8 @@
         </p:nvSpPr>
         <p:spPr>
           <a:xfrm>
-            <a:off x="6224040" y="2121480"/>
-            <a:ext cx="4908240" cy="4050360"/>
+            <a:off x="6231960" y="1604520"/>
+            <a:ext cx="5354280" cy="3977280"/>
           </a:xfrm>
           <a:prstGeom prst="rect">
             <a:avLst/>
@@ -4503,20 +4334,8 @@
             <a:normAutofit/>
           </a:bodyPr>
           <a:p>
-            <a:pPr>
-              <a:lnSpc>
-                <a:spcPct val="90000"/>
-              </a:lnSpc>
-              <a:spcBef>
-                <a:spcPts val="1417"/>
-              </a:spcBef>
-              <a:buNone/>
-            </a:pPr>
-            <a:endParaRPr b="0" lang="en-US" sz="2000" spc="-1" strike="noStrike">
-              <a:solidFill>
-                <a:srgbClr val="000000"/>
-              </a:solidFill>
-              <a:latin typeface="Rockwell"/>
+            <a:endParaRPr b="0" lang="en-IE" sz="3200" spc="-1" strike="noStrike">
+              <a:latin typeface="Arial"/>
             </a:endParaRPr>
           </a:p>
         </p:txBody>
@@ -4528,7 +4347,7 @@
             <a:spLocks noGrp="1"/>
           </p:cNvSpPr>
           <p:nvPr>
-            <p:ph type="ftr" idx="2"/>
+            <p:ph type="ftr" idx="1"/>
           </p:nvPr>
         </p:nvSpPr>
         <p:spPr/>
@@ -4548,14 +4367,14 @@
             <a:spLocks noGrp="1"/>
           </p:cNvSpPr>
           <p:nvPr>
-            <p:ph type="sldNum" idx="3"/>
+            <p:ph type="sldNum" idx="2"/>
           </p:nvPr>
         </p:nvSpPr>
         <p:spPr/>
         <p:txBody>
           <a:bodyPr/>
           <a:p>
-            <a:fld id="{34D5CB45-A2A6-48B3-8D84-E31921CF4EC7}" type="slidenum">
+            <a:fld id="{491EE54F-75FC-4CB7-9792-1E6DDC92F7CD}" type="slidenum">
               <a:t>&lt;#&gt;</a:t>
             </a:fld>
           </a:p>
@@ -4568,7 +4387,7 @@
             <a:spLocks noGrp="1"/>
           </p:cNvSpPr>
           <p:nvPr>
-            <p:ph type="dt" idx="1"/>
+            <p:ph type="dt" idx="3"/>
           </p:nvPr>
         </p:nvSpPr>
         <p:spPr/>
@@ -4616,8 +4435,8 @@
         </p:nvSpPr>
         <p:spPr>
           <a:xfrm>
-            <a:off x="1069920" y="484560"/>
-            <a:ext cx="10058040" cy="1608840"/>
+            <a:off x="609480" y="273600"/>
+            <a:ext cx="10972440" cy="1144800"/>
           </a:xfrm>
           <a:prstGeom prst="rect">
             <a:avLst/>
@@ -4632,11 +4451,11 @@
             <a:noAutofit/>
           </a:bodyPr>
           <a:p>
-            <a:endParaRPr b="0" lang="en-US" sz="1800" spc="-1" strike="noStrike">
-              <a:solidFill>
-                <a:srgbClr val="000000"/>
-              </a:solidFill>
-              <a:latin typeface="Rockwell"/>
+            <a:pPr algn="ctr">
+              <a:buNone/>
+            </a:pPr>
+            <a:endParaRPr b="0" lang="en-IE" sz="4400" spc="-1" strike="noStrike">
+              <a:latin typeface="Arial"/>
             </a:endParaRPr>
           </a:p>
         </p:txBody>
@@ -4648,7 +4467,7 @@
             <a:spLocks noGrp="1"/>
           </p:cNvSpPr>
           <p:nvPr>
-            <p:ph type="ftr" idx="2"/>
+            <p:ph type="ftr" idx="1"/>
           </p:nvPr>
         </p:nvSpPr>
         <p:spPr/>
@@ -4668,14 +4487,14 @@
             <a:spLocks noGrp="1"/>
           </p:cNvSpPr>
           <p:nvPr>
-            <p:ph type="sldNum" idx="3"/>
+            <p:ph type="sldNum" idx="2"/>
           </p:nvPr>
         </p:nvSpPr>
         <p:spPr/>
         <p:txBody>
           <a:bodyPr/>
           <a:p>
-            <a:fld id="{78B3D613-B28A-4655-8D74-F3AF2BB2BEA3}" type="slidenum">
+            <a:fld id="{94F9E323-C8DB-4BFE-BE65-2F0848B6237E}" type="slidenum">
               <a:t>&lt;#&gt;</a:t>
             </a:fld>
           </a:p>
@@ -4688,7 +4507,7 @@
             <a:spLocks noGrp="1"/>
           </p:cNvSpPr>
           <p:nvPr>
-            <p:ph type="dt" idx="1"/>
+            <p:ph type="dt" idx="3"/>
           </p:nvPr>
         </p:nvSpPr>
         <p:spPr/>
@@ -4736,8 +4555,8 @@
         </p:nvSpPr>
         <p:spPr>
           <a:xfrm>
-            <a:off x="1069920" y="484560"/>
-            <a:ext cx="10058040" cy="7458840"/>
+            <a:off x="609480" y="273600"/>
+            <a:ext cx="10972440" cy="5307840"/>
           </a:xfrm>
           <a:prstGeom prst="rect">
             <a:avLst/>
@@ -4768,7 +4587,7 @@
             <a:spLocks noGrp="1"/>
           </p:cNvSpPr>
           <p:nvPr>
-            <p:ph type="ftr" idx="2"/>
+            <p:ph type="ftr" idx="1"/>
           </p:nvPr>
         </p:nvSpPr>
         <p:spPr/>
@@ -4788,14 +4607,14 @@
             <a:spLocks noGrp="1"/>
           </p:cNvSpPr>
           <p:nvPr>
-            <p:ph type="sldNum" idx="3"/>
+            <p:ph type="sldNum" idx="2"/>
           </p:nvPr>
         </p:nvSpPr>
         <p:spPr/>
         <p:txBody>
           <a:bodyPr/>
           <a:p>
-            <a:fld id="{57B11582-B0AC-4137-8B7A-2AC9ECD4CD80}" type="slidenum">
+            <a:fld id="{150098FE-A4DE-4F43-808C-C0F1FE9C31D1}" type="slidenum">
               <a:t>&lt;#&gt;</a:t>
             </a:fld>
           </a:p>
@@ -4808,7 +4627,7 @@
             <a:spLocks noGrp="1"/>
           </p:cNvSpPr>
           <p:nvPr>
-            <p:ph type="dt" idx="1"/>
+            <p:ph type="dt" idx="3"/>
           </p:nvPr>
         </p:nvSpPr>
         <p:spPr/>
@@ -4856,8 +4675,8 @@
         </p:nvSpPr>
         <p:spPr>
           <a:xfrm>
-            <a:off x="1069920" y="484560"/>
-            <a:ext cx="10058040" cy="1608840"/>
+            <a:off x="609480" y="273600"/>
+            <a:ext cx="10972440" cy="1144800"/>
           </a:xfrm>
           <a:prstGeom prst="rect">
             <a:avLst/>
@@ -4872,11 +4691,11 @@
             <a:noAutofit/>
           </a:bodyPr>
           <a:p>
-            <a:endParaRPr b="0" lang="en-US" sz="1800" spc="-1" strike="noStrike">
-              <a:solidFill>
-                <a:srgbClr val="000000"/>
-              </a:solidFill>
-              <a:latin typeface="Rockwell"/>
+            <a:pPr algn="ctr">
+              <a:buNone/>
+            </a:pPr>
+            <a:endParaRPr b="0" lang="en-IE" sz="4400" spc="-1" strike="noStrike">
+              <a:latin typeface="Arial"/>
             </a:endParaRPr>
           </a:p>
         </p:txBody>
@@ -4893,8 +4712,8 @@
         </p:nvSpPr>
         <p:spPr>
           <a:xfrm>
-            <a:off x="1069920" y="2121480"/>
-            <a:ext cx="4908240" cy="1931760"/>
+            <a:off x="609480" y="1604520"/>
+            <a:ext cx="5354280" cy="1896840"/>
           </a:xfrm>
           <a:prstGeom prst="rect">
             <a:avLst/>
@@ -4909,20 +4728,8 @@
             <a:normAutofit/>
           </a:bodyPr>
           <a:p>
-            <a:pPr>
-              <a:lnSpc>
-                <a:spcPct val="90000"/>
-              </a:lnSpc>
-              <a:spcBef>
-                <a:spcPts val="1417"/>
-              </a:spcBef>
-              <a:buNone/>
-            </a:pPr>
-            <a:endParaRPr b="0" lang="en-US" sz="2000" spc="-1" strike="noStrike">
-              <a:solidFill>
-                <a:srgbClr val="000000"/>
-              </a:solidFill>
-              <a:latin typeface="Rockwell"/>
+            <a:endParaRPr b="0" lang="en-IE" sz="3200" spc="-1" strike="noStrike">
+              <a:latin typeface="Arial"/>
             </a:endParaRPr>
           </a:p>
         </p:txBody>
@@ -4939,8 +4746,8 @@
         </p:nvSpPr>
         <p:spPr>
           <a:xfrm>
-            <a:off x="6224040" y="2121480"/>
-            <a:ext cx="4908240" cy="4050360"/>
+            <a:off x="6231960" y="1604520"/>
+            <a:ext cx="5354280" cy="3977280"/>
           </a:xfrm>
           <a:prstGeom prst="rect">
             <a:avLst/>
@@ -4955,20 +4762,8 @@
             <a:normAutofit/>
           </a:bodyPr>
           <a:p>
-            <a:pPr>
-              <a:lnSpc>
-                <a:spcPct val="90000"/>
-              </a:lnSpc>
-              <a:spcBef>
-                <a:spcPts val="1417"/>
-              </a:spcBef>
-              <a:buNone/>
-            </a:pPr>
-            <a:endParaRPr b="0" lang="en-US" sz="2000" spc="-1" strike="noStrike">
-              <a:solidFill>
-                <a:srgbClr val="000000"/>
-              </a:solidFill>
-              <a:latin typeface="Rockwell"/>
+            <a:endParaRPr b="0" lang="en-IE" sz="3200" spc="-1" strike="noStrike">
+              <a:latin typeface="Arial"/>
             </a:endParaRPr>
           </a:p>
         </p:txBody>
@@ -4985,8 +4780,8 @@
         </p:nvSpPr>
         <p:spPr>
           <a:xfrm>
-            <a:off x="1069920" y="4237200"/>
-            <a:ext cx="4908240" cy="1931760"/>
+            <a:off x="609480" y="3682080"/>
+            <a:ext cx="5354280" cy="1896840"/>
           </a:xfrm>
           <a:prstGeom prst="rect">
             <a:avLst/>
@@ -5001,20 +4796,8 @@
             <a:normAutofit/>
           </a:bodyPr>
           <a:p>
-            <a:pPr>
-              <a:lnSpc>
-                <a:spcPct val="90000"/>
-              </a:lnSpc>
-              <a:spcBef>
-                <a:spcPts val="1417"/>
-              </a:spcBef>
-              <a:buNone/>
-            </a:pPr>
-            <a:endParaRPr b="0" lang="en-US" sz="2000" spc="-1" strike="noStrike">
-              <a:solidFill>
-                <a:srgbClr val="000000"/>
-              </a:solidFill>
-              <a:latin typeface="Rockwell"/>
+            <a:endParaRPr b="0" lang="en-IE" sz="3200" spc="-1" strike="noStrike">
+              <a:latin typeface="Arial"/>
             </a:endParaRPr>
           </a:p>
         </p:txBody>
@@ -5026,7 +4809,7 @@
             <a:spLocks noGrp="1"/>
           </p:cNvSpPr>
           <p:nvPr>
-            <p:ph type="ftr" idx="2"/>
+            <p:ph type="ftr" idx="1"/>
           </p:nvPr>
         </p:nvSpPr>
         <p:spPr/>
@@ -5046,14 +4829,14 @@
             <a:spLocks noGrp="1"/>
           </p:cNvSpPr>
           <p:nvPr>
-            <p:ph type="sldNum" idx="3"/>
+            <p:ph type="sldNum" idx="2"/>
           </p:nvPr>
         </p:nvSpPr>
         <p:spPr/>
         <p:txBody>
           <a:bodyPr/>
           <a:p>
-            <a:fld id="{6E05674F-660B-4D51-980C-F99AA77E8C96}" type="slidenum">
+            <a:fld id="{4A5D2069-A0E7-4524-9457-18F3AF41AD6E}" type="slidenum">
               <a:t>&lt;#&gt;</a:t>
             </a:fld>
           </a:p>
@@ -5066,7 +4849,7 @@
             <a:spLocks noGrp="1"/>
           </p:cNvSpPr>
           <p:nvPr>
-            <p:ph type="dt" idx="1"/>
+            <p:ph type="dt" idx="3"/>
           </p:nvPr>
         </p:nvSpPr>
         <p:spPr/>
@@ -5114,8 +4897,8 @@
         </p:nvSpPr>
         <p:spPr>
           <a:xfrm>
-            <a:off x="1069920" y="484560"/>
-            <a:ext cx="10058040" cy="1608840"/>
+            <a:off x="609480" y="273600"/>
+            <a:ext cx="10972440" cy="1144800"/>
           </a:xfrm>
           <a:prstGeom prst="rect">
             <a:avLst/>
@@ -5130,11 +4913,11 @@
             <a:noAutofit/>
           </a:bodyPr>
           <a:p>
-            <a:endParaRPr b="0" lang="en-US" sz="1800" spc="-1" strike="noStrike">
-              <a:solidFill>
-                <a:srgbClr val="000000"/>
-              </a:solidFill>
-              <a:latin typeface="Rockwell"/>
+            <a:pPr algn="ctr">
+              <a:buNone/>
+            </a:pPr>
+            <a:endParaRPr b="0" lang="en-IE" sz="4400" spc="-1" strike="noStrike">
+              <a:latin typeface="Arial"/>
             </a:endParaRPr>
           </a:p>
         </p:txBody>
@@ -5151,8 +4934,8 @@
         </p:nvSpPr>
         <p:spPr>
           <a:xfrm>
-            <a:off x="1069920" y="2121480"/>
-            <a:ext cx="4908240" cy="4050360"/>
+            <a:off x="609480" y="1604520"/>
+            <a:ext cx="5354280" cy="3977280"/>
           </a:xfrm>
           <a:prstGeom prst="rect">
             <a:avLst/>
@@ -5167,20 +4950,8 @@
             <a:normAutofit/>
           </a:bodyPr>
           <a:p>
-            <a:pPr>
-              <a:lnSpc>
-                <a:spcPct val="90000"/>
-              </a:lnSpc>
-              <a:spcBef>
-                <a:spcPts val="1417"/>
-              </a:spcBef>
-              <a:buNone/>
-            </a:pPr>
-            <a:endParaRPr b="0" lang="en-US" sz="2000" spc="-1" strike="noStrike">
-              <a:solidFill>
-                <a:srgbClr val="000000"/>
-              </a:solidFill>
-              <a:latin typeface="Rockwell"/>
+            <a:endParaRPr b="0" lang="en-IE" sz="3200" spc="-1" strike="noStrike">
+              <a:latin typeface="Arial"/>
             </a:endParaRPr>
           </a:p>
         </p:txBody>
@@ -5197,8 +4968,8 @@
         </p:nvSpPr>
         <p:spPr>
           <a:xfrm>
-            <a:off x="6224040" y="2121480"/>
-            <a:ext cx="4908240" cy="1931760"/>
+            <a:off x="6231960" y="1604520"/>
+            <a:ext cx="5354280" cy="1896840"/>
           </a:xfrm>
           <a:prstGeom prst="rect">
             <a:avLst/>
@@ -5213,20 +4984,8 @@
             <a:normAutofit/>
           </a:bodyPr>
           <a:p>
-            <a:pPr>
-              <a:lnSpc>
-                <a:spcPct val="90000"/>
-              </a:lnSpc>
-              <a:spcBef>
-                <a:spcPts val="1417"/>
-              </a:spcBef>
-              <a:buNone/>
-            </a:pPr>
-            <a:endParaRPr b="0" lang="en-US" sz="2000" spc="-1" strike="noStrike">
-              <a:solidFill>
-                <a:srgbClr val="000000"/>
-              </a:solidFill>
-              <a:latin typeface="Rockwell"/>
+            <a:endParaRPr b="0" lang="en-IE" sz="3200" spc="-1" strike="noStrike">
+              <a:latin typeface="Arial"/>
             </a:endParaRPr>
           </a:p>
         </p:txBody>
@@ -5243,8 +5002,8 @@
         </p:nvSpPr>
         <p:spPr>
           <a:xfrm>
-            <a:off x="6224040" y="4237200"/>
-            <a:ext cx="4908240" cy="1931760"/>
+            <a:off x="6231960" y="3682080"/>
+            <a:ext cx="5354280" cy="1896840"/>
           </a:xfrm>
           <a:prstGeom prst="rect">
             <a:avLst/>
@@ -5259,20 +5018,8 @@
             <a:normAutofit/>
           </a:bodyPr>
           <a:p>
-            <a:pPr>
-              <a:lnSpc>
-                <a:spcPct val="90000"/>
-              </a:lnSpc>
-              <a:spcBef>
-                <a:spcPts val="1417"/>
-              </a:spcBef>
-              <a:buNone/>
-            </a:pPr>
-            <a:endParaRPr b="0" lang="en-US" sz="2000" spc="-1" strike="noStrike">
-              <a:solidFill>
-                <a:srgbClr val="000000"/>
-              </a:solidFill>
-              <a:latin typeface="Rockwell"/>
+            <a:endParaRPr b="0" lang="en-IE" sz="3200" spc="-1" strike="noStrike">
+              <a:latin typeface="Arial"/>
             </a:endParaRPr>
           </a:p>
         </p:txBody>
@@ -5284,7 +5031,7 @@
             <a:spLocks noGrp="1"/>
           </p:cNvSpPr>
           <p:nvPr>
-            <p:ph type="ftr" idx="2"/>
+            <p:ph type="ftr" idx="1"/>
           </p:nvPr>
         </p:nvSpPr>
         <p:spPr/>
@@ -5304,14 +5051,14 @@
             <a:spLocks noGrp="1"/>
           </p:cNvSpPr>
           <p:nvPr>
-            <p:ph type="sldNum" idx="3"/>
+            <p:ph type="sldNum" idx="2"/>
           </p:nvPr>
         </p:nvSpPr>
         <p:spPr/>
         <p:txBody>
           <a:bodyPr/>
           <a:p>
-            <a:fld id="{9E823A8A-9975-4492-9678-D67357156F22}" type="slidenum">
+            <a:fld id="{B5E3E1AA-738C-4D89-A99B-26530D673A18}" type="slidenum">
               <a:t>&lt;#&gt;</a:t>
             </a:fld>
           </a:p>
@@ -5324,7 +5071,7 @@
             <a:spLocks noGrp="1"/>
           </p:cNvSpPr>
           <p:nvPr>
-            <p:ph type="dt" idx="1"/>
+            <p:ph type="dt" idx="3"/>
           </p:nvPr>
         </p:nvSpPr>
         <p:spPr/>
@@ -5372,8 +5119,8 @@
         </p:nvSpPr>
         <p:spPr>
           <a:xfrm>
-            <a:off x="1069920" y="484560"/>
-            <a:ext cx="10058040" cy="1608840"/>
+            <a:off x="609480" y="273600"/>
+            <a:ext cx="10972440" cy="1144800"/>
           </a:xfrm>
           <a:prstGeom prst="rect">
             <a:avLst/>
@@ -5388,11 +5135,11 @@
             <a:noAutofit/>
           </a:bodyPr>
           <a:p>
-            <a:endParaRPr b="0" lang="en-US" sz="1800" spc="-1" strike="noStrike">
-              <a:solidFill>
-                <a:srgbClr val="000000"/>
-              </a:solidFill>
-              <a:latin typeface="Rockwell"/>
+            <a:pPr algn="ctr">
+              <a:buNone/>
+            </a:pPr>
+            <a:endParaRPr b="0" lang="en-IE" sz="4400" spc="-1" strike="noStrike">
+              <a:latin typeface="Arial"/>
             </a:endParaRPr>
           </a:p>
         </p:txBody>
@@ -5409,8 +5156,8 @@
         </p:nvSpPr>
         <p:spPr>
           <a:xfrm>
-            <a:off x="1069920" y="2121480"/>
-            <a:ext cx="4908240" cy="1931760"/>
+            <a:off x="609480" y="1604520"/>
+            <a:ext cx="5354280" cy="1896840"/>
           </a:xfrm>
           <a:prstGeom prst="rect">
             <a:avLst/>
@@ -5425,20 +5172,8 @@
             <a:normAutofit/>
           </a:bodyPr>
           <a:p>
-            <a:pPr>
-              <a:lnSpc>
-                <a:spcPct val="90000"/>
-              </a:lnSpc>
-              <a:spcBef>
-                <a:spcPts val="1417"/>
-              </a:spcBef>
-              <a:buNone/>
-            </a:pPr>
-            <a:endParaRPr b="0" lang="en-US" sz="2000" spc="-1" strike="noStrike">
-              <a:solidFill>
-                <a:srgbClr val="000000"/>
-              </a:solidFill>
-              <a:latin typeface="Rockwell"/>
+            <a:endParaRPr b="0" lang="en-IE" sz="3200" spc="-1" strike="noStrike">
+              <a:latin typeface="Arial"/>
             </a:endParaRPr>
           </a:p>
         </p:txBody>
@@ -5455,8 +5190,8 @@
         </p:nvSpPr>
         <p:spPr>
           <a:xfrm>
-            <a:off x="6224040" y="2121480"/>
-            <a:ext cx="4908240" cy="1931760"/>
+            <a:off x="6231960" y="1604520"/>
+            <a:ext cx="5354280" cy="1896840"/>
           </a:xfrm>
           <a:prstGeom prst="rect">
             <a:avLst/>
@@ -5471,20 +5206,8 @@
             <a:normAutofit/>
           </a:bodyPr>
           <a:p>
-            <a:pPr>
-              <a:lnSpc>
-                <a:spcPct val="90000"/>
-              </a:lnSpc>
-              <a:spcBef>
-                <a:spcPts val="1417"/>
-              </a:spcBef>
-              <a:buNone/>
-            </a:pPr>
-            <a:endParaRPr b="0" lang="en-US" sz="2000" spc="-1" strike="noStrike">
-              <a:solidFill>
-                <a:srgbClr val="000000"/>
-              </a:solidFill>
-              <a:latin typeface="Rockwell"/>
+            <a:endParaRPr b="0" lang="en-IE" sz="3200" spc="-1" strike="noStrike">
+              <a:latin typeface="Arial"/>
             </a:endParaRPr>
           </a:p>
         </p:txBody>
@@ -5501,8 +5224,8 @@
         </p:nvSpPr>
         <p:spPr>
           <a:xfrm>
-            <a:off x="1069920" y="4237200"/>
-            <a:ext cx="10058040" cy="1931760"/>
+            <a:off x="609480" y="3682080"/>
+            <a:ext cx="10972440" cy="1896840"/>
           </a:xfrm>
           <a:prstGeom prst="rect">
             <a:avLst/>
@@ -5517,20 +5240,8 @@
             <a:normAutofit/>
           </a:bodyPr>
           <a:p>
-            <a:pPr>
-              <a:lnSpc>
-                <a:spcPct val="90000"/>
-              </a:lnSpc>
-              <a:spcBef>
-                <a:spcPts val="1417"/>
-              </a:spcBef>
-              <a:buNone/>
-            </a:pPr>
-            <a:endParaRPr b="0" lang="en-US" sz="2000" spc="-1" strike="noStrike">
-              <a:solidFill>
-                <a:srgbClr val="000000"/>
-              </a:solidFill>
-              <a:latin typeface="Rockwell"/>
+            <a:endParaRPr b="0" lang="en-IE" sz="3200" spc="-1" strike="noStrike">
+              <a:latin typeface="Arial"/>
             </a:endParaRPr>
           </a:p>
         </p:txBody>
@@ -5542,7 +5253,7 @@
             <a:spLocks noGrp="1"/>
           </p:cNvSpPr>
           <p:nvPr>
-            <p:ph type="ftr" idx="2"/>
+            <p:ph type="ftr" idx="1"/>
           </p:nvPr>
         </p:nvSpPr>
         <p:spPr/>
@@ -5562,14 +5273,14 @@
             <a:spLocks noGrp="1"/>
           </p:cNvSpPr>
           <p:nvPr>
-            <p:ph type="sldNum" idx="3"/>
+            <p:ph type="sldNum" idx="2"/>
           </p:nvPr>
         </p:nvSpPr>
         <p:spPr/>
         <p:txBody>
           <a:bodyPr/>
           <a:p>
-            <a:fld id="{17976A92-9C74-4734-B8CD-F4D3ACB9D362}" type="slidenum">
+            <a:fld id="{E900AF7A-7FBE-45D3-B165-315D8CBE82F3}" type="slidenum">
               <a:t>&lt;#&gt;</a:t>
             </a:fld>
           </a:p>
@@ -5582,7 +5293,7 @@
             <a:spLocks noGrp="1"/>
           </p:cNvSpPr>
           <p:nvPr>
-            <p:ph type="dt" idx="1"/>
+            <p:ph type="dt" idx="3"/>
           </p:nvPr>
         </p:nvSpPr>
         <p:spPr/>
@@ -5634,9 +5345,9 @@
         <p:grpSpPr>
           <a:xfrm>
             <a:off x="11401560" y="6229800"/>
-            <a:ext cx="456840" cy="456840"/>
+            <a:ext cx="456120" cy="456120"/>
             <a:chOff x="11401560" y="6229800"/>
-            <a:chExt cx="456840" cy="456840"/>
+            <a:chExt cx="456120" cy="456120"/>
           </a:xfrm>
         </p:grpSpPr>
         <p:sp>
@@ -5648,7 +5359,7 @@
           <p:spPr>
             <a:xfrm>
               <a:off x="11401560" y="6229800"/>
-              <a:ext cx="456840" cy="456840"/>
+              <a:ext cx="456120" cy="456120"/>
             </a:xfrm>
             <a:prstGeom prst="ellipse">
               <a:avLst/>
@@ -5678,7 +5389,7 @@
           <p:spPr>
             <a:xfrm>
               <a:off x="11431080" y="6258960"/>
-              <a:ext cx="398520" cy="398520"/>
+              <a:ext cx="397800" cy="397800"/>
             </a:xfrm>
             <a:prstGeom prst="ellipse">
               <a:avLst/>
@@ -5708,7 +5419,7 @@
         <p:spPr>
           <a:xfrm>
             <a:off x="920880" y="1347120"/>
-            <a:ext cx="10222560" cy="80280"/>
+            <a:ext cx="10221840" cy="79560"/>
           </a:xfrm>
           <a:prstGeom prst="rect">
             <a:avLst/>
@@ -5748,7 +5459,7 @@
         <p:spPr>
           <a:xfrm>
             <a:off x="920880" y="4299840"/>
-            <a:ext cx="10222560" cy="80280"/>
+            <a:ext cx="10221840" cy="79560"/>
           </a:xfrm>
           <a:prstGeom prst="rect">
             <a:avLst/>
@@ -5788,7 +5499,7 @@
         <p:spPr>
           <a:xfrm>
             <a:off x="920880" y="1484640"/>
-            <a:ext cx="10222560" cy="2742840"/>
+            <a:ext cx="10221840" cy="2742120"/>
           </a:xfrm>
           <a:prstGeom prst="rect">
             <a:avLst/>
@@ -5828,9 +5539,9 @@
         <p:grpSpPr>
           <a:xfrm>
             <a:off x="9649080" y="4069080"/>
-            <a:ext cx="1080720" cy="1080720"/>
+            <a:ext cx="1080000" cy="1080000"/>
             <a:chOff x="9649080" y="4069080"/>
-            <a:chExt cx="1080720" cy="1080720"/>
+            <a:chExt cx="1080000" cy="1080000"/>
           </a:xfrm>
         </p:grpSpPr>
         <p:sp>
@@ -5842,7 +5553,7 @@
           <p:spPr>
             <a:xfrm>
               <a:off x="9649080" y="4069080"/>
-              <a:ext cx="1080720" cy="1080720"/>
+              <a:ext cx="1080000" cy="1080000"/>
             </a:xfrm>
             <a:prstGeom prst="ellipse">
               <a:avLst/>
@@ -5872,7 +5583,7 @@
           <p:spPr>
             <a:xfrm>
               <a:off x="9757440" y="4177080"/>
-              <a:ext cx="864360" cy="864360"/>
+              <a:ext cx="863640" cy="863640"/>
             </a:xfrm>
             <a:prstGeom prst="ellipse">
               <a:avLst/>
@@ -5905,8 +5616,8 @@
         </p:nvSpPr>
         <p:spPr>
           <a:xfrm>
-            <a:off x="1051560" y="1432080"/>
-            <a:ext cx="9966600" cy="3035520"/>
+            <a:off x="609480" y="273600"/>
+            <a:ext cx="10972080" cy="1144440"/>
           </a:xfrm>
           <a:prstGeom prst="rect">
             <a:avLst/>
@@ -5917,27 +5628,18 @@
           </a:ln>
         </p:spPr>
         <p:txBody>
-          <a:bodyPr anchor="ctr">
+          <a:bodyPr lIns="0" rIns="0" tIns="0" bIns="0" anchor="ctr">
             <a:noAutofit/>
           </a:bodyPr>
           <a:p>
-            <a:pPr>
-              <a:lnSpc>
-                <a:spcPct val="80000"/>
-              </a:lnSpc>
-              <a:buNone/>
-            </a:pPr>
             <a:r>
-              <a:rPr b="0" lang="en-US" sz="9600" spc="-1" strike="noStrike" cap="all">
-                <a:latin typeface="Rockwell Condensed"/>
+              <a:rPr b="0" lang="en-IE" sz="1800" spc="-1" strike="noStrike">
+                <a:latin typeface="Arial"/>
               </a:rPr>
-              <a:t>Click to edit Master title style</a:t>
+              <a:t>Click to edit the title text format</a:t>
             </a:r>
-            <a:endParaRPr b="0" lang="en-US" sz="9600" spc="-1" strike="noStrike">
-              <a:solidFill>
-                <a:srgbClr val="000000"/>
-              </a:solidFill>
-              <a:latin typeface="Rockwell"/>
+            <a:endParaRPr b="0" lang="en-IE" sz="1800" spc="-1" strike="noStrike">
+              <a:latin typeface="Arial"/>
             </a:endParaRPr>
           </a:p>
         </p:txBody>
@@ -5949,13 +5651,13 @@
             <a:spLocks noGrp="1"/>
           </p:cNvSpPr>
           <p:nvPr>
-            <p:ph type="dt" idx="1"/>
+            <p:ph type="body"/>
           </p:nvPr>
         </p:nvSpPr>
         <p:spPr>
           <a:xfrm>
-            <a:off x="7964280" y="6272640"/>
-            <a:ext cx="3273120" cy="364680"/>
+            <a:off x="609480" y="1604520"/>
+            <a:ext cx="10972080" cy="3976920"/>
           </a:xfrm>
           <a:prstGeom prst="rect">
             <a:avLst/>
@@ -5966,41 +5668,161 @@
           </a:ln>
         </p:spPr>
         <p:txBody>
-          <a:bodyPr anchor="ctr">
-            <a:noAutofit/>
+          <a:bodyPr lIns="0" rIns="0" tIns="0" bIns="0" anchor="t">
+            <a:normAutofit/>
           </a:bodyPr>
-          <a:lstStyle>
-            <a:lvl1pPr algn="r">
-              <a:lnSpc>
-                <a:spcPct val="100000"/>
-              </a:lnSpc>
-              <a:buNone/>
-              <a:defRPr b="0" lang="en-US" sz="1100" spc="-1" strike="noStrike">
-                <a:solidFill>
-                  <a:srgbClr val="696464"/>
-                </a:solidFill>
-                <a:latin typeface="Rockwell"/>
-              </a:defRPr>
-            </a:lvl1pPr>
-          </a:lstStyle>
-          <a:p>
-            <a:pPr algn="r">
-              <a:lnSpc>
-                <a:spcPct val="100000"/>
-              </a:lnSpc>
-              <a:buNone/>
+          <a:p>
+            <a:pPr marL="432000" indent="-324000">
+              <a:spcBef>
+                <a:spcPts val="1417"/>
+              </a:spcBef>
+              <a:buClr>
+                <a:srgbClr val="000000"/>
+              </a:buClr>
+              <a:buSzPct val="45000"/>
+              <a:buFont typeface="Wingdings" charset="2"/>
+              <a:buChar char=""/>
             </a:pPr>
             <a:r>
-              <a:rPr b="0" lang="en-US" sz="1100" spc="-1" strike="noStrike">
-                <a:solidFill>
-                  <a:srgbClr val="696464"/>
-                </a:solidFill>
-                <a:latin typeface="Rockwell"/>
+              <a:rPr b="0" lang="en-IE" sz="1800" spc="-1" strike="noStrike">
+                <a:latin typeface="Arial"/>
               </a:rPr>
-              <a:t>&lt;date/time&gt;</a:t>
+              <a:t>Click to edit the outline text format</a:t>
             </a:r>
-            <a:endParaRPr b="0" lang="en-IE" sz="1100" spc="-1" strike="noStrike">
-              <a:latin typeface="Times New Roman"/>
+            <a:endParaRPr b="0" lang="en-IE" sz="1800" spc="-1" strike="noStrike">
+              <a:latin typeface="Arial"/>
+            </a:endParaRPr>
+          </a:p>
+          <a:p>
+            <a:pPr lvl="1" marL="864000" indent="-324000">
+              <a:spcBef>
+                <a:spcPts val="1134"/>
+              </a:spcBef>
+              <a:buClr>
+                <a:srgbClr val="000000"/>
+              </a:buClr>
+              <a:buSzPct val="75000"/>
+              <a:buFont typeface="Symbol" charset="2"/>
+              <a:buChar char=""/>
+            </a:pPr>
+            <a:r>
+              <a:rPr b="0" lang="en-IE" sz="1800" spc="-1" strike="noStrike">
+                <a:latin typeface="Arial"/>
+              </a:rPr>
+              <a:t>Second Outline Level</a:t>
+            </a:r>
+            <a:endParaRPr b="0" lang="en-IE" sz="1800" spc="-1" strike="noStrike">
+              <a:latin typeface="Arial"/>
+            </a:endParaRPr>
+          </a:p>
+          <a:p>
+            <a:pPr lvl="2" marL="1296000" indent="-288000">
+              <a:spcBef>
+                <a:spcPts val="850"/>
+              </a:spcBef>
+              <a:buClr>
+                <a:srgbClr val="000000"/>
+              </a:buClr>
+              <a:buSzPct val="45000"/>
+              <a:buFont typeface="Wingdings" charset="2"/>
+              <a:buChar char=""/>
+            </a:pPr>
+            <a:r>
+              <a:rPr b="0" lang="en-IE" sz="1800" spc="-1" strike="noStrike">
+                <a:latin typeface="Arial"/>
+              </a:rPr>
+              <a:t>Third Outline Level</a:t>
+            </a:r>
+            <a:endParaRPr b="0" lang="en-IE" sz="1800" spc="-1" strike="noStrike">
+              <a:latin typeface="Arial"/>
+            </a:endParaRPr>
+          </a:p>
+          <a:p>
+            <a:pPr lvl="3" marL="1728000" indent="-216000">
+              <a:spcBef>
+                <a:spcPts val="567"/>
+              </a:spcBef>
+              <a:buClr>
+                <a:srgbClr val="000000"/>
+              </a:buClr>
+              <a:buSzPct val="75000"/>
+              <a:buFont typeface="Symbol" charset="2"/>
+              <a:buChar char=""/>
+            </a:pPr>
+            <a:r>
+              <a:rPr b="0" lang="en-IE" sz="1800" spc="-1" strike="noStrike">
+                <a:latin typeface="Arial"/>
+              </a:rPr>
+              <a:t>Fourth Outline Level</a:t>
+            </a:r>
+            <a:endParaRPr b="0" lang="en-IE" sz="1800" spc="-1" strike="noStrike">
+              <a:latin typeface="Arial"/>
+            </a:endParaRPr>
+          </a:p>
+          <a:p>
+            <a:pPr lvl="4" marL="2160000" indent="-216000">
+              <a:spcBef>
+                <a:spcPts val="283"/>
+              </a:spcBef>
+              <a:buClr>
+                <a:srgbClr val="000000"/>
+              </a:buClr>
+              <a:buSzPct val="45000"/>
+              <a:buFont typeface="Wingdings" charset="2"/>
+              <a:buChar char=""/>
+            </a:pPr>
+            <a:r>
+              <a:rPr b="0" lang="en-IE" sz="1800" spc="-1" strike="noStrike">
+                <a:latin typeface="Arial"/>
+              </a:rPr>
+              <a:t>Fifth Outline Level</a:t>
+            </a:r>
+            <a:endParaRPr b="0" lang="en-IE" sz="1800" spc="-1" strike="noStrike">
+              <a:latin typeface="Arial"/>
+            </a:endParaRPr>
+          </a:p>
+          <a:p>
+            <a:pPr lvl="5" marL="2592000" indent="-216000">
+              <a:spcBef>
+                <a:spcPts val="283"/>
+              </a:spcBef>
+              <a:buClr>
+                <a:srgbClr val="000000"/>
+              </a:buClr>
+              <a:buSzPct val="45000"/>
+              <a:buFont typeface="Wingdings" charset="2"/>
+              <a:buChar char=""/>
+            </a:pPr>
+            <a:r>
+              <a:rPr b="0" lang="en-IE" sz="1800" spc="-1" strike="noStrike">
+                <a:latin typeface="Arial"/>
+              </a:rPr>
+              <a:t>Sixth Outline Level</a:t>
+            </a:r>
+            <a:endParaRPr b="0" lang="en-IE" sz="1800" spc="-1" strike="noStrike">
+              <a:latin typeface="Arial"/>
+            </a:endParaRPr>
+          </a:p>
+          <a:p>
+            <a:pPr lvl="6" marL="3024000" indent="-216000">
+              <a:spcBef>
+                <a:spcPts val="283"/>
+              </a:spcBef>
+              <a:buClr>
+                <a:srgbClr val="000000"/>
+              </a:buClr>
+              <a:buSzPct val="45000"/>
+              <a:buFont typeface="Wingdings" charset="2"/>
+              <a:buChar char=""/>
+            </a:pPr>
+            <a:r>
+              <a:rPr b="0" lang="en-IE" sz="1800" spc="-1" strike="noStrike">
+                <a:latin typeface="Arial"/>
+              </a:rPr>
+              <a:t>Seventh Outline Level</a:t>
+            </a:r>
+            <a:endParaRPr b="0" lang="en-IE" sz="1800" spc="-1" strike="noStrike">
+              <a:latin typeface="Arial"/>
             </a:endParaRPr>
           </a:p>
         </p:txBody>
@@ -6012,13 +5834,13 @@
             <a:spLocks noGrp="1"/>
           </p:cNvSpPr>
           <p:nvPr>
-            <p:ph type="ftr" idx="2"/>
+            <p:ph type="ftr" idx="1"/>
           </p:nvPr>
         </p:nvSpPr>
         <p:spPr>
           <a:xfrm>
             <a:off x="1088280" y="6272640"/>
-            <a:ext cx="6327360" cy="364680"/>
+            <a:ext cx="6326640" cy="363960"/>
           </a:xfrm>
           <a:prstGeom prst="rect">
             <a:avLst/>
@@ -6029,11 +5851,14 @@
           </a:ln>
         </p:spPr>
         <p:txBody>
-          <a:bodyPr anchor="ctr">
+          <a:bodyPr lIns="90000" rIns="90000" tIns="45000" bIns="45000" anchor="ctr">
             <a:noAutofit/>
           </a:bodyPr>
           <a:lstStyle>
             <a:lvl1pPr algn="ctr">
+              <a:lnSpc>
+                <a:spcPct val="100000"/>
+              </a:lnSpc>
               <a:buNone/>
               <a:defRPr b="0" lang="en-IE" sz="1400" spc="-1" strike="noStrike">
                 <a:latin typeface="Times New Roman"/>
@@ -6042,6 +5867,9 @@
           </a:lstStyle>
           <a:p>
             <a:pPr algn="ctr">
+              <a:lnSpc>
+                <a:spcPct val="100000"/>
+              </a:lnSpc>
               <a:buNone/>
             </a:pPr>
             <a:r>
@@ -6063,13 +5891,13 @@
             <a:spLocks noGrp="1"/>
           </p:cNvSpPr>
           <p:nvPr>
-            <p:ph type="sldNum" idx="3"/>
+            <p:ph type="sldNum" idx="2"/>
           </p:nvPr>
         </p:nvSpPr>
         <p:spPr>
           <a:xfrm>
             <a:off x="9592560" y="4289400"/>
-            <a:ext cx="1193400" cy="639720"/>
+            <a:ext cx="1192680" cy="639000"/>
           </a:xfrm>
           <a:prstGeom prst="rect">
             <a:avLst/>
@@ -6080,7 +5908,7 @@
           </a:ln>
         </p:spPr>
         <p:txBody>
-          <a:bodyPr anchor="ctr">
+          <a:bodyPr lIns="90000" rIns="90000" tIns="45000" bIns="45000" anchor="ctr">
             <a:noAutofit/>
           </a:bodyPr>
           <a:lstStyle>
@@ -6104,7 +5932,7 @@
               </a:lnSpc>
               <a:buNone/>
             </a:pPr>
-            <a:fld id="{90A9DBC5-EC50-4951-B5D4-17628C46B64D}" type="slidenum">
+            <a:fld id="{CAE7C77C-4F8B-4207-8D8F-795FA39E6F56}" type="slidenum">
               <a:rPr b="1" lang="en-US" sz="2800" spc="-1" strike="noStrike">
                 <a:solidFill>
                   <a:srgbClr val="ffffff"/>
@@ -6126,13 +5954,13 @@
             <a:spLocks noGrp="1"/>
           </p:cNvSpPr>
           <p:nvPr>
-            <p:ph type="body"/>
+            <p:ph type="dt" idx="3"/>
           </p:nvPr>
         </p:nvSpPr>
         <p:spPr>
           <a:xfrm>
-            <a:off x="609480" y="1604520"/>
-            <a:ext cx="10972440" cy="3977280"/>
+            <a:off x="7964280" y="6272640"/>
+            <a:ext cx="3272400" cy="363960"/>
           </a:xfrm>
           <a:prstGeom prst="rect">
             <a:avLst/>
@@ -6143,224 +5971,25 @@
           </a:ln>
         </p:spPr>
         <p:txBody>
-          <a:bodyPr lIns="0" rIns="0" tIns="0" bIns="0" anchor="t">
-            <a:normAutofit/>
+          <a:bodyPr lIns="90000" rIns="90000" tIns="45000" bIns="45000" anchor="ctr">
+            <a:noAutofit/>
           </a:bodyPr>
-          <a:p>
-            <a:pPr marL="432000" indent="-324000">
-              <a:lnSpc>
-                <a:spcPct val="90000"/>
-              </a:lnSpc>
-              <a:spcBef>
-                <a:spcPts val="1417"/>
-              </a:spcBef>
-              <a:buClr>
-                <a:srgbClr val="000000"/>
-              </a:buClr>
-              <a:buSzPct val="45000"/>
-              <a:buFont typeface="Wingdings" charset="2"/>
-              <a:buChar char=""/>
-            </a:pPr>
+          <a:lstStyle>
+            <a:lvl1pPr>
+              <a:defRPr b="0" lang="en-IE" sz="1400" spc="-1" strike="noStrike">
+                <a:latin typeface="Times New Roman"/>
+              </a:defRPr>
+            </a:lvl1pPr>
+          </a:lstStyle>
+          <a:p>
             <a:r>
-              <a:rPr b="0" lang="en-US" sz="2000" spc="-1" strike="noStrike">
-                <a:solidFill>
-                  <a:srgbClr val="000000"/>
-                </a:solidFill>
-                <a:latin typeface="Rockwell"/>
+              <a:rPr b="0" lang="en-IE" sz="1400" spc="-1" strike="noStrike">
+                <a:latin typeface="Times New Roman"/>
               </a:rPr>
-              <a:t>Click to edit the outline text format</a:t>
+              <a:t>&lt;date/time&gt;</a:t>
             </a:r>
-            <a:endParaRPr b="0" lang="en-US" sz="2000" spc="-1" strike="noStrike">
-              <a:solidFill>
-                <a:srgbClr val="000000"/>
-              </a:solidFill>
-              <a:latin typeface="Rockwell"/>
-            </a:endParaRPr>
-          </a:p>
-          <a:p>
-            <a:pPr lvl="1" marL="864000" indent="-324000">
-              <a:lnSpc>
-                <a:spcPct val="90000"/>
-              </a:lnSpc>
-              <a:spcBef>
-                <a:spcPts val="1134"/>
-              </a:spcBef>
-              <a:buClr>
-                <a:srgbClr val="000000"/>
-              </a:buClr>
-              <a:buSzPct val="75000"/>
-              <a:buFont typeface="Symbol" charset="2"/>
-              <a:buChar char=""/>
-            </a:pPr>
-            <a:r>
-              <a:rPr b="0" lang="en-US" sz="1600" spc="-1" strike="noStrike">
-                <a:solidFill>
-                  <a:srgbClr val="000000"/>
-                </a:solidFill>
-                <a:latin typeface="Rockwell"/>
-              </a:rPr>
-              <a:t>Second Outline Level</a:t>
-            </a:r>
-            <a:endParaRPr b="0" lang="en-US" sz="1600" spc="-1" strike="noStrike">
-              <a:solidFill>
-                <a:srgbClr val="000000"/>
-              </a:solidFill>
-              <a:latin typeface="Rockwell"/>
-            </a:endParaRPr>
-          </a:p>
-          <a:p>
-            <a:pPr lvl="2" marL="1296000" indent="-288000">
-              <a:lnSpc>
-                <a:spcPct val="90000"/>
-              </a:lnSpc>
-              <a:spcBef>
-                <a:spcPts val="850"/>
-              </a:spcBef>
-              <a:buClr>
-                <a:srgbClr val="000000"/>
-              </a:buClr>
-              <a:buSzPct val="45000"/>
-              <a:buFont typeface="Wingdings" charset="2"/>
-              <a:buChar char=""/>
-            </a:pPr>
-            <a:r>
-              <a:rPr b="0" lang="en-US" sz="1600" spc="-1" strike="noStrike">
-                <a:solidFill>
-                  <a:srgbClr val="000000"/>
-                </a:solidFill>
-                <a:latin typeface="Rockwell"/>
-              </a:rPr>
-              <a:t>Third Outline Level</a:t>
-            </a:r>
-            <a:endParaRPr b="0" lang="en-US" sz="1600" spc="-1" strike="noStrike">
-              <a:solidFill>
-                <a:srgbClr val="000000"/>
-              </a:solidFill>
-              <a:latin typeface="Rockwell"/>
-            </a:endParaRPr>
-          </a:p>
-          <a:p>
-            <a:pPr lvl="3" marL="1728000" indent="-216000">
-              <a:lnSpc>
-                <a:spcPct val="90000"/>
-              </a:lnSpc>
-              <a:spcBef>
-                <a:spcPts val="567"/>
-              </a:spcBef>
-              <a:buClr>
-                <a:srgbClr val="000000"/>
-              </a:buClr>
-              <a:buSzPct val="75000"/>
-              <a:buFont typeface="Symbol" charset="2"/>
-              <a:buChar char=""/>
-            </a:pPr>
-            <a:r>
-              <a:rPr b="0" lang="en-US" sz="1600" spc="-1" strike="noStrike">
-                <a:solidFill>
-                  <a:srgbClr val="000000"/>
-                </a:solidFill>
-                <a:latin typeface="Rockwell"/>
-              </a:rPr>
-              <a:t>Fourth Outline Level</a:t>
-            </a:r>
-            <a:endParaRPr b="0" lang="en-US" sz="1600" spc="-1" strike="noStrike">
-              <a:solidFill>
-                <a:srgbClr val="000000"/>
-              </a:solidFill>
-              <a:latin typeface="Rockwell"/>
-            </a:endParaRPr>
-          </a:p>
-          <a:p>
-            <a:pPr lvl="4" marL="2160000" indent="-216000">
-              <a:lnSpc>
-                <a:spcPct val="90000"/>
-              </a:lnSpc>
-              <a:spcBef>
-                <a:spcPts val="283"/>
-              </a:spcBef>
-              <a:buClr>
-                <a:srgbClr val="000000"/>
-              </a:buClr>
-              <a:buSzPct val="45000"/>
-              <a:buFont typeface="Wingdings" charset="2"/>
-              <a:buChar char=""/>
-            </a:pPr>
-            <a:r>
-              <a:rPr b="0" lang="en-US" sz="2000" spc="-1" strike="noStrike">
-                <a:solidFill>
-                  <a:srgbClr val="000000"/>
-                </a:solidFill>
-                <a:latin typeface="Rockwell"/>
-              </a:rPr>
-              <a:t>Fifth Outline Level</a:t>
-            </a:r>
-            <a:endParaRPr b="0" lang="en-US" sz="2000" spc="-1" strike="noStrike">
-              <a:solidFill>
-                <a:srgbClr val="000000"/>
-              </a:solidFill>
-              <a:latin typeface="Rockwell"/>
-            </a:endParaRPr>
-          </a:p>
-          <a:p>
-            <a:pPr lvl="5" marL="2592000" indent="-216000">
-              <a:lnSpc>
-                <a:spcPct val="90000"/>
-              </a:lnSpc>
-              <a:spcBef>
-                <a:spcPts val="283"/>
-              </a:spcBef>
-              <a:buClr>
-                <a:srgbClr val="000000"/>
-              </a:buClr>
-              <a:buSzPct val="45000"/>
-              <a:buFont typeface="Wingdings" charset="2"/>
-              <a:buChar char=""/>
-            </a:pPr>
-            <a:r>
-              <a:rPr b="0" lang="en-US" sz="2000" spc="-1" strike="noStrike">
-                <a:solidFill>
-                  <a:srgbClr val="000000"/>
-                </a:solidFill>
-                <a:latin typeface="Rockwell"/>
-              </a:rPr>
-              <a:t>Sixth Outline Level</a:t>
-            </a:r>
-            <a:endParaRPr b="0" lang="en-US" sz="2000" spc="-1" strike="noStrike">
-              <a:solidFill>
-                <a:srgbClr val="000000"/>
-              </a:solidFill>
-              <a:latin typeface="Rockwell"/>
-            </a:endParaRPr>
-          </a:p>
-          <a:p>
-            <a:pPr lvl="6" marL="3024000" indent="-216000">
-              <a:lnSpc>
-                <a:spcPct val="90000"/>
-              </a:lnSpc>
-              <a:spcBef>
-                <a:spcPts val="283"/>
-              </a:spcBef>
-              <a:buClr>
-                <a:srgbClr val="000000"/>
-              </a:buClr>
-              <a:buSzPct val="45000"/>
-              <a:buFont typeface="Wingdings" charset="2"/>
-              <a:buChar char=""/>
-            </a:pPr>
-            <a:r>
-              <a:rPr b="0" lang="en-US" sz="2000" spc="-1" strike="noStrike">
-                <a:solidFill>
-                  <a:srgbClr val="000000"/>
-                </a:solidFill>
-                <a:latin typeface="Rockwell"/>
-              </a:rPr>
-              <a:t>Seventh Outline Level</a:t>
-            </a:r>
-            <a:endParaRPr b="0" lang="en-US" sz="2000" spc="-1" strike="noStrike">
-              <a:solidFill>
-                <a:srgbClr val="000000"/>
-              </a:solidFill>
-              <a:latin typeface="Rockwell"/>
+            <a:endParaRPr b="0" lang="en-IE" sz="1400" spc="-1" strike="noStrike">
+              <a:latin typeface="Times New Roman"/>
             </a:endParaRPr>
           </a:p>
         </p:txBody>
@@ -6418,9 +6047,9 @@
         <p:grpSpPr>
           <a:xfrm>
             <a:off x="11401560" y="6229800"/>
-            <a:ext cx="456840" cy="456840"/>
+            <a:ext cx="456120" cy="456120"/>
             <a:chOff x="11401560" y="6229800"/>
-            <a:chExt cx="456840" cy="456840"/>
+            <a:chExt cx="456120" cy="456120"/>
           </a:xfrm>
         </p:grpSpPr>
         <p:sp>
@@ -6432,7 +6061,7 @@
           <p:spPr>
             <a:xfrm>
               <a:off x="11401560" y="6229800"/>
-              <a:ext cx="456840" cy="456840"/>
+              <a:ext cx="456120" cy="456120"/>
             </a:xfrm>
             <a:prstGeom prst="ellipse">
               <a:avLst/>
@@ -6462,7 +6091,7 @@
           <p:spPr>
             <a:xfrm>
               <a:off x="11431080" y="6258960"/>
-              <a:ext cx="398520" cy="398520"/>
+              <a:ext cx="397800" cy="397800"/>
             </a:xfrm>
             <a:prstGeom prst="ellipse">
               <a:avLst/>
@@ -6490,13 +6119,13 @@
             <a:spLocks noGrp="1"/>
           </p:cNvSpPr>
           <p:nvPr>
-            <p:ph type="title"/>
+            <p:ph type="ftr" idx="4"/>
           </p:nvPr>
         </p:nvSpPr>
         <p:spPr>
           <a:xfrm>
-            <a:off x="1069920" y="484560"/>
-            <a:ext cx="10058040" cy="1608840"/>
+            <a:off x="1088280" y="6272640"/>
+            <a:ext cx="6326640" cy="363960"/>
           </a:xfrm>
           <a:prstGeom prst="rect">
             <a:avLst/>
@@ -6507,319 +6136,14 @@
           </a:ln>
         </p:spPr>
         <p:txBody>
-          <a:bodyPr anchor="ctr">
-            <a:noAutofit/>
-          </a:bodyPr>
-          <a:p>
-            <a:pPr>
-              <a:lnSpc>
-                <a:spcPct val="90000"/>
-              </a:lnSpc>
-              <a:buNone/>
-            </a:pPr>
-            <a:r>
-              <a:rPr b="0" lang="en-US" sz="5400" spc="-1" strike="noStrike" cap="all">
-                <a:latin typeface="Rockwell Condensed"/>
-              </a:rPr>
-              <a:t>Click to edit Master title style</a:t>
-            </a:r>
-            <a:endParaRPr b="0" lang="en-US" sz="5400" spc="-1" strike="noStrike">
-              <a:solidFill>
-                <a:srgbClr val="000000"/>
-              </a:solidFill>
-              <a:latin typeface="Rockwell"/>
-            </a:endParaRPr>
-          </a:p>
-        </p:txBody>
-      </p:sp>
-      <p:sp>
-        <p:nvSpPr>
-          <p:cNvPr id="54" name="PlaceHolder 2"/>
-          <p:cNvSpPr>
-            <a:spLocks noGrp="1"/>
-          </p:cNvSpPr>
-          <p:nvPr>
-            <p:ph type="body"/>
-          </p:nvPr>
-        </p:nvSpPr>
-        <p:spPr>
-          <a:xfrm>
-            <a:off x="1069920" y="2121480"/>
-            <a:ext cx="10058040" cy="4050360"/>
-          </a:xfrm>
-          <a:prstGeom prst="rect">
-            <a:avLst/>
-          </a:prstGeom>
-          <a:noFill/>
-          <a:ln w="0">
-            <a:noFill/>
-          </a:ln>
-        </p:spPr>
-        <p:txBody>
-          <a:bodyPr anchor="t">
-            <a:noAutofit/>
-          </a:bodyPr>
-          <a:p>
-            <a:pPr marL="182880" indent="-182880">
-              <a:lnSpc>
-                <a:spcPct val="90000"/>
-              </a:lnSpc>
-              <a:spcBef>
-                <a:spcPts val="1199"/>
-              </a:spcBef>
-              <a:buClr>
-                <a:srgbClr val="9e3611"/>
-              </a:buClr>
-              <a:buSzPct val="85000"/>
-              <a:buFont typeface="Wingdings" charset="2"/>
-              <a:buChar char=""/>
-            </a:pPr>
-            <a:r>
-              <a:rPr b="0" lang="en-US" sz="2000" spc="-1" strike="noStrike">
-                <a:solidFill>
-                  <a:srgbClr val="000000"/>
-                </a:solidFill>
-                <a:latin typeface="Rockwell"/>
-              </a:rPr>
-              <a:t>Click to edit Master text styles</a:t>
-            </a:r>
-            <a:endParaRPr b="0" lang="en-US" sz="2000" spc="-1" strike="noStrike">
-              <a:solidFill>
-                <a:srgbClr val="000000"/>
-              </a:solidFill>
-              <a:latin typeface="Rockwell"/>
-            </a:endParaRPr>
-          </a:p>
-          <a:p>
-            <a:pPr lvl="1" marL="457200" indent="-182880">
-              <a:lnSpc>
-                <a:spcPct val="90000"/>
-              </a:lnSpc>
-              <a:spcBef>
-                <a:spcPts val="400"/>
-              </a:spcBef>
-              <a:spcAft>
-                <a:spcPts val="201"/>
-              </a:spcAft>
-              <a:buClr>
-                <a:srgbClr val="9e3611"/>
-              </a:buClr>
-              <a:buSzPct val="85000"/>
-              <a:buFont typeface="Wingdings" charset="2"/>
-              <a:buChar char=""/>
-            </a:pPr>
-            <a:r>
-              <a:rPr b="0" lang="en-US" sz="1800" spc="-1" strike="noStrike">
-                <a:solidFill>
-                  <a:srgbClr val="000000"/>
-                </a:solidFill>
-                <a:latin typeface="Rockwell"/>
-              </a:rPr>
-              <a:t>Second level</a:t>
-            </a:r>
-            <a:endParaRPr b="0" lang="en-US" sz="1800" spc="-1" strike="noStrike">
-              <a:solidFill>
-                <a:srgbClr val="000000"/>
-              </a:solidFill>
-              <a:latin typeface="Rockwell"/>
-            </a:endParaRPr>
-          </a:p>
-          <a:p>
-            <a:pPr lvl="2" marL="731520" indent="-182880">
-              <a:lnSpc>
-                <a:spcPct val="90000"/>
-              </a:lnSpc>
-              <a:spcBef>
-                <a:spcPts val="400"/>
-              </a:spcBef>
-              <a:spcAft>
-                <a:spcPts val="201"/>
-              </a:spcAft>
-              <a:buClr>
-                <a:srgbClr val="9e3611"/>
-              </a:buClr>
-              <a:buSzPct val="85000"/>
-              <a:buFont typeface="Wingdings" charset="2"/>
-              <a:buChar char=""/>
-            </a:pPr>
-            <a:r>
-              <a:rPr b="0" lang="en-US" sz="1600" spc="-1" strike="noStrike">
-                <a:solidFill>
-                  <a:srgbClr val="000000"/>
-                </a:solidFill>
-                <a:latin typeface="Rockwell"/>
-              </a:rPr>
-              <a:t>Third level</a:t>
-            </a:r>
-            <a:endParaRPr b="0" lang="en-US" sz="1600" spc="-1" strike="noStrike">
-              <a:solidFill>
-                <a:srgbClr val="000000"/>
-              </a:solidFill>
-              <a:latin typeface="Rockwell"/>
-            </a:endParaRPr>
-          </a:p>
-          <a:p>
-            <a:pPr lvl="3" marL="1005840" indent="-182880">
-              <a:lnSpc>
-                <a:spcPct val="90000"/>
-              </a:lnSpc>
-              <a:spcBef>
-                <a:spcPts val="400"/>
-              </a:spcBef>
-              <a:spcAft>
-                <a:spcPts val="201"/>
-              </a:spcAft>
-              <a:buClr>
-                <a:srgbClr val="9e3611"/>
-              </a:buClr>
-              <a:buSzPct val="85000"/>
-              <a:buFont typeface="Wingdings" charset="2"/>
-              <a:buChar char=""/>
-            </a:pPr>
-            <a:r>
-              <a:rPr b="0" lang="en-US" sz="1600" spc="-1" strike="noStrike">
-                <a:solidFill>
-                  <a:srgbClr val="000000"/>
-                </a:solidFill>
-                <a:latin typeface="Rockwell"/>
-              </a:rPr>
-              <a:t>Fourth level</a:t>
-            </a:r>
-            <a:endParaRPr b="0" lang="en-US" sz="1600" spc="-1" strike="noStrike">
-              <a:solidFill>
-                <a:srgbClr val="000000"/>
-              </a:solidFill>
-              <a:latin typeface="Rockwell"/>
-            </a:endParaRPr>
-          </a:p>
-          <a:p>
-            <a:pPr lvl="4" marL="1280160" indent="-182880">
-              <a:lnSpc>
-                <a:spcPct val="90000"/>
-              </a:lnSpc>
-              <a:spcBef>
-                <a:spcPts val="400"/>
-              </a:spcBef>
-              <a:spcAft>
-                <a:spcPts val="201"/>
-              </a:spcAft>
-              <a:buClr>
-                <a:srgbClr val="9e3611"/>
-              </a:buClr>
-              <a:buSzPct val="85000"/>
-              <a:buFont typeface="Wingdings" charset="2"/>
-              <a:buChar char=""/>
-            </a:pPr>
-            <a:r>
-              <a:rPr b="0" lang="en-US" sz="1600" spc="-1" strike="noStrike">
-                <a:solidFill>
-                  <a:srgbClr val="000000"/>
-                </a:solidFill>
-                <a:latin typeface="Rockwell"/>
-              </a:rPr>
-              <a:t>Fifth level</a:t>
-            </a:r>
-            <a:endParaRPr b="0" lang="en-US" sz="1600" spc="-1" strike="noStrike">
-              <a:solidFill>
-                <a:srgbClr val="000000"/>
-              </a:solidFill>
-              <a:latin typeface="Rockwell"/>
-            </a:endParaRPr>
-          </a:p>
-        </p:txBody>
-      </p:sp>
-      <p:sp>
-        <p:nvSpPr>
-          <p:cNvPr id="55" name="PlaceHolder 3"/>
-          <p:cNvSpPr>
-            <a:spLocks noGrp="1"/>
-          </p:cNvSpPr>
-          <p:nvPr>
-            <p:ph type="dt" idx="4"/>
-          </p:nvPr>
-        </p:nvSpPr>
-        <p:spPr>
-          <a:xfrm>
-            <a:off x="7964280" y="6272640"/>
-            <a:ext cx="3273120" cy="364680"/>
-          </a:xfrm>
-          <a:prstGeom prst="rect">
-            <a:avLst/>
-          </a:prstGeom>
-          <a:noFill/>
-          <a:ln w="0">
-            <a:noFill/>
-          </a:ln>
-        </p:spPr>
-        <p:txBody>
-          <a:bodyPr anchor="ctr">
-            <a:noAutofit/>
-          </a:bodyPr>
-          <a:lstStyle>
-            <a:lvl1pPr algn="r">
-              <a:lnSpc>
-                <a:spcPct val="100000"/>
-              </a:lnSpc>
-              <a:buNone/>
-              <a:defRPr b="0" lang="en-US" sz="1100" spc="-1" strike="noStrike">
-                <a:solidFill>
-                  <a:srgbClr val="696464"/>
-                </a:solidFill>
-                <a:latin typeface="Rockwell"/>
-              </a:defRPr>
-            </a:lvl1pPr>
-          </a:lstStyle>
-          <a:p>
-            <a:pPr algn="r">
-              <a:lnSpc>
-                <a:spcPct val="100000"/>
-              </a:lnSpc>
-              <a:buNone/>
-            </a:pPr>
-            <a:r>
-              <a:rPr b="0" lang="en-US" sz="1100" spc="-1" strike="noStrike">
-                <a:solidFill>
-                  <a:srgbClr val="696464"/>
-                </a:solidFill>
-                <a:latin typeface="Rockwell"/>
-              </a:rPr>
-              <a:t>&lt;date/time&gt;</a:t>
-            </a:r>
-            <a:endParaRPr b="0" lang="en-IE" sz="1100" spc="-1" strike="noStrike">
-              <a:latin typeface="Times New Roman"/>
-            </a:endParaRPr>
-          </a:p>
-        </p:txBody>
-      </p:sp>
-      <p:sp>
-        <p:nvSpPr>
-          <p:cNvPr id="56" name="PlaceHolder 4"/>
-          <p:cNvSpPr>
-            <a:spLocks noGrp="1"/>
-          </p:cNvSpPr>
-          <p:nvPr>
-            <p:ph type="ftr" idx="5"/>
-          </p:nvPr>
-        </p:nvSpPr>
-        <p:spPr>
-          <a:xfrm>
-            <a:off x="1088280" y="6272640"/>
-            <a:ext cx="6327360" cy="364680"/>
-          </a:xfrm>
-          <a:prstGeom prst="rect">
-            <a:avLst/>
-          </a:prstGeom>
-          <a:noFill/>
-          <a:ln w="0">
-            <a:noFill/>
-          </a:ln>
-        </p:spPr>
-        <p:txBody>
-          <a:bodyPr anchor="ctr">
+          <a:bodyPr lIns="90000" rIns="90000" tIns="45000" bIns="45000" anchor="ctr">
             <a:noAutofit/>
           </a:bodyPr>
           <a:lstStyle>
             <a:lvl1pPr algn="ctr">
+              <a:lnSpc>
+                <a:spcPct val="100000"/>
+              </a:lnSpc>
               <a:buNone/>
               <a:defRPr b="0" lang="en-IE" sz="1400" spc="-1" strike="noStrike">
                 <a:latin typeface="Times New Roman"/>
@@ -6828,6 +6152,9 @@
           </a:lstStyle>
           <a:p>
             <a:pPr algn="ctr">
+              <a:lnSpc>
+                <a:spcPct val="100000"/>
+              </a:lnSpc>
               <a:buNone/>
             </a:pPr>
             <a:r>
@@ -6844,18 +6171,18 @@
       </p:sp>
       <p:sp>
         <p:nvSpPr>
-          <p:cNvPr id="57" name="PlaceHolder 5"/>
+          <p:cNvPr id="54" name="PlaceHolder 2"/>
           <p:cNvSpPr>
             <a:spLocks noGrp="1"/>
           </p:cNvSpPr>
           <p:nvPr>
-            <p:ph type="sldNum" idx="6"/>
+            <p:ph type="sldNum" idx="5"/>
           </p:nvPr>
         </p:nvSpPr>
         <p:spPr>
           <a:xfrm>
             <a:off x="11311200" y="6272640"/>
-            <a:ext cx="639720" cy="364680"/>
+            <a:ext cx="639000" cy="363960"/>
           </a:xfrm>
           <a:prstGeom prst="rect">
             <a:avLst/>
@@ -6866,7 +6193,7 @@
           </a:ln>
         </p:spPr>
         <p:txBody>
-          <a:bodyPr anchor="ctr">
+          <a:bodyPr lIns="90000" rIns="90000" tIns="45000" bIns="45000" anchor="ctr">
             <a:noAutofit/>
           </a:bodyPr>
           <a:lstStyle>
@@ -6890,7 +6217,7 @@
               </a:lnSpc>
               <a:buNone/>
             </a:pPr>
-            <a:fld id="{E49C975E-8C5B-4E8F-811A-F5AE59DEB34C}" type="slidenum">
+            <a:fld id="{271CB06F-2F87-436E-9B6A-1A4A21B9A072}" type="slidenum">
               <a:rPr b="1" lang="en-US" sz="1400" spc="-1" strike="noStrike">
                 <a:solidFill>
                   <a:srgbClr val="ffffff"/>
@@ -6901,6 +6228,279 @@
             </a:fld>
             <a:endParaRPr b="0" lang="en-IE" sz="1400" spc="-1" strike="noStrike">
               <a:latin typeface="Times New Roman"/>
+            </a:endParaRPr>
+          </a:p>
+        </p:txBody>
+      </p:sp>
+      <p:sp>
+        <p:nvSpPr>
+          <p:cNvPr id="55" name="PlaceHolder 3"/>
+          <p:cNvSpPr>
+            <a:spLocks noGrp="1"/>
+          </p:cNvSpPr>
+          <p:nvPr>
+            <p:ph type="dt" idx="6"/>
+          </p:nvPr>
+        </p:nvSpPr>
+        <p:spPr>
+          <a:xfrm>
+            <a:off x="7964280" y="6272640"/>
+            <a:ext cx="3272400" cy="363960"/>
+          </a:xfrm>
+          <a:prstGeom prst="rect">
+            <a:avLst/>
+          </a:prstGeom>
+          <a:noFill/>
+          <a:ln w="0">
+            <a:noFill/>
+          </a:ln>
+        </p:spPr>
+        <p:txBody>
+          <a:bodyPr lIns="90000" rIns="90000" tIns="45000" bIns="45000" anchor="ctr">
+            <a:noAutofit/>
+          </a:bodyPr>
+          <a:lstStyle>
+            <a:lvl1pPr>
+              <a:defRPr b="0" lang="en-IE" sz="1400" spc="-1" strike="noStrike">
+                <a:latin typeface="Times New Roman"/>
+              </a:defRPr>
+            </a:lvl1pPr>
+          </a:lstStyle>
+          <a:p>
+            <a:r>
+              <a:rPr b="0" lang="en-IE" sz="1400" spc="-1" strike="noStrike">
+                <a:latin typeface="Times New Roman"/>
+              </a:rPr>
+              <a:t>&lt;date/time&gt;</a:t>
+            </a:r>
+            <a:endParaRPr b="0" lang="en-IE" sz="1400" spc="-1" strike="noStrike">
+              <a:latin typeface="Times New Roman"/>
+            </a:endParaRPr>
+          </a:p>
+        </p:txBody>
+      </p:sp>
+      <p:sp>
+        <p:nvSpPr>
+          <p:cNvPr id="56" name="PlaceHolder 4"/>
+          <p:cNvSpPr>
+            <a:spLocks noGrp="1"/>
+          </p:cNvSpPr>
+          <p:nvPr>
+            <p:ph type="title"/>
+          </p:nvPr>
+        </p:nvSpPr>
+        <p:spPr>
+          <a:xfrm>
+            <a:off x="609480" y="273600"/>
+            <a:ext cx="10972440" cy="1144800"/>
+          </a:xfrm>
+          <a:prstGeom prst="rect">
+            <a:avLst/>
+          </a:prstGeom>
+          <a:noFill/>
+          <a:ln w="0">
+            <a:noFill/>
+          </a:ln>
+        </p:spPr>
+        <p:txBody>
+          <a:bodyPr lIns="0" rIns="0" tIns="0" bIns="0" anchor="ctr">
+            <a:noAutofit/>
+          </a:bodyPr>
+          <a:p>
+            <a:pPr algn="ctr">
+              <a:buNone/>
+            </a:pPr>
+            <a:r>
+              <a:rPr b="0" lang="en-IE" sz="4400" spc="-1" strike="noStrike">
+                <a:latin typeface="Arial"/>
+              </a:rPr>
+              <a:t>Click to edit the title text format</a:t>
+            </a:r>
+            <a:endParaRPr b="0" lang="en-IE" sz="4400" spc="-1" strike="noStrike">
+              <a:latin typeface="Arial"/>
+            </a:endParaRPr>
+          </a:p>
+        </p:txBody>
+      </p:sp>
+      <p:sp>
+        <p:nvSpPr>
+          <p:cNvPr id="57" name="PlaceHolder 5"/>
+          <p:cNvSpPr>
+            <a:spLocks noGrp="1"/>
+          </p:cNvSpPr>
+          <p:nvPr>
+            <p:ph type="body"/>
+          </p:nvPr>
+        </p:nvSpPr>
+        <p:spPr>
+          <a:xfrm>
+            <a:off x="609480" y="1604520"/>
+            <a:ext cx="10972440" cy="3977280"/>
+          </a:xfrm>
+          <a:prstGeom prst="rect">
+            <a:avLst/>
+          </a:prstGeom>
+          <a:noFill/>
+          <a:ln w="0">
+            <a:noFill/>
+          </a:ln>
+        </p:spPr>
+        <p:txBody>
+          <a:bodyPr lIns="0" rIns="0" tIns="0" bIns="0" anchor="t">
+            <a:normAutofit/>
+          </a:bodyPr>
+          <a:p>
+            <a:pPr marL="432000" indent="-324000">
+              <a:spcBef>
+                <a:spcPts val="1417"/>
+              </a:spcBef>
+              <a:buClr>
+                <a:srgbClr val="000000"/>
+              </a:buClr>
+              <a:buSzPct val="45000"/>
+              <a:buFont typeface="Wingdings" charset="2"/>
+              <a:buChar char=""/>
+            </a:pPr>
+            <a:r>
+              <a:rPr b="0" lang="en-IE" sz="3200" spc="-1" strike="noStrike">
+                <a:latin typeface="Arial"/>
+              </a:rPr>
+              <a:t>Click to edit the outline text format</a:t>
+            </a:r>
+            <a:endParaRPr b="0" lang="en-IE" sz="3200" spc="-1" strike="noStrike">
+              <a:latin typeface="Arial"/>
+            </a:endParaRPr>
+          </a:p>
+          <a:p>
+            <a:pPr lvl="1" marL="864000" indent="-324000">
+              <a:spcBef>
+                <a:spcPts val="1134"/>
+              </a:spcBef>
+              <a:buClr>
+                <a:srgbClr val="000000"/>
+              </a:buClr>
+              <a:buSzPct val="75000"/>
+              <a:buFont typeface="Symbol" charset="2"/>
+              <a:buChar char=""/>
+            </a:pPr>
+            <a:r>
+              <a:rPr b="0" lang="en-IE" sz="2800" spc="-1" strike="noStrike">
+                <a:latin typeface="Arial"/>
+              </a:rPr>
+              <a:t>Second Outline Level</a:t>
+            </a:r>
+            <a:endParaRPr b="0" lang="en-IE" sz="2800" spc="-1" strike="noStrike">
+              <a:latin typeface="Arial"/>
+            </a:endParaRPr>
+          </a:p>
+          <a:p>
+            <a:pPr lvl="2" marL="1296000" indent="-288000">
+              <a:spcBef>
+                <a:spcPts val="850"/>
+              </a:spcBef>
+              <a:buClr>
+                <a:srgbClr val="000000"/>
+              </a:buClr>
+              <a:buSzPct val="45000"/>
+              <a:buFont typeface="Wingdings" charset="2"/>
+              <a:buChar char=""/>
+            </a:pPr>
+            <a:r>
+              <a:rPr b="0" lang="en-IE" sz="2400" spc="-1" strike="noStrike">
+                <a:latin typeface="Arial"/>
+              </a:rPr>
+              <a:t>Third Outline Level</a:t>
+            </a:r>
+            <a:endParaRPr b="0" lang="en-IE" sz="2400" spc="-1" strike="noStrike">
+              <a:latin typeface="Arial"/>
+            </a:endParaRPr>
+          </a:p>
+          <a:p>
+            <a:pPr lvl="3" marL="1728000" indent="-216000">
+              <a:spcBef>
+                <a:spcPts val="567"/>
+              </a:spcBef>
+              <a:buClr>
+                <a:srgbClr val="000000"/>
+              </a:buClr>
+              <a:buSzPct val="75000"/>
+              <a:buFont typeface="Symbol" charset="2"/>
+              <a:buChar char=""/>
+            </a:pPr>
+            <a:r>
+              <a:rPr b="0" lang="en-IE" sz="2000" spc="-1" strike="noStrike">
+                <a:latin typeface="Arial"/>
+              </a:rPr>
+              <a:t>Fourth Outline Level</a:t>
+            </a:r>
+            <a:endParaRPr b="0" lang="en-IE" sz="2000" spc="-1" strike="noStrike">
+              <a:latin typeface="Arial"/>
+            </a:endParaRPr>
+          </a:p>
+          <a:p>
+            <a:pPr lvl="4" marL="2160000" indent="-216000">
+              <a:spcBef>
+                <a:spcPts val="283"/>
+              </a:spcBef>
+              <a:buClr>
+                <a:srgbClr val="000000"/>
+              </a:buClr>
+              <a:buSzPct val="45000"/>
+              <a:buFont typeface="Wingdings" charset="2"/>
+              <a:buChar char=""/>
+            </a:pPr>
+            <a:r>
+              <a:rPr b="0" lang="en-IE" sz="2000" spc="-1" strike="noStrike">
+                <a:latin typeface="Arial"/>
+              </a:rPr>
+              <a:t>Fifth Outline Level</a:t>
+            </a:r>
+            <a:endParaRPr b="0" lang="en-IE" sz="2000" spc="-1" strike="noStrike">
+              <a:latin typeface="Arial"/>
+            </a:endParaRPr>
+          </a:p>
+          <a:p>
+            <a:pPr lvl="5" marL="2592000" indent="-216000">
+              <a:spcBef>
+                <a:spcPts val="283"/>
+              </a:spcBef>
+              <a:buClr>
+                <a:srgbClr val="000000"/>
+              </a:buClr>
+              <a:buSzPct val="45000"/>
+              <a:buFont typeface="Wingdings" charset="2"/>
+              <a:buChar char=""/>
+            </a:pPr>
+            <a:r>
+              <a:rPr b="0" lang="en-IE" sz="2000" spc="-1" strike="noStrike">
+                <a:latin typeface="Arial"/>
+              </a:rPr>
+              <a:t>Sixth Outline Level</a:t>
+            </a:r>
+            <a:endParaRPr b="0" lang="en-IE" sz="2000" spc="-1" strike="noStrike">
+              <a:latin typeface="Arial"/>
+            </a:endParaRPr>
+          </a:p>
+          <a:p>
+            <a:pPr lvl="6" marL="3024000" indent="-216000">
+              <a:spcBef>
+                <a:spcPts val="283"/>
+              </a:spcBef>
+              <a:buClr>
+                <a:srgbClr val="000000"/>
+              </a:buClr>
+              <a:buSzPct val="45000"/>
+              <a:buFont typeface="Wingdings" charset="2"/>
+              <a:buChar char=""/>
+            </a:pPr>
+            <a:r>
+              <a:rPr b="0" lang="en-IE" sz="2000" spc="-1" strike="noStrike">
+                <a:latin typeface="Arial"/>
+              </a:rPr>
+              <a:t>Seventh Outline Level</a:t>
+            </a:r>
+            <a:endParaRPr b="0" lang="en-IE" sz="2000" spc="-1" strike="noStrike">
+              <a:latin typeface="Arial"/>
             </a:endParaRPr>
           </a:p>
         </p:txBody>
@@ -6955,7 +6555,7 @@
         <p:spPr>
           <a:xfrm>
             <a:off x="1051560" y="1432080"/>
-            <a:ext cx="9966600" cy="3035520"/>
+            <a:ext cx="9965880" cy="3034800"/>
           </a:xfrm>
           <a:prstGeom prst="rect">
             <a:avLst/>
@@ -6966,7 +6566,7 @@
           </a:ln>
         </p:spPr>
         <p:txBody>
-          <a:bodyPr anchor="ctr">
+          <a:bodyPr lIns="0" rIns="0" tIns="0" bIns="0" anchor="ctr">
             <a:noAutofit/>
           </a:bodyPr>
           <a:p>
@@ -6982,11 +6582,8 @@
               </a:rPr>
               <a:t>Data Layer</a:t>
             </a:r>
-            <a:endParaRPr b="0" lang="en-US" sz="9600" spc="-1" strike="noStrike">
-              <a:solidFill>
-                <a:srgbClr val="000000"/>
-              </a:solidFill>
-              <a:latin typeface="Rockwell"/>
+            <a:endParaRPr b="0" lang="en-IE" sz="9600" spc="-1" strike="noStrike">
+              <a:latin typeface="Arial"/>
             </a:endParaRPr>
           </a:p>
         </p:txBody>
@@ -7004,7 +6601,7 @@
         <p:spPr>
           <a:xfrm>
             <a:off x="1069920" y="4389120"/>
-            <a:ext cx="7890840" cy="1069560"/>
+            <a:ext cx="7890120" cy="1068840"/>
           </a:xfrm>
           <a:prstGeom prst="rect">
             <a:avLst/>
@@ -7015,7 +6612,7 @@
           </a:ln>
         </p:spPr>
         <p:txBody>
-          <a:bodyPr anchor="t">
+          <a:bodyPr lIns="0" rIns="0" tIns="0" bIns="0" anchor="t">
             <a:normAutofit/>
           </a:bodyPr>
           <a:p>
@@ -7083,7 +6680,7 @@
         <p:spPr>
           <a:xfrm>
             <a:off x="9906120" y="4389120"/>
-            <a:ext cx="504360" cy="638280"/>
+            <a:ext cx="503640" cy="638280"/>
           </a:xfrm>
           <a:prstGeom prst="rect">
             <a:avLst/>
@@ -7116,6 +6713,7 @@
                   <a:srgbClr val="000000"/>
                 </a:solidFill>
                 <a:latin typeface="Rockwell"/>
+                <a:ea typeface="DejaVu Sans"/>
               </a:rPr>
               <a:t>7.1</a:t>
             </a:r>
@@ -7168,7 +6766,7 @@
         <p:spPr>
           <a:xfrm>
             <a:off x="1069920" y="484560"/>
-            <a:ext cx="10058040" cy="1608840"/>
+            <a:ext cx="10057320" cy="1608120"/>
           </a:xfrm>
           <a:prstGeom prst="rect">
             <a:avLst/>
@@ -7179,7 +6777,7 @@
           </a:ln>
         </p:spPr>
         <p:txBody>
-          <a:bodyPr anchor="ctr">
+          <a:bodyPr lIns="90000" rIns="90000" tIns="45000" bIns="45000" anchor="ctr">
             <a:noAutofit/>
           </a:bodyPr>
           <a:p>
@@ -7195,11 +6793,8 @@
               </a:rPr>
               <a:t>Conclusion</a:t>
             </a:r>
-            <a:endParaRPr b="0" lang="en-US" sz="5400" spc="-1" strike="noStrike">
-              <a:solidFill>
-                <a:srgbClr val="000000"/>
-              </a:solidFill>
-              <a:latin typeface="Rockwell"/>
+            <a:endParaRPr b="0" lang="en-IE" sz="5400" spc="-1" strike="noStrike">
+              <a:latin typeface="Arial"/>
             </a:endParaRPr>
           </a:p>
         </p:txBody>
@@ -7217,7 +6812,7 @@
         <p:spPr>
           <a:xfrm>
             <a:off x="1069920" y="2121480"/>
-            <a:ext cx="10058040" cy="4050360"/>
+            <a:ext cx="10057320" cy="4049640"/>
           </a:xfrm>
           <a:prstGeom prst="rect">
             <a:avLst/>
@@ -7228,7 +6823,7 @@
           </a:ln>
         </p:spPr>
         <p:txBody>
-          <a:bodyPr anchor="t">
+          <a:bodyPr lIns="90000" rIns="90000" tIns="45000" bIns="45000" anchor="t">
             <a:noAutofit/>
           </a:bodyPr>
           <a:p>
@@ -7255,11 +6850,8 @@
               </a:rPr>
               <a:t>This is just skeleton code, the implementation should connect to the data source</a:t>
             </a:r>
-            <a:endParaRPr b="0" lang="en-US" sz="2000" spc="-1" strike="noStrike">
-              <a:solidFill>
-                <a:srgbClr val="000000"/>
-              </a:solidFill>
-              <a:latin typeface="Rockwell"/>
+            <a:endParaRPr b="0" lang="en-IE" sz="2000" spc="-1" strike="noStrike">
+              <a:latin typeface="Arial"/>
             </a:endParaRPr>
           </a:p>
           <a:p>
@@ -7286,11 +6878,8 @@
               </a:rPr>
               <a:t>This separates the retrieval of information from the rest of the code</a:t>
             </a:r>
-            <a:endParaRPr b="0" lang="en-US" sz="2000" spc="-1" strike="noStrike">
-              <a:solidFill>
-                <a:srgbClr val="000000"/>
-              </a:solidFill>
-              <a:latin typeface="Rockwell"/>
+            <a:endParaRPr b="0" lang="en-IE" sz="2000" spc="-1" strike="noStrike">
+              <a:latin typeface="Arial"/>
             </a:endParaRPr>
           </a:p>
         </p:txBody>
@@ -7338,7 +6927,7 @@
         <p:spPr>
           <a:xfrm>
             <a:off x="1069920" y="484560"/>
-            <a:ext cx="10058040" cy="1608840"/>
+            <a:ext cx="10057320" cy="1608120"/>
           </a:xfrm>
           <a:prstGeom prst="rect">
             <a:avLst/>
@@ -7349,7 +6938,7 @@
           </a:ln>
         </p:spPr>
         <p:txBody>
-          <a:bodyPr anchor="ctr">
+          <a:bodyPr lIns="90000" rIns="90000" tIns="45000" bIns="45000" anchor="ctr">
             <a:noAutofit/>
           </a:bodyPr>
           <a:p>
@@ -7374,11 +6963,8 @@
               </a:rPr>
               <a:t>And what is a web-server?</a:t>
             </a:r>
-            <a:endParaRPr b="0" lang="en-US" sz="1800" spc="-1" strike="noStrike">
-              <a:solidFill>
-                <a:srgbClr val="000000"/>
-              </a:solidFill>
-              <a:latin typeface="Rockwell"/>
+            <a:endParaRPr b="0" lang="en-IE" sz="1800" spc="-1" strike="noStrike">
+              <a:latin typeface="Arial"/>
             </a:endParaRPr>
           </a:p>
         </p:txBody>
@@ -7392,7 +6978,7 @@
         <p:spPr>
           <a:xfrm>
             <a:off x="2172600" y="2432880"/>
-            <a:ext cx="7046280" cy="4119480"/>
+            <a:ext cx="7045560" cy="4118760"/>
           </a:xfrm>
           <a:prstGeom prst="rect">
             <a:avLst/>
@@ -7418,7 +7004,7 @@
         <p:spPr>
           <a:xfrm>
             <a:off x="2122560" y="2114280"/>
-            <a:ext cx="9281160" cy="2244240"/>
+            <a:ext cx="9280440" cy="2243520"/>
           </a:xfrm>
           <a:prstGeom prst="rect">
             <a:avLst/>
@@ -7459,7 +7045,7 @@
         <p:spPr>
           <a:xfrm>
             <a:off x="3481560" y="5512320"/>
-            <a:ext cx="3506400" cy="1200240"/>
+            <a:ext cx="3505680" cy="1199520"/>
           </a:xfrm>
           <a:prstGeom prst="rect">
             <a:avLst/>
@@ -7500,7 +7086,7 @@
         <p:spPr>
           <a:xfrm>
             <a:off x="3731040" y="4659840"/>
-            <a:ext cx="2885400" cy="649080"/>
+            <a:ext cx="2884680" cy="648360"/>
           </a:xfrm>
           <a:prstGeom prst="cloud">
             <a:avLst/>
@@ -7539,7 +7125,7 @@
         <p:spPr>
           <a:xfrm>
             <a:off x="4591440" y="4799880"/>
-            <a:ext cx="1716480" cy="363960"/>
+            <a:ext cx="1715760" cy="363960"/>
           </a:xfrm>
           <a:prstGeom prst="rect">
             <a:avLst/>
@@ -7572,6 +7158,7 @@
                   <a:srgbClr val="000000"/>
                 </a:solidFill>
                 <a:latin typeface="Rockwell"/>
+                <a:ea typeface="DejaVu Sans"/>
               </a:rPr>
               <a:t>internet</a:t>
             </a:r>
@@ -7590,7 +7177,7 @@
         <p:spPr>
           <a:xfrm>
             <a:off x="2847960" y="5172840"/>
-            <a:ext cx="2000520" cy="363960"/>
+            <a:ext cx="1999800" cy="363960"/>
           </a:xfrm>
           <a:prstGeom prst="rect">
             <a:avLst/>
@@ -7623,6 +7210,7 @@
                   <a:srgbClr val="000000"/>
                 </a:solidFill>
                 <a:latin typeface="Rockwell"/>
+                <a:ea typeface="DejaVu Sans"/>
               </a:rPr>
               <a:t>HTTP request</a:t>
             </a:r>
@@ -7641,7 +7229,7 @@
         <p:spPr>
           <a:xfrm>
             <a:off x="5731920" y="5169240"/>
-            <a:ext cx="1786320" cy="638280"/>
+            <a:ext cx="1785600" cy="638280"/>
           </a:xfrm>
           <a:prstGeom prst="rect">
             <a:avLst/>
@@ -7674,6 +7262,7 @@
                   <a:srgbClr val="000000"/>
                 </a:solidFill>
                 <a:latin typeface="Rockwell"/>
+                <a:ea typeface="DejaVu Sans"/>
               </a:rPr>
               <a:t>HTTP response</a:t>
             </a:r>
@@ -7692,7 +7281,7 @@
         <p:spPr>
           <a:xfrm>
             <a:off x="2256840" y="2126880"/>
-            <a:ext cx="938880" cy="363960"/>
+            <a:ext cx="938160" cy="363960"/>
           </a:xfrm>
           <a:prstGeom prst="rect">
             <a:avLst/>
@@ -7725,6 +7314,7 @@
                   <a:srgbClr val="000000"/>
                 </a:solidFill>
                 <a:latin typeface="Rockwell"/>
+                <a:ea typeface="DejaVu Sans"/>
               </a:rPr>
               <a:t>Server</a:t>
             </a:r>
@@ -7743,7 +7333,7 @@
         <p:spPr>
           <a:xfrm>
             <a:off x="3624120" y="3703320"/>
-            <a:ext cx="2809800" cy="495000"/>
+            <a:ext cx="2809080" cy="494280"/>
           </a:xfrm>
           <a:prstGeom prst="rect">
             <a:avLst/>
@@ -7782,7 +7372,7 @@
         <p:spPr>
           <a:xfrm>
             <a:off x="3825360" y="3759120"/>
-            <a:ext cx="2549880" cy="638280"/>
+            <a:ext cx="2549160" cy="638280"/>
           </a:xfrm>
           <a:prstGeom prst="rect">
             <a:avLst/>
@@ -7815,6 +7405,7 @@
                   <a:srgbClr val="000000"/>
                 </a:solidFill>
                 <a:latin typeface="Rockwell"/>
+                <a:ea typeface="DejaVu Sans"/>
               </a:rPr>
               <a:t>App server (eg flask)</a:t>
             </a:r>
@@ -7833,7 +7424,7 @@
         <p:spPr>
           <a:xfrm>
             <a:off x="2676240" y="2632320"/>
-            <a:ext cx="2172240" cy="910440"/>
+            <a:ext cx="2171520" cy="909720"/>
           </a:xfrm>
           <a:prstGeom prst="rect">
             <a:avLst/>
@@ -7875,7 +7466,7 @@
         <p:spPr>
           <a:xfrm>
             <a:off x="2608920" y="2621520"/>
-            <a:ext cx="2239560" cy="241920"/>
+            <a:ext cx="2238840" cy="241920"/>
           </a:xfrm>
           <a:prstGeom prst="rect">
             <a:avLst/>
@@ -7908,6 +7499,7 @@
                   <a:srgbClr val="000000"/>
                 </a:solidFill>
                 <a:latin typeface="Rockwell"/>
+                <a:ea typeface="DejaVu Sans"/>
               </a:rPr>
               <a:t>Directory with static pages</a:t>
             </a:r>
@@ -7926,7 +7518,7 @@
         <p:spPr>
           <a:xfrm>
             <a:off x="2801880" y="3056760"/>
-            <a:ext cx="821880" cy="345600"/>
+            <a:ext cx="821160" cy="344880"/>
           </a:xfrm>
           <a:prstGeom prst="rect">
             <a:avLst/>
@@ -7967,7 +7559,7 @@
         <p:spPr>
           <a:xfrm>
             <a:off x="2801880" y="3077640"/>
-            <a:ext cx="721080" cy="333000"/>
+            <a:ext cx="720360" cy="333000"/>
           </a:xfrm>
           <a:prstGeom prst="rect">
             <a:avLst/>
@@ -8000,6 +7592,7 @@
                   <a:srgbClr val="ffffff"/>
                 </a:solidFill>
                 <a:latin typeface="Rockwell"/>
+                <a:ea typeface="DejaVu Sans"/>
               </a:rPr>
               <a:t>Index.html</a:t>
             </a:r>
@@ -8018,7 +7611,7 @@
         <p:spPr>
           <a:xfrm>
             <a:off x="3871440" y="3042000"/>
-            <a:ext cx="821880" cy="345600"/>
+            <a:ext cx="821160" cy="344880"/>
           </a:xfrm>
           <a:prstGeom prst="rect">
             <a:avLst/>
@@ -8059,7 +7652,7 @@
         <p:spPr>
           <a:xfrm>
             <a:off x="3947040" y="3070080"/>
-            <a:ext cx="721080" cy="211320"/>
+            <a:ext cx="720360" cy="211320"/>
           </a:xfrm>
           <a:prstGeom prst="rect">
             <a:avLst/>
@@ -8092,6 +7685,7 @@
                   <a:srgbClr val="ffffff"/>
                 </a:solidFill>
                 <a:latin typeface="Rockwell"/>
+                <a:ea typeface="DejaVu Sans"/>
               </a:rPr>
               <a:t>File.jpg</a:t>
             </a:r>
@@ -8110,7 +7704,7 @@
         <p:spPr>
           <a:xfrm>
             <a:off x="5721120" y="2611800"/>
-            <a:ext cx="1756800" cy="1144080"/>
+            <a:ext cx="1756080" cy="1143360"/>
           </a:xfrm>
           <a:prstGeom prst="rect">
             <a:avLst/>
@@ -8149,7 +7743,7 @@
         <p:spPr>
           <a:xfrm>
             <a:off x="5897520" y="2740320"/>
-            <a:ext cx="1274760" cy="394200"/>
+            <a:ext cx="1274040" cy="394200"/>
           </a:xfrm>
           <a:prstGeom prst="rect">
             <a:avLst/>
@@ -8182,6 +7776,7 @@
                   <a:srgbClr val="000000"/>
                 </a:solidFill>
                 <a:latin typeface="Rockwell"/>
+                <a:ea typeface="DejaVu Sans"/>
               </a:rPr>
               <a:t>Functions in the app server</a:t>
             </a:r>
@@ -8200,7 +7795,7 @@
         <p:spPr>
           <a:xfrm>
             <a:off x="3213000" y="3402360"/>
-            <a:ext cx="2508120" cy="936000"/>
+            <a:ext cx="2507400" cy="935280"/>
           </a:xfrm>
           <a:custGeom>
             <a:avLst/>
@@ -8248,8 +7843,8 @@
         </p:nvSpPr>
         <p:spPr>
           <a:xfrm flipH="1">
-            <a:off x="5737320" y="3767040"/>
-            <a:ext cx="1249560" cy="591840"/>
+            <a:off x="5736600" y="3767040"/>
+            <a:ext cx="1248840" cy="591120"/>
           </a:xfrm>
           <a:custGeom>
             <a:avLst/>
@@ -8298,7 +7893,7 @@
         <p:spPr>
           <a:xfrm>
             <a:off x="9219600" y="2374200"/>
-            <a:ext cx="1895400" cy="1895400"/>
+            <a:ext cx="1894680" cy="1894680"/>
           </a:xfrm>
           <a:prstGeom prst="can">
             <a:avLst>
@@ -8339,7 +7934,7 @@
         <p:spPr>
           <a:xfrm>
             <a:off x="9576000" y="3285720"/>
-            <a:ext cx="1450800" cy="363960"/>
+            <a:ext cx="1450080" cy="363960"/>
           </a:xfrm>
           <a:prstGeom prst="rect">
             <a:avLst/>
@@ -8372,6 +7967,7 @@
                   <a:srgbClr val="000000"/>
                 </a:solidFill>
                 <a:latin typeface="Rockwell"/>
+                <a:ea typeface="DejaVu Sans"/>
               </a:rPr>
               <a:t>Database</a:t>
             </a:r>
@@ -8390,7 +7986,7 @@
         <p:spPr>
           <a:xfrm>
             <a:off x="7478640" y="2888640"/>
-            <a:ext cx="1740600" cy="6840"/>
+            <a:ext cx="1739880" cy="6120"/>
           </a:xfrm>
           <a:custGeom>
             <a:avLst/>
@@ -8438,8 +8034,8 @@
         </p:nvSpPr>
         <p:spPr>
           <a:xfrm flipH="1" flipV="1">
-            <a:off x="7477920" y="3183840"/>
-            <a:ext cx="1740600" cy="12240"/>
+            <a:off x="7477200" y="3183120"/>
+            <a:ext cx="1739880" cy="11520"/>
           </a:xfrm>
           <a:custGeom>
             <a:avLst/>
@@ -8488,7 +8084,7 @@
         <p:spPr>
           <a:xfrm>
             <a:off x="8659080" y="4624200"/>
-            <a:ext cx="914040" cy="363960"/>
+            <a:ext cx="913320" cy="363960"/>
           </a:xfrm>
           <a:prstGeom prst="rect">
             <a:avLst/>
@@ -8521,6 +8117,7 @@
                   <a:srgbClr val="000000"/>
                 </a:solidFill>
                 <a:latin typeface="Rockwell"/>
+                <a:ea typeface="DejaVu Sans"/>
               </a:rPr>
               <a:t>Flask</a:t>
             </a:r>
@@ -8538,8 +8135,8 @@
         </p:nvSpPr>
         <p:spPr>
           <a:xfrm flipH="1" flipV="1">
-            <a:off x="6521040" y="4198680"/>
-            <a:ext cx="2137680" cy="609840"/>
+            <a:off x="6520320" y="4197960"/>
+            <a:ext cx="2136960" cy="609120"/>
           </a:xfrm>
           <a:custGeom>
             <a:avLst/>
@@ -8583,7 +8180,7 @@
         <p:spPr>
           <a:xfrm>
             <a:off x="3515040" y="5512320"/>
-            <a:ext cx="966240" cy="363960"/>
+            <a:ext cx="965520" cy="363960"/>
           </a:xfrm>
           <a:prstGeom prst="rect">
             <a:avLst/>
@@ -8616,6 +8213,7 @@
                   <a:srgbClr val="000000"/>
                 </a:solidFill>
                 <a:latin typeface="Rockwell"/>
+                <a:ea typeface="DejaVu Sans"/>
               </a:rPr>
               <a:t>Client</a:t>
             </a:r>
@@ -8633,8 +8231,8 @@
         </p:nvSpPr>
         <p:spPr>
           <a:xfrm flipV="1">
-            <a:off x="4525200" y="4142520"/>
-            <a:ext cx="360" cy="1551960"/>
+            <a:off x="4525200" y="4141800"/>
+            <a:ext cx="360" cy="1551240"/>
           </a:xfrm>
           <a:custGeom>
             <a:avLst/>
@@ -8683,7 +8281,7 @@
         <p:spPr>
           <a:xfrm>
             <a:off x="5738040" y="4338720"/>
-            <a:ext cx="360" cy="1356480"/>
+            <a:ext cx="360" cy="1355760"/>
           </a:xfrm>
           <a:custGeom>
             <a:avLst/>
@@ -8732,7 +8330,7 @@
         <p:spPr>
           <a:xfrm>
             <a:off x="4402440" y="5695560"/>
-            <a:ext cx="1387800" cy="912600"/>
+            <a:ext cx="1387080" cy="912600"/>
           </a:xfrm>
           <a:prstGeom prst="rect">
             <a:avLst/>
@@ -8744,8 +8342,7 @@
           </a:solidFill>
           <a:ln w="0">
             <a:solidFill>
-              <a:srgbClr val="d34817">
-                <a:shade val="50000"/>
+              <a:srgbClr val="9c3510">
                 <a:alpha val="38000"/>
               </a:srgbClr>
             </a:solidFill>
@@ -8774,6 +8371,7 @@
                   <a:srgbClr val="a6a6a6"/>
                 </a:solidFill>
                 <a:latin typeface="Rockwell"/>
+                <a:ea typeface="DejaVu Sans"/>
               </a:rPr>
               <a:t>Browser/ postmaster/curl</a:t>
             </a:r>
@@ -8792,7 +8390,7 @@
         <p:spPr>
           <a:xfrm>
             <a:off x="9219600" y="955440"/>
-            <a:ext cx="1895400" cy="738000"/>
+            <a:ext cx="1894680" cy="737280"/>
           </a:xfrm>
           <a:prstGeom prst="can">
             <a:avLst>
@@ -8833,7 +8431,7 @@
         <p:spPr>
           <a:xfrm>
             <a:off x="9367200" y="1139400"/>
-            <a:ext cx="1700280" cy="363960"/>
+            <a:ext cx="1699560" cy="363960"/>
           </a:xfrm>
           <a:prstGeom prst="rect">
             <a:avLst/>
@@ -8866,6 +8464,7 @@
                   <a:srgbClr val="000000"/>
                 </a:solidFill>
                 <a:latin typeface="Rockwell"/>
+                <a:ea typeface="DejaVu Sans"/>
               </a:rPr>
               <a:t>Outside data</a:t>
             </a:r>
@@ -8914,7 +8513,7 @@
         <p:spPr>
           <a:xfrm>
             <a:off x="9219600" y="955440"/>
-            <a:ext cx="1895400" cy="738000"/>
+            <a:ext cx="1894680" cy="737280"/>
           </a:xfrm>
           <a:prstGeom prst="can">
             <a:avLst>
@@ -8959,7 +8558,7 @@
         <p:spPr>
           <a:xfrm>
             <a:off x="1069920" y="484560"/>
-            <a:ext cx="10058040" cy="1608840"/>
+            <a:ext cx="10057320" cy="1608120"/>
           </a:xfrm>
           <a:prstGeom prst="rect">
             <a:avLst/>
@@ -8970,7 +8569,7 @@
           </a:ln>
         </p:spPr>
         <p:txBody>
-          <a:bodyPr anchor="ctr">
+          <a:bodyPr lIns="90000" rIns="90000" tIns="45000" bIns="45000" anchor="ctr">
             <a:noAutofit/>
           </a:bodyPr>
           <a:p>
@@ -8995,11 +8594,8 @@
               </a:rPr>
               <a:t>And what is a web-server?</a:t>
             </a:r>
-            <a:endParaRPr b="0" lang="en-US" sz="1800" spc="-1" strike="noStrike">
-              <a:solidFill>
-                <a:srgbClr val="000000"/>
-              </a:solidFill>
-              <a:latin typeface="Rockwell"/>
+            <a:endParaRPr b="0" lang="en-IE" sz="1800" spc="-1" strike="noStrike">
+              <a:latin typeface="Arial"/>
             </a:endParaRPr>
           </a:p>
         </p:txBody>
@@ -9013,7 +8609,7 @@
         <p:spPr>
           <a:xfrm>
             <a:off x="2172600" y="2432880"/>
-            <a:ext cx="7046280" cy="4119480"/>
+            <a:ext cx="7045560" cy="4118760"/>
           </a:xfrm>
           <a:prstGeom prst="rect">
             <a:avLst/>
@@ -9039,7 +8635,7 @@
         <p:spPr>
           <a:xfrm>
             <a:off x="2122560" y="2114280"/>
-            <a:ext cx="9281160" cy="2244240"/>
+            <a:ext cx="9280440" cy="2243520"/>
           </a:xfrm>
           <a:prstGeom prst="rect">
             <a:avLst/>
@@ -9080,7 +8676,7 @@
         <p:spPr>
           <a:xfrm>
             <a:off x="3481560" y="5512320"/>
-            <a:ext cx="3506400" cy="1200240"/>
+            <a:ext cx="3505680" cy="1199520"/>
           </a:xfrm>
           <a:prstGeom prst="rect">
             <a:avLst/>
@@ -9121,7 +8717,7 @@
         <p:spPr>
           <a:xfrm>
             <a:off x="3731040" y="4659840"/>
-            <a:ext cx="2885400" cy="649080"/>
+            <a:ext cx="2884680" cy="648360"/>
           </a:xfrm>
           <a:prstGeom prst="cloud">
             <a:avLst/>
@@ -9160,7 +8756,7 @@
         <p:spPr>
           <a:xfrm>
             <a:off x="4591440" y="4799880"/>
-            <a:ext cx="1716480" cy="363960"/>
+            <a:ext cx="1715760" cy="363960"/>
           </a:xfrm>
           <a:prstGeom prst="rect">
             <a:avLst/>
@@ -9193,6 +8789,7 @@
                   <a:srgbClr val="000000"/>
                 </a:solidFill>
                 <a:latin typeface="Rockwell"/>
+                <a:ea typeface="DejaVu Sans"/>
               </a:rPr>
               <a:t>internet</a:t>
             </a:r>
@@ -9211,7 +8808,7 @@
         <p:spPr>
           <a:xfrm>
             <a:off x="2847960" y="5172840"/>
-            <a:ext cx="2000520" cy="363960"/>
+            <a:ext cx="1999800" cy="363960"/>
           </a:xfrm>
           <a:prstGeom prst="rect">
             <a:avLst/>
@@ -9244,6 +8841,7 @@
                   <a:srgbClr val="000000"/>
                 </a:solidFill>
                 <a:latin typeface="Rockwell"/>
+                <a:ea typeface="DejaVu Sans"/>
               </a:rPr>
               <a:t>HTTP request</a:t>
             </a:r>
@@ -9262,7 +8860,7 @@
         <p:spPr>
           <a:xfrm>
             <a:off x="5731920" y="5169240"/>
-            <a:ext cx="1786320" cy="638280"/>
+            <a:ext cx="1785600" cy="638280"/>
           </a:xfrm>
           <a:prstGeom prst="rect">
             <a:avLst/>
@@ -9295,6 +8893,7 @@
                   <a:srgbClr val="000000"/>
                 </a:solidFill>
                 <a:latin typeface="Rockwell"/>
+                <a:ea typeface="DejaVu Sans"/>
               </a:rPr>
               <a:t>HTTP response</a:t>
             </a:r>
@@ -9313,7 +8912,7 @@
         <p:spPr>
           <a:xfrm>
             <a:off x="2256840" y="2126880"/>
-            <a:ext cx="938880" cy="363960"/>
+            <a:ext cx="938160" cy="363960"/>
           </a:xfrm>
           <a:prstGeom prst="rect">
             <a:avLst/>
@@ -9346,6 +8945,7 @@
                   <a:srgbClr val="000000"/>
                 </a:solidFill>
                 <a:latin typeface="Rockwell"/>
+                <a:ea typeface="DejaVu Sans"/>
               </a:rPr>
               <a:t>Server</a:t>
             </a:r>
@@ -9364,7 +8964,7 @@
         <p:spPr>
           <a:xfrm>
             <a:off x="3624120" y="3703320"/>
-            <a:ext cx="2809800" cy="495000"/>
+            <a:ext cx="2809080" cy="494280"/>
           </a:xfrm>
           <a:prstGeom prst="rect">
             <a:avLst/>
@@ -9403,7 +9003,7 @@
         <p:spPr>
           <a:xfrm>
             <a:off x="3825360" y="3759120"/>
-            <a:ext cx="2549880" cy="638280"/>
+            <a:ext cx="2549160" cy="638280"/>
           </a:xfrm>
           <a:prstGeom prst="rect">
             <a:avLst/>
@@ -9436,6 +9036,7 @@
                   <a:srgbClr val="000000"/>
                 </a:solidFill>
                 <a:latin typeface="Rockwell"/>
+                <a:ea typeface="DejaVu Sans"/>
               </a:rPr>
               <a:t>App server (eg flask)</a:t>
             </a:r>
@@ -9454,7 +9055,7 @@
         <p:spPr>
           <a:xfrm>
             <a:off x="2676240" y="2632320"/>
-            <a:ext cx="2172240" cy="910440"/>
+            <a:ext cx="2171520" cy="909720"/>
           </a:xfrm>
           <a:prstGeom prst="rect">
             <a:avLst/>
@@ -9496,7 +9097,7 @@
         <p:spPr>
           <a:xfrm>
             <a:off x="2608920" y="2621520"/>
-            <a:ext cx="2239560" cy="241920"/>
+            <a:ext cx="2238840" cy="241920"/>
           </a:xfrm>
           <a:prstGeom prst="rect">
             <a:avLst/>
@@ -9529,6 +9130,7 @@
                   <a:srgbClr val="000000"/>
                 </a:solidFill>
                 <a:latin typeface="Rockwell"/>
+                <a:ea typeface="DejaVu Sans"/>
               </a:rPr>
               <a:t>Directory with static pages</a:t>
             </a:r>
@@ -9547,7 +9149,7 @@
         <p:spPr>
           <a:xfrm>
             <a:off x="2801880" y="3056760"/>
-            <a:ext cx="821880" cy="345600"/>
+            <a:ext cx="821160" cy="344880"/>
           </a:xfrm>
           <a:prstGeom prst="rect">
             <a:avLst/>
@@ -9588,7 +9190,7 @@
         <p:spPr>
           <a:xfrm>
             <a:off x="2801880" y="3077640"/>
-            <a:ext cx="721080" cy="333000"/>
+            <a:ext cx="720360" cy="333000"/>
           </a:xfrm>
           <a:prstGeom prst="rect">
             <a:avLst/>
@@ -9621,6 +9223,7 @@
                   <a:srgbClr val="ffffff"/>
                 </a:solidFill>
                 <a:latin typeface="Rockwell"/>
+                <a:ea typeface="DejaVu Sans"/>
               </a:rPr>
               <a:t>Index.html</a:t>
             </a:r>
@@ -9639,7 +9242,7 @@
         <p:spPr>
           <a:xfrm>
             <a:off x="3871440" y="3042000"/>
-            <a:ext cx="821880" cy="345600"/>
+            <a:ext cx="821160" cy="344880"/>
           </a:xfrm>
           <a:prstGeom prst="rect">
             <a:avLst/>
@@ -9680,7 +9283,7 @@
         <p:spPr>
           <a:xfrm>
             <a:off x="3947040" y="3070080"/>
-            <a:ext cx="721080" cy="211320"/>
+            <a:ext cx="720360" cy="211320"/>
           </a:xfrm>
           <a:prstGeom prst="rect">
             <a:avLst/>
@@ -9713,6 +9316,7 @@
                   <a:srgbClr val="ffffff"/>
                 </a:solidFill>
                 <a:latin typeface="Rockwell"/>
+                <a:ea typeface="DejaVu Sans"/>
               </a:rPr>
               <a:t>File.jpg</a:t>
             </a:r>
@@ -9731,7 +9335,7 @@
         <p:spPr>
           <a:xfrm>
             <a:off x="5721120" y="2611800"/>
-            <a:ext cx="1756800" cy="1144080"/>
+            <a:ext cx="1756080" cy="1143360"/>
           </a:xfrm>
           <a:prstGeom prst="rect">
             <a:avLst/>
@@ -9770,7 +9374,7 @@
         <p:spPr>
           <a:xfrm>
             <a:off x="5897520" y="2740320"/>
-            <a:ext cx="1274760" cy="394200"/>
+            <a:ext cx="1274040" cy="394200"/>
           </a:xfrm>
           <a:prstGeom prst="rect">
             <a:avLst/>
@@ -9803,6 +9407,7 @@
                   <a:srgbClr val="000000"/>
                 </a:solidFill>
                 <a:latin typeface="Rockwell"/>
+                <a:ea typeface="DejaVu Sans"/>
               </a:rPr>
               <a:t>Functions in the app server</a:t>
             </a:r>
@@ -9821,7 +9426,7 @@
         <p:spPr>
           <a:xfrm>
             <a:off x="3213000" y="3402360"/>
-            <a:ext cx="2508120" cy="936000"/>
+            <a:ext cx="2507400" cy="935280"/>
           </a:xfrm>
           <a:custGeom>
             <a:avLst/>
@@ -9869,8 +9474,8 @@
         </p:nvSpPr>
         <p:spPr>
           <a:xfrm flipH="1">
-            <a:off x="5737320" y="3767040"/>
-            <a:ext cx="1249560" cy="591840"/>
+            <a:off x="5736600" y="3767040"/>
+            <a:ext cx="1248840" cy="591120"/>
           </a:xfrm>
           <a:custGeom>
             <a:avLst/>
@@ -9919,7 +9524,7 @@
         <p:spPr>
           <a:xfrm>
             <a:off x="9219600" y="2374200"/>
-            <a:ext cx="1895400" cy="1895400"/>
+            <a:ext cx="1894680" cy="1894680"/>
           </a:xfrm>
           <a:prstGeom prst="can">
             <a:avLst>
@@ -9960,7 +9565,7 @@
         <p:spPr>
           <a:xfrm>
             <a:off x="9576000" y="3285720"/>
-            <a:ext cx="1450800" cy="363960"/>
+            <a:ext cx="1450080" cy="363960"/>
           </a:xfrm>
           <a:prstGeom prst="rect">
             <a:avLst/>
@@ -9993,6 +9598,7 @@
                   <a:srgbClr val="000000"/>
                 </a:solidFill>
                 <a:latin typeface="Rockwell"/>
+                <a:ea typeface="DejaVu Sans"/>
               </a:rPr>
               <a:t>Database</a:t>
             </a:r>
@@ -10011,7 +9617,7 @@
         <p:spPr>
           <a:xfrm>
             <a:off x="7478640" y="2888640"/>
-            <a:ext cx="1740600" cy="6840"/>
+            <a:ext cx="1739880" cy="6120"/>
           </a:xfrm>
           <a:custGeom>
             <a:avLst/>
@@ -10059,8 +9665,8 @@
         </p:nvSpPr>
         <p:spPr>
           <a:xfrm flipH="1" flipV="1">
-            <a:off x="7477920" y="3183840"/>
-            <a:ext cx="1740600" cy="12240"/>
+            <a:off x="7477200" y="3183120"/>
+            <a:ext cx="1739880" cy="11520"/>
           </a:xfrm>
           <a:custGeom>
             <a:avLst/>
@@ -10109,7 +9715,7 @@
         <p:spPr>
           <a:xfrm>
             <a:off x="8659080" y="4624200"/>
-            <a:ext cx="914040" cy="363960"/>
+            <a:ext cx="913320" cy="363960"/>
           </a:xfrm>
           <a:prstGeom prst="rect">
             <a:avLst/>
@@ -10142,6 +9748,7 @@
                   <a:srgbClr val="000000"/>
                 </a:solidFill>
                 <a:latin typeface="Rockwell"/>
+                <a:ea typeface="DejaVu Sans"/>
               </a:rPr>
               <a:t>Flask</a:t>
             </a:r>
@@ -10159,8 +9766,8 @@
         </p:nvSpPr>
         <p:spPr>
           <a:xfrm flipH="1" flipV="1">
-            <a:off x="6521040" y="4198680"/>
-            <a:ext cx="2137680" cy="609840"/>
+            <a:off x="6520320" y="4197960"/>
+            <a:ext cx="2136960" cy="609120"/>
           </a:xfrm>
           <a:custGeom>
             <a:avLst/>
@@ -10204,7 +9811,7 @@
         <p:spPr>
           <a:xfrm>
             <a:off x="3515040" y="5512320"/>
-            <a:ext cx="966240" cy="363960"/>
+            <a:ext cx="965520" cy="363960"/>
           </a:xfrm>
           <a:prstGeom prst="rect">
             <a:avLst/>
@@ -10237,6 +9844,7 @@
                   <a:srgbClr val="000000"/>
                 </a:solidFill>
                 <a:latin typeface="Rockwell"/>
+                <a:ea typeface="DejaVu Sans"/>
               </a:rPr>
               <a:t>Client</a:t>
             </a:r>
@@ -10254,8 +9862,8 @@
         </p:nvSpPr>
         <p:spPr>
           <a:xfrm flipV="1">
-            <a:off x="4525200" y="4142520"/>
-            <a:ext cx="360" cy="1551960"/>
+            <a:off x="4525200" y="4141800"/>
+            <a:ext cx="360" cy="1551240"/>
           </a:xfrm>
           <a:custGeom>
             <a:avLst/>
@@ -10304,7 +9912,7 @@
         <p:spPr>
           <a:xfrm>
             <a:off x="5738040" y="4338720"/>
-            <a:ext cx="360" cy="1356480"/>
+            <a:ext cx="360" cy="1355760"/>
           </a:xfrm>
           <a:custGeom>
             <a:avLst/>
@@ -10353,7 +9961,7 @@
         <p:spPr>
           <a:xfrm>
             <a:off x="4402440" y="5695560"/>
-            <a:ext cx="1387800" cy="912600"/>
+            <a:ext cx="1387080" cy="912600"/>
           </a:xfrm>
           <a:prstGeom prst="rect">
             <a:avLst/>
@@ -10365,8 +9973,7 @@
           </a:solidFill>
           <a:ln w="0">
             <a:solidFill>
-              <a:srgbClr val="d34817">
-                <a:shade val="50000"/>
+              <a:srgbClr val="9c3510">
                 <a:alpha val="38000"/>
               </a:srgbClr>
             </a:solidFill>
@@ -10395,6 +10002,7 @@
                   <a:srgbClr val="a6a6a6"/>
                 </a:solidFill>
                 <a:latin typeface="Rockwell"/>
+                <a:ea typeface="DejaVu Sans"/>
               </a:rPr>
               <a:t>Browser/ postmaster/curl</a:t>
             </a:r>
@@ -10413,7 +10021,7 @@
         <p:spPr>
           <a:xfrm>
             <a:off x="-30141360" y="-40160520"/>
-            <a:ext cx="82197360" cy="83338200"/>
+            <a:ext cx="82196640" cy="83337480"/>
           </a:xfrm>
           <a:custGeom>
             <a:avLst/>
@@ -10498,7 +10106,7 @@
         <p:spPr>
           <a:xfrm>
             <a:off x="9367200" y="1139400"/>
-            <a:ext cx="1700280" cy="363960"/>
+            <a:ext cx="1699560" cy="363960"/>
           </a:xfrm>
           <a:prstGeom prst="rect">
             <a:avLst/>
@@ -10531,6 +10139,7 @@
                   <a:srgbClr val="000000"/>
                 </a:solidFill>
                 <a:latin typeface="Rockwell"/>
+                <a:ea typeface="DejaVu Sans"/>
               </a:rPr>
               <a:t>Outside data</a:t>
             </a:r>
@@ -10579,7 +10188,7 @@
         <p:spPr>
           <a:xfrm>
             <a:off x="9219600" y="955440"/>
-            <a:ext cx="1895400" cy="738000"/>
+            <a:ext cx="1894680" cy="737280"/>
           </a:xfrm>
           <a:prstGeom prst="can">
             <a:avLst>
@@ -10624,7 +10233,7 @@
         <p:spPr>
           <a:xfrm>
             <a:off x="1069920" y="484560"/>
-            <a:ext cx="10058040" cy="1608840"/>
+            <a:ext cx="10057320" cy="1608120"/>
           </a:xfrm>
           <a:prstGeom prst="rect">
             <a:avLst/>
@@ -10635,7 +10244,7 @@
           </a:ln>
         </p:spPr>
         <p:txBody>
-          <a:bodyPr anchor="ctr">
+          <a:bodyPr lIns="90000" rIns="90000" tIns="45000" bIns="45000" anchor="ctr">
             <a:noAutofit/>
           </a:bodyPr>
           <a:p>
@@ -10660,11 +10269,8 @@
               </a:rPr>
               <a:t>And what is a web-server?</a:t>
             </a:r>
-            <a:endParaRPr b="0" lang="en-US" sz="1800" spc="-1" strike="noStrike">
-              <a:solidFill>
-                <a:srgbClr val="000000"/>
-              </a:solidFill>
-              <a:latin typeface="Rockwell"/>
+            <a:endParaRPr b="0" lang="en-IE" sz="1800" spc="-1" strike="noStrike">
+              <a:latin typeface="Arial"/>
             </a:endParaRPr>
           </a:p>
         </p:txBody>
@@ -10678,7 +10284,7 @@
         <p:spPr>
           <a:xfrm>
             <a:off x="2172600" y="2432880"/>
-            <a:ext cx="7046280" cy="4119480"/>
+            <a:ext cx="7045560" cy="4118760"/>
           </a:xfrm>
           <a:prstGeom prst="rect">
             <a:avLst/>
@@ -10704,7 +10310,7 @@
         <p:spPr>
           <a:xfrm>
             <a:off x="2122560" y="2114280"/>
-            <a:ext cx="9281160" cy="2244240"/>
+            <a:ext cx="9280440" cy="2243520"/>
           </a:xfrm>
           <a:prstGeom prst="rect">
             <a:avLst/>
@@ -10745,7 +10351,7 @@
         <p:spPr>
           <a:xfrm>
             <a:off x="3481560" y="5512320"/>
-            <a:ext cx="3506400" cy="1200240"/>
+            <a:ext cx="3505680" cy="1199520"/>
           </a:xfrm>
           <a:prstGeom prst="rect">
             <a:avLst/>
@@ -10786,7 +10392,7 @@
         <p:spPr>
           <a:xfrm>
             <a:off x="3731040" y="4659840"/>
-            <a:ext cx="2885400" cy="649080"/>
+            <a:ext cx="2884680" cy="648360"/>
           </a:xfrm>
           <a:prstGeom prst="cloud">
             <a:avLst/>
@@ -10825,7 +10431,7 @@
         <p:spPr>
           <a:xfrm>
             <a:off x="4591440" y="4799880"/>
-            <a:ext cx="1716480" cy="363960"/>
+            <a:ext cx="1715760" cy="363960"/>
           </a:xfrm>
           <a:prstGeom prst="rect">
             <a:avLst/>
@@ -10858,6 +10464,7 @@
                   <a:srgbClr val="000000"/>
                 </a:solidFill>
                 <a:latin typeface="Rockwell"/>
+                <a:ea typeface="DejaVu Sans"/>
               </a:rPr>
               <a:t>internet</a:t>
             </a:r>
@@ -10876,7 +10483,7 @@
         <p:spPr>
           <a:xfrm>
             <a:off x="2847960" y="5172840"/>
-            <a:ext cx="2000520" cy="363960"/>
+            <a:ext cx="1999800" cy="363960"/>
           </a:xfrm>
           <a:prstGeom prst="rect">
             <a:avLst/>
@@ -10909,6 +10516,7 @@
                   <a:srgbClr val="000000"/>
                 </a:solidFill>
                 <a:latin typeface="Rockwell"/>
+                <a:ea typeface="DejaVu Sans"/>
               </a:rPr>
               <a:t>HTTP request</a:t>
             </a:r>
@@ -10927,7 +10535,7 @@
         <p:spPr>
           <a:xfrm>
             <a:off x="5731920" y="5169240"/>
-            <a:ext cx="1786320" cy="638280"/>
+            <a:ext cx="1785600" cy="638280"/>
           </a:xfrm>
           <a:prstGeom prst="rect">
             <a:avLst/>
@@ -10960,6 +10568,7 @@
                   <a:srgbClr val="000000"/>
                 </a:solidFill>
                 <a:latin typeface="Rockwell"/>
+                <a:ea typeface="DejaVu Sans"/>
               </a:rPr>
               <a:t>HTTP response</a:t>
             </a:r>
@@ -10978,7 +10587,7 @@
         <p:spPr>
           <a:xfrm>
             <a:off x="2256840" y="2126880"/>
-            <a:ext cx="938880" cy="363960"/>
+            <a:ext cx="938160" cy="363960"/>
           </a:xfrm>
           <a:prstGeom prst="rect">
             <a:avLst/>
@@ -11011,6 +10620,7 @@
                   <a:srgbClr val="000000"/>
                 </a:solidFill>
                 <a:latin typeface="Rockwell"/>
+                <a:ea typeface="DejaVu Sans"/>
               </a:rPr>
               <a:t>Server</a:t>
             </a:r>
@@ -11029,7 +10639,7 @@
         <p:spPr>
           <a:xfrm>
             <a:off x="3624120" y="3703320"/>
-            <a:ext cx="2809800" cy="495000"/>
+            <a:ext cx="2809080" cy="494280"/>
           </a:xfrm>
           <a:prstGeom prst="rect">
             <a:avLst/>
@@ -11068,7 +10678,7 @@
         <p:spPr>
           <a:xfrm>
             <a:off x="3825360" y="3759120"/>
-            <a:ext cx="2549880" cy="638280"/>
+            <a:ext cx="2549160" cy="638280"/>
           </a:xfrm>
           <a:prstGeom prst="rect">
             <a:avLst/>
@@ -11101,6 +10711,7 @@
                   <a:srgbClr val="000000"/>
                 </a:solidFill>
                 <a:latin typeface="Rockwell"/>
+                <a:ea typeface="DejaVu Sans"/>
               </a:rPr>
               <a:t>App server (eg flask)</a:t>
             </a:r>
@@ -11119,7 +10730,7 @@
         <p:spPr>
           <a:xfrm>
             <a:off x="2676240" y="2632320"/>
-            <a:ext cx="2172240" cy="910440"/>
+            <a:ext cx="2171520" cy="909720"/>
           </a:xfrm>
           <a:prstGeom prst="rect">
             <a:avLst/>
@@ -11161,7 +10772,7 @@
         <p:spPr>
           <a:xfrm>
             <a:off x="2608920" y="2621520"/>
-            <a:ext cx="2239560" cy="241920"/>
+            <a:ext cx="2238840" cy="241920"/>
           </a:xfrm>
           <a:prstGeom prst="rect">
             <a:avLst/>
@@ -11194,6 +10805,7 @@
                   <a:srgbClr val="000000"/>
                 </a:solidFill>
                 <a:latin typeface="Rockwell"/>
+                <a:ea typeface="DejaVu Sans"/>
               </a:rPr>
               <a:t>Directory with static pages</a:t>
             </a:r>
@@ -11212,7 +10824,7 @@
         <p:spPr>
           <a:xfrm>
             <a:off x="2801880" y="3056760"/>
-            <a:ext cx="821880" cy="345600"/>
+            <a:ext cx="821160" cy="344880"/>
           </a:xfrm>
           <a:prstGeom prst="rect">
             <a:avLst/>
@@ -11253,7 +10865,7 @@
         <p:spPr>
           <a:xfrm>
             <a:off x="2801880" y="3077640"/>
-            <a:ext cx="721080" cy="333000"/>
+            <a:ext cx="720360" cy="333000"/>
           </a:xfrm>
           <a:prstGeom prst="rect">
             <a:avLst/>
@@ -11286,6 +10898,7 @@
                   <a:srgbClr val="ffffff"/>
                 </a:solidFill>
                 <a:latin typeface="Rockwell"/>
+                <a:ea typeface="DejaVu Sans"/>
               </a:rPr>
               <a:t>Index.html</a:t>
             </a:r>
@@ -11304,7 +10917,7 @@
         <p:spPr>
           <a:xfrm>
             <a:off x="3871440" y="3042000"/>
-            <a:ext cx="821880" cy="345600"/>
+            <a:ext cx="821160" cy="344880"/>
           </a:xfrm>
           <a:prstGeom prst="rect">
             <a:avLst/>
@@ -11345,7 +10958,7 @@
         <p:spPr>
           <a:xfrm>
             <a:off x="3947040" y="3070080"/>
-            <a:ext cx="721080" cy="211320"/>
+            <a:ext cx="720360" cy="211320"/>
           </a:xfrm>
           <a:prstGeom prst="rect">
             <a:avLst/>
@@ -11378,6 +10991,7 @@
                   <a:srgbClr val="ffffff"/>
                 </a:solidFill>
                 <a:latin typeface="Rockwell"/>
+                <a:ea typeface="DejaVu Sans"/>
               </a:rPr>
               <a:t>File.jpg</a:t>
             </a:r>
@@ -11396,7 +11010,7 @@
         <p:spPr>
           <a:xfrm>
             <a:off x="5721120" y="2611800"/>
-            <a:ext cx="1756800" cy="1144080"/>
+            <a:ext cx="1756080" cy="1143360"/>
           </a:xfrm>
           <a:prstGeom prst="rect">
             <a:avLst/>
@@ -11435,7 +11049,7 @@
         <p:spPr>
           <a:xfrm>
             <a:off x="5897520" y="2740320"/>
-            <a:ext cx="1274760" cy="394200"/>
+            <a:ext cx="1274040" cy="394200"/>
           </a:xfrm>
           <a:prstGeom prst="rect">
             <a:avLst/>
@@ -11468,6 +11082,7 @@
                   <a:srgbClr val="000000"/>
                 </a:solidFill>
                 <a:latin typeface="Rockwell"/>
+                <a:ea typeface="DejaVu Sans"/>
               </a:rPr>
               <a:t>Functions in the app server</a:t>
             </a:r>
@@ -11486,7 +11101,7 @@
         <p:spPr>
           <a:xfrm>
             <a:off x="3213000" y="3402360"/>
-            <a:ext cx="2508120" cy="936000"/>
+            <a:ext cx="2507400" cy="935280"/>
           </a:xfrm>
           <a:custGeom>
             <a:avLst/>
@@ -11534,8 +11149,8 @@
         </p:nvSpPr>
         <p:spPr>
           <a:xfrm flipH="1">
-            <a:off x="5737320" y="3767040"/>
-            <a:ext cx="1249560" cy="591840"/>
+            <a:off x="5736600" y="3767040"/>
+            <a:ext cx="1248840" cy="591120"/>
           </a:xfrm>
           <a:custGeom>
             <a:avLst/>
@@ -11584,7 +11199,7 @@
         <p:spPr>
           <a:xfrm>
             <a:off x="9219600" y="2374200"/>
-            <a:ext cx="1895400" cy="1895400"/>
+            <a:ext cx="1894680" cy="1894680"/>
           </a:xfrm>
           <a:prstGeom prst="can">
             <a:avLst>
@@ -11625,7 +11240,7 @@
         <p:spPr>
           <a:xfrm>
             <a:off x="9576000" y="3285720"/>
-            <a:ext cx="1450800" cy="363960"/>
+            <a:ext cx="1450080" cy="363960"/>
           </a:xfrm>
           <a:prstGeom prst="rect">
             <a:avLst/>
@@ -11658,6 +11273,7 @@
                   <a:srgbClr val="000000"/>
                 </a:solidFill>
                 <a:latin typeface="Rockwell"/>
+                <a:ea typeface="DejaVu Sans"/>
               </a:rPr>
               <a:t>Database</a:t>
             </a:r>
@@ -11676,7 +11292,7 @@
         <p:spPr>
           <a:xfrm>
             <a:off x="7478640" y="2888640"/>
-            <a:ext cx="1740600" cy="6840"/>
+            <a:ext cx="1739880" cy="6120"/>
           </a:xfrm>
           <a:custGeom>
             <a:avLst/>
@@ -11724,8 +11340,8 @@
         </p:nvSpPr>
         <p:spPr>
           <a:xfrm flipH="1" flipV="1">
-            <a:off x="7477920" y="3183840"/>
-            <a:ext cx="1740600" cy="12240"/>
+            <a:off x="7477200" y="3183120"/>
+            <a:ext cx="1739880" cy="11520"/>
           </a:xfrm>
           <a:custGeom>
             <a:avLst/>
@@ -11774,7 +11390,7 @@
         <p:spPr>
           <a:xfrm>
             <a:off x="8659080" y="4624200"/>
-            <a:ext cx="914040" cy="363960"/>
+            <a:ext cx="913320" cy="363960"/>
           </a:xfrm>
           <a:prstGeom prst="rect">
             <a:avLst/>
@@ -11807,6 +11423,7 @@
                   <a:srgbClr val="000000"/>
                 </a:solidFill>
                 <a:latin typeface="Rockwell"/>
+                <a:ea typeface="DejaVu Sans"/>
               </a:rPr>
               <a:t>Flask</a:t>
             </a:r>
@@ -11824,8 +11441,8 @@
         </p:nvSpPr>
         <p:spPr>
           <a:xfrm flipH="1" flipV="1">
-            <a:off x="6521040" y="4198680"/>
-            <a:ext cx="2137680" cy="609840"/>
+            <a:off x="6520320" y="4197960"/>
+            <a:ext cx="2136960" cy="609120"/>
           </a:xfrm>
           <a:custGeom>
             <a:avLst/>
@@ -11869,7 +11486,7 @@
         <p:spPr>
           <a:xfrm>
             <a:off x="3515040" y="5512320"/>
-            <a:ext cx="966240" cy="363960"/>
+            <a:ext cx="965520" cy="363960"/>
           </a:xfrm>
           <a:prstGeom prst="rect">
             <a:avLst/>
@@ -11902,6 +11519,7 @@
                   <a:srgbClr val="000000"/>
                 </a:solidFill>
                 <a:latin typeface="Rockwell"/>
+                <a:ea typeface="DejaVu Sans"/>
               </a:rPr>
               <a:t>Client</a:t>
             </a:r>
@@ -11919,8 +11537,8 @@
         </p:nvSpPr>
         <p:spPr>
           <a:xfrm flipV="1">
-            <a:off x="4525200" y="4142520"/>
-            <a:ext cx="360" cy="1551960"/>
+            <a:off x="4525200" y="4141800"/>
+            <a:ext cx="360" cy="1551240"/>
           </a:xfrm>
           <a:custGeom>
             <a:avLst/>
@@ -11969,7 +11587,7 @@
         <p:spPr>
           <a:xfrm>
             <a:off x="5738040" y="4338720"/>
-            <a:ext cx="360" cy="1356480"/>
+            <a:ext cx="360" cy="1355760"/>
           </a:xfrm>
           <a:custGeom>
             <a:avLst/>
@@ -12018,7 +11636,7 @@
         <p:spPr>
           <a:xfrm>
             <a:off x="4402440" y="5695560"/>
-            <a:ext cx="1387800" cy="912600"/>
+            <a:ext cx="1387080" cy="912600"/>
           </a:xfrm>
           <a:prstGeom prst="rect">
             <a:avLst/>
@@ -12030,8 +11648,7 @@
           </a:solidFill>
           <a:ln w="0">
             <a:solidFill>
-              <a:srgbClr val="d34817">
-                <a:shade val="50000"/>
+              <a:srgbClr val="9c3510">
                 <a:alpha val="38000"/>
               </a:srgbClr>
             </a:solidFill>
@@ -12060,6 +11677,7 @@
                   <a:srgbClr val="a6a6a6"/>
                 </a:solidFill>
                 <a:latin typeface="Rockwell"/>
+                <a:ea typeface="DejaVu Sans"/>
               </a:rPr>
               <a:t>Browser/ postmaster/curl</a:t>
             </a:r>
@@ -12078,7 +11696,7 @@
         <p:spPr>
           <a:xfrm>
             <a:off x="-30141360" y="-40160520"/>
-            <a:ext cx="82197360" cy="83338200"/>
+            <a:ext cx="82196640" cy="83337480"/>
           </a:xfrm>
           <a:custGeom>
             <a:avLst/>
@@ -12163,7 +11781,7 @@
         <p:spPr>
           <a:xfrm>
             <a:off x="9367200" y="1139400"/>
-            <a:ext cx="1700280" cy="363960"/>
+            <a:ext cx="1699560" cy="363960"/>
           </a:xfrm>
           <a:prstGeom prst="rect">
             <a:avLst/>
@@ -12196,6 +11814,7 @@
                   <a:srgbClr val="000000"/>
                 </a:solidFill>
                 <a:latin typeface="Rockwell"/>
+                <a:ea typeface="DejaVu Sans"/>
               </a:rPr>
               <a:t>Outside data</a:t>
             </a:r>
@@ -12214,7 +11833,7 @@
         <p:spPr>
           <a:xfrm>
             <a:off x="8088480" y="2558160"/>
-            <a:ext cx="617760" cy="1197720"/>
+            <a:ext cx="617040" cy="1197000"/>
           </a:xfrm>
           <a:prstGeom prst="rect">
             <a:avLst/>
@@ -12253,7 +11872,7 @@
         <p:spPr>
           <a:xfrm>
             <a:off x="8176680" y="2963880"/>
-            <a:ext cx="470880" cy="241920"/>
+            <a:ext cx="470160" cy="241920"/>
           </a:xfrm>
           <a:prstGeom prst="rect">
             <a:avLst/>
@@ -12286,6 +11905,7 @@
                   <a:srgbClr val="000000"/>
                 </a:solidFill>
                 <a:latin typeface="Rockwell"/>
+                <a:ea typeface="DejaVu Sans"/>
               </a:rPr>
               <a:t>DAO</a:t>
             </a:r>
@@ -12304,7 +11924,7 @@
         <p:spPr>
           <a:xfrm>
             <a:off x="6627600" y="2170800"/>
-            <a:ext cx="850680" cy="281520"/>
+            <a:ext cx="849960" cy="280800"/>
           </a:xfrm>
           <a:prstGeom prst="rect">
             <a:avLst/>
@@ -12343,7 +11963,7 @@
         <p:spPr>
           <a:xfrm>
             <a:off x="6839280" y="2198880"/>
-            <a:ext cx="715680" cy="241920"/>
+            <a:ext cx="714960" cy="241920"/>
           </a:xfrm>
           <a:prstGeom prst="rect">
             <a:avLst/>
@@ -12376,6 +11996,7 @@
                   <a:srgbClr val="000000"/>
                 </a:solidFill>
                 <a:latin typeface="Rockwell"/>
+                <a:ea typeface="DejaVu Sans"/>
               </a:rPr>
               <a:t>DAO</a:t>
             </a:r>
@@ -12393,8 +12014,8 @@
         </p:nvSpPr>
         <p:spPr>
           <a:xfrm flipV="1">
-            <a:off x="6859800" y="1180440"/>
-            <a:ext cx="2359440" cy="987480"/>
+            <a:off x="6859800" y="1179000"/>
+            <a:ext cx="2358720" cy="986760"/>
           </a:xfrm>
           <a:custGeom>
             <a:avLst/>
@@ -12442,8 +12063,8 @@
         </p:nvSpPr>
         <p:spPr>
           <a:xfrm flipH="1">
-            <a:off x="7238880" y="1324800"/>
-            <a:ext cx="1980000" cy="858240"/>
+            <a:off x="7238160" y="1324800"/>
+            <a:ext cx="1979280" cy="857520"/>
           </a:xfrm>
           <a:custGeom>
             <a:avLst/>
@@ -12491,8 +12112,8 @@
         </p:nvSpPr>
         <p:spPr>
           <a:xfrm flipV="1">
-            <a:off x="6859800" y="2445120"/>
-            <a:ext cx="360" cy="155520"/>
+            <a:off x="6859800" y="2444400"/>
+            <a:ext cx="360" cy="154800"/>
           </a:xfrm>
           <a:custGeom>
             <a:avLst/>
@@ -12541,7 +12162,7 @@
         <p:spPr>
           <a:xfrm>
             <a:off x="7197480" y="2452680"/>
-            <a:ext cx="360" cy="201240"/>
+            <a:ext cx="360" cy="200520"/>
           </a:xfrm>
           <a:custGeom>
             <a:avLst/>
@@ -12620,7 +12241,7 @@
         <p:spPr>
           <a:xfrm>
             <a:off x="9219600" y="955440"/>
-            <a:ext cx="1895400" cy="738000"/>
+            <a:ext cx="1894680" cy="737280"/>
           </a:xfrm>
           <a:prstGeom prst="can">
             <a:avLst>
@@ -12665,7 +12286,7 @@
         <p:spPr>
           <a:xfrm>
             <a:off x="1069920" y="484560"/>
-            <a:ext cx="10058040" cy="1608840"/>
+            <a:ext cx="10057320" cy="1608120"/>
           </a:xfrm>
           <a:prstGeom prst="rect">
             <a:avLst/>
@@ -12676,7 +12297,7 @@
           </a:ln>
         </p:spPr>
         <p:txBody>
-          <a:bodyPr anchor="ctr">
+          <a:bodyPr lIns="90000" rIns="90000" tIns="45000" bIns="45000" anchor="ctr">
             <a:noAutofit/>
           </a:bodyPr>
           <a:p>
@@ -12701,11 +12322,8 @@
               </a:rPr>
               <a:t>And what is a web-server?</a:t>
             </a:r>
-            <a:endParaRPr b="0" lang="en-US" sz="1800" spc="-1" strike="noStrike">
-              <a:solidFill>
-                <a:srgbClr val="000000"/>
-              </a:solidFill>
-              <a:latin typeface="Rockwell"/>
+            <a:endParaRPr b="0" lang="en-IE" sz="1800" spc="-1" strike="noStrike">
+              <a:latin typeface="Arial"/>
             </a:endParaRPr>
           </a:p>
         </p:txBody>
@@ -12719,7 +12337,7 @@
         <p:spPr>
           <a:xfrm>
             <a:off x="2172600" y="2432880"/>
-            <a:ext cx="7046280" cy="4119480"/>
+            <a:ext cx="7045560" cy="4118760"/>
           </a:xfrm>
           <a:prstGeom prst="rect">
             <a:avLst/>
@@ -12745,7 +12363,7 @@
         <p:spPr>
           <a:xfrm>
             <a:off x="2122560" y="2114280"/>
-            <a:ext cx="9281160" cy="2244240"/>
+            <a:ext cx="9280440" cy="2243520"/>
           </a:xfrm>
           <a:prstGeom prst="rect">
             <a:avLst/>
@@ -12786,7 +12404,7 @@
         <p:spPr>
           <a:xfrm>
             <a:off x="3481560" y="5512320"/>
-            <a:ext cx="3506400" cy="1200240"/>
+            <a:ext cx="3505680" cy="1199520"/>
           </a:xfrm>
           <a:prstGeom prst="rect">
             <a:avLst/>
@@ -12827,7 +12445,7 @@
         <p:spPr>
           <a:xfrm>
             <a:off x="3731040" y="4659840"/>
-            <a:ext cx="2885400" cy="649080"/>
+            <a:ext cx="2884680" cy="648360"/>
           </a:xfrm>
           <a:prstGeom prst="cloud">
             <a:avLst/>
@@ -12866,7 +12484,7 @@
         <p:spPr>
           <a:xfrm>
             <a:off x="4591440" y="4799880"/>
-            <a:ext cx="1716480" cy="363960"/>
+            <a:ext cx="1715760" cy="363960"/>
           </a:xfrm>
           <a:prstGeom prst="rect">
             <a:avLst/>
@@ -12899,6 +12517,7 @@
                   <a:srgbClr val="000000"/>
                 </a:solidFill>
                 <a:latin typeface="Rockwell"/>
+                <a:ea typeface="DejaVu Sans"/>
               </a:rPr>
               <a:t>internet</a:t>
             </a:r>
@@ -12917,7 +12536,7 @@
         <p:spPr>
           <a:xfrm>
             <a:off x="2847960" y="5172840"/>
-            <a:ext cx="2000520" cy="363960"/>
+            <a:ext cx="1999800" cy="363960"/>
           </a:xfrm>
           <a:prstGeom prst="rect">
             <a:avLst/>
@@ -12950,6 +12569,7 @@
                   <a:srgbClr val="000000"/>
                 </a:solidFill>
                 <a:latin typeface="Rockwell"/>
+                <a:ea typeface="DejaVu Sans"/>
               </a:rPr>
               <a:t>HTTP request</a:t>
             </a:r>
@@ -12968,7 +12588,7 @@
         <p:spPr>
           <a:xfrm>
             <a:off x="5731920" y="5169240"/>
-            <a:ext cx="1786320" cy="638280"/>
+            <a:ext cx="1785600" cy="638280"/>
           </a:xfrm>
           <a:prstGeom prst="rect">
             <a:avLst/>
@@ -13001,6 +12621,7 @@
                   <a:srgbClr val="000000"/>
                 </a:solidFill>
                 <a:latin typeface="Rockwell"/>
+                <a:ea typeface="DejaVu Sans"/>
               </a:rPr>
               <a:t>HTTP response</a:t>
             </a:r>
@@ -13019,7 +12640,7 @@
         <p:spPr>
           <a:xfrm>
             <a:off x="2256840" y="2126880"/>
-            <a:ext cx="938880" cy="363960"/>
+            <a:ext cx="938160" cy="363960"/>
           </a:xfrm>
           <a:prstGeom prst="rect">
             <a:avLst/>
@@ -13052,6 +12673,7 @@
                   <a:srgbClr val="000000"/>
                 </a:solidFill>
                 <a:latin typeface="Rockwell"/>
+                <a:ea typeface="DejaVu Sans"/>
               </a:rPr>
               <a:t>Server</a:t>
             </a:r>
@@ -13070,7 +12692,7 @@
         <p:spPr>
           <a:xfrm>
             <a:off x="3624120" y="3703320"/>
-            <a:ext cx="2809800" cy="495000"/>
+            <a:ext cx="2809080" cy="494280"/>
           </a:xfrm>
           <a:prstGeom prst="rect">
             <a:avLst/>
@@ -13109,7 +12731,7 @@
         <p:spPr>
           <a:xfrm>
             <a:off x="3825360" y="3759120"/>
-            <a:ext cx="2549880" cy="638280"/>
+            <a:ext cx="2549160" cy="638280"/>
           </a:xfrm>
           <a:prstGeom prst="rect">
             <a:avLst/>
@@ -13142,6 +12764,7 @@
                   <a:srgbClr val="000000"/>
                 </a:solidFill>
                 <a:latin typeface="Rockwell"/>
+                <a:ea typeface="DejaVu Sans"/>
               </a:rPr>
               <a:t>App server (eg flask)</a:t>
             </a:r>
@@ -13160,7 +12783,7 @@
         <p:spPr>
           <a:xfrm>
             <a:off x="2676240" y="2632320"/>
-            <a:ext cx="2172240" cy="910440"/>
+            <a:ext cx="2171520" cy="909720"/>
           </a:xfrm>
           <a:prstGeom prst="rect">
             <a:avLst/>
@@ -13202,7 +12825,7 @@
         <p:spPr>
           <a:xfrm>
             <a:off x="2608920" y="2621520"/>
-            <a:ext cx="2239560" cy="241920"/>
+            <a:ext cx="2238840" cy="241920"/>
           </a:xfrm>
           <a:prstGeom prst="rect">
             <a:avLst/>
@@ -13235,6 +12858,7 @@
                   <a:srgbClr val="000000"/>
                 </a:solidFill>
                 <a:latin typeface="Rockwell"/>
+                <a:ea typeface="DejaVu Sans"/>
               </a:rPr>
               <a:t>Directory with static pages</a:t>
             </a:r>
@@ -13253,7 +12877,7 @@
         <p:spPr>
           <a:xfrm>
             <a:off x="2801880" y="3056760"/>
-            <a:ext cx="821880" cy="345600"/>
+            <a:ext cx="821160" cy="344880"/>
           </a:xfrm>
           <a:prstGeom prst="rect">
             <a:avLst/>
@@ -13294,7 +12918,7 @@
         <p:spPr>
           <a:xfrm>
             <a:off x="2801880" y="3077640"/>
-            <a:ext cx="721080" cy="333000"/>
+            <a:ext cx="720360" cy="333000"/>
           </a:xfrm>
           <a:prstGeom prst="rect">
             <a:avLst/>
@@ -13327,6 +12951,7 @@
                   <a:srgbClr val="ffffff"/>
                 </a:solidFill>
                 <a:latin typeface="Rockwell"/>
+                <a:ea typeface="DejaVu Sans"/>
               </a:rPr>
               <a:t>Index.html</a:t>
             </a:r>
@@ -13345,7 +12970,7 @@
         <p:spPr>
           <a:xfrm>
             <a:off x="3871440" y="3042000"/>
-            <a:ext cx="821880" cy="345600"/>
+            <a:ext cx="821160" cy="344880"/>
           </a:xfrm>
           <a:prstGeom prst="rect">
             <a:avLst/>
@@ -13386,7 +13011,7 @@
         <p:spPr>
           <a:xfrm>
             <a:off x="3947040" y="3070080"/>
-            <a:ext cx="721080" cy="211320"/>
+            <a:ext cx="720360" cy="211320"/>
           </a:xfrm>
           <a:prstGeom prst="rect">
             <a:avLst/>
@@ -13419,6 +13044,7 @@
                   <a:srgbClr val="ffffff"/>
                 </a:solidFill>
                 <a:latin typeface="Rockwell"/>
+                <a:ea typeface="DejaVu Sans"/>
               </a:rPr>
               <a:t>File.jpg</a:t>
             </a:r>
@@ -13437,7 +13063,7 @@
         <p:spPr>
           <a:xfrm>
             <a:off x="5721120" y="2611800"/>
-            <a:ext cx="1756800" cy="1144080"/>
+            <a:ext cx="1756080" cy="1143360"/>
           </a:xfrm>
           <a:prstGeom prst="rect">
             <a:avLst/>
@@ -13476,7 +13102,7 @@
         <p:spPr>
           <a:xfrm>
             <a:off x="5897520" y="2740320"/>
-            <a:ext cx="1274760" cy="394200"/>
+            <a:ext cx="1274040" cy="394200"/>
           </a:xfrm>
           <a:prstGeom prst="rect">
             <a:avLst/>
@@ -13509,6 +13135,7 @@
                   <a:srgbClr val="000000"/>
                 </a:solidFill>
                 <a:latin typeface="Rockwell"/>
+                <a:ea typeface="DejaVu Sans"/>
               </a:rPr>
               <a:t>Functions in the app server</a:t>
             </a:r>
@@ -13527,7 +13154,7 @@
         <p:spPr>
           <a:xfrm>
             <a:off x="3213000" y="3402360"/>
-            <a:ext cx="2508120" cy="936000"/>
+            <a:ext cx="2507400" cy="935280"/>
           </a:xfrm>
           <a:custGeom>
             <a:avLst/>
@@ -13575,8 +13202,8 @@
         </p:nvSpPr>
         <p:spPr>
           <a:xfrm flipH="1">
-            <a:off x="5737320" y="3767040"/>
-            <a:ext cx="1249560" cy="591840"/>
+            <a:off x="5736600" y="3767040"/>
+            <a:ext cx="1248840" cy="591120"/>
           </a:xfrm>
           <a:custGeom>
             <a:avLst/>
@@ -13625,7 +13252,7 @@
         <p:spPr>
           <a:xfrm>
             <a:off x="9219600" y="2374200"/>
-            <a:ext cx="1895400" cy="1895400"/>
+            <a:ext cx="1894680" cy="1894680"/>
           </a:xfrm>
           <a:prstGeom prst="can">
             <a:avLst>
@@ -13666,7 +13293,7 @@
         <p:spPr>
           <a:xfrm>
             <a:off x="9576000" y="3285720"/>
-            <a:ext cx="1450800" cy="363960"/>
+            <a:ext cx="1450080" cy="363960"/>
           </a:xfrm>
           <a:prstGeom prst="rect">
             <a:avLst/>
@@ -13699,6 +13326,7 @@
                   <a:srgbClr val="000000"/>
                 </a:solidFill>
                 <a:latin typeface="Rockwell"/>
+                <a:ea typeface="DejaVu Sans"/>
               </a:rPr>
               <a:t>Database</a:t>
             </a:r>
@@ -13717,7 +13345,7 @@
         <p:spPr>
           <a:xfrm>
             <a:off x="7478640" y="2888640"/>
-            <a:ext cx="1740600" cy="6840"/>
+            <a:ext cx="1739880" cy="6120"/>
           </a:xfrm>
           <a:custGeom>
             <a:avLst/>
@@ -13765,8 +13393,8 @@
         </p:nvSpPr>
         <p:spPr>
           <a:xfrm flipH="1" flipV="1">
-            <a:off x="7477920" y="3183840"/>
-            <a:ext cx="1740600" cy="12240"/>
+            <a:off x="7477200" y="3183120"/>
+            <a:ext cx="1739880" cy="11520"/>
           </a:xfrm>
           <a:custGeom>
             <a:avLst/>
@@ -13815,7 +13443,7 @@
         <p:spPr>
           <a:xfrm>
             <a:off x="8659080" y="4624200"/>
-            <a:ext cx="914040" cy="363960"/>
+            <a:ext cx="913320" cy="363960"/>
           </a:xfrm>
           <a:prstGeom prst="rect">
             <a:avLst/>
@@ -13848,6 +13476,7 @@
                   <a:srgbClr val="000000"/>
                 </a:solidFill>
                 <a:latin typeface="Rockwell"/>
+                <a:ea typeface="DejaVu Sans"/>
               </a:rPr>
               <a:t>Flask</a:t>
             </a:r>
@@ -13865,8 +13494,8 @@
         </p:nvSpPr>
         <p:spPr>
           <a:xfrm flipH="1" flipV="1">
-            <a:off x="6521040" y="4198680"/>
-            <a:ext cx="2137680" cy="609840"/>
+            <a:off x="6520320" y="4197960"/>
+            <a:ext cx="2136960" cy="609120"/>
           </a:xfrm>
           <a:custGeom>
             <a:avLst/>
@@ -13910,7 +13539,7 @@
         <p:spPr>
           <a:xfrm>
             <a:off x="3515040" y="5512320"/>
-            <a:ext cx="966240" cy="363960"/>
+            <a:ext cx="965520" cy="363960"/>
           </a:xfrm>
           <a:prstGeom prst="rect">
             <a:avLst/>
@@ -13943,6 +13572,7 @@
                   <a:srgbClr val="000000"/>
                 </a:solidFill>
                 <a:latin typeface="Rockwell"/>
+                <a:ea typeface="DejaVu Sans"/>
               </a:rPr>
               <a:t>Client</a:t>
             </a:r>
@@ -13960,8 +13590,8 @@
         </p:nvSpPr>
         <p:spPr>
           <a:xfrm flipV="1">
-            <a:off x="4525200" y="4142520"/>
-            <a:ext cx="360" cy="1551960"/>
+            <a:off x="4525200" y="4141800"/>
+            <a:ext cx="360" cy="1551240"/>
           </a:xfrm>
           <a:custGeom>
             <a:avLst/>
@@ -14010,7 +13640,7 @@
         <p:spPr>
           <a:xfrm>
             <a:off x="5738040" y="4338720"/>
-            <a:ext cx="360" cy="1356480"/>
+            <a:ext cx="360" cy="1355760"/>
           </a:xfrm>
           <a:custGeom>
             <a:avLst/>
@@ -14059,7 +13689,7 @@
         <p:spPr>
           <a:xfrm>
             <a:off x="4402440" y="5695560"/>
-            <a:ext cx="1387800" cy="912600"/>
+            <a:ext cx="1387080" cy="912600"/>
           </a:xfrm>
           <a:prstGeom prst="rect">
             <a:avLst/>
@@ -14071,8 +13701,7 @@
           </a:solidFill>
           <a:ln w="0">
             <a:solidFill>
-              <a:srgbClr val="d34817">
-                <a:shade val="50000"/>
+              <a:srgbClr val="9c3510">
                 <a:alpha val="38000"/>
               </a:srgbClr>
             </a:solidFill>
@@ -14101,6 +13730,7 @@
                   <a:srgbClr val="a6a6a6"/>
                 </a:solidFill>
                 <a:latin typeface="Rockwell"/>
+                <a:ea typeface="DejaVu Sans"/>
               </a:rPr>
               <a:t>Browser/ postmaster/curl</a:t>
             </a:r>
@@ -14119,7 +13749,7 @@
         <p:spPr>
           <a:xfrm>
             <a:off x="-30141360" y="-40160520"/>
-            <a:ext cx="82197360" cy="83338200"/>
+            <a:ext cx="82196640" cy="83337480"/>
           </a:xfrm>
           <a:custGeom>
             <a:avLst/>
@@ -14204,7 +13834,7 @@
         <p:spPr>
           <a:xfrm>
             <a:off x="9367200" y="1139400"/>
-            <a:ext cx="1700280" cy="363960"/>
+            <a:ext cx="1699560" cy="363960"/>
           </a:xfrm>
           <a:prstGeom prst="rect">
             <a:avLst/>
@@ -14237,6 +13867,7 @@
                   <a:srgbClr val="000000"/>
                 </a:solidFill>
                 <a:latin typeface="Rockwell"/>
+                <a:ea typeface="DejaVu Sans"/>
               </a:rPr>
               <a:t>Outside data</a:t>
             </a:r>
@@ -14255,7 +13886,7 @@
         <p:spPr>
           <a:xfrm>
             <a:off x="8088480" y="2558160"/>
-            <a:ext cx="617760" cy="1197720"/>
+            <a:ext cx="617040" cy="1197000"/>
           </a:xfrm>
           <a:prstGeom prst="rect">
             <a:avLst/>
@@ -14294,7 +13925,7 @@
         <p:spPr>
           <a:xfrm>
             <a:off x="8176680" y="2963880"/>
-            <a:ext cx="470880" cy="241920"/>
+            <a:ext cx="470160" cy="241920"/>
           </a:xfrm>
           <a:prstGeom prst="rect">
             <a:avLst/>
@@ -14327,6 +13958,7 @@
                   <a:srgbClr val="000000"/>
                 </a:solidFill>
                 <a:latin typeface="Rockwell"/>
+                <a:ea typeface="DejaVu Sans"/>
               </a:rPr>
               <a:t>DAO</a:t>
             </a:r>
@@ -14345,7 +13977,7 @@
         <p:spPr>
           <a:xfrm>
             <a:off x="6627600" y="2170800"/>
-            <a:ext cx="850680" cy="281520"/>
+            <a:ext cx="849960" cy="280800"/>
           </a:xfrm>
           <a:prstGeom prst="rect">
             <a:avLst/>
@@ -14384,7 +14016,7 @@
         <p:spPr>
           <a:xfrm>
             <a:off x="6839280" y="2198880"/>
-            <a:ext cx="715680" cy="241920"/>
+            <a:ext cx="714960" cy="241920"/>
           </a:xfrm>
           <a:prstGeom prst="rect">
             <a:avLst/>
@@ -14417,6 +14049,7 @@
                   <a:srgbClr val="000000"/>
                 </a:solidFill>
                 <a:latin typeface="Rockwell"/>
+                <a:ea typeface="DejaVu Sans"/>
               </a:rPr>
               <a:t>DAO</a:t>
             </a:r>
@@ -14434,8 +14067,8 @@
         </p:nvSpPr>
         <p:spPr>
           <a:xfrm flipV="1">
-            <a:off x="6859800" y="1180440"/>
-            <a:ext cx="2359440" cy="987480"/>
+            <a:off x="6859800" y="1179000"/>
+            <a:ext cx="2358720" cy="986760"/>
           </a:xfrm>
           <a:custGeom>
             <a:avLst/>
@@ -14483,8 +14116,8 @@
         </p:nvSpPr>
         <p:spPr>
           <a:xfrm flipH="1">
-            <a:off x="7238880" y="1324800"/>
-            <a:ext cx="1980000" cy="858240"/>
+            <a:off x="7238160" y="1324800"/>
+            <a:ext cx="1979280" cy="857520"/>
           </a:xfrm>
           <a:custGeom>
             <a:avLst/>
@@ -14532,8 +14165,8 @@
         </p:nvSpPr>
         <p:spPr>
           <a:xfrm flipV="1">
-            <a:off x="6859800" y="2445120"/>
-            <a:ext cx="360" cy="155520"/>
+            <a:off x="6859800" y="2444400"/>
+            <a:ext cx="360" cy="154800"/>
           </a:xfrm>
           <a:custGeom>
             <a:avLst/>
@@ -14582,7 +14215,7 @@
         <p:spPr>
           <a:xfrm>
             <a:off x="7197480" y="2452680"/>
-            <a:ext cx="360" cy="201240"/>
+            <a:ext cx="360" cy="200520"/>
           </a:xfrm>
           <a:custGeom>
             <a:avLst/>
@@ -14631,7 +14264,7 @@
         <p:spPr>
           <a:xfrm>
             <a:off x="8088480" y="2740320"/>
-            <a:ext cx="128520" cy="661680"/>
+            <a:ext cx="127800" cy="660960"/>
           </a:xfrm>
           <a:prstGeom prst="rect">
             <a:avLst/>
@@ -14704,7 +14337,7 @@
         <p:spPr>
           <a:xfrm>
             <a:off x="1069920" y="484560"/>
-            <a:ext cx="10058040" cy="1608840"/>
+            <a:ext cx="10057320" cy="1608120"/>
           </a:xfrm>
           <a:prstGeom prst="rect">
             <a:avLst/>
@@ -14715,7 +14348,7 @@
           </a:ln>
         </p:spPr>
         <p:txBody>
-          <a:bodyPr anchor="ctr">
+          <a:bodyPr lIns="90000" rIns="90000" tIns="45000" bIns="45000" anchor="ctr">
             <a:noAutofit/>
           </a:bodyPr>
           <a:p>
@@ -14737,11 +14370,8 @@
               </a:rPr>
               <a:t> (for book)</a:t>
             </a:r>
-            <a:endParaRPr b="0" lang="en-US" sz="2000" spc="-1" strike="noStrike">
-              <a:solidFill>
-                <a:srgbClr val="000000"/>
-              </a:solidFill>
-              <a:latin typeface="Rockwell"/>
+            <a:endParaRPr b="0" lang="en-IE" sz="2000" spc="-1" strike="noStrike">
+              <a:latin typeface="Arial"/>
             </a:endParaRPr>
           </a:p>
         </p:txBody>
@@ -14754,7 +14384,7 @@
         </p:nvGraphicFramePr>
         <p:xfrm>
           <a:off x="1069920" y="2120760"/>
-          <a:ext cx="10058040" cy="2595600"/>
+          <a:ext cx="10057680" cy="2846880"/>
         </p:xfrm>
         <a:graphic>
           <a:graphicData uri="http://schemas.openxmlformats.org/drawingml/2006/table">
@@ -15917,7 +15547,7 @@
         <p:spPr>
           <a:xfrm>
             <a:off x="9219600" y="955440"/>
-            <a:ext cx="1895400" cy="738000"/>
+            <a:ext cx="1894680" cy="737280"/>
           </a:xfrm>
           <a:prstGeom prst="can">
             <a:avLst>
@@ -15962,7 +15592,7 @@
         <p:spPr>
           <a:xfrm>
             <a:off x="1069920" y="484560"/>
-            <a:ext cx="10058040" cy="1608840"/>
+            <a:ext cx="10057320" cy="1608120"/>
           </a:xfrm>
           <a:prstGeom prst="rect">
             <a:avLst/>
@@ -15973,7 +15603,7 @@
           </a:ln>
         </p:spPr>
         <p:txBody>
-          <a:bodyPr anchor="ctr">
+          <a:bodyPr lIns="90000" rIns="90000" tIns="45000" bIns="45000" anchor="ctr">
             <a:noAutofit/>
           </a:bodyPr>
           <a:p>
@@ -15998,11 +15628,8 @@
               </a:rPr>
               <a:t>And what is a web-server?</a:t>
             </a:r>
-            <a:endParaRPr b="0" lang="en-US" sz="1800" spc="-1" strike="noStrike">
-              <a:solidFill>
-                <a:srgbClr val="000000"/>
-              </a:solidFill>
-              <a:latin typeface="Rockwell"/>
+            <a:endParaRPr b="0" lang="en-IE" sz="1800" spc="-1" strike="noStrike">
+              <a:latin typeface="Arial"/>
             </a:endParaRPr>
           </a:p>
         </p:txBody>
@@ -16016,7 +15643,7 @@
         <p:spPr>
           <a:xfrm>
             <a:off x="2172600" y="2432880"/>
-            <a:ext cx="7046280" cy="4119480"/>
+            <a:ext cx="7045560" cy="4118760"/>
           </a:xfrm>
           <a:prstGeom prst="rect">
             <a:avLst/>
@@ -16042,7 +15669,7 @@
         <p:spPr>
           <a:xfrm>
             <a:off x="2122560" y="2114280"/>
-            <a:ext cx="9281160" cy="2244240"/>
+            <a:ext cx="9280440" cy="2243520"/>
           </a:xfrm>
           <a:prstGeom prst="rect">
             <a:avLst/>
@@ -16083,7 +15710,7 @@
         <p:spPr>
           <a:xfrm>
             <a:off x="3481560" y="5512320"/>
-            <a:ext cx="3506400" cy="1200240"/>
+            <a:ext cx="3505680" cy="1199520"/>
           </a:xfrm>
           <a:prstGeom prst="rect">
             <a:avLst/>
@@ -16124,7 +15751,7 @@
         <p:spPr>
           <a:xfrm>
             <a:off x="3731040" y="4659840"/>
-            <a:ext cx="2885400" cy="649080"/>
+            <a:ext cx="2884680" cy="648360"/>
           </a:xfrm>
           <a:prstGeom prst="cloud">
             <a:avLst/>
@@ -16163,7 +15790,7 @@
         <p:spPr>
           <a:xfrm>
             <a:off x="4591440" y="4799880"/>
-            <a:ext cx="1716480" cy="363960"/>
+            <a:ext cx="1715760" cy="363960"/>
           </a:xfrm>
           <a:prstGeom prst="rect">
             <a:avLst/>
@@ -16196,6 +15823,7 @@
                   <a:srgbClr val="000000"/>
                 </a:solidFill>
                 <a:latin typeface="Rockwell"/>
+                <a:ea typeface="DejaVu Sans"/>
               </a:rPr>
               <a:t>internet</a:t>
             </a:r>
@@ -16214,7 +15842,7 @@
         <p:spPr>
           <a:xfrm>
             <a:off x="2847960" y="5172840"/>
-            <a:ext cx="2000520" cy="363960"/>
+            <a:ext cx="1999800" cy="363960"/>
           </a:xfrm>
           <a:prstGeom prst="rect">
             <a:avLst/>
@@ -16247,6 +15875,7 @@
                   <a:srgbClr val="000000"/>
                 </a:solidFill>
                 <a:latin typeface="Rockwell"/>
+                <a:ea typeface="DejaVu Sans"/>
               </a:rPr>
               <a:t>HTTP request</a:t>
             </a:r>
@@ -16265,7 +15894,7 @@
         <p:spPr>
           <a:xfrm>
             <a:off x="5731920" y="5169240"/>
-            <a:ext cx="1786320" cy="638280"/>
+            <a:ext cx="1785600" cy="638280"/>
           </a:xfrm>
           <a:prstGeom prst="rect">
             <a:avLst/>
@@ -16298,6 +15927,7 @@
                   <a:srgbClr val="000000"/>
                 </a:solidFill>
                 <a:latin typeface="Rockwell"/>
+                <a:ea typeface="DejaVu Sans"/>
               </a:rPr>
               <a:t>HTTP response</a:t>
             </a:r>
@@ -16316,7 +15946,7 @@
         <p:spPr>
           <a:xfrm>
             <a:off x="2256840" y="2126880"/>
-            <a:ext cx="938880" cy="363960"/>
+            <a:ext cx="938160" cy="363960"/>
           </a:xfrm>
           <a:prstGeom prst="rect">
             <a:avLst/>
@@ -16349,6 +15979,7 @@
                   <a:srgbClr val="000000"/>
                 </a:solidFill>
                 <a:latin typeface="Rockwell"/>
+                <a:ea typeface="DejaVu Sans"/>
               </a:rPr>
               <a:t>Server</a:t>
             </a:r>
@@ -16367,7 +15998,7 @@
         <p:spPr>
           <a:xfrm>
             <a:off x="3624120" y="3703320"/>
-            <a:ext cx="2809800" cy="495000"/>
+            <a:ext cx="2809080" cy="494280"/>
           </a:xfrm>
           <a:prstGeom prst="rect">
             <a:avLst/>
@@ -16406,7 +16037,7 @@
         <p:spPr>
           <a:xfrm>
             <a:off x="3825360" y="3759120"/>
-            <a:ext cx="2549880" cy="638280"/>
+            <a:ext cx="2549160" cy="638280"/>
           </a:xfrm>
           <a:prstGeom prst="rect">
             <a:avLst/>
@@ -16439,6 +16070,7 @@
                   <a:srgbClr val="000000"/>
                 </a:solidFill>
                 <a:latin typeface="Rockwell"/>
+                <a:ea typeface="DejaVu Sans"/>
               </a:rPr>
               <a:t>App server (eg flask)</a:t>
             </a:r>
@@ -16457,7 +16089,7 @@
         <p:spPr>
           <a:xfrm>
             <a:off x="2676240" y="2632320"/>
-            <a:ext cx="2172240" cy="910440"/>
+            <a:ext cx="2171520" cy="909720"/>
           </a:xfrm>
           <a:prstGeom prst="rect">
             <a:avLst/>
@@ -16499,7 +16131,7 @@
         <p:spPr>
           <a:xfrm>
             <a:off x="2608920" y="2621520"/>
-            <a:ext cx="2239560" cy="241920"/>
+            <a:ext cx="2238840" cy="241920"/>
           </a:xfrm>
           <a:prstGeom prst="rect">
             <a:avLst/>
@@ -16532,6 +16164,7 @@
                   <a:srgbClr val="000000"/>
                 </a:solidFill>
                 <a:latin typeface="Rockwell"/>
+                <a:ea typeface="DejaVu Sans"/>
               </a:rPr>
               <a:t>Directory with static pages</a:t>
             </a:r>
@@ -16550,7 +16183,7 @@
         <p:spPr>
           <a:xfrm>
             <a:off x="2801880" y="3056760"/>
-            <a:ext cx="821880" cy="345600"/>
+            <a:ext cx="821160" cy="344880"/>
           </a:xfrm>
           <a:prstGeom prst="rect">
             <a:avLst/>
@@ -16591,7 +16224,7 @@
         <p:spPr>
           <a:xfrm>
             <a:off x="2801880" y="3077640"/>
-            <a:ext cx="721080" cy="333000"/>
+            <a:ext cx="720360" cy="333000"/>
           </a:xfrm>
           <a:prstGeom prst="rect">
             <a:avLst/>
@@ -16624,6 +16257,7 @@
                   <a:srgbClr val="ffffff"/>
                 </a:solidFill>
                 <a:latin typeface="Rockwell"/>
+                <a:ea typeface="DejaVu Sans"/>
               </a:rPr>
               <a:t>Index.html</a:t>
             </a:r>
@@ -16642,7 +16276,7 @@
         <p:spPr>
           <a:xfrm>
             <a:off x="3871440" y="3042000"/>
-            <a:ext cx="821880" cy="345600"/>
+            <a:ext cx="821160" cy="344880"/>
           </a:xfrm>
           <a:prstGeom prst="rect">
             <a:avLst/>
@@ -16683,7 +16317,7 @@
         <p:spPr>
           <a:xfrm>
             <a:off x="3947040" y="3070080"/>
-            <a:ext cx="721080" cy="211320"/>
+            <a:ext cx="720360" cy="211320"/>
           </a:xfrm>
           <a:prstGeom prst="rect">
             <a:avLst/>
@@ -16716,6 +16350,7 @@
                   <a:srgbClr val="ffffff"/>
                 </a:solidFill>
                 <a:latin typeface="Rockwell"/>
+                <a:ea typeface="DejaVu Sans"/>
               </a:rPr>
               <a:t>File.jpg</a:t>
             </a:r>
@@ -16734,7 +16369,7 @@
         <p:spPr>
           <a:xfrm>
             <a:off x="5721120" y="2611800"/>
-            <a:ext cx="1756800" cy="1144080"/>
+            <a:ext cx="1756080" cy="1143360"/>
           </a:xfrm>
           <a:prstGeom prst="rect">
             <a:avLst/>
@@ -16773,7 +16408,7 @@
         <p:spPr>
           <a:xfrm>
             <a:off x="5897520" y="2740320"/>
-            <a:ext cx="1274760" cy="394200"/>
+            <a:ext cx="1274040" cy="394200"/>
           </a:xfrm>
           <a:prstGeom prst="rect">
             <a:avLst/>
@@ -16806,6 +16441,7 @@
                   <a:srgbClr val="000000"/>
                 </a:solidFill>
                 <a:latin typeface="Rockwell"/>
+                <a:ea typeface="DejaVu Sans"/>
               </a:rPr>
               <a:t>Functions in the app server</a:t>
             </a:r>
@@ -16824,7 +16460,7 @@
         <p:spPr>
           <a:xfrm>
             <a:off x="3213000" y="3402360"/>
-            <a:ext cx="2508120" cy="936000"/>
+            <a:ext cx="2507400" cy="935280"/>
           </a:xfrm>
           <a:custGeom>
             <a:avLst/>
@@ -16872,8 +16508,8 @@
         </p:nvSpPr>
         <p:spPr>
           <a:xfrm flipH="1">
-            <a:off x="5737320" y="3767040"/>
-            <a:ext cx="1249560" cy="591840"/>
+            <a:off x="5736600" y="3767040"/>
+            <a:ext cx="1248840" cy="591120"/>
           </a:xfrm>
           <a:custGeom>
             <a:avLst/>
@@ -16922,7 +16558,7 @@
         <p:spPr>
           <a:xfrm>
             <a:off x="9219600" y="2374200"/>
-            <a:ext cx="1895400" cy="1895400"/>
+            <a:ext cx="1894680" cy="1894680"/>
           </a:xfrm>
           <a:prstGeom prst="can">
             <a:avLst>
@@ -16963,7 +16599,7 @@
         <p:spPr>
           <a:xfrm>
             <a:off x="9576000" y="3285720"/>
-            <a:ext cx="1450800" cy="363960"/>
+            <a:ext cx="1450080" cy="363960"/>
           </a:xfrm>
           <a:prstGeom prst="rect">
             <a:avLst/>
@@ -16996,6 +16632,7 @@
                   <a:srgbClr val="000000"/>
                 </a:solidFill>
                 <a:latin typeface="Rockwell"/>
+                <a:ea typeface="DejaVu Sans"/>
               </a:rPr>
               <a:t>Database</a:t>
             </a:r>
@@ -17014,7 +16651,7 @@
         <p:spPr>
           <a:xfrm>
             <a:off x="7478640" y="2888640"/>
-            <a:ext cx="1740600" cy="6840"/>
+            <a:ext cx="1739880" cy="6120"/>
           </a:xfrm>
           <a:custGeom>
             <a:avLst/>
@@ -17062,8 +16699,8 @@
         </p:nvSpPr>
         <p:spPr>
           <a:xfrm flipH="1" flipV="1">
-            <a:off x="7477920" y="3183840"/>
-            <a:ext cx="1740600" cy="12240"/>
+            <a:off x="7477200" y="3183120"/>
+            <a:ext cx="1739880" cy="11520"/>
           </a:xfrm>
           <a:custGeom>
             <a:avLst/>
@@ -17112,7 +16749,7 @@
         <p:spPr>
           <a:xfrm>
             <a:off x="8659080" y="4624200"/>
-            <a:ext cx="914040" cy="363960"/>
+            <a:ext cx="913320" cy="363960"/>
           </a:xfrm>
           <a:prstGeom prst="rect">
             <a:avLst/>
@@ -17145,6 +16782,7 @@
                   <a:srgbClr val="000000"/>
                 </a:solidFill>
                 <a:latin typeface="Rockwell"/>
+                <a:ea typeface="DejaVu Sans"/>
               </a:rPr>
               <a:t>Flask</a:t>
             </a:r>
@@ -17162,8 +16800,8 @@
         </p:nvSpPr>
         <p:spPr>
           <a:xfrm flipH="1" flipV="1">
-            <a:off x="6521040" y="4198680"/>
-            <a:ext cx="2137680" cy="609840"/>
+            <a:off x="6520320" y="4197960"/>
+            <a:ext cx="2136960" cy="609120"/>
           </a:xfrm>
           <a:custGeom>
             <a:avLst/>
@@ -17207,7 +16845,7 @@
         <p:spPr>
           <a:xfrm>
             <a:off x="3515040" y="5512320"/>
-            <a:ext cx="966240" cy="363960"/>
+            <a:ext cx="965520" cy="363960"/>
           </a:xfrm>
           <a:prstGeom prst="rect">
             <a:avLst/>
@@ -17240,6 +16878,7 @@
                   <a:srgbClr val="000000"/>
                 </a:solidFill>
                 <a:latin typeface="Rockwell"/>
+                <a:ea typeface="DejaVu Sans"/>
               </a:rPr>
               <a:t>Client</a:t>
             </a:r>
@@ -17257,8 +16896,8 @@
         </p:nvSpPr>
         <p:spPr>
           <a:xfrm flipV="1">
-            <a:off x="4525200" y="4142520"/>
-            <a:ext cx="360" cy="1551960"/>
+            <a:off x="4525200" y="4141800"/>
+            <a:ext cx="360" cy="1551240"/>
           </a:xfrm>
           <a:custGeom>
             <a:avLst/>
@@ -17307,7 +16946,7 @@
         <p:spPr>
           <a:xfrm>
             <a:off x="5738040" y="4338720"/>
-            <a:ext cx="360" cy="1356480"/>
+            <a:ext cx="360" cy="1355760"/>
           </a:xfrm>
           <a:custGeom>
             <a:avLst/>
@@ -17356,7 +16995,7 @@
         <p:spPr>
           <a:xfrm>
             <a:off x="4402440" y="5695560"/>
-            <a:ext cx="1387800" cy="912600"/>
+            <a:ext cx="1387080" cy="912600"/>
           </a:xfrm>
           <a:prstGeom prst="rect">
             <a:avLst/>
@@ -17368,8 +17007,7 @@
           </a:solidFill>
           <a:ln w="0">
             <a:solidFill>
-              <a:srgbClr val="d34817">
-                <a:shade val="50000"/>
+              <a:srgbClr val="9c3510">
                 <a:alpha val="38000"/>
               </a:srgbClr>
             </a:solidFill>
@@ -17398,6 +17036,7 @@
                   <a:srgbClr val="a6a6a6"/>
                 </a:solidFill>
                 <a:latin typeface="Rockwell"/>
+                <a:ea typeface="DejaVu Sans"/>
               </a:rPr>
               <a:t>Browser/ postmaster/curl</a:t>
             </a:r>
@@ -17416,7 +17055,7 @@
         <p:spPr>
           <a:xfrm>
             <a:off x="-30141360" y="-40160520"/>
-            <a:ext cx="82197360" cy="83338200"/>
+            <a:ext cx="82196640" cy="83337480"/>
           </a:xfrm>
           <a:custGeom>
             <a:avLst/>
@@ -17501,7 +17140,7 @@
         <p:spPr>
           <a:xfrm>
             <a:off x="9367200" y="1139400"/>
-            <a:ext cx="1700280" cy="363960"/>
+            <a:ext cx="1699560" cy="363960"/>
           </a:xfrm>
           <a:prstGeom prst="rect">
             <a:avLst/>
@@ -17534,6 +17173,7 @@
                   <a:srgbClr val="000000"/>
                 </a:solidFill>
                 <a:latin typeface="Rockwell"/>
+                <a:ea typeface="DejaVu Sans"/>
               </a:rPr>
               <a:t>Outside data</a:t>
             </a:r>
@@ -17552,7 +17192,7 @@
         <p:spPr>
           <a:xfrm>
             <a:off x="8088480" y="2558160"/>
-            <a:ext cx="617760" cy="1197720"/>
+            <a:ext cx="617040" cy="1197000"/>
           </a:xfrm>
           <a:prstGeom prst="rect">
             <a:avLst/>
@@ -17591,7 +17231,7 @@
         <p:spPr>
           <a:xfrm>
             <a:off x="8176680" y="2963880"/>
-            <a:ext cx="470880" cy="241920"/>
+            <a:ext cx="470160" cy="241920"/>
           </a:xfrm>
           <a:prstGeom prst="rect">
             <a:avLst/>
@@ -17624,6 +17264,7 @@
                   <a:srgbClr val="000000"/>
                 </a:solidFill>
                 <a:latin typeface="Rockwell"/>
+                <a:ea typeface="DejaVu Sans"/>
               </a:rPr>
               <a:t>DAO</a:t>
             </a:r>
@@ -17642,7 +17283,7 @@
         <p:spPr>
           <a:xfrm>
             <a:off x="6627600" y="2170800"/>
-            <a:ext cx="850680" cy="281520"/>
+            <a:ext cx="849960" cy="280800"/>
           </a:xfrm>
           <a:prstGeom prst="rect">
             <a:avLst/>
@@ -17681,7 +17322,7 @@
         <p:spPr>
           <a:xfrm>
             <a:off x="6839280" y="2198880"/>
-            <a:ext cx="715680" cy="241920"/>
+            <a:ext cx="714960" cy="241920"/>
           </a:xfrm>
           <a:prstGeom prst="rect">
             <a:avLst/>
@@ -17714,6 +17355,7 @@
                   <a:srgbClr val="000000"/>
                 </a:solidFill>
                 <a:latin typeface="Rockwell"/>
+                <a:ea typeface="DejaVu Sans"/>
               </a:rPr>
               <a:t>DAO</a:t>
             </a:r>
@@ -17731,8 +17373,8 @@
         </p:nvSpPr>
         <p:spPr>
           <a:xfrm flipV="1">
-            <a:off x="6859800" y="1180440"/>
-            <a:ext cx="2359440" cy="987480"/>
+            <a:off x="6859800" y="1179000"/>
+            <a:ext cx="2358720" cy="986760"/>
           </a:xfrm>
           <a:custGeom>
             <a:avLst/>
@@ -17780,8 +17422,8 @@
         </p:nvSpPr>
         <p:spPr>
           <a:xfrm flipH="1">
-            <a:off x="7238880" y="1324800"/>
-            <a:ext cx="1980000" cy="858240"/>
+            <a:off x="7238160" y="1324800"/>
+            <a:ext cx="1979280" cy="857520"/>
           </a:xfrm>
           <a:custGeom>
             <a:avLst/>
@@ -17829,8 +17471,8 @@
         </p:nvSpPr>
         <p:spPr>
           <a:xfrm flipV="1">
-            <a:off x="6859800" y="2445120"/>
-            <a:ext cx="360" cy="155520"/>
+            <a:off x="6859800" y="2444400"/>
+            <a:ext cx="360" cy="154800"/>
           </a:xfrm>
           <a:custGeom>
             <a:avLst/>
@@ -17879,7 +17521,7 @@
         <p:spPr>
           <a:xfrm>
             <a:off x="7197480" y="2452680"/>
-            <a:ext cx="360" cy="201240"/>
+            <a:ext cx="360" cy="200520"/>
           </a:xfrm>
           <a:custGeom>
             <a:avLst/>
@@ -17958,7 +17600,7 @@
         <p:spPr>
           <a:xfrm>
             <a:off x="9219600" y="955440"/>
-            <a:ext cx="1895400" cy="738000"/>
+            <a:ext cx="1894680" cy="737280"/>
           </a:xfrm>
           <a:prstGeom prst="can">
             <a:avLst>
@@ -18003,7 +17645,7 @@
         <p:spPr>
           <a:xfrm>
             <a:off x="1069920" y="484560"/>
-            <a:ext cx="10058040" cy="1608840"/>
+            <a:ext cx="10057320" cy="1608120"/>
           </a:xfrm>
           <a:prstGeom prst="rect">
             <a:avLst/>
@@ -18014,7 +17656,7 @@
           </a:ln>
         </p:spPr>
         <p:txBody>
-          <a:bodyPr anchor="ctr">
+          <a:bodyPr lIns="90000" rIns="90000" tIns="45000" bIns="45000" anchor="ctr">
             <a:noAutofit/>
           </a:bodyPr>
           <a:p>
@@ -18039,11 +17681,8 @@
               </a:rPr>
               <a:t>And what is a web-server?</a:t>
             </a:r>
-            <a:endParaRPr b="0" lang="en-US" sz="1800" spc="-1" strike="noStrike">
-              <a:solidFill>
-                <a:srgbClr val="000000"/>
-              </a:solidFill>
-              <a:latin typeface="Rockwell"/>
+            <a:endParaRPr b="0" lang="en-IE" sz="1800" spc="-1" strike="noStrike">
+              <a:latin typeface="Arial"/>
             </a:endParaRPr>
           </a:p>
         </p:txBody>
@@ -18057,7 +17696,7 @@
         <p:spPr>
           <a:xfrm>
             <a:off x="2172600" y="2432880"/>
-            <a:ext cx="7046280" cy="4119480"/>
+            <a:ext cx="7045560" cy="4118760"/>
           </a:xfrm>
           <a:prstGeom prst="rect">
             <a:avLst/>
@@ -18083,7 +17722,7 @@
         <p:spPr>
           <a:xfrm>
             <a:off x="2122560" y="2114280"/>
-            <a:ext cx="9281160" cy="2244240"/>
+            <a:ext cx="9280440" cy="2243520"/>
           </a:xfrm>
           <a:prstGeom prst="rect">
             <a:avLst/>
@@ -18124,7 +17763,7 @@
         <p:spPr>
           <a:xfrm>
             <a:off x="3481560" y="5512320"/>
-            <a:ext cx="3506400" cy="1200240"/>
+            <a:ext cx="3505680" cy="1199520"/>
           </a:xfrm>
           <a:prstGeom prst="rect">
             <a:avLst/>
@@ -18165,7 +17804,7 @@
         <p:spPr>
           <a:xfrm>
             <a:off x="3731040" y="4659840"/>
-            <a:ext cx="2885400" cy="649080"/>
+            <a:ext cx="2884680" cy="648360"/>
           </a:xfrm>
           <a:prstGeom prst="cloud">
             <a:avLst/>
@@ -18204,7 +17843,7 @@
         <p:spPr>
           <a:xfrm>
             <a:off x="4591440" y="4799880"/>
-            <a:ext cx="1716480" cy="363960"/>
+            <a:ext cx="1715760" cy="363960"/>
           </a:xfrm>
           <a:prstGeom prst="rect">
             <a:avLst/>
@@ -18237,6 +17876,7 @@
                   <a:srgbClr val="000000"/>
                 </a:solidFill>
                 <a:latin typeface="Rockwell"/>
+                <a:ea typeface="DejaVu Sans"/>
               </a:rPr>
               <a:t>internet</a:t>
             </a:r>
@@ -18255,7 +17895,7 @@
         <p:spPr>
           <a:xfrm>
             <a:off x="2847960" y="5172840"/>
-            <a:ext cx="2000520" cy="363960"/>
+            <a:ext cx="1999800" cy="363960"/>
           </a:xfrm>
           <a:prstGeom prst="rect">
             <a:avLst/>
@@ -18288,6 +17928,7 @@
                   <a:srgbClr val="000000"/>
                 </a:solidFill>
                 <a:latin typeface="Rockwell"/>
+                <a:ea typeface="DejaVu Sans"/>
               </a:rPr>
               <a:t>HTTP request</a:t>
             </a:r>
@@ -18306,7 +17947,7 @@
         <p:spPr>
           <a:xfrm>
             <a:off x="5731920" y="5169240"/>
-            <a:ext cx="1786320" cy="638280"/>
+            <a:ext cx="1785600" cy="638280"/>
           </a:xfrm>
           <a:prstGeom prst="rect">
             <a:avLst/>
@@ -18339,6 +17980,7 @@
                   <a:srgbClr val="000000"/>
                 </a:solidFill>
                 <a:latin typeface="Rockwell"/>
+                <a:ea typeface="DejaVu Sans"/>
               </a:rPr>
               <a:t>HTTP response</a:t>
             </a:r>
@@ -18357,7 +17999,7 @@
         <p:spPr>
           <a:xfrm>
             <a:off x="2256840" y="2126880"/>
-            <a:ext cx="938880" cy="363960"/>
+            <a:ext cx="938160" cy="363960"/>
           </a:xfrm>
           <a:prstGeom prst="rect">
             <a:avLst/>
@@ -18390,6 +18032,7 @@
                   <a:srgbClr val="000000"/>
                 </a:solidFill>
                 <a:latin typeface="Rockwell"/>
+                <a:ea typeface="DejaVu Sans"/>
               </a:rPr>
               <a:t>Server</a:t>
             </a:r>
@@ -18408,7 +18051,7 @@
         <p:spPr>
           <a:xfrm>
             <a:off x="3624120" y="3703320"/>
-            <a:ext cx="2809800" cy="495000"/>
+            <a:ext cx="2809080" cy="494280"/>
           </a:xfrm>
           <a:prstGeom prst="rect">
             <a:avLst/>
@@ -18447,7 +18090,7 @@
         <p:spPr>
           <a:xfrm>
             <a:off x="3825360" y="3759120"/>
-            <a:ext cx="2549880" cy="638280"/>
+            <a:ext cx="2549160" cy="638280"/>
           </a:xfrm>
           <a:prstGeom prst="rect">
             <a:avLst/>
@@ -18480,6 +18123,7 @@
                   <a:srgbClr val="000000"/>
                 </a:solidFill>
                 <a:latin typeface="Rockwell"/>
+                <a:ea typeface="DejaVu Sans"/>
               </a:rPr>
               <a:t>App server (eg flask)</a:t>
             </a:r>
@@ -18498,7 +18142,7 @@
         <p:spPr>
           <a:xfrm>
             <a:off x="2676240" y="2632320"/>
-            <a:ext cx="2172240" cy="910440"/>
+            <a:ext cx="2171520" cy="909720"/>
           </a:xfrm>
           <a:prstGeom prst="rect">
             <a:avLst/>
@@ -18540,7 +18184,7 @@
         <p:spPr>
           <a:xfrm>
             <a:off x="2608920" y="2621520"/>
-            <a:ext cx="2239560" cy="241920"/>
+            <a:ext cx="2238840" cy="241920"/>
           </a:xfrm>
           <a:prstGeom prst="rect">
             <a:avLst/>
@@ -18573,6 +18217,7 @@
                   <a:srgbClr val="000000"/>
                 </a:solidFill>
                 <a:latin typeface="Rockwell"/>
+                <a:ea typeface="DejaVu Sans"/>
               </a:rPr>
               <a:t>Directory with static pages</a:t>
             </a:r>
@@ -18591,7 +18236,7 @@
         <p:spPr>
           <a:xfrm>
             <a:off x="2801880" y="3056760"/>
-            <a:ext cx="821880" cy="345600"/>
+            <a:ext cx="821160" cy="344880"/>
           </a:xfrm>
           <a:prstGeom prst="rect">
             <a:avLst/>
@@ -18632,7 +18277,7 @@
         <p:spPr>
           <a:xfrm>
             <a:off x="2801880" y="3077640"/>
-            <a:ext cx="721080" cy="333000"/>
+            <a:ext cx="720360" cy="333000"/>
           </a:xfrm>
           <a:prstGeom prst="rect">
             <a:avLst/>
@@ -18665,6 +18310,7 @@
                   <a:srgbClr val="ffffff"/>
                 </a:solidFill>
                 <a:latin typeface="Rockwell"/>
+                <a:ea typeface="DejaVu Sans"/>
               </a:rPr>
               <a:t>Index.html</a:t>
             </a:r>
@@ -18683,7 +18329,7 @@
         <p:spPr>
           <a:xfrm>
             <a:off x="3871440" y="3042000"/>
-            <a:ext cx="821880" cy="345600"/>
+            <a:ext cx="821160" cy="344880"/>
           </a:xfrm>
           <a:prstGeom prst="rect">
             <a:avLst/>
@@ -18724,7 +18370,7 @@
         <p:spPr>
           <a:xfrm>
             <a:off x="3947040" y="3070080"/>
-            <a:ext cx="721080" cy="211320"/>
+            <a:ext cx="720360" cy="211320"/>
           </a:xfrm>
           <a:prstGeom prst="rect">
             <a:avLst/>
@@ -18757,6 +18403,7 @@
                   <a:srgbClr val="ffffff"/>
                 </a:solidFill>
                 <a:latin typeface="Rockwell"/>
+                <a:ea typeface="DejaVu Sans"/>
               </a:rPr>
               <a:t>File.jpg</a:t>
             </a:r>
@@ -18775,7 +18422,7 @@
         <p:spPr>
           <a:xfrm>
             <a:off x="5721120" y="2611800"/>
-            <a:ext cx="1756800" cy="1144080"/>
+            <a:ext cx="1756080" cy="1143360"/>
           </a:xfrm>
           <a:prstGeom prst="rect">
             <a:avLst/>
@@ -18814,7 +18461,7 @@
         <p:spPr>
           <a:xfrm>
             <a:off x="5897520" y="2740320"/>
-            <a:ext cx="1274760" cy="394200"/>
+            <a:ext cx="1274040" cy="394200"/>
           </a:xfrm>
           <a:prstGeom prst="rect">
             <a:avLst/>
@@ -18847,6 +18494,7 @@
                   <a:srgbClr val="000000"/>
                 </a:solidFill>
                 <a:latin typeface="Rockwell"/>
+                <a:ea typeface="DejaVu Sans"/>
               </a:rPr>
               <a:t>Functions in the app server</a:t>
             </a:r>
@@ -18865,7 +18513,7 @@
         <p:spPr>
           <a:xfrm>
             <a:off x="3213000" y="3402360"/>
-            <a:ext cx="2508120" cy="936000"/>
+            <a:ext cx="2507400" cy="935280"/>
           </a:xfrm>
           <a:custGeom>
             <a:avLst/>
@@ -18913,8 +18561,8 @@
         </p:nvSpPr>
         <p:spPr>
           <a:xfrm flipH="1">
-            <a:off x="5737320" y="3767040"/>
-            <a:ext cx="1249560" cy="591840"/>
+            <a:off x="5736600" y="3767040"/>
+            <a:ext cx="1248840" cy="591120"/>
           </a:xfrm>
           <a:custGeom>
             <a:avLst/>
@@ -18963,7 +18611,7 @@
         <p:spPr>
           <a:xfrm>
             <a:off x="9219600" y="2374200"/>
-            <a:ext cx="1895400" cy="1895400"/>
+            <a:ext cx="1894680" cy="1894680"/>
           </a:xfrm>
           <a:prstGeom prst="can">
             <a:avLst>
@@ -19004,7 +18652,7 @@
         <p:spPr>
           <a:xfrm>
             <a:off x="9576000" y="3285720"/>
-            <a:ext cx="1450800" cy="363960"/>
+            <a:ext cx="1450080" cy="363960"/>
           </a:xfrm>
           <a:prstGeom prst="rect">
             <a:avLst/>
@@ -19037,6 +18685,7 @@
                   <a:srgbClr val="000000"/>
                 </a:solidFill>
                 <a:latin typeface="Rockwell"/>
+                <a:ea typeface="DejaVu Sans"/>
               </a:rPr>
               <a:t>Database</a:t>
             </a:r>
@@ -19055,7 +18704,7 @@
         <p:spPr>
           <a:xfrm>
             <a:off x="7478640" y="2888640"/>
-            <a:ext cx="1740600" cy="6840"/>
+            <a:ext cx="1739880" cy="6120"/>
           </a:xfrm>
           <a:custGeom>
             <a:avLst/>
@@ -19103,8 +18752,8 @@
         </p:nvSpPr>
         <p:spPr>
           <a:xfrm flipH="1" flipV="1">
-            <a:off x="7477920" y="3183840"/>
-            <a:ext cx="1740600" cy="12240"/>
+            <a:off x="7477200" y="3183120"/>
+            <a:ext cx="1739880" cy="11520"/>
           </a:xfrm>
           <a:custGeom>
             <a:avLst/>
@@ -19153,7 +18802,7 @@
         <p:spPr>
           <a:xfrm>
             <a:off x="8659080" y="4624200"/>
-            <a:ext cx="914040" cy="363960"/>
+            <a:ext cx="913320" cy="363960"/>
           </a:xfrm>
           <a:prstGeom prst="rect">
             <a:avLst/>
@@ -19186,6 +18835,7 @@
                   <a:srgbClr val="000000"/>
                 </a:solidFill>
                 <a:latin typeface="Rockwell"/>
+                <a:ea typeface="DejaVu Sans"/>
               </a:rPr>
               <a:t>Flask</a:t>
             </a:r>
@@ -19203,8 +18853,8 @@
         </p:nvSpPr>
         <p:spPr>
           <a:xfrm flipH="1" flipV="1">
-            <a:off x="6521040" y="4198680"/>
-            <a:ext cx="2137680" cy="609840"/>
+            <a:off x="6520320" y="4197960"/>
+            <a:ext cx="2136960" cy="609120"/>
           </a:xfrm>
           <a:custGeom>
             <a:avLst/>
@@ -19248,7 +18898,7 @@
         <p:spPr>
           <a:xfrm>
             <a:off x="3515040" y="5512320"/>
-            <a:ext cx="966240" cy="363960"/>
+            <a:ext cx="965520" cy="363960"/>
           </a:xfrm>
           <a:prstGeom prst="rect">
             <a:avLst/>
@@ -19281,6 +18931,7 @@
                   <a:srgbClr val="000000"/>
                 </a:solidFill>
                 <a:latin typeface="Rockwell"/>
+                <a:ea typeface="DejaVu Sans"/>
               </a:rPr>
               <a:t>Client</a:t>
             </a:r>
@@ -19298,8 +18949,8 @@
         </p:nvSpPr>
         <p:spPr>
           <a:xfrm flipV="1">
-            <a:off x="4525200" y="4142520"/>
-            <a:ext cx="360" cy="1551960"/>
+            <a:off x="4525200" y="4141800"/>
+            <a:ext cx="360" cy="1551240"/>
           </a:xfrm>
           <a:custGeom>
             <a:avLst/>
@@ -19348,7 +18999,7 @@
         <p:spPr>
           <a:xfrm>
             <a:off x="5738040" y="4338720"/>
-            <a:ext cx="360" cy="1356480"/>
+            <a:ext cx="360" cy="1355760"/>
           </a:xfrm>
           <a:custGeom>
             <a:avLst/>
@@ -19397,7 +19048,7 @@
         <p:spPr>
           <a:xfrm>
             <a:off x="4402440" y="5695560"/>
-            <a:ext cx="1387800" cy="912600"/>
+            <a:ext cx="1387080" cy="912600"/>
           </a:xfrm>
           <a:prstGeom prst="rect">
             <a:avLst/>
@@ -19409,8 +19060,7 @@
           </a:solidFill>
           <a:ln w="0">
             <a:solidFill>
-              <a:srgbClr val="d34817">
-                <a:shade val="50000"/>
+              <a:srgbClr val="9c3510">
                 <a:alpha val="38000"/>
               </a:srgbClr>
             </a:solidFill>
@@ -19439,6 +19089,7 @@
                   <a:srgbClr val="a6a6a6"/>
                 </a:solidFill>
                 <a:latin typeface="Rockwell"/>
+                <a:ea typeface="DejaVu Sans"/>
               </a:rPr>
               <a:t>Browser/ postmaster/curl</a:t>
             </a:r>
@@ -19457,7 +19108,7 @@
         <p:spPr>
           <a:xfrm>
             <a:off x="-30141360" y="-40160520"/>
-            <a:ext cx="82197360" cy="83338200"/>
+            <a:ext cx="82196640" cy="83337480"/>
           </a:xfrm>
           <a:custGeom>
             <a:avLst/>
@@ -19542,7 +19193,7 @@
         <p:spPr>
           <a:xfrm>
             <a:off x="9367200" y="1139400"/>
-            <a:ext cx="1700280" cy="363960"/>
+            <a:ext cx="1699560" cy="363960"/>
           </a:xfrm>
           <a:prstGeom prst="rect">
             <a:avLst/>
@@ -19575,6 +19226,7 @@
                   <a:srgbClr val="000000"/>
                 </a:solidFill>
                 <a:latin typeface="Rockwell"/>
+                <a:ea typeface="DejaVu Sans"/>
               </a:rPr>
               <a:t>Outside data</a:t>
             </a:r>
@@ -19593,7 +19245,7 @@
         <p:spPr>
           <a:xfrm>
             <a:off x="8088480" y="2558160"/>
-            <a:ext cx="617760" cy="1197720"/>
+            <a:ext cx="617040" cy="1197000"/>
           </a:xfrm>
           <a:prstGeom prst="rect">
             <a:avLst/>
@@ -19632,7 +19284,7 @@
         <p:spPr>
           <a:xfrm>
             <a:off x="8176680" y="2963880"/>
-            <a:ext cx="470880" cy="241920"/>
+            <a:ext cx="470160" cy="241920"/>
           </a:xfrm>
           <a:prstGeom prst="rect">
             <a:avLst/>
@@ -19665,6 +19317,7 @@
                   <a:srgbClr val="000000"/>
                 </a:solidFill>
                 <a:latin typeface="Rockwell"/>
+                <a:ea typeface="DejaVu Sans"/>
               </a:rPr>
               <a:t>DAO</a:t>
             </a:r>
@@ -19683,7 +19336,7 @@
         <p:spPr>
           <a:xfrm>
             <a:off x="6627600" y="2170800"/>
-            <a:ext cx="850680" cy="281520"/>
+            <a:ext cx="849960" cy="280800"/>
           </a:xfrm>
           <a:prstGeom prst="rect">
             <a:avLst/>
@@ -19722,7 +19375,7 @@
         <p:spPr>
           <a:xfrm>
             <a:off x="6839280" y="2198880"/>
-            <a:ext cx="715680" cy="241920"/>
+            <a:ext cx="714960" cy="241920"/>
           </a:xfrm>
           <a:prstGeom prst="rect">
             <a:avLst/>
@@ -19755,6 +19408,7 @@
                   <a:srgbClr val="000000"/>
                 </a:solidFill>
                 <a:latin typeface="Rockwell"/>
+                <a:ea typeface="DejaVu Sans"/>
               </a:rPr>
               <a:t>DAO</a:t>
             </a:r>
@@ -19772,8 +19426,8 @@
         </p:nvSpPr>
         <p:spPr>
           <a:xfrm flipV="1">
-            <a:off x="6859800" y="1180440"/>
-            <a:ext cx="2359440" cy="987480"/>
+            <a:off x="6859800" y="1179000"/>
+            <a:ext cx="2358720" cy="986760"/>
           </a:xfrm>
           <a:custGeom>
             <a:avLst/>
@@ -19821,8 +19475,8 @@
         </p:nvSpPr>
         <p:spPr>
           <a:xfrm flipH="1">
-            <a:off x="7238880" y="1324800"/>
-            <a:ext cx="1980000" cy="858240"/>
+            <a:off x="7238160" y="1324800"/>
+            <a:ext cx="1979280" cy="857520"/>
           </a:xfrm>
           <a:custGeom>
             <a:avLst/>
@@ -19870,8 +19524,8 @@
         </p:nvSpPr>
         <p:spPr>
           <a:xfrm flipV="1">
-            <a:off x="6859800" y="2445120"/>
-            <a:ext cx="360" cy="155520"/>
+            <a:off x="6859800" y="2444400"/>
+            <a:ext cx="360" cy="154800"/>
           </a:xfrm>
           <a:custGeom>
             <a:avLst/>
@@ -19920,7 +19574,7 @@
         <p:spPr>
           <a:xfrm>
             <a:off x="7197480" y="2452680"/>
-            <a:ext cx="360" cy="201240"/>
+            <a:ext cx="360" cy="200520"/>
           </a:xfrm>
           <a:custGeom>
             <a:avLst/>
@@ -19969,7 +19623,7 @@
         <p:spPr>
           <a:xfrm>
             <a:off x="6616800" y="2377080"/>
-            <a:ext cx="861480" cy="74880"/>
+            <a:ext cx="860760" cy="74160"/>
           </a:xfrm>
           <a:prstGeom prst="rect">
             <a:avLst/>
@@ -20042,7 +19696,7 @@
         <p:spPr>
           <a:xfrm>
             <a:off x="1069920" y="484560"/>
-            <a:ext cx="10058040" cy="1608840"/>
+            <a:ext cx="10057320" cy="1608120"/>
           </a:xfrm>
           <a:prstGeom prst="rect">
             <a:avLst/>
@@ -20053,7 +19707,7 @@
           </a:ln>
         </p:spPr>
         <p:txBody>
-          <a:bodyPr anchor="ctr">
+          <a:bodyPr lIns="90000" rIns="90000" tIns="45000" bIns="45000" anchor="ctr">
             <a:noAutofit/>
           </a:bodyPr>
           <a:p>
@@ -20075,11 +19729,8 @@
               </a:rPr>
               <a:t> (for outside data)</a:t>
             </a:r>
-            <a:endParaRPr b="0" lang="en-US" sz="2000" spc="-1" strike="noStrike">
-              <a:solidFill>
-                <a:srgbClr val="000000"/>
-              </a:solidFill>
-              <a:latin typeface="Rockwell"/>
+            <a:endParaRPr b="0" lang="en-IE" sz="2000" spc="-1" strike="noStrike">
+              <a:latin typeface="Arial"/>
             </a:endParaRPr>
           </a:p>
         </p:txBody>
@@ -20092,7 +19743,7 @@
         </p:nvGraphicFramePr>
         <p:xfrm>
           <a:off x="1069920" y="2120760"/>
-          <a:ext cx="10058040" cy="2595600"/>
+          <a:ext cx="10057680" cy="3363840"/>
         </p:xfrm>
         <a:graphic>
           <a:graphicData uri="http://schemas.openxmlformats.org/drawingml/2006/table">

--- a/labs/WSAA07.01 Data layered.pptx
+++ b/labs/WSAA07.01 Data layered.pptx
@@ -302,7 +302,7 @@
             <a:pPr algn="r">
               <a:buNone/>
             </a:pPr>
-            <a:fld id="{682B13CE-8E56-4157-82A7-EA75FF404A78}" type="slidenum">
+            <a:fld id="{23F572D1-595D-4F09-BDE4-6F7A7FAB93B1}" type="slidenum">
               <a:rPr b="0" lang="en-IE" sz="1400" spc="-1" strike="noStrike">
                 <a:latin typeface="Times New Roman"/>
               </a:rPr>
@@ -350,7 +350,7 @@
         <p:spPr>
           <a:xfrm>
             <a:off x="685800" y="1143000"/>
-            <a:ext cx="5485320" cy="3085200"/>
+            <a:ext cx="5484960" cy="3084840"/>
           </a:xfrm>
           <a:prstGeom prst="rect">
             <a:avLst/>
@@ -373,7 +373,7 @@
         <p:spPr>
           <a:xfrm>
             <a:off x="180000" y="4400640"/>
-            <a:ext cx="6569640" cy="4644000"/>
+            <a:ext cx="6569280" cy="4643640"/>
           </a:xfrm>
           <a:prstGeom prst="rect">
             <a:avLst/>
@@ -496,7 +496,7 @@
                 <a:tab algn="l" pos="0"/>
               </a:tabLst>
             </a:pPr>
-            <a:endParaRPr b="0" lang="en-IE" sz="2000" spc="-1" strike="noStrike">
+            <a:endParaRPr b="0" lang="en-IE" sz="1600" spc="-1" strike="noStrike">
               <a:latin typeface="Arial"/>
             </a:endParaRPr>
           </a:p>
@@ -514,13 +514,7 @@
               <a:rPr b="0" lang="en-IE" sz="1600" spc="-1" strike="noStrike">
                 <a:latin typeface="Arial"/>
               </a:rPr>
-              <a:t>Databases and how you interact with data that's outside of let's say a flash server or any application that </a:t>
-            </a:r>
-            <a:r>
-              <a:rPr b="0" lang="en-IE" sz="1600" spc="-1" strike="noStrike">
-                <a:latin typeface="Arial"/>
-              </a:rPr>
-              <a:t>you're writing. DAO and how you can run SQL in your Python.</a:t>
+              <a:t>If you already have a server and MySQL client on your machine, you should not install WAMP.</a:t>
             </a:r>
             <a:endParaRPr b="0" lang="en-IE" sz="1600" spc="-1" strike="noStrike">
               <a:latin typeface="Arial"/>
@@ -554,9 +548,23 @@
               <a:rPr b="0" lang="en-IE" sz="1600" spc="-1" strike="noStrike">
                 <a:latin typeface="Arial"/>
               </a:rPr>
-              <a:t>If you already have a server and MySQL client on your machine, you should not install WAMP </a:t>
+              <a:t>Databases and how you interact with data that's outside of let's say a flash server or any application that you're writing. DAO and how you can run SQL in your Python.</a:t>
             </a:r>
             <a:endParaRPr b="0" lang="en-IE" sz="1600" spc="-1" strike="noStrike">
+              <a:latin typeface="Arial"/>
+            </a:endParaRPr>
+          </a:p>
+          <a:p>
+            <a:pPr marL="216000" indent="-216000">
+              <a:lnSpc>
+                <a:spcPct val="100000"/>
+              </a:lnSpc>
+              <a:buNone/>
+              <a:tabLst>
+                <a:tab algn="l" pos="0"/>
+              </a:tabLst>
+            </a:pPr>
+            <a:endParaRPr b="0" lang="en-IE" sz="2000" spc="-1" strike="noStrike">
               <a:latin typeface="Arial"/>
             </a:endParaRPr>
           </a:p>
@@ -594,13 +602,7 @@
               <a:rPr b="0" lang="en-IE" sz="1600" spc="-1" strike="noStrike">
                 <a:latin typeface="Arial"/>
               </a:rPr>
-              <a:t>In practice, this means creating a separate file that has functions that can be called (e.g. from your flask </a:t>
-            </a:r>
-            <a:r>
-              <a:rPr b="0" lang="en-IE" sz="1600" spc="-1" strike="noStrike">
-                <a:latin typeface="Arial"/>
-              </a:rPr>
-              <a:t>server)</a:t>
+              <a:t>In practice, this means creating a separate file that has functions that can be called (e.g. from your flask server)</a:t>
             </a:r>
             <a:endParaRPr b="0" lang="en-IE" sz="1600" spc="-1" strike="noStrike">
               <a:latin typeface="Arial"/>
@@ -649,7 +651,7 @@
         <p:spPr>
           <a:xfrm>
             <a:off x="3884760" y="8685360"/>
-            <a:ext cx="2970720" cy="457560"/>
+            <a:ext cx="2970360" cy="457200"/>
           </a:xfrm>
           <a:prstGeom prst="rect">
             <a:avLst/>
@@ -681,14 +683,177 @@
               </a:lnSpc>
               <a:buNone/>
             </a:pPr>
-            <a:fld id="{0F67E8E7-1A4A-481A-AEF9-D7B82F3D97C5}" type="slidenum">
+            <a:fld id="{95D26D99-6446-4952-A35F-0CBA568186AC}" type="slidenum">
               <a:rPr b="0" lang="en-IE" sz="1200" spc="-1" strike="noStrike">
                 <a:latin typeface="Times New Roman"/>
               </a:rPr>
-              <a:t>&lt;number&gt;</a:t>
+              <a:t>1</a:t>
             </a:fld>
             <a:endParaRPr b="0" lang="en-IE" sz="1200" spc="-1" strike="noStrike">
               <a:latin typeface="Times New Roman"/>
+            </a:endParaRPr>
+          </a:p>
+        </p:txBody>
+      </p:sp>
+    </p:spTree>
+  </p:cSld>
+</p:notes>
+</file>
+
+<file path=ppt/notesSlides/notesSlide10.xml><?xml version="1.0" encoding="utf-8"?>
+<p:notes xmlns:a="http://schemas.openxmlformats.org/drawingml/2006/main" xmlns:p="http://schemas.openxmlformats.org/presentationml/2006/main" xmlns:r="http://schemas.openxmlformats.org/officeDocument/2006/relationships" xmlns:p14="http://schemas.microsoft.com/office/powerpoint/2010/main" xmlns:p15="http://schemas.microsoft.com/office/powerpoint/2012/main" xmlns:mc="http://schemas.openxmlformats.org/markup-compatibility/2006">
+  <p:cSld>
+    <p:spTree>
+      <p:nvGrpSpPr>
+        <p:cNvPr id="1" name=""/>
+        <p:cNvGrpSpPr/>
+        <p:nvPr/>
+      </p:nvGrpSpPr>
+      <p:grpSpPr>
+        <a:xfrm>
+          <a:off x="0" y="0"/>
+          <a:ext cx="0" cy="0"/>
+          <a:chOff x="0" y="0"/>
+          <a:chExt cx="0" cy="0"/>
+        </a:xfrm>
+      </p:grpSpPr>
+      <p:sp>
+        <p:nvSpPr>
+          <p:cNvPr id="363" name="PlaceHolder 1"/>
+          <p:cNvSpPr>
+            <a:spLocks noGrp="1"/>
+          </p:cNvSpPr>
+          <p:nvPr>
+            <p:ph type="sldImg"/>
+          </p:nvPr>
+        </p:nvSpPr>
+        <p:spPr>
+          <a:xfrm>
+            <a:off x="380880" y="694800"/>
+            <a:ext cx="6095520" cy="3428640"/>
+          </a:xfrm>
+          <a:prstGeom prst="rect">
+            <a:avLst/>
+          </a:prstGeom>
+          <a:ln w="0">
+            <a:noFill/>
+          </a:ln>
+        </p:spPr>
+      </p:sp>
+      <p:sp>
+        <p:nvSpPr>
+          <p:cNvPr id="364" name="PlaceHolder 2"/>
+          <p:cNvSpPr>
+            <a:spLocks noGrp="1"/>
+          </p:cNvSpPr>
+          <p:nvPr>
+            <p:ph type="body"/>
+          </p:nvPr>
+        </p:nvSpPr>
+        <p:spPr>
+          <a:xfrm>
+            <a:off x="685800" y="4343400"/>
+            <a:ext cx="5486040" cy="4114440"/>
+          </a:xfrm>
+          <a:prstGeom prst="rect">
+            <a:avLst/>
+          </a:prstGeom>
+          <a:noFill/>
+          <a:ln w="0">
+            <a:noFill/>
+          </a:ln>
+        </p:spPr>
+        <p:txBody>
+          <a:bodyPr lIns="0" rIns="0" tIns="0" bIns="0" anchor="t">
+            <a:noAutofit/>
+          </a:bodyPr>
+          <a:p>
+            <a:r>
+              <a:rPr b="0" lang="en-IE" sz="2000" spc="-1" strike="noStrike">
+                <a:latin typeface="Arial"/>
+              </a:rPr>
+              <a:t> </a:t>
+            </a:r>
+            <a:r>
+              <a:rPr b="0" lang="en-IE" sz="2000" spc="-1" strike="noStrike">
+                <a:latin typeface="Arial"/>
+              </a:rPr>
+              <a:t>in conclusion, we'll just look at the skeleton </a:t>
+            </a:r>
+            <a:r>
+              <a:rPr b="0" lang="en-IE" sz="2000" spc="-1" strike="noStrike">
+                <a:latin typeface="Arial"/>
+              </a:rPr>
+              <a:t>code and the implementation of how you </a:t>
+            </a:r>
+            <a:r>
+              <a:rPr b="0" lang="en-IE" sz="2000" spc="-1" strike="noStrike">
+                <a:latin typeface="Arial"/>
+              </a:rPr>
+              <a:t>should connect to the data source. That's </a:t>
+            </a:r>
+            <a:r>
+              <a:rPr b="0" lang="en-IE" sz="2000" spc="-1" strike="noStrike">
+                <a:latin typeface="Arial"/>
+              </a:rPr>
+              <a:t>going to come later. I mean, we've already </a:t>
+            </a:r>
+            <a:r>
+              <a:rPr b="0" lang="en-IE" sz="2000" spc="-1" strike="noStrike">
+                <a:latin typeface="Arial"/>
+              </a:rPr>
+              <a:t>done some of this when I was doing </a:t>
+            </a:r>
+            <a:r>
+              <a:rPr b="0" lang="en-IE" sz="2000" spc="-1" strike="noStrike">
+                <a:latin typeface="Arial"/>
+              </a:rPr>
+              <a:t>http://requests and getting data from the CEO </a:t>
+            </a:r>
+            <a:r>
+              <a:rPr b="0" lang="en-IE" sz="2000" spc="-1" strike="noStrike">
+                <a:latin typeface="Arial"/>
+              </a:rPr>
+              <a:t>and the Gov dot i.e. The reason I'm making a </a:t>
+            </a:r>
+            <a:r>
+              <a:rPr b="0" lang="en-IE" sz="2000" spc="-1" strike="noStrike">
+                <a:latin typeface="Arial"/>
+              </a:rPr>
+              <a:t>deal is basically separate the retrieval and </a:t>
+            </a:r>
+            <a:r>
+              <a:rPr b="0" lang="en-IE" sz="2000" spc="-1" strike="noStrike">
+                <a:latin typeface="Arial"/>
+              </a:rPr>
+              <a:t>the information from the rest of the code. </a:t>
+            </a:r>
+            <a:r>
+              <a:rPr b="0" lang="en-IE" sz="2000" spc="-1" strike="noStrike">
+                <a:latin typeface="Arial"/>
+              </a:rPr>
+              <a:t>Where the rest of the code is a flower server </a:t>
+            </a:r>
+            <a:r>
+              <a:rPr b="0" lang="en-IE" sz="2000" spc="-1" strike="noStrike">
+                <a:latin typeface="Arial"/>
+              </a:rPr>
+              <a:t>or it's a programme that is a making windows </a:t>
+            </a:r>
+            <a:r>
+              <a:rPr b="0" lang="en-IE" sz="2000" spc="-1" strike="noStrike">
+                <a:latin typeface="Arial"/>
+              </a:rPr>
+              <a:t>or whatever. Put your data retrieval into a </a:t>
+            </a:r>
+            <a:r>
+              <a:rPr b="0" lang="en-IE" sz="2000" spc="-1" strike="noStrike">
+                <a:latin typeface="Arial"/>
+              </a:rPr>
+              <a:t>separate DAO </a:t>
+            </a:r>
+            <a:endParaRPr b="0" lang="en-IE" sz="2000" spc="-1" strike="noStrike">
+              <a:latin typeface="Arial"/>
             </a:endParaRPr>
           </a:p>
         </p:txBody>
@@ -728,7 +893,7 @@
         <p:spPr>
           <a:xfrm>
             <a:off x="-107280" y="180000"/>
-            <a:ext cx="7126920" cy="4008600"/>
+            <a:ext cx="7126560" cy="4008240"/>
           </a:xfrm>
           <a:prstGeom prst="rect">
             <a:avLst/>
@@ -751,7 +916,7 @@
         <p:spPr>
           <a:xfrm>
             <a:off x="36360" y="4365000"/>
-            <a:ext cx="6668280" cy="4679640"/>
+            <a:ext cx="6667920" cy="4679280"/>
           </a:xfrm>
           <a:prstGeom prst="rect">
             <a:avLst/>
@@ -771,12 +936,15 @@
                 <a:spcPct val="100000"/>
               </a:lnSpc>
               <a:buNone/>
+              <a:tabLst>
+                <a:tab algn="l" pos="0"/>
+              </a:tabLst>
             </a:pPr>
             <a:r>
               <a:rPr b="0" lang="en-IE" sz="2000" spc="-1" strike="noStrike">
                 <a:latin typeface="Arial"/>
               </a:rPr>
-              <a:t>In this lecture we go through creating an internal API for dealing with data sources. In practice, this means creating a separate file that has functions that can be called (e.g. from your flask server)</a:t>
+              <a:t>creating a data layer, this would be a module or Python file that you will create to interact with your data source, be it a database or an outside data source.</a:t>
             </a:r>
             <a:endParaRPr b="0" lang="en-IE" sz="2000" spc="-1" strike="noStrike">
               <a:latin typeface="Arial"/>
@@ -788,7 +956,587 @@
                 <a:spcPct val="100000"/>
               </a:lnSpc>
               <a:buNone/>
+              <a:tabLst>
+                <a:tab algn="l" pos="0"/>
+              </a:tabLst>
             </a:pPr>
+            <a:endParaRPr b="0" lang="en-IE" sz="2000" spc="-1" strike="noStrike">
+              <a:latin typeface="Arial"/>
+            </a:endParaRPr>
+          </a:p>
+          <a:p>
+            <a:pPr marL="216000" indent="-216000">
+              <a:lnSpc>
+                <a:spcPct val="100000"/>
+              </a:lnSpc>
+              <a:buNone/>
+              <a:tabLst>
+                <a:tab algn="l" pos="0"/>
+              </a:tabLst>
+            </a:pPr>
+            <a:r>
+              <a:rPr b="0" lang="en-IE" sz="2000" spc="-1" strike="noStrike">
+                <a:latin typeface="Arial"/>
+              </a:rPr>
+              <a:t>the app server. So we've basically created the functions that go into the app server to do the mapping between the URLs and your code. </a:t>
+            </a:r>
+            <a:endParaRPr b="0" lang="en-IE" sz="2000" spc="-1" strike="noStrike">
+              <a:latin typeface="Arial"/>
+            </a:endParaRPr>
+          </a:p>
+          <a:p>
+            <a:pPr marL="216000" indent="-216000">
+              <a:lnSpc>
+                <a:spcPct val="100000"/>
+              </a:lnSpc>
+              <a:buNone/>
+              <a:tabLst>
+                <a:tab algn="l" pos="0"/>
+              </a:tabLst>
+            </a:pPr>
+            <a:endParaRPr b="0" lang="en-IE" sz="2000" spc="-1" strike="noStrike">
+              <a:latin typeface="Arial"/>
+            </a:endParaRPr>
+          </a:p>
+        </p:txBody>
+      </p:sp>
+    </p:spTree>
+  </p:cSld>
+</p:notes>
+</file>
+
+<file path=ppt/notesSlides/notesSlide3.xml><?xml version="1.0" encoding="utf-8"?>
+<p:notes xmlns:a="http://schemas.openxmlformats.org/drawingml/2006/main" xmlns:p="http://schemas.openxmlformats.org/presentationml/2006/main" xmlns:r="http://schemas.openxmlformats.org/officeDocument/2006/relationships" xmlns:p14="http://schemas.microsoft.com/office/powerpoint/2010/main" xmlns:p15="http://schemas.microsoft.com/office/powerpoint/2012/main" xmlns:mc="http://schemas.openxmlformats.org/markup-compatibility/2006">
+  <p:cSld>
+    <p:spTree>
+      <p:nvGrpSpPr>
+        <p:cNvPr id="1" name=""/>
+        <p:cNvGrpSpPr/>
+        <p:nvPr/>
+      </p:nvGrpSpPr>
+      <p:grpSpPr>
+        <a:xfrm>
+          <a:off x="0" y="0"/>
+          <a:ext cx="0" cy="0"/>
+          <a:chOff x="0" y="0"/>
+          <a:chExt cx="0" cy="0"/>
+        </a:xfrm>
+      </p:grpSpPr>
+      <p:sp>
+        <p:nvSpPr>
+          <p:cNvPr id="351" name="PlaceHolder 1"/>
+          <p:cNvSpPr>
+            <a:spLocks noGrp="1"/>
+          </p:cNvSpPr>
+          <p:nvPr>
+            <p:ph type="sldImg"/>
+          </p:nvPr>
+        </p:nvSpPr>
+        <p:spPr>
+          <a:xfrm>
+            <a:off x="380880" y="694800"/>
+            <a:ext cx="6095520" cy="3428640"/>
+          </a:xfrm>
+          <a:prstGeom prst="rect">
+            <a:avLst/>
+          </a:prstGeom>
+          <a:ln w="0">
+            <a:noFill/>
+          </a:ln>
+        </p:spPr>
+      </p:sp>
+      <p:sp>
+        <p:nvSpPr>
+          <p:cNvPr id="352" name="PlaceHolder 2"/>
+          <p:cNvSpPr>
+            <a:spLocks noGrp="1"/>
+          </p:cNvSpPr>
+          <p:nvPr>
+            <p:ph type="body"/>
+          </p:nvPr>
+        </p:nvSpPr>
+        <p:spPr>
+          <a:xfrm>
+            <a:off x="685800" y="4343400"/>
+            <a:ext cx="5486040" cy="4114440"/>
+          </a:xfrm>
+          <a:prstGeom prst="rect">
+            <a:avLst/>
+          </a:prstGeom>
+          <a:noFill/>
+          <a:ln w="0">
+            <a:noFill/>
+          </a:ln>
+        </p:spPr>
+        <p:txBody>
+          <a:bodyPr lIns="0" rIns="0" tIns="0" bIns="0" anchor="t">
+            <a:noAutofit/>
+          </a:bodyPr>
+          <a:p>
+            <a:r>
+              <a:rPr b="0" lang="en-IE" sz="2000" spc="-1" strike="noStrike">
+                <a:latin typeface="Arial"/>
+              </a:rPr>
+              <a:t>now is this part, the how your functions inside your app server, or those data functions, how they would interact with a database in particular or an outside data source.</a:t>
+            </a:r>
+            <a:endParaRPr b="0" lang="en-IE" sz="2000" spc="-1" strike="noStrike">
+              <a:latin typeface="Arial"/>
+            </a:endParaRPr>
+          </a:p>
+        </p:txBody>
+      </p:sp>
+    </p:spTree>
+  </p:cSld>
+</p:notes>
+</file>
+
+<file path=ppt/notesSlides/notesSlide4.xml><?xml version="1.0" encoding="utf-8"?>
+<p:notes xmlns:a="http://schemas.openxmlformats.org/drawingml/2006/main" xmlns:p="http://schemas.openxmlformats.org/presentationml/2006/main" xmlns:r="http://schemas.openxmlformats.org/officeDocument/2006/relationships" xmlns:p14="http://schemas.microsoft.com/office/powerpoint/2010/main" xmlns:p15="http://schemas.microsoft.com/office/powerpoint/2012/main" xmlns:mc="http://schemas.openxmlformats.org/markup-compatibility/2006">
+  <p:cSld>
+    <p:spTree>
+      <p:nvGrpSpPr>
+        <p:cNvPr id="1" name=""/>
+        <p:cNvGrpSpPr/>
+        <p:nvPr/>
+      </p:nvGrpSpPr>
+      <p:grpSpPr>
+        <a:xfrm>
+          <a:off x="0" y="0"/>
+          <a:ext cx="0" cy="0"/>
+          <a:chOff x="0" y="0"/>
+          <a:chExt cx="0" cy="0"/>
+        </a:xfrm>
+      </p:grpSpPr>
+      <p:sp>
+        <p:nvSpPr>
+          <p:cNvPr id="353" name="PlaceHolder 1"/>
+          <p:cNvSpPr>
+            <a:spLocks noGrp="1"/>
+          </p:cNvSpPr>
+          <p:nvPr>
+            <p:ph type="sldImg"/>
+          </p:nvPr>
+        </p:nvSpPr>
+        <p:spPr>
+          <a:xfrm>
+            <a:off x="380880" y="694800"/>
+            <a:ext cx="6095520" cy="3428640"/>
+          </a:xfrm>
+          <a:prstGeom prst="rect">
+            <a:avLst/>
+          </a:prstGeom>
+          <a:ln w="0">
+            <a:noFill/>
+          </a:ln>
+        </p:spPr>
+      </p:sp>
+      <p:sp>
+        <p:nvSpPr>
+          <p:cNvPr id="354" name="PlaceHolder 2"/>
+          <p:cNvSpPr>
+            <a:spLocks noGrp="1"/>
+          </p:cNvSpPr>
+          <p:nvPr>
+            <p:ph type="body"/>
+          </p:nvPr>
+        </p:nvSpPr>
+        <p:spPr>
+          <a:xfrm>
+            <a:off x="180000" y="4230000"/>
+            <a:ext cx="6633000" cy="4476600"/>
+          </a:xfrm>
+          <a:prstGeom prst="rect">
+            <a:avLst/>
+          </a:prstGeom>
+          <a:noFill/>
+          <a:ln w="0">
+            <a:noFill/>
+          </a:ln>
+        </p:spPr>
+        <p:txBody>
+          <a:bodyPr lIns="0" rIns="0" tIns="0" bIns="0" anchor="t">
+            <a:noAutofit/>
+          </a:bodyPr>
+          <a:p>
+            <a:r>
+              <a:rPr b="0" lang="en-IE" sz="1800" spc="-1" strike="noStrike">
+                <a:latin typeface="Arial"/>
+              </a:rPr>
+              <a:t>So really what you want to do is you want to create another data file, another Python file. I'm calling them Daos Database Access objects. That could be objects or they could just be files just to force a habit of mine called them DAOs. And these would be your Python code which you put into a separate file that will deal with the database. And that means you don't have to have any of the database code or any of your request code in your Flask mapping part of your code. So it can be separated out. The usefulness of this it can be reused if let's say you wanted to access the database for an outside data source not for flat but for something else, you could reuse this code. It also helps to separate out what's going on so you can just think about the database when you're dealing with the database code and you can just think about the mapping when you're doing with the mapping code.</a:t>
+            </a:r>
+            <a:endParaRPr b="0" lang="en-IE" sz="1800" spc="-1" strike="noStrike">
+              <a:latin typeface="Arial"/>
+            </a:endParaRPr>
+          </a:p>
+          <a:p>
+            <a:endParaRPr b="0" lang="en-IE" sz="2000" spc="-1" strike="noStrike">
+              <a:latin typeface="Arial"/>
+            </a:endParaRPr>
+          </a:p>
+        </p:txBody>
+      </p:sp>
+    </p:spTree>
+  </p:cSld>
+</p:notes>
+</file>
+
+<file path=ppt/notesSlides/notesSlide5.xml><?xml version="1.0" encoding="utf-8"?>
+<p:notes xmlns:a="http://schemas.openxmlformats.org/drawingml/2006/main" xmlns:p="http://schemas.openxmlformats.org/presentationml/2006/main" xmlns:r="http://schemas.openxmlformats.org/officeDocument/2006/relationships" xmlns:p14="http://schemas.microsoft.com/office/powerpoint/2010/main" xmlns:p15="http://schemas.microsoft.com/office/powerpoint/2012/main" xmlns:mc="http://schemas.openxmlformats.org/markup-compatibility/2006">
+  <p:cSld>
+    <p:spTree>
+      <p:nvGrpSpPr>
+        <p:cNvPr id="1" name=""/>
+        <p:cNvGrpSpPr/>
+        <p:nvPr/>
+      </p:nvGrpSpPr>
+      <p:grpSpPr>
+        <a:xfrm>
+          <a:off x="0" y="0"/>
+          <a:ext cx="0" cy="0"/>
+          <a:chOff x="0" y="0"/>
+          <a:chExt cx="0" cy="0"/>
+        </a:xfrm>
+      </p:grpSpPr>
+      <p:sp>
+        <p:nvSpPr>
+          <p:cNvPr id="355" name="PlaceHolder 1"/>
+          <p:cNvSpPr>
+            <a:spLocks noGrp="1"/>
+          </p:cNvSpPr>
+          <p:nvPr>
+            <p:ph type="sldImg"/>
+          </p:nvPr>
+        </p:nvSpPr>
+        <p:spPr>
+          <a:xfrm>
+            <a:off x="380880" y="694800"/>
+            <a:ext cx="6095520" cy="3428640"/>
+          </a:xfrm>
+          <a:prstGeom prst="rect">
+            <a:avLst/>
+          </a:prstGeom>
+          <a:ln w="0">
+            <a:noFill/>
+          </a:ln>
+        </p:spPr>
+      </p:sp>
+      <p:sp>
+        <p:nvSpPr>
+          <p:cNvPr id="356" name="PlaceHolder 2"/>
+          <p:cNvSpPr>
+            <a:spLocks noGrp="1"/>
+          </p:cNvSpPr>
+          <p:nvPr>
+            <p:ph type="body"/>
+          </p:nvPr>
+        </p:nvSpPr>
+        <p:spPr>
+          <a:xfrm>
+            <a:off x="685800" y="4343400"/>
+            <a:ext cx="5486040" cy="4114440"/>
+          </a:xfrm>
+          <a:prstGeom prst="rect">
+            <a:avLst/>
+          </a:prstGeom>
+          <a:noFill/>
+          <a:ln w="0">
+            <a:noFill/>
+          </a:ln>
+        </p:spPr>
+        <p:txBody>
+          <a:bodyPr lIns="0" rIns="0" tIns="0" bIns="0" anchor="t">
+            <a:noAutofit/>
+          </a:bodyPr>
+          <a:p>
+            <a:r>
+              <a:rPr b="0" lang="en-IE" sz="2000" spc="-1" strike="noStrike">
+                <a:latin typeface="Arial"/>
+              </a:rPr>
+              <a:t>The bit I want to talk about in this lecture is just this interaction of the mapping code. That's in Flask, which are DAO, so you would want to think about what this interface would contain. I'm going to talk about the DAO interacting with the database or any outside data source later on, but in this lecture I just want to concentrate on what would that interface, What would the functions that the flask your flask code would call in the DAO?</a:t>
+            </a:r>
+            <a:endParaRPr b="0" lang="en-IE" sz="2000" spc="-1" strike="noStrike">
+              <a:latin typeface="Arial"/>
+            </a:endParaRPr>
+          </a:p>
+        </p:txBody>
+      </p:sp>
+    </p:spTree>
+  </p:cSld>
+</p:notes>
+</file>
+
+<file path=ppt/notesSlides/notesSlide6.xml><?xml version="1.0" encoding="utf-8"?>
+<p:notes xmlns:a="http://schemas.openxmlformats.org/drawingml/2006/main" xmlns:p="http://schemas.openxmlformats.org/presentationml/2006/main" xmlns:r="http://schemas.openxmlformats.org/officeDocument/2006/relationships" xmlns:p14="http://schemas.microsoft.com/office/powerpoint/2010/main" xmlns:p15="http://schemas.microsoft.com/office/powerpoint/2012/main" xmlns:mc="http://schemas.openxmlformats.org/markup-compatibility/2006">
+  <p:cSld>
+    <p:spTree>
+      <p:nvGrpSpPr>
+        <p:cNvPr id="1" name=""/>
+        <p:cNvGrpSpPr/>
+        <p:nvPr/>
+      </p:nvGrpSpPr>
+      <p:grpSpPr>
+        <a:xfrm>
+          <a:off x="0" y="0"/>
+          <a:ext cx="0" cy="0"/>
+          <a:chOff x="0" y="0"/>
+          <a:chExt cx="0" cy="0"/>
+        </a:xfrm>
+      </p:grpSpPr>
+      <p:sp>
+        <p:nvSpPr>
+          <p:cNvPr id="357" name="PlaceHolder 1"/>
+          <p:cNvSpPr>
+            <a:spLocks noGrp="1"/>
+          </p:cNvSpPr>
+          <p:nvPr>
+            <p:ph type="sldImg"/>
+          </p:nvPr>
+        </p:nvSpPr>
+        <p:spPr>
+          <a:xfrm>
+            <a:off x="380880" y="694800"/>
+            <a:ext cx="6095520" cy="3428640"/>
+          </a:xfrm>
+          <a:prstGeom prst="rect">
+            <a:avLst/>
+          </a:prstGeom>
+          <a:ln w="0">
+            <a:noFill/>
+          </a:ln>
+        </p:spPr>
+      </p:sp>
+      <p:sp>
+        <p:nvSpPr>
+          <p:cNvPr id="358" name="PlaceHolder 2"/>
+          <p:cNvSpPr>
+            <a:spLocks noGrp="1"/>
+          </p:cNvSpPr>
+          <p:nvPr>
+            <p:ph type="body"/>
+          </p:nvPr>
+        </p:nvSpPr>
+        <p:spPr>
+          <a:xfrm>
+            <a:off x="-10440" y="4123440"/>
+            <a:ext cx="6480000" cy="4876560"/>
+          </a:xfrm>
+          <a:prstGeom prst="rect">
+            <a:avLst/>
+          </a:prstGeom>
+          <a:noFill/>
+          <a:ln w="0">
+            <a:noFill/>
+          </a:ln>
+        </p:spPr>
+        <p:txBody>
+          <a:bodyPr lIns="0" rIns="0" tIns="0" bIns="0" anchor="t">
+            <a:noAutofit/>
+          </a:bodyPr>
+          <a:p>
+            <a:r>
+              <a:rPr b="0" lang="en-IE" sz="1800" spc="-1" strike="noStrike">
+                <a:latin typeface="Arial"/>
+              </a:rPr>
+              <a:t>for that you're creating another API, another CRUD API. Except in this case it's not dealing with http://requests, it's dealing with Python calls. So this would be a series of Python functions that you would put inside the DAO, uh, that will deal with the database. And when you're thinking about it, you don't need to worry about how it deals with the database yet. You just want to know that your Flask code, your mapping code can call these functions and they will magically get the data or do things to the database. So for example, if you're doing CRUD,have a get all function.</a:t>
+            </a:r>
+            <a:endParaRPr b="0" lang="en-IE" sz="1800" spc="-1" strike="noStrike">
+              <a:latin typeface="Arial"/>
+            </a:endParaRPr>
+          </a:p>
+          <a:p>
+            <a:r>
+              <a:rPr b="0" lang="en-IE" sz="1800" spc="-1" strike="noStrike">
+                <a:latin typeface="Arial"/>
+              </a:rPr>
+              <a:t> </a:t>
+            </a:r>
+            <a:r>
+              <a:rPr b="0" lang="en-IE" sz="1800" spc="-1" strike="noStrike">
+                <a:latin typeface="Arial"/>
+              </a:rPr>
+              <a:t>You would create functions to do that and then you can write your flask code that will call those functions. And then later, you can then write the code that will deal with the database, and they are keeping your Flask code and your database code separate. </a:t>
+            </a:r>
+            <a:endParaRPr b="0" lang="en-IE" sz="1800" spc="-1" strike="noStrike">
+              <a:latin typeface="Arial"/>
+            </a:endParaRPr>
+          </a:p>
+          <a:p>
+            <a:r>
+              <a:rPr b="0" lang="en-IE" sz="1800" spc="-1" strike="noStrike">
+                <a:latin typeface="Arial"/>
+              </a:rPr>
+              <a:t>&gt;  my7bookDAOskeleton.py</a:t>
+            </a:r>
+            <a:endParaRPr b="0" lang="en-IE" sz="1800" spc="-1" strike="noStrike">
+              <a:latin typeface="Arial"/>
+            </a:endParaRPr>
+          </a:p>
+        </p:txBody>
+      </p:sp>
+    </p:spTree>
+  </p:cSld>
+</p:notes>
+</file>
+
+<file path=ppt/notesSlides/notesSlide7.xml><?xml version="1.0" encoding="utf-8"?>
+<p:notes xmlns:a="http://schemas.openxmlformats.org/drawingml/2006/main" xmlns:p="http://schemas.openxmlformats.org/presentationml/2006/main" xmlns:r="http://schemas.openxmlformats.org/officeDocument/2006/relationships" xmlns:p14="http://schemas.microsoft.com/office/powerpoint/2010/main" xmlns:p15="http://schemas.microsoft.com/office/powerpoint/2012/main" xmlns:mc="http://schemas.openxmlformats.org/markup-compatibility/2006">
+  <p:cSld>
+    <p:spTree>
+      <p:nvGrpSpPr>
+        <p:cNvPr id="1" name=""/>
+        <p:cNvGrpSpPr/>
+        <p:nvPr/>
+      </p:nvGrpSpPr>
+      <p:grpSpPr>
+        <a:xfrm>
+          <a:off x="0" y="0"/>
+          <a:ext cx="0" cy="0"/>
+          <a:chOff x="0" y="0"/>
+          <a:chExt cx="0" cy="0"/>
+        </a:xfrm>
+      </p:grpSpPr>
+      <p:sp>
+        <p:nvSpPr>
+          <p:cNvPr id="359" name="PlaceHolder 1"/>
+          <p:cNvSpPr>
+            <a:spLocks noGrp="1"/>
+          </p:cNvSpPr>
+          <p:nvPr>
+            <p:ph type="sldImg"/>
+          </p:nvPr>
+        </p:nvSpPr>
+        <p:spPr>
+          <a:xfrm>
+            <a:off x="380880" y="694800"/>
+            <a:ext cx="6095520" cy="3428640"/>
+          </a:xfrm>
+          <a:prstGeom prst="rect">
+            <a:avLst/>
+          </a:prstGeom>
+          <a:ln w="0">
+            <a:noFill/>
+          </a:ln>
+        </p:spPr>
+      </p:sp>
+      <p:sp>
+        <p:nvSpPr>
+          <p:cNvPr id="360" name="PlaceHolder 2"/>
+          <p:cNvSpPr>
+            <a:spLocks noGrp="1"/>
+          </p:cNvSpPr>
+          <p:nvPr>
+            <p:ph type="body"/>
+          </p:nvPr>
+        </p:nvSpPr>
+        <p:spPr>
+          <a:xfrm>
+            <a:off x="135000" y="4343400"/>
+            <a:ext cx="6615000" cy="4656600"/>
+          </a:xfrm>
+          <a:prstGeom prst="rect">
+            <a:avLst/>
+          </a:prstGeom>
+          <a:noFill/>
+          <a:ln w="0">
+            <a:noFill/>
+          </a:ln>
+        </p:spPr>
+        <p:txBody>
+          <a:bodyPr lIns="0" rIns="0" tIns="0" bIns="0" anchor="t">
+            <a:noAutofit/>
+          </a:bodyPr>
+          <a:p>
+            <a:r>
+              <a:rPr b="0" lang="en-IE" sz="2000" spc="-1" strike="noStrike">
+                <a:latin typeface="Arial"/>
+              </a:rPr>
+              <a:t>for outside data you'd have a DAO for dealing with outside data as well. </a:t>
+            </a:r>
+            <a:endParaRPr b="0" lang="en-IE" sz="2000" spc="-1" strike="noStrike">
+              <a:latin typeface="Arial"/>
+            </a:endParaRPr>
+          </a:p>
+        </p:txBody>
+      </p:sp>
+    </p:spTree>
+  </p:cSld>
+</p:notes>
+</file>
+
+<file path=ppt/notesSlides/notesSlide8.xml><?xml version="1.0" encoding="utf-8"?>
+<p:notes xmlns:a="http://schemas.openxmlformats.org/drawingml/2006/main" xmlns:p="http://schemas.openxmlformats.org/presentationml/2006/main" xmlns:r="http://schemas.openxmlformats.org/officeDocument/2006/relationships" xmlns:p14="http://schemas.microsoft.com/office/powerpoint/2010/main" xmlns:p15="http://schemas.microsoft.com/office/powerpoint/2012/main" xmlns:mc="http://schemas.openxmlformats.org/markup-compatibility/2006">
+  <p:cSld>
+    <p:spTree>
+      <p:nvGrpSpPr>
+        <p:cNvPr id="1" name=""/>
+        <p:cNvGrpSpPr/>
+        <p:nvPr/>
+      </p:nvGrpSpPr>
+      <p:grpSpPr>
+        <a:xfrm>
+          <a:off x="0" y="0"/>
+          <a:ext cx="0" cy="0"/>
+          <a:chOff x="0" y="0"/>
+          <a:chExt cx="0" cy="0"/>
+        </a:xfrm>
+      </p:grpSpPr>
+      <p:sp>
+        <p:nvSpPr>
+          <p:cNvPr id="361" name="PlaceHolder 1"/>
+          <p:cNvSpPr>
+            <a:spLocks noGrp="1"/>
+          </p:cNvSpPr>
+          <p:nvPr>
+            <p:ph type="sldImg"/>
+          </p:nvPr>
+        </p:nvSpPr>
+        <p:spPr>
+          <a:xfrm>
+            <a:off x="380880" y="694800"/>
+            <a:ext cx="6095520" cy="3428640"/>
+          </a:xfrm>
+          <a:prstGeom prst="rect">
+            <a:avLst/>
+          </a:prstGeom>
+          <a:ln w="0">
+            <a:noFill/>
+          </a:ln>
+        </p:spPr>
+      </p:sp>
+      <p:sp>
+        <p:nvSpPr>
+          <p:cNvPr id="362" name="PlaceHolder 2"/>
+          <p:cNvSpPr>
+            <a:spLocks noGrp="1"/>
+          </p:cNvSpPr>
+          <p:nvPr>
+            <p:ph type="body"/>
+          </p:nvPr>
+        </p:nvSpPr>
+        <p:spPr>
+          <a:xfrm>
+            <a:off x="685800" y="4343400"/>
+            <a:ext cx="5486040" cy="4114440"/>
+          </a:xfrm>
+          <a:prstGeom prst="rect">
+            <a:avLst/>
+          </a:prstGeom>
+          <a:noFill/>
+          <a:ln w="0">
+            <a:noFill/>
+          </a:ln>
+        </p:spPr>
+        <p:txBody>
+          <a:bodyPr lIns="0" rIns="0" tIns="0" bIns="0" anchor="t">
+            <a:noAutofit/>
+          </a:bodyPr>
+          <a:p>
+            <a:r>
+              <a:rPr b="0" lang="en-IE" sz="2000" spc="-1" strike="noStrike">
+                <a:latin typeface="Arial"/>
+              </a:rPr>
+              <a:t>So you would need to think about how does the interface between the mapping that goes on the server or the code interact with that DAO. And then you can think about how that DAO accesses with the outside data, how it does its own requests, and how it uses HTTP to get the information from the outside data and take that data and put it in a neat way.</a:t>
+            </a:r>
             <a:endParaRPr b="0" lang="en-IE" sz="2000" spc="-1" strike="noStrike">
               <a:latin typeface="Arial"/>
             </a:endParaRPr>
@@ -851,7 +1599,7 @@
         <p:txBody>
           <a:bodyPr/>
           <a:p>
-            <a:fld id="{E43AD4DB-7019-41C1-B5CF-3C8FC445E53A}" type="slidenum">
+            <a:fld id="{C6E015F0-1A9F-4C33-9006-8A77DE0F329B}" type="slidenum">
               <a:t>&lt;#&gt;</a:t>
             </a:fld>
           </a:p>
@@ -1039,7 +1787,7 @@
         <p:txBody>
           <a:bodyPr/>
           <a:p>
-            <a:fld id="{4F94F4AF-11FA-4ECA-B67B-5421EAF8CB2B}" type="slidenum">
+            <a:fld id="{00D404D2-CF40-452D-B6A0-588113EC5347}" type="slidenum">
               <a:t>&lt;#&gt;</a:t>
             </a:fld>
           </a:p>
@@ -1295,7 +2043,7 @@
         <p:txBody>
           <a:bodyPr/>
           <a:p>
-            <a:fld id="{0A27A7ED-24DB-4D6A-9538-58651C0AC7B3}" type="slidenum">
+            <a:fld id="{425DE5C9-C781-4E4D-A6C7-016DB2723CB3}" type="slidenum">
               <a:t>&lt;#&gt;</a:t>
             </a:fld>
           </a:p>
@@ -1619,7 +2367,7 @@
         <p:txBody>
           <a:bodyPr/>
           <a:p>
-            <a:fld id="{D4025613-BAD5-48B2-AFB3-44F6353C9EF2}" type="slidenum">
+            <a:fld id="{814A3A16-5E8F-4C6A-8A12-2FB451F1E1D2}" type="slidenum">
               <a:t>&lt;#&gt;</a:t>
             </a:fld>
           </a:p>
@@ -1702,7 +2450,7 @@
         <p:txBody>
           <a:bodyPr/>
           <a:p>
-            <a:fld id="{1E5072AA-55F0-4FE6-A7AB-8F335D6F4F54}" type="slidenum">
+            <a:fld id="{BA1F80D6-A3B1-47AA-B928-A7C31679CEF2}" type="slidenum">
               <a:t>&lt;#&gt;</a:t>
             </a:fld>
           </a:p>
@@ -1859,7 +2607,7 @@
         <p:txBody>
           <a:bodyPr/>
           <a:p>
-            <a:fld id="{DE0CD644-26FD-4892-ABCE-3E3AEC188A0B}" type="slidenum">
+            <a:fld id="{7AF81A4D-6682-4D6F-81B3-9FC448118FEF}" type="slidenum">
               <a:t>&lt;#&gt;</a:t>
             </a:fld>
           </a:p>
@@ -2013,7 +2761,7 @@
         <p:txBody>
           <a:bodyPr/>
           <a:p>
-            <a:fld id="{79D0E5D4-8759-4151-AA54-3A14B9681118}" type="slidenum">
+            <a:fld id="{4C2E9285-AAAC-4763-B49E-8D1D2775EA6A}" type="slidenum">
               <a:t>&lt;#&gt;</a:t>
             </a:fld>
           </a:p>
@@ -2201,7 +2949,7 @@
         <p:txBody>
           <a:bodyPr/>
           <a:p>
-            <a:fld id="{FF35E0CF-0024-4447-9BC5-480FB2EED0FB}" type="slidenum">
+            <a:fld id="{3198C295-49A7-4E4B-AB07-6F1996B3A458}" type="slidenum">
               <a:t>&lt;#&gt;</a:t>
             </a:fld>
           </a:p>
@@ -2321,7 +3069,7 @@
         <p:txBody>
           <a:bodyPr/>
           <a:p>
-            <a:fld id="{977C4C31-8E62-4712-AC7B-88BB71A4C95D}" type="slidenum">
+            <a:fld id="{4B61804D-C5B1-43E4-8C17-AF2C86B9125F}" type="slidenum">
               <a:t>&lt;#&gt;</a:t>
             </a:fld>
           </a:p>
@@ -2441,7 +3189,7 @@
         <p:txBody>
           <a:bodyPr/>
           <a:p>
-            <a:fld id="{B85B212E-5C70-42B6-AD83-272CB8F37F17}" type="slidenum">
+            <a:fld id="{7DD0CC63-7F0C-4692-9D8C-5229C4418D7F}" type="slidenum">
               <a:t>&lt;#&gt;</a:t>
             </a:fld>
           </a:p>
@@ -2663,7 +3411,7 @@
         <p:txBody>
           <a:bodyPr/>
           <a:p>
-            <a:fld id="{B43DD24F-470F-46F5-B7CD-3E7A3AA3E9D7}" type="slidenum">
+            <a:fld id="{90FE8619-4EA8-48A5-8AA0-B3870092F988}" type="slidenum">
               <a:t>&lt;#&gt;</a:t>
             </a:fld>
           </a:p>
@@ -2820,7 +3568,7 @@
         <p:txBody>
           <a:bodyPr/>
           <a:p>
-            <a:fld id="{1E19545E-CF9E-458B-9B51-C1FB34625048}" type="slidenum">
+            <a:fld id="{97DBC336-ABA6-4AAE-BDC4-A996BA962609}" type="slidenum">
               <a:t>&lt;#&gt;</a:t>
             </a:fld>
           </a:p>
@@ -3042,7 +3790,7 @@
         <p:txBody>
           <a:bodyPr/>
           <a:p>
-            <a:fld id="{EC520818-3882-4E01-82FF-2C85A88C130E}" type="slidenum">
+            <a:fld id="{E78CED80-7841-49E5-8D05-22C40A2C9B91}" type="slidenum">
               <a:t>&lt;#&gt;</a:t>
             </a:fld>
           </a:p>
@@ -3264,7 +4012,7 @@
         <p:txBody>
           <a:bodyPr/>
           <a:p>
-            <a:fld id="{EDEE6081-20DB-45ED-BF7E-B784F3E7E787}" type="slidenum">
+            <a:fld id="{F9C4F25B-C207-49F1-9D4A-3607C345BE95}" type="slidenum">
               <a:t>&lt;#&gt;</a:t>
             </a:fld>
           </a:p>
@@ -3452,7 +4200,7 @@
         <p:txBody>
           <a:bodyPr/>
           <a:p>
-            <a:fld id="{8683364F-9AAA-442D-B753-4F5AF6A7FF19}" type="slidenum">
+            <a:fld id="{2C025E15-8445-4E2F-BB57-C99FC6EB784D}" type="slidenum">
               <a:t>&lt;#&gt;</a:t>
             </a:fld>
           </a:p>
@@ -3708,7 +4456,7 @@
         <p:txBody>
           <a:bodyPr/>
           <a:p>
-            <a:fld id="{8CC9E2D3-2EE5-4D11-928D-B849EEC490FD}" type="slidenum">
+            <a:fld id="{5176BECE-0D32-49EB-B65D-0043ED69B5C9}" type="slidenum">
               <a:t>&lt;#&gt;</a:t>
             </a:fld>
           </a:p>
@@ -4032,7 +4780,7 @@
         <p:txBody>
           <a:bodyPr/>
           <a:p>
-            <a:fld id="{A7ECF841-8757-4881-A254-E4E53B772B45}" type="slidenum">
+            <a:fld id="{ABCA5084-EA28-446A-9BEA-48DA1482D91C}" type="slidenum">
               <a:t>&lt;#&gt;</a:t>
             </a:fld>
           </a:p>
@@ -4186,7 +4934,7 @@
         <p:txBody>
           <a:bodyPr/>
           <a:p>
-            <a:fld id="{DBBA38DA-9CBC-4E21-93B8-86FDF2FF6AB2}" type="slidenum">
+            <a:fld id="{FBE2EF84-F0FF-442C-AB1C-D4F842D8CDBF}" type="slidenum">
               <a:t>&lt;#&gt;</a:t>
             </a:fld>
           </a:p>
@@ -4374,7 +5122,7 @@
         <p:txBody>
           <a:bodyPr/>
           <a:p>
-            <a:fld id="{491EE54F-75FC-4CB7-9792-1E6DDC92F7CD}" type="slidenum">
+            <a:fld id="{BEE45738-38BC-442A-B761-8183AA868DB8}" type="slidenum">
               <a:t>&lt;#&gt;</a:t>
             </a:fld>
           </a:p>
@@ -4494,7 +5242,7 @@
         <p:txBody>
           <a:bodyPr/>
           <a:p>
-            <a:fld id="{94F9E323-C8DB-4BFE-BE65-2F0848B6237E}" type="slidenum">
+            <a:fld id="{4DD9AD42-E192-4FF9-B19E-BF7E0AD7EA5F}" type="slidenum">
               <a:t>&lt;#&gt;</a:t>
             </a:fld>
           </a:p>
@@ -4614,7 +5362,7 @@
         <p:txBody>
           <a:bodyPr/>
           <a:p>
-            <a:fld id="{150098FE-A4DE-4F43-808C-C0F1FE9C31D1}" type="slidenum">
+            <a:fld id="{B4EA2FB7-B78D-48EE-927A-CBD82E4B1ADE}" type="slidenum">
               <a:t>&lt;#&gt;</a:t>
             </a:fld>
           </a:p>
@@ -4836,7 +5584,7 @@
         <p:txBody>
           <a:bodyPr/>
           <a:p>
-            <a:fld id="{4A5D2069-A0E7-4524-9457-18F3AF41AD6E}" type="slidenum">
+            <a:fld id="{214B44C2-FAF6-4106-80AE-B664F7084648}" type="slidenum">
               <a:t>&lt;#&gt;</a:t>
             </a:fld>
           </a:p>
@@ -5058,7 +5806,7 @@
         <p:txBody>
           <a:bodyPr/>
           <a:p>
-            <a:fld id="{B5E3E1AA-738C-4D89-A99B-26530D673A18}" type="slidenum">
+            <a:fld id="{DF194529-4A55-4BE4-9060-218502F59100}" type="slidenum">
               <a:t>&lt;#&gt;</a:t>
             </a:fld>
           </a:p>
@@ -5280,7 +6028,7 @@
         <p:txBody>
           <a:bodyPr/>
           <a:p>
-            <a:fld id="{E900AF7A-7FBE-45D3-B165-315D8CBE82F3}" type="slidenum">
+            <a:fld id="{CD8A3D2C-DD78-4B3C-8B8C-8172BA649DE4}" type="slidenum">
               <a:t>&lt;#&gt;</a:t>
             </a:fld>
           </a:p>
@@ -5345,9 +6093,9 @@
         <p:grpSpPr>
           <a:xfrm>
             <a:off x="11401560" y="6229800"/>
-            <a:ext cx="456120" cy="456120"/>
+            <a:ext cx="455760" cy="455760"/>
             <a:chOff x="11401560" y="6229800"/>
-            <a:chExt cx="456120" cy="456120"/>
+            <a:chExt cx="455760" cy="455760"/>
           </a:xfrm>
         </p:grpSpPr>
         <p:sp>
@@ -5359,7 +6107,7 @@
           <p:spPr>
             <a:xfrm>
               <a:off x="11401560" y="6229800"/>
-              <a:ext cx="456120" cy="456120"/>
+              <a:ext cx="455760" cy="455760"/>
             </a:xfrm>
             <a:prstGeom prst="ellipse">
               <a:avLst/>
@@ -5389,7 +6137,7 @@
           <p:spPr>
             <a:xfrm>
               <a:off x="11431080" y="6258960"/>
-              <a:ext cx="397800" cy="397800"/>
+              <a:ext cx="397440" cy="397440"/>
             </a:xfrm>
             <a:prstGeom prst="ellipse">
               <a:avLst/>
@@ -5419,7 +6167,7 @@
         <p:spPr>
           <a:xfrm>
             <a:off x="920880" y="1347120"/>
-            <a:ext cx="10221840" cy="79560"/>
+            <a:ext cx="10221480" cy="79200"/>
           </a:xfrm>
           <a:prstGeom prst="rect">
             <a:avLst/>
@@ -5459,7 +6207,7 @@
         <p:spPr>
           <a:xfrm>
             <a:off x="920880" y="4299840"/>
-            <a:ext cx="10221840" cy="79560"/>
+            <a:ext cx="10221480" cy="79200"/>
           </a:xfrm>
           <a:prstGeom prst="rect">
             <a:avLst/>
@@ -5499,7 +6247,7 @@
         <p:spPr>
           <a:xfrm>
             <a:off x="920880" y="1484640"/>
-            <a:ext cx="10221840" cy="2742120"/>
+            <a:ext cx="10221480" cy="2741760"/>
           </a:xfrm>
           <a:prstGeom prst="rect">
             <a:avLst/>
@@ -5539,9 +6287,9 @@
         <p:grpSpPr>
           <a:xfrm>
             <a:off x="9649080" y="4069080"/>
-            <a:ext cx="1080000" cy="1080000"/>
+            <a:ext cx="1079640" cy="1079640"/>
             <a:chOff x="9649080" y="4069080"/>
-            <a:chExt cx="1080000" cy="1080000"/>
+            <a:chExt cx="1079640" cy="1079640"/>
           </a:xfrm>
         </p:grpSpPr>
         <p:sp>
@@ -5553,7 +6301,7 @@
           <p:spPr>
             <a:xfrm>
               <a:off x="9649080" y="4069080"/>
-              <a:ext cx="1080000" cy="1080000"/>
+              <a:ext cx="1079640" cy="1079640"/>
             </a:xfrm>
             <a:prstGeom prst="ellipse">
               <a:avLst/>
@@ -5583,7 +6331,7 @@
           <p:spPr>
             <a:xfrm>
               <a:off x="9757440" y="4177080"/>
-              <a:ext cx="863640" cy="863640"/>
+              <a:ext cx="863280" cy="863280"/>
             </a:xfrm>
             <a:prstGeom prst="ellipse">
               <a:avLst/>
@@ -5611,236 +6359,13 @@
             <a:spLocks noGrp="1"/>
           </p:cNvSpPr>
           <p:nvPr>
-            <p:ph type="title"/>
-          </p:nvPr>
-        </p:nvSpPr>
-        <p:spPr>
-          <a:xfrm>
-            <a:off x="609480" y="273600"/>
-            <a:ext cx="10972080" cy="1144440"/>
-          </a:xfrm>
-          <a:prstGeom prst="rect">
-            <a:avLst/>
-          </a:prstGeom>
-          <a:noFill/>
-          <a:ln w="0">
-            <a:noFill/>
-          </a:ln>
-        </p:spPr>
-        <p:txBody>
-          <a:bodyPr lIns="0" rIns="0" tIns="0" bIns="0" anchor="ctr">
-            <a:noAutofit/>
-          </a:bodyPr>
-          <a:p>
-            <a:r>
-              <a:rPr b="0" lang="en-IE" sz="1800" spc="-1" strike="noStrike">
-                <a:latin typeface="Arial"/>
-              </a:rPr>
-              <a:t>Click to edit the title text format</a:t>
-            </a:r>
-            <a:endParaRPr b="0" lang="en-IE" sz="1800" spc="-1" strike="noStrike">
-              <a:latin typeface="Arial"/>
-            </a:endParaRPr>
-          </a:p>
-        </p:txBody>
-      </p:sp>
-      <p:sp>
-        <p:nvSpPr>
-          <p:cNvPr id="10" name="PlaceHolder 2"/>
-          <p:cNvSpPr>
-            <a:spLocks noGrp="1"/>
-          </p:cNvSpPr>
-          <p:nvPr>
-            <p:ph type="body"/>
-          </p:nvPr>
-        </p:nvSpPr>
-        <p:spPr>
-          <a:xfrm>
-            <a:off x="609480" y="1604520"/>
-            <a:ext cx="10972080" cy="3976920"/>
-          </a:xfrm>
-          <a:prstGeom prst="rect">
-            <a:avLst/>
-          </a:prstGeom>
-          <a:noFill/>
-          <a:ln w="0">
-            <a:noFill/>
-          </a:ln>
-        </p:spPr>
-        <p:txBody>
-          <a:bodyPr lIns="0" rIns="0" tIns="0" bIns="0" anchor="t">
-            <a:normAutofit/>
-          </a:bodyPr>
-          <a:p>
-            <a:pPr marL="432000" indent="-324000">
-              <a:spcBef>
-                <a:spcPts val="1417"/>
-              </a:spcBef>
-              <a:buClr>
-                <a:srgbClr val="000000"/>
-              </a:buClr>
-              <a:buSzPct val="45000"/>
-              <a:buFont typeface="Wingdings" charset="2"/>
-              <a:buChar char=""/>
-            </a:pPr>
-            <a:r>
-              <a:rPr b="0" lang="en-IE" sz="1800" spc="-1" strike="noStrike">
-                <a:latin typeface="Arial"/>
-              </a:rPr>
-              <a:t>Click to edit the outline text format</a:t>
-            </a:r>
-            <a:endParaRPr b="0" lang="en-IE" sz="1800" spc="-1" strike="noStrike">
-              <a:latin typeface="Arial"/>
-            </a:endParaRPr>
-          </a:p>
-          <a:p>
-            <a:pPr lvl="1" marL="864000" indent="-324000">
-              <a:spcBef>
-                <a:spcPts val="1134"/>
-              </a:spcBef>
-              <a:buClr>
-                <a:srgbClr val="000000"/>
-              </a:buClr>
-              <a:buSzPct val="75000"/>
-              <a:buFont typeface="Symbol" charset="2"/>
-              <a:buChar char=""/>
-            </a:pPr>
-            <a:r>
-              <a:rPr b="0" lang="en-IE" sz="1800" spc="-1" strike="noStrike">
-                <a:latin typeface="Arial"/>
-              </a:rPr>
-              <a:t>Second Outline Level</a:t>
-            </a:r>
-            <a:endParaRPr b="0" lang="en-IE" sz="1800" spc="-1" strike="noStrike">
-              <a:latin typeface="Arial"/>
-            </a:endParaRPr>
-          </a:p>
-          <a:p>
-            <a:pPr lvl="2" marL="1296000" indent="-288000">
-              <a:spcBef>
-                <a:spcPts val="850"/>
-              </a:spcBef>
-              <a:buClr>
-                <a:srgbClr val="000000"/>
-              </a:buClr>
-              <a:buSzPct val="45000"/>
-              <a:buFont typeface="Wingdings" charset="2"/>
-              <a:buChar char=""/>
-            </a:pPr>
-            <a:r>
-              <a:rPr b="0" lang="en-IE" sz="1800" spc="-1" strike="noStrike">
-                <a:latin typeface="Arial"/>
-              </a:rPr>
-              <a:t>Third Outline Level</a:t>
-            </a:r>
-            <a:endParaRPr b="0" lang="en-IE" sz="1800" spc="-1" strike="noStrike">
-              <a:latin typeface="Arial"/>
-            </a:endParaRPr>
-          </a:p>
-          <a:p>
-            <a:pPr lvl="3" marL="1728000" indent="-216000">
-              <a:spcBef>
-                <a:spcPts val="567"/>
-              </a:spcBef>
-              <a:buClr>
-                <a:srgbClr val="000000"/>
-              </a:buClr>
-              <a:buSzPct val="75000"/>
-              <a:buFont typeface="Symbol" charset="2"/>
-              <a:buChar char=""/>
-            </a:pPr>
-            <a:r>
-              <a:rPr b="0" lang="en-IE" sz="1800" spc="-1" strike="noStrike">
-                <a:latin typeface="Arial"/>
-              </a:rPr>
-              <a:t>Fourth Outline Level</a:t>
-            </a:r>
-            <a:endParaRPr b="0" lang="en-IE" sz="1800" spc="-1" strike="noStrike">
-              <a:latin typeface="Arial"/>
-            </a:endParaRPr>
-          </a:p>
-          <a:p>
-            <a:pPr lvl="4" marL="2160000" indent="-216000">
-              <a:spcBef>
-                <a:spcPts val="283"/>
-              </a:spcBef>
-              <a:buClr>
-                <a:srgbClr val="000000"/>
-              </a:buClr>
-              <a:buSzPct val="45000"/>
-              <a:buFont typeface="Wingdings" charset="2"/>
-              <a:buChar char=""/>
-            </a:pPr>
-            <a:r>
-              <a:rPr b="0" lang="en-IE" sz="1800" spc="-1" strike="noStrike">
-                <a:latin typeface="Arial"/>
-              </a:rPr>
-              <a:t>Fifth Outline Level</a:t>
-            </a:r>
-            <a:endParaRPr b="0" lang="en-IE" sz="1800" spc="-1" strike="noStrike">
-              <a:latin typeface="Arial"/>
-            </a:endParaRPr>
-          </a:p>
-          <a:p>
-            <a:pPr lvl="5" marL="2592000" indent="-216000">
-              <a:spcBef>
-                <a:spcPts val="283"/>
-              </a:spcBef>
-              <a:buClr>
-                <a:srgbClr val="000000"/>
-              </a:buClr>
-              <a:buSzPct val="45000"/>
-              <a:buFont typeface="Wingdings" charset="2"/>
-              <a:buChar char=""/>
-            </a:pPr>
-            <a:r>
-              <a:rPr b="0" lang="en-IE" sz="1800" spc="-1" strike="noStrike">
-                <a:latin typeface="Arial"/>
-              </a:rPr>
-              <a:t>Sixth Outline Level</a:t>
-            </a:r>
-            <a:endParaRPr b="0" lang="en-IE" sz="1800" spc="-1" strike="noStrike">
-              <a:latin typeface="Arial"/>
-            </a:endParaRPr>
-          </a:p>
-          <a:p>
-            <a:pPr lvl="6" marL="3024000" indent="-216000">
-              <a:spcBef>
-                <a:spcPts val="283"/>
-              </a:spcBef>
-              <a:buClr>
-                <a:srgbClr val="000000"/>
-              </a:buClr>
-              <a:buSzPct val="45000"/>
-              <a:buFont typeface="Wingdings" charset="2"/>
-              <a:buChar char=""/>
-            </a:pPr>
-            <a:r>
-              <a:rPr b="0" lang="en-IE" sz="1800" spc="-1" strike="noStrike">
-                <a:latin typeface="Arial"/>
-              </a:rPr>
-              <a:t>Seventh Outline Level</a:t>
-            </a:r>
-            <a:endParaRPr b="0" lang="en-IE" sz="1800" spc="-1" strike="noStrike">
-              <a:latin typeface="Arial"/>
-            </a:endParaRPr>
-          </a:p>
-        </p:txBody>
-      </p:sp>
-      <p:sp>
-        <p:nvSpPr>
-          <p:cNvPr id="11" name="PlaceHolder 3"/>
-          <p:cNvSpPr>
-            <a:spLocks noGrp="1"/>
-          </p:cNvSpPr>
-          <p:nvPr>
             <p:ph type="ftr" idx="1"/>
           </p:nvPr>
         </p:nvSpPr>
         <p:spPr>
           <a:xfrm>
             <a:off x="1088280" y="6272640"/>
-            <a:ext cx="6326640" cy="363960"/>
+            <a:ext cx="6326280" cy="363600"/>
           </a:xfrm>
           <a:prstGeom prst="rect">
             <a:avLst/>
@@ -5886,7 +6411,7 @@
       </p:sp>
       <p:sp>
         <p:nvSpPr>
-          <p:cNvPr id="12" name="PlaceHolder 4"/>
+          <p:cNvPr id="10" name="PlaceHolder 2"/>
           <p:cNvSpPr>
             <a:spLocks noGrp="1"/>
           </p:cNvSpPr>
@@ -5897,7 +6422,7 @@
         <p:spPr>
           <a:xfrm>
             <a:off x="9592560" y="4289400"/>
-            <a:ext cx="1192680" cy="639000"/>
+            <a:ext cx="1192320" cy="638640"/>
           </a:xfrm>
           <a:prstGeom prst="rect">
             <a:avLst/>
@@ -5932,7 +6457,7 @@
               </a:lnSpc>
               <a:buNone/>
             </a:pPr>
-            <a:fld id="{CAE7C77C-4F8B-4207-8D8F-795FA39E6F56}" type="slidenum">
+            <a:fld id="{750A5076-8B15-4DCF-BB4F-A20E338A10AA}" type="slidenum">
               <a:rPr b="1" lang="en-US" sz="2800" spc="-1" strike="noStrike">
                 <a:solidFill>
                   <a:srgbClr val="ffffff"/>
@@ -5949,7 +6474,7 @@
       </p:sp>
       <p:sp>
         <p:nvSpPr>
-          <p:cNvPr id="13" name="PlaceHolder 5"/>
+          <p:cNvPr id="11" name="PlaceHolder 3"/>
           <p:cNvSpPr>
             <a:spLocks noGrp="1"/>
           </p:cNvSpPr>
@@ -5960,7 +6485,7 @@
         <p:spPr>
           <a:xfrm>
             <a:off x="7964280" y="6272640"/>
-            <a:ext cx="3272400" cy="363960"/>
+            <a:ext cx="3272040" cy="363600"/>
           </a:xfrm>
           <a:prstGeom prst="rect">
             <a:avLst/>
@@ -5990,6 +6515,232 @@
             </a:r>
             <a:endParaRPr b="0" lang="en-IE" sz="1400" spc="-1" strike="noStrike">
               <a:latin typeface="Times New Roman"/>
+            </a:endParaRPr>
+          </a:p>
+        </p:txBody>
+      </p:sp>
+      <p:sp>
+        <p:nvSpPr>
+          <p:cNvPr id="12" name="PlaceHolder 4"/>
+          <p:cNvSpPr>
+            <a:spLocks noGrp="1"/>
+          </p:cNvSpPr>
+          <p:nvPr>
+            <p:ph type="title"/>
+          </p:nvPr>
+        </p:nvSpPr>
+        <p:spPr>
+          <a:xfrm>
+            <a:off x="609480" y="273600"/>
+            <a:ext cx="10972440" cy="1144800"/>
+          </a:xfrm>
+          <a:prstGeom prst="rect">
+            <a:avLst/>
+          </a:prstGeom>
+          <a:noFill/>
+          <a:ln w="0">
+            <a:noFill/>
+          </a:ln>
+        </p:spPr>
+        <p:txBody>
+          <a:bodyPr lIns="0" rIns="0" tIns="0" bIns="0" anchor="ctr">
+            <a:noAutofit/>
+          </a:bodyPr>
+          <a:p>
+            <a:pPr algn="ctr">
+              <a:buNone/>
+            </a:pPr>
+            <a:r>
+              <a:rPr b="0" lang="en-IE" sz="4400" spc="-1" strike="noStrike">
+                <a:latin typeface="Arial"/>
+              </a:rPr>
+              <a:t>Click to edit the title text format</a:t>
+            </a:r>
+            <a:endParaRPr b="0" lang="en-IE" sz="4400" spc="-1" strike="noStrike">
+              <a:latin typeface="Arial"/>
+            </a:endParaRPr>
+          </a:p>
+        </p:txBody>
+      </p:sp>
+      <p:sp>
+        <p:nvSpPr>
+          <p:cNvPr id="13" name="PlaceHolder 5"/>
+          <p:cNvSpPr>
+            <a:spLocks noGrp="1"/>
+          </p:cNvSpPr>
+          <p:nvPr>
+            <p:ph type="body"/>
+          </p:nvPr>
+        </p:nvSpPr>
+        <p:spPr>
+          <a:xfrm>
+            <a:off x="609480" y="1604520"/>
+            <a:ext cx="10972440" cy="3977280"/>
+          </a:xfrm>
+          <a:prstGeom prst="rect">
+            <a:avLst/>
+          </a:prstGeom>
+          <a:noFill/>
+          <a:ln w="0">
+            <a:noFill/>
+          </a:ln>
+        </p:spPr>
+        <p:txBody>
+          <a:bodyPr lIns="0" rIns="0" tIns="0" bIns="0" anchor="t">
+            <a:normAutofit/>
+          </a:bodyPr>
+          <a:p>
+            <a:pPr marL="432000" indent="-324000">
+              <a:spcBef>
+                <a:spcPts val="1417"/>
+              </a:spcBef>
+              <a:buClr>
+                <a:srgbClr val="000000"/>
+              </a:buClr>
+              <a:buSzPct val="45000"/>
+              <a:buFont typeface="Wingdings" charset="2"/>
+              <a:buChar char=""/>
+            </a:pPr>
+            <a:r>
+              <a:rPr b="0" lang="en-IE" sz="3200" spc="-1" strike="noStrike">
+                <a:latin typeface="Arial"/>
+              </a:rPr>
+              <a:t>Click to edit the outline text format</a:t>
+            </a:r>
+            <a:endParaRPr b="0" lang="en-IE" sz="3200" spc="-1" strike="noStrike">
+              <a:latin typeface="Arial"/>
+            </a:endParaRPr>
+          </a:p>
+          <a:p>
+            <a:pPr lvl="1" marL="864000" indent="-324000">
+              <a:spcBef>
+                <a:spcPts val="1134"/>
+              </a:spcBef>
+              <a:buClr>
+                <a:srgbClr val="000000"/>
+              </a:buClr>
+              <a:buSzPct val="75000"/>
+              <a:buFont typeface="Symbol" charset="2"/>
+              <a:buChar char=""/>
+            </a:pPr>
+            <a:r>
+              <a:rPr b="0" lang="en-IE" sz="2800" spc="-1" strike="noStrike">
+                <a:latin typeface="Arial"/>
+              </a:rPr>
+              <a:t>Second Outline Level</a:t>
+            </a:r>
+            <a:endParaRPr b="0" lang="en-IE" sz="2800" spc="-1" strike="noStrike">
+              <a:latin typeface="Arial"/>
+            </a:endParaRPr>
+          </a:p>
+          <a:p>
+            <a:pPr lvl="2" marL="1296000" indent="-288000">
+              <a:spcBef>
+                <a:spcPts val="850"/>
+              </a:spcBef>
+              <a:buClr>
+                <a:srgbClr val="000000"/>
+              </a:buClr>
+              <a:buSzPct val="45000"/>
+              <a:buFont typeface="Wingdings" charset="2"/>
+              <a:buChar char=""/>
+            </a:pPr>
+            <a:r>
+              <a:rPr b="0" lang="en-IE" sz="2400" spc="-1" strike="noStrike">
+                <a:latin typeface="Arial"/>
+              </a:rPr>
+              <a:t>Third Outline Level</a:t>
+            </a:r>
+            <a:endParaRPr b="0" lang="en-IE" sz="2400" spc="-1" strike="noStrike">
+              <a:latin typeface="Arial"/>
+            </a:endParaRPr>
+          </a:p>
+          <a:p>
+            <a:pPr lvl="3" marL="1728000" indent="-216000">
+              <a:spcBef>
+                <a:spcPts val="567"/>
+              </a:spcBef>
+              <a:buClr>
+                <a:srgbClr val="000000"/>
+              </a:buClr>
+              <a:buSzPct val="75000"/>
+              <a:buFont typeface="Symbol" charset="2"/>
+              <a:buChar char=""/>
+            </a:pPr>
+            <a:r>
+              <a:rPr b="0" lang="en-IE" sz="2000" spc="-1" strike="noStrike">
+                <a:latin typeface="Arial"/>
+              </a:rPr>
+              <a:t>Fourth Outline Level</a:t>
+            </a:r>
+            <a:endParaRPr b="0" lang="en-IE" sz="2000" spc="-1" strike="noStrike">
+              <a:latin typeface="Arial"/>
+            </a:endParaRPr>
+          </a:p>
+          <a:p>
+            <a:pPr lvl="4" marL="2160000" indent="-216000">
+              <a:spcBef>
+                <a:spcPts val="283"/>
+              </a:spcBef>
+              <a:buClr>
+                <a:srgbClr val="000000"/>
+              </a:buClr>
+              <a:buSzPct val="45000"/>
+              <a:buFont typeface="Wingdings" charset="2"/>
+              <a:buChar char=""/>
+            </a:pPr>
+            <a:r>
+              <a:rPr b="0" lang="en-IE" sz="2000" spc="-1" strike="noStrike">
+                <a:latin typeface="Arial"/>
+              </a:rPr>
+              <a:t>Fifth Outline Level</a:t>
+            </a:r>
+            <a:endParaRPr b="0" lang="en-IE" sz="2000" spc="-1" strike="noStrike">
+              <a:latin typeface="Arial"/>
+            </a:endParaRPr>
+          </a:p>
+          <a:p>
+            <a:pPr lvl="5" marL="2592000" indent="-216000">
+              <a:spcBef>
+                <a:spcPts val="283"/>
+              </a:spcBef>
+              <a:buClr>
+                <a:srgbClr val="000000"/>
+              </a:buClr>
+              <a:buSzPct val="45000"/>
+              <a:buFont typeface="Wingdings" charset="2"/>
+              <a:buChar char=""/>
+            </a:pPr>
+            <a:r>
+              <a:rPr b="0" lang="en-IE" sz="2000" spc="-1" strike="noStrike">
+                <a:latin typeface="Arial"/>
+              </a:rPr>
+              <a:t>Sixth Outline Level</a:t>
+            </a:r>
+            <a:endParaRPr b="0" lang="en-IE" sz="2000" spc="-1" strike="noStrike">
+              <a:latin typeface="Arial"/>
+            </a:endParaRPr>
+          </a:p>
+          <a:p>
+            <a:pPr lvl="6" marL="3024000" indent="-216000">
+              <a:spcBef>
+                <a:spcPts val="283"/>
+              </a:spcBef>
+              <a:buClr>
+                <a:srgbClr val="000000"/>
+              </a:buClr>
+              <a:buSzPct val="45000"/>
+              <a:buFont typeface="Wingdings" charset="2"/>
+              <a:buChar char=""/>
+            </a:pPr>
+            <a:r>
+              <a:rPr b="0" lang="en-IE" sz="2000" spc="-1" strike="noStrike">
+                <a:latin typeface="Arial"/>
+              </a:rPr>
+              <a:t>Seventh Outline Level</a:t>
+            </a:r>
+            <a:endParaRPr b="0" lang="en-IE" sz="2000" spc="-1" strike="noStrike">
+              <a:latin typeface="Arial"/>
             </a:endParaRPr>
           </a:p>
         </p:txBody>
@@ -6047,9 +6798,9 @@
         <p:grpSpPr>
           <a:xfrm>
             <a:off x="11401560" y="6229800"/>
-            <a:ext cx="456120" cy="456120"/>
+            <a:ext cx="455760" cy="455760"/>
             <a:chOff x="11401560" y="6229800"/>
-            <a:chExt cx="456120" cy="456120"/>
+            <a:chExt cx="455760" cy="455760"/>
           </a:xfrm>
         </p:grpSpPr>
         <p:sp>
@@ -6061,7 +6812,7 @@
           <p:spPr>
             <a:xfrm>
               <a:off x="11401560" y="6229800"/>
-              <a:ext cx="456120" cy="456120"/>
+              <a:ext cx="455760" cy="455760"/>
             </a:xfrm>
             <a:prstGeom prst="ellipse">
               <a:avLst/>
@@ -6091,7 +6842,7 @@
           <p:spPr>
             <a:xfrm>
               <a:off x="11431080" y="6258960"/>
-              <a:ext cx="397800" cy="397800"/>
+              <a:ext cx="397440" cy="397440"/>
             </a:xfrm>
             <a:prstGeom prst="ellipse">
               <a:avLst/>
@@ -6125,7 +6876,7 @@
         <p:spPr>
           <a:xfrm>
             <a:off x="1088280" y="6272640"/>
-            <a:ext cx="6326640" cy="363960"/>
+            <a:ext cx="6326280" cy="363600"/>
           </a:xfrm>
           <a:prstGeom prst="rect">
             <a:avLst/>
@@ -6182,7 +6933,7 @@
         <p:spPr>
           <a:xfrm>
             <a:off x="11311200" y="6272640"/>
-            <a:ext cx="639000" cy="363960"/>
+            <a:ext cx="638640" cy="363600"/>
           </a:xfrm>
           <a:prstGeom prst="rect">
             <a:avLst/>
@@ -6217,7 +6968,7 @@
               </a:lnSpc>
               <a:buNone/>
             </a:pPr>
-            <a:fld id="{271CB06F-2F87-436E-9B6A-1A4A21B9A072}" type="slidenum">
+            <a:fld id="{E73A4620-E83B-4C69-A780-840AAD499EC5}" type="slidenum">
               <a:rPr b="1" lang="en-US" sz="1400" spc="-1" strike="noStrike">
                 <a:solidFill>
                   <a:srgbClr val="ffffff"/>
@@ -6245,7 +6996,7 @@
         <p:spPr>
           <a:xfrm>
             <a:off x="7964280" y="6272640"/>
-            <a:ext cx="3272400" cy="363960"/>
+            <a:ext cx="3272040" cy="363600"/>
           </a:xfrm>
           <a:prstGeom prst="rect">
             <a:avLst/>
@@ -6555,7 +7306,7 @@
         <p:spPr>
           <a:xfrm>
             <a:off x="1051560" y="1432080"/>
-            <a:ext cx="9965880" cy="3034800"/>
+            <a:ext cx="9965520" cy="3034440"/>
           </a:xfrm>
           <a:prstGeom prst="rect">
             <a:avLst/>
@@ -6601,7 +7352,7 @@
         <p:spPr>
           <a:xfrm>
             <a:off x="1069920" y="4389120"/>
-            <a:ext cx="7890120" cy="1068840"/>
+            <a:ext cx="7889760" cy="1068480"/>
           </a:xfrm>
           <a:prstGeom prst="rect">
             <a:avLst/>
@@ -6680,7 +7431,7 @@
         <p:spPr>
           <a:xfrm>
             <a:off x="9906120" y="4389120"/>
-            <a:ext cx="503640" cy="638280"/>
+            <a:ext cx="503280" cy="638280"/>
           </a:xfrm>
           <a:prstGeom prst="rect">
             <a:avLst/>
@@ -6766,7 +7517,7 @@
         <p:spPr>
           <a:xfrm>
             <a:off x="1069920" y="484560"/>
-            <a:ext cx="10057320" cy="1608120"/>
+            <a:ext cx="10056960" cy="1607760"/>
           </a:xfrm>
           <a:prstGeom prst="rect">
             <a:avLst/>
@@ -6812,7 +7563,7 @@
         <p:spPr>
           <a:xfrm>
             <a:off x="1069920" y="2121480"/>
-            <a:ext cx="10057320" cy="4049640"/>
+            <a:ext cx="10056960" cy="4049280"/>
           </a:xfrm>
           <a:prstGeom prst="rect">
             <a:avLst/>
@@ -6927,7 +7678,7 @@
         <p:spPr>
           <a:xfrm>
             <a:off x="1069920" y="484560"/>
-            <a:ext cx="10057320" cy="1608120"/>
+            <a:ext cx="10056960" cy="1607760"/>
           </a:xfrm>
           <a:prstGeom prst="rect">
             <a:avLst/>
@@ -6978,7 +7729,7 @@
         <p:spPr>
           <a:xfrm>
             <a:off x="2172600" y="2432880"/>
-            <a:ext cx="7045560" cy="4118760"/>
+            <a:ext cx="7045200" cy="4118400"/>
           </a:xfrm>
           <a:prstGeom prst="rect">
             <a:avLst/>
@@ -7004,7 +7755,7 @@
         <p:spPr>
           <a:xfrm>
             <a:off x="2122560" y="2114280"/>
-            <a:ext cx="9280440" cy="2243520"/>
+            <a:ext cx="9280080" cy="2243160"/>
           </a:xfrm>
           <a:prstGeom prst="rect">
             <a:avLst/>
@@ -7045,7 +7796,7 @@
         <p:spPr>
           <a:xfrm>
             <a:off x="3481560" y="5512320"/>
-            <a:ext cx="3505680" cy="1199520"/>
+            <a:ext cx="3505320" cy="1199160"/>
           </a:xfrm>
           <a:prstGeom prst="rect">
             <a:avLst/>
@@ -7086,7 +7837,7 @@
         <p:spPr>
           <a:xfrm>
             <a:off x="3731040" y="4659840"/>
-            <a:ext cx="2884680" cy="648360"/>
+            <a:ext cx="2884320" cy="648000"/>
           </a:xfrm>
           <a:prstGeom prst="cloud">
             <a:avLst/>
@@ -7125,7 +7876,7 @@
         <p:spPr>
           <a:xfrm>
             <a:off x="4591440" y="4799880"/>
-            <a:ext cx="1715760" cy="363960"/>
+            <a:ext cx="1715400" cy="363960"/>
           </a:xfrm>
           <a:prstGeom prst="rect">
             <a:avLst/>
@@ -7177,7 +7928,7 @@
         <p:spPr>
           <a:xfrm>
             <a:off x="2847960" y="5172840"/>
-            <a:ext cx="1999800" cy="363960"/>
+            <a:ext cx="1999440" cy="363960"/>
           </a:xfrm>
           <a:prstGeom prst="rect">
             <a:avLst/>
@@ -7229,7 +7980,7 @@
         <p:spPr>
           <a:xfrm>
             <a:off x="5731920" y="5169240"/>
-            <a:ext cx="1785600" cy="638280"/>
+            <a:ext cx="1785240" cy="638280"/>
           </a:xfrm>
           <a:prstGeom prst="rect">
             <a:avLst/>
@@ -7281,7 +8032,7 @@
         <p:spPr>
           <a:xfrm>
             <a:off x="2256840" y="2126880"/>
-            <a:ext cx="938160" cy="363960"/>
+            <a:ext cx="937800" cy="363960"/>
           </a:xfrm>
           <a:prstGeom prst="rect">
             <a:avLst/>
@@ -7333,7 +8084,7 @@
         <p:spPr>
           <a:xfrm>
             <a:off x="3624120" y="3703320"/>
-            <a:ext cx="2809080" cy="494280"/>
+            <a:ext cx="2808720" cy="493920"/>
           </a:xfrm>
           <a:prstGeom prst="rect">
             <a:avLst/>
@@ -7372,7 +8123,7 @@
         <p:spPr>
           <a:xfrm>
             <a:off x="3825360" y="3759120"/>
-            <a:ext cx="2549160" cy="638280"/>
+            <a:ext cx="2548800" cy="638280"/>
           </a:xfrm>
           <a:prstGeom prst="rect">
             <a:avLst/>
@@ -7424,7 +8175,7 @@
         <p:spPr>
           <a:xfrm>
             <a:off x="2676240" y="2632320"/>
-            <a:ext cx="2171520" cy="909720"/>
+            <a:ext cx="2171160" cy="909360"/>
           </a:xfrm>
           <a:prstGeom prst="rect">
             <a:avLst/>
@@ -7466,7 +8217,7 @@
         <p:spPr>
           <a:xfrm>
             <a:off x="2608920" y="2621520"/>
-            <a:ext cx="2238840" cy="241920"/>
+            <a:ext cx="2238480" cy="241920"/>
           </a:xfrm>
           <a:prstGeom prst="rect">
             <a:avLst/>
@@ -7518,7 +8269,7 @@
         <p:spPr>
           <a:xfrm>
             <a:off x="2801880" y="3056760"/>
-            <a:ext cx="821160" cy="344880"/>
+            <a:ext cx="820800" cy="344520"/>
           </a:xfrm>
           <a:prstGeom prst="rect">
             <a:avLst/>
@@ -7559,7 +8310,7 @@
         <p:spPr>
           <a:xfrm>
             <a:off x="2801880" y="3077640"/>
-            <a:ext cx="720360" cy="333000"/>
+            <a:ext cx="720000" cy="333000"/>
           </a:xfrm>
           <a:prstGeom prst="rect">
             <a:avLst/>
@@ -7611,7 +8362,7 @@
         <p:spPr>
           <a:xfrm>
             <a:off x="3871440" y="3042000"/>
-            <a:ext cx="821160" cy="344880"/>
+            <a:ext cx="820800" cy="344520"/>
           </a:xfrm>
           <a:prstGeom prst="rect">
             <a:avLst/>
@@ -7652,7 +8403,7 @@
         <p:spPr>
           <a:xfrm>
             <a:off x="3947040" y="3070080"/>
-            <a:ext cx="720360" cy="211320"/>
+            <a:ext cx="720000" cy="211320"/>
           </a:xfrm>
           <a:prstGeom prst="rect">
             <a:avLst/>
@@ -7704,7 +8455,7 @@
         <p:spPr>
           <a:xfrm>
             <a:off x="5721120" y="2611800"/>
-            <a:ext cx="1756080" cy="1143360"/>
+            <a:ext cx="1755720" cy="1143000"/>
           </a:xfrm>
           <a:prstGeom prst="rect">
             <a:avLst/>
@@ -7743,7 +8494,7 @@
         <p:spPr>
           <a:xfrm>
             <a:off x="5897520" y="2740320"/>
-            <a:ext cx="1274040" cy="394200"/>
+            <a:ext cx="1273680" cy="394200"/>
           </a:xfrm>
           <a:prstGeom prst="rect">
             <a:avLst/>
@@ -7795,7 +8546,7 @@
         <p:spPr>
           <a:xfrm>
             <a:off x="3213000" y="3402360"/>
-            <a:ext cx="2507400" cy="935280"/>
+            <a:ext cx="2507040" cy="934920"/>
           </a:xfrm>
           <a:custGeom>
             <a:avLst/>
@@ -7844,7 +8595,7 @@
         <p:spPr>
           <a:xfrm flipH="1">
             <a:off x="5736600" y="3767040"/>
-            <a:ext cx="1248840" cy="591120"/>
+            <a:ext cx="1248480" cy="590760"/>
           </a:xfrm>
           <a:custGeom>
             <a:avLst/>
@@ -7893,7 +8644,7 @@
         <p:spPr>
           <a:xfrm>
             <a:off x="9219600" y="2374200"/>
-            <a:ext cx="1894680" cy="1894680"/>
+            <a:ext cx="1894320" cy="1894320"/>
           </a:xfrm>
           <a:prstGeom prst="can">
             <a:avLst>
@@ -7934,7 +8685,7 @@
         <p:spPr>
           <a:xfrm>
             <a:off x="9576000" y="3285720"/>
-            <a:ext cx="1450080" cy="363960"/>
+            <a:ext cx="1449720" cy="363960"/>
           </a:xfrm>
           <a:prstGeom prst="rect">
             <a:avLst/>
@@ -7986,7 +8737,7 @@
         <p:spPr>
           <a:xfrm>
             <a:off x="7478640" y="2888640"/>
-            <a:ext cx="1739880" cy="6120"/>
+            <a:ext cx="1739520" cy="5760"/>
           </a:xfrm>
           <a:custGeom>
             <a:avLst/>
@@ -8034,8 +8785,8 @@
         </p:nvSpPr>
         <p:spPr>
           <a:xfrm flipH="1" flipV="1">
-            <a:off x="7477200" y="3183120"/>
-            <a:ext cx="1739880" cy="11520"/>
+            <a:off x="7477200" y="3182400"/>
+            <a:ext cx="1739520" cy="11160"/>
           </a:xfrm>
           <a:custGeom>
             <a:avLst/>
@@ -8084,7 +8835,7 @@
         <p:spPr>
           <a:xfrm>
             <a:off x="8659080" y="4624200"/>
-            <a:ext cx="913320" cy="363960"/>
+            <a:ext cx="912960" cy="363960"/>
           </a:xfrm>
           <a:prstGeom prst="rect">
             <a:avLst/>
@@ -8135,8 +8886,8 @@
         </p:nvSpPr>
         <p:spPr>
           <a:xfrm flipH="1" flipV="1">
-            <a:off x="6520320" y="4197960"/>
-            <a:ext cx="2136960" cy="609120"/>
+            <a:off x="6519600" y="4197240"/>
+            <a:ext cx="2136600" cy="608760"/>
           </a:xfrm>
           <a:custGeom>
             <a:avLst/>
@@ -8180,7 +8931,7 @@
         <p:spPr>
           <a:xfrm>
             <a:off x="3515040" y="5512320"/>
-            <a:ext cx="965520" cy="363960"/>
+            <a:ext cx="965160" cy="363960"/>
           </a:xfrm>
           <a:prstGeom prst="rect">
             <a:avLst/>
@@ -8232,7 +8983,7 @@
         <p:spPr>
           <a:xfrm flipV="1">
             <a:off x="4525200" y="4141800"/>
-            <a:ext cx="360" cy="1551240"/>
+            <a:ext cx="360" cy="1550880"/>
           </a:xfrm>
           <a:custGeom>
             <a:avLst/>
@@ -8281,7 +9032,7 @@
         <p:spPr>
           <a:xfrm>
             <a:off x="5738040" y="4338720"/>
-            <a:ext cx="360" cy="1355760"/>
+            <a:ext cx="360" cy="1355400"/>
           </a:xfrm>
           <a:custGeom>
             <a:avLst/>
@@ -8330,7 +9081,7 @@
         <p:spPr>
           <a:xfrm>
             <a:off x="4402440" y="5695560"/>
-            <a:ext cx="1387080" cy="912600"/>
+            <a:ext cx="1386720" cy="912600"/>
           </a:xfrm>
           <a:prstGeom prst="rect">
             <a:avLst/>
@@ -8390,7 +9141,7 @@
         <p:spPr>
           <a:xfrm>
             <a:off x="9219600" y="955440"/>
-            <a:ext cx="1894680" cy="737280"/>
+            <a:ext cx="1894320" cy="736920"/>
           </a:xfrm>
           <a:prstGeom prst="can">
             <a:avLst>
@@ -8431,7 +9182,7 @@
         <p:spPr>
           <a:xfrm>
             <a:off x="9367200" y="1139400"/>
-            <a:ext cx="1699560" cy="363960"/>
+            <a:ext cx="1699200" cy="363960"/>
           </a:xfrm>
           <a:prstGeom prst="rect">
             <a:avLst/>
@@ -8513,7 +9264,7 @@
         <p:spPr>
           <a:xfrm>
             <a:off x="9219600" y="955440"/>
-            <a:ext cx="1894680" cy="737280"/>
+            <a:ext cx="1894320" cy="736920"/>
           </a:xfrm>
           <a:prstGeom prst="can">
             <a:avLst>
@@ -8558,7 +9309,7 @@
         <p:spPr>
           <a:xfrm>
             <a:off x="1069920" y="484560"/>
-            <a:ext cx="10057320" cy="1608120"/>
+            <a:ext cx="10056960" cy="1607760"/>
           </a:xfrm>
           <a:prstGeom prst="rect">
             <a:avLst/>
@@ -8609,7 +9360,7 @@
         <p:spPr>
           <a:xfrm>
             <a:off x="2172600" y="2432880"/>
-            <a:ext cx="7045560" cy="4118760"/>
+            <a:ext cx="7045200" cy="4118400"/>
           </a:xfrm>
           <a:prstGeom prst="rect">
             <a:avLst/>
@@ -8635,7 +9386,7 @@
         <p:spPr>
           <a:xfrm>
             <a:off x="2122560" y="2114280"/>
-            <a:ext cx="9280440" cy="2243520"/>
+            <a:ext cx="9280080" cy="2243160"/>
           </a:xfrm>
           <a:prstGeom prst="rect">
             <a:avLst/>
@@ -8676,7 +9427,7 @@
         <p:spPr>
           <a:xfrm>
             <a:off x="3481560" y="5512320"/>
-            <a:ext cx="3505680" cy="1199520"/>
+            <a:ext cx="3505320" cy="1199160"/>
           </a:xfrm>
           <a:prstGeom prst="rect">
             <a:avLst/>
@@ -8717,7 +9468,7 @@
         <p:spPr>
           <a:xfrm>
             <a:off x="3731040" y="4659840"/>
-            <a:ext cx="2884680" cy="648360"/>
+            <a:ext cx="2884320" cy="648000"/>
           </a:xfrm>
           <a:prstGeom prst="cloud">
             <a:avLst/>
@@ -8756,7 +9507,7 @@
         <p:spPr>
           <a:xfrm>
             <a:off x="4591440" y="4799880"/>
-            <a:ext cx="1715760" cy="363960"/>
+            <a:ext cx="1715400" cy="363960"/>
           </a:xfrm>
           <a:prstGeom prst="rect">
             <a:avLst/>
@@ -8808,7 +9559,7 @@
         <p:spPr>
           <a:xfrm>
             <a:off x="2847960" y="5172840"/>
-            <a:ext cx="1999800" cy="363960"/>
+            <a:ext cx="1999440" cy="363960"/>
           </a:xfrm>
           <a:prstGeom prst="rect">
             <a:avLst/>
@@ -8860,7 +9611,7 @@
         <p:spPr>
           <a:xfrm>
             <a:off x="5731920" y="5169240"/>
-            <a:ext cx="1785600" cy="638280"/>
+            <a:ext cx="1785240" cy="638280"/>
           </a:xfrm>
           <a:prstGeom prst="rect">
             <a:avLst/>
@@ -8912,7 +9663,7 @@
         <p:spPr>
           <a:xfrm>
             <a:off x="2256840" y="2126880"/>
-            <a:ext cx="938160" cy="363960"/>
+            <a:ext cx="937800" cy="363960"/>
           </a:xfrm>
           <a:prstGeom prst="rect">
             <a:avLst/>
@@ -8964,7 +9715,7 @@
         <p:spPr>
           <a:xfrm>
             <a:off x="3624120" y="3703320"/>
-            <a:ext cx="2809080" cy="494280"/>
+            <a:ext cx="2808720" cy="493920"/>
           </a:xfrm>
           <a:prstGeom prst="rect">
             <a:avLst/>
@@ -9003,7 +9754,7 @@
         <p:spPr>
           <a:xfrm>
             <a:off x="3825360" y="3759120"/>
-            <a:ext cx="2549160" cy="638280"/>
+            <a:ext cx="2548800" cy="638280"/>
           </a:xfrm>
           <a:prstGeom prst="rect">
             <a:avLst/>
@@ -9055,7 +9806,7 @@
         <p:spPr>
           <a:xfrm>
             <a:off x="2676240" y="2632320"/>
-            <a:ext cx="2171520" cy="909720"/>
+            <a:ext cx="2171160" cy="909360"/>
           </a:xfrm>
           <a:prstGeom prst="rect">
             <a:avLst/>
@@ -9097,7 +9848,7 @@
         <p:spPr>
           <a:xfrm>
             <a:off x="2608920" y="2621520"/>
-            <a:ext cx="2238840" cy="241920"/>
+            <a:ext cx="2238480" cy="241920"/>
           </a:xfrm>
           <a:prstGeom prst="rect">
             <a:avLst/>
@@ -9149,7 +9900,7 @@
         <p:spPr>
           <a:xfrm>
             <a:off x="2801880" y="3056760"/>
-            <a:ext cx="821160" cy="344880"/>
+            <a:ext cx="820800" cy="344520"/>
           </a:xfrm>
           <a:prstGeom prst="rect">
             <a:avLst/>
@@ -9190,7 +9941,7 @@
         <p:spPr>
           <a:xfrm>
             <a:off x="2801880" y="3077640"/>
-            <a:ext cx="720360" cy="333000"/>
+            <a:ext cx="720000" cy="333000"/>
           </a:xfrm>
           <a:prstGeom prst="rect">
             <a:avLst/>
@@ -9242,7 +9993,7 @@
         <p:spPr>
           <a:xfrm>
             <a:off x="3871440" y="3042000"/>
-            <a:ext cx="821160" cy="344880"/>
+            <a:ext cx="820800" cy="344520"/>
           </a:xfrm>
           <a:prstGeom prst="rect">
             <a:avLst/>
@@ -9283,7 +10034,7 @@
         <p:spPr>
           <a:xfrm>
             <a:off x="3947040" y="3070080"/>
-            <a:ext cx="720360" cy="211320"/>
+            <a:ext cx="720000" cy="211320"/>
           </a:xfrm>
           <a:prstGeom prst="rect">
             <a:avLst/>
@@ -9335,7 +10086,7 @@
         <p:spPr>
           <a:xfrm>
             <a:off x="5721120" y="2611800"/>
-            <a:ext cx="1756080" cy="1143360"/>
+            <a:ext cx="1755720" cy="1143000"/>
           </a:xfrm>
           <a:prstGeom prst="rect">
             <a:avLst/>
@@ -9374,7 +10125,7 @@
         <p:spPr>
           <a:xfrm>
             <a:off x="5897520" y="2740320"/>
-            <a:ext cx="1274040" cy="394200"/>
+            <a:ext cx="1273680" cy="394200"/>
           </a:xfrm>
           <a:prstGeom prst="rect">
             <a:avLst/>
@@ -9426,7 +10177,7 @@
         <p:spPr>
           <a:xfrm>
             <a:off x="3213000" y="3402360"/>
-            <a:ext cx="2507400" cy="935280"/>
+            <a:ext cx="2507040" cy="934920"/>
           </a:xfrm>
           <a:custGeom>
             <a:avLst/>
@@ -9475,7 +10226,7 @@
         <p:spPr>
           <a:xfrm flipH="1">
             <a:off x="5736600" y="3767040"/>
-            <a:ext cx="1248840" cy="591120"/>
+            <a:ext cx="1248480" cy="590760"/>
           </a:xfrm>
           <a:custGeom>
             <a:avLst/>
@@ -9524,7 +10275,7 @@
         <p:spPr>
           <a:xfrm>
             <a:off x="9219600" y="2374200"/>
-            <a:ext cx="1894680" cy="1894680"/>
+            <a:ext cx="1894320" cy="1894320"/>
           </a:xfrm>
           <a:prstGeom prst="can">
             <a:avLst>
@@ -9565,7 +10316,7 @@
         <p:spPr>
           <a:xfrm>
             <a:off x="9576000" y="3285720"/>
-            <a:ext cx="1450080" cy="363960"/>
+            <a:ext cx="1449720" cy="363960"/>
           </a:xfrm>
           <a:prstGeom prst="rect">
             <a:avLst/>
@@ -9617,7 +10368,7 @@
         <p:spPr>
           <a:xfrm>
             <a:off x="7478640" y="2888640"/>
-            <a:ext cx="1739880" cy="6120"/>
+            <a:ext cx="1739520" cy="5760"/>
           </a:xfrm>
           <a:custGeom>
             <a:avLst/>
@@ -9665,8 +10416,8 @@
         </p:nvSpPr>
         <p:spPr>
           <a:xfrm flipH="1" flipV="1">
-            <a:off x="7477200" y="3183120"/>
-            <a:ext cx="1739880" cy="11520"/>
+            <a:off x="7477200" y="3182400"/>
+            <a:ext cx="1739520" cy="11160"/>
           </a:xfrm>
           <a:custGeom>
             <a:avLst/>
@@ -9715,7 +10466,7 @@
         <p:spPr>
           <a:xfrm>
             <a:off x="8659080" y="4624200"/>
-            <a:ext cx="913320" cy="363960"/>
+            <a:ext cx="912960" cy="363960"/>
           </a:xfrm>
           <a:prstGeom prst="rect">
             <a:avLst/>
@@ -9766,8 +10517,8 @@
         </p:nvSpPr>
         <p:spPr>
           <a:xfrm flipH="1" flipV="1">
-            <a:off x="6520320" y="4197960"/>
-            <a:ext cx="2136960" cy="609120"/>
+            <a:off x="6519600" y="4197240"/>
+            <a:ext cx="2136600" cy="608760"/>
           </a:xfrm>
           <a:custGeom>
             <a:avLst/>
@@ -9811,7 +10562,7 @@
         <p:spPr>
           <a:xfrm>
             <a:off x="3515040" y="5512320"/>
-            <a:ext cx="965520" cy="363960"/>
+            <a:ext cx="965160" cy="363960"/>
           </a:xfrm>
           <a:prstGeom prst="rect">
             <a:avLst/>
@@ -9863,7 +10614,7 @@
         <p:spPr>
           <a:xfrm flipV="1">
             <a:off x="4525200" y="4141800"/>
-            <a:ext cx="360" cy="1551240"/>
+            <a:ext cx="360" cy="1550880"/>
           </a:xfrm>
           <a:custGeom>
             <a:avLst/>
@@ -9912,7 +10663,7 @@
         <p:spPr>
           <a:xfrm>
             <a:off x="5738040" y="4338720"/>
-            <a:ext cx="360" cy="1355760"/>
+            <a:ext cx="360" cy="1355400"/>
           </a:xfrm>
           <a:custGeom>
             <a:avLst/>
@@ -9961,7 +10712,7 @@
         <p:spPr>
           <a:xfrm>
             <a:off x="4402440" y="5695560"/>
-            <a:ext cx="1387080" cy="912600"/>
+            <a:ext cx="1386720" cy="912600"/>
           </a:xfrm>
           <a:prstGeom prst="rect">
             <a:avLst/>
@@ -10021,7 +10772,7 @@
         <p:spPr>
           <a:xfrm>
             <a:off x="-30141360" y="-40160520"/>
-            <a:ext cx="82196640" cy="83337480"/>
+            <a:ext cx="82196280" cy="83337120"/>
           </a:xfrm>
           <a:custGeom>
             <a:avLst/>
@@ -10106,7 +10857,7 @@
         <p:spPr>
           <a:xfrm>
             <a:off x="9367200" y="1139400"/>
-            <a:ext cx="1699560" cy="363960"/>
+            <a:ext cx="1699200" cy="363960"/>
           </a:xfrm>
           <a:prstGeom prst="rect">
             <a:avLst/>
@@ -10188,7 +10939,7 @@
         <p:spPr>
           <a:xfrm>
             <a:off x="9219600" y="955440"/>
-            <a:ext cx="1894680" cy="737280"/>
+            <a:ext cx="1894320" cy="736920"/>
           </a:xfrm>
           <a:prstGeom prst="can">
             <a:avLst>
@@ -10233,7 +10984,7 @@
         <p:spPr>
           <a:xfrm>
             <a:off x="1069920" y="484560"/>
-            <a:ext cx="10057320" cy="1608120"/>
+            <a:ext cx="10056960" cy="1607760"/>
           </a:xfrm>
           <a:prstGeom prst="rect">
             <a:avLst/>
@@ -10284,7 +11035,7 @@
         <p:spPr>
           <a:xfrm>
             <a:off x="2172600" y="2432880"/>
-            <a:ext cx="7045560" cy="4118760"/>
+            <a:ext cx="7045200" cy="4118400"/>
           </a:xfrm>
           <a:prstGeom prst="rect">
             <a:avLst/>
@@ -10310,7 +11061,7 @@
         <p:spPr>
           <a:xfrm>
             <a:off x="2122560" y="2114280"/>
-            <a:ext cx="9280440" cy="2243520"/>
+            <a:ext cx="9280080" cy="2243160"/>
           </a:xfrm>
           <a:prstGeom prst="rect">
             <a:avLst/>
@@ -10351,7 +11102,7 @@
         <p:spPr>
           <a:xfrm>
             <a:off x="3481560" y="5512320"/>
-            <a:ext cx="3505680" cy="1199520"/>
+            <a:ext cx="3505320" cy="1199160"/>
           </a:xfrm>
           <a:prstGeom prst="rect">
             <a:avLst/>
@@ -10392,7 +11143,7 @@
         <p:spPr>
           <a:xfrm>
             <a:off x="3731040" y="4659840"/>
-            <a:ext cx="2884680" cy="648360"/>
+            <a:ext cx="2884320" cy="648000"/>
           </a:xfrm>
           <a:prstGeom prst="cloud">
             <a:avLst/>
@@ -10431,7 +11182,7 @@
         <p:spPr>
           <a:xfrm>
             <a:off x="4591440" y="4799880"/>
-            <a:ext cx="1715760" cy="363960"/>
+            <a:ext cx="1715400" cy="363960"/>
           </a:xfrm>
           <a:prstGeom prst="rect">
             <a:avLst/>
@@ -10483,7 +11234,7 @@
         <p:spPr>
           <a:xfrm>
             <a:off x="2847960" y="5172840"/>
-            <a:ext cx="1999800" cy="363960"/>
+            <a:ext cx="1999440" cy="363960"/>
           </a:xfrm>
           <a:prstGeom prst="rect">
             <a:avLst/>
@@ -10535,7 +11286,7 @@
         <p:spPr>
           <a:xfrm>
             <a:off x="5731920" y="5169240"/>
-            <a:ext cx="1785600" cy="638280"/>
+            <a:ext cx="1785240" cy="638280"/>
           </a:xfrm>
           <a:prstGeom prst="rect">
             <a:avLst/>
@@ -10587,7 +11338,7 @@
         <p:spPr>
           <a:xfrm>
             <a:off x="2256840" y="2126880"/>
-            <a:ext cx="938160" cy="363960"/>
+            <a:ext cx="937800" cy="363960"/>
           </a:xfrm>
           <a:prstGeom prst="rect">
             <a:avLst/>
@@ -10639,7 +11390,7 @@
         <p:spPr>
           <a:xfrm>
             <a:off x="3624120" y="3703320"/>
-            <a:ext cx="2809080" cy="494280"/>
+            <a:ext cx="2808720" cy="493920"/>
           </a:xfrm>
           <a:prstGeom prst="rect">
             <a:avLst/>
@@ -10678,7 +11429,7 @@
         <p:spPr>
           <a:xfrm>
             <a:off x="3825360" y="3759120"/>
-            <a:ext cx="2549160" cy="638280"/>
+            <a:ext cx="2548800" cy="638280"/>
           </a:xfrm>
           <a:prstGeom prst="rect">
             <a:avLst/>
@@ -10730,7 +11481,7 @@
         <p:spPr>
           <a:xfrm>
             <a:off x="2676240" y="2632320"/>
-            <a:ext cx="2171520" cy="909720"/>
+            <a:ext cx="2171160" cy="909360"/>
           </a:xfrm>
           <a:prstGeom prst="rect">
             <a:avLst/>
@@ -10772,7 +11523,7 @@
         <p:spPr>
           <a:xfrm>
             <a:off x="2608920" y="2621520"/>
-            <a:ext cx="2238840" cy="241920"/>
+            <a:ext cx="2238480" cy="241920"/>
           </a:xfrm>
           <a:prstGeom prst="rect">
             <a:avLst/>
@@ -10824,7 +11575,7 @@
         <p:spPr>
           <a:xfrm>
             <a:off x="2801880" y="3056760"/>
-            <a:ext cx="821160" cy="344880"/>
+            <a:ext cx="820800" cy="344520"/>
           </a:xfrm>
           <a:prstGeom prst="rect">
             <a:avLst/>
@@ -10865,7 +11616,7 @@
         <p:spPr>
           <a:xfrm>
             <a:off x="2801880" y="3077640"/>
-            <a:ext cx="720360" cy="333000"/>
+            <a:ext cx="720000" cy="333000"/>
           </a:xfrm>
           <a:prstGeom prst="rect">
             <a:avLst/>
@@ -10917,7 +11668,7 @@
         <p:spPr>
           <a:xfrm>
             <a:off x="3871440" y="3042000"/>
-            <a:ext cx="821160" cy="344880"/>
+            <a:ext cx="820800" cy="344520"/>
           </a:xfrm>
           <a:prstGeom prst="rect">
             <a:avLst/>
@@ -10958,7 +11709,7 @@
         <p:spPr>
           <a:xfrm>
             <a:off x="3947040" y="3070080"/>
-            <a:ext cx="720360" cy="211320"/>
+            <a:ext cx="720000" cy="211320"/>
           </a:xfrm>
           <a:prstGeom prst="rect">
             <a:avLst/>
@@ -11010,7 +11761,7 @@
         <p:spPr>
           <a:xfrm>
             <a:off x="5721120" y="2611800"/>
-            <a:ext cx="1756080" cy="1143360"/>
+            <a:ext cx="1755720" cy="1143000"/>
           </a:xfrm>
           <a:prstGeom prst="rect">
             <a:avLst/>
@@ -11049,7 +11800,7 @@
         <p:spPr>
           <a:xfrm>
             <a:off x="5897520" y="2740320"/>
-            <a:ext cx="1274040" cy="394200"/>
+            <a:ext cx="1273680" cy="394200"/>
           </a:xfrm>
           <a:prstGeom prst="rect">
             <a:avLst/>
@@ -11101,7 +11852,7 @@
         <p:spPr>
           <a:xfrm>
             <a:off x="3213000" y="3402360"/>
-            <a:ext cx="2507400" cy="935280"/>
+            <a:ext cx="2507040" cy="934920"/>
           </a:xfrm>
           <a:custGeom>
             <a:avLst/>
@@ -11150,7 +11901,7 @@
         <p:spPr>
           <a:xfrm flipH="1">
             <a:off x="5736600" y="3767040"/>
-            <a:ext cx="1248840" cy="591120"/>
+            <a:ext cx="1248480" cy="590760"/>
           </a:xfrm>
           <a:custGeom>
             <a:avLst/>
@@ -11199,7 +11950,7 @@
         <p:spPr>
           <a:xfrm>
             <a:off x="9219600" y="2374200"/>
-            <a:ext cx="1894680" cy="1894680"/>
+            <a:ext cx="1894320" cy="1894320"/>
           </a:xfrm>
           <a:prstGeom prst="can">
             <a:avLst>
@@ -11240,7 +11991,7 @@
         <p:spPr>
           <a:xfrm>
             <a:off x="9576000" y="3285720"/>
-            <a:ext cx="1450080" cy="363960"/>
+            <a:ext cx="1449720" cy="363960"/>
           </a:xfrm>
           <a:prstGeom prst="rect">
             <a:avLst/>
@@ -11292,7 +12043,7 @@
         <p:spPr>
           <a:xfrm>
             <a:off x="7478640" y="2888640"/>
-            <a:ext cx="1739880" cy="6120"/>
+            <a:ext cx="1739520" cy="5760"/>
           </a:xfrm>
           <a:custGeom>
             <a:avLst/>
@@ -11340,8 +12091,8 @@
         </p:nvSpPr>
         <p:spPr>
           <a:xfrm flipH="1" flipV="1">
-            <a:off x="7477200" y="3183120"/>
-            <a:ext cx="1739880" cy="11520"/>
+            <a:off x="7477200" y="3182400"/>
+            <a:ext cx="1739520" cy="11160"/>
           </a:xfrm>
           <a:custGeom>
             <a:avLst/>
@@ -11390,7 +12141,7 @@
         <p:spPr>
           <a:xfrm>
             <a:off x="8659080" y="4624200"/>
-            <a:ext cx="913320" cy="363960"/>
+            <a:ext cx="912960" cy="363960"/>
           </a:xfrm>
           <a:prstGeom prst="rect">
             <a:avLst/>
@@ -11441,8 +12192,8 @@
         </p:nvSpPr>
         <p:spPr>
           <a:xfrm flipH="1" flipV="1">
-            <a:off x="6520320" y="4197960"/>
-            <a:ext cx="2136960" cy="609120"/>
+            <a:off x="6519600" y="4197240"/>
+            <a:ext cx="2136600" cy="608760"/>
           </a:xfrm>
           <a:custGeom>
             <a:avLst/>
@@ -11486,7 +12237,7 @@
         <p:spPr>
           <a:xfrm>
             <a:off x="3515040" y="5512320"/>
-            <a:ext cx="965520" cy="363960"/>
+            <a:ext cx="965160" cy="363960"/>
           </a:xfrm>
           <a:prstGeom prst="rect">
             <a:avLst/>
@@ -11538,7 +12289,7 @@
         <p:spPr>
           <a:xfrm flipV="1">
             <a:off x="4525200" y="4141800"/>
-            <a:ext cx="360" cy="1551240"/>
+            <a:ext cx="360" cy="1550880"/>
           </a:xfrm>
           <a:custGeom>
             <a:avLst/>
@@ -11587,7 +12338,7 @@
         <p:spPr>
           <a:xfrm>
             <a:off x="5738040" y="4338720"/>
-            <a:ext cx="360" cy="1355760"/>
+            <a:ext cx="360" cy="1355400"/>
           </a:xfrm>
           <a:custGeom>
             <a:avLst/>
@@ -11636,7 +12387,7 @@
         <p:spPr>
           <a:xfrm>
             <a:off x="4402440" y="5695560"/>
-            <a:ext cx="1387080" cy="912600"/>
+            <a:ext cx="1386720" cy="912600"/>
           </a:xfrm>
           <a:prstGeom prst="rect">
             <a:avLst/>
@@ -11696,7 +12447,7 @@
         <p:spPr>
           <a:xfrm>
             <a:off x="-30141360" y="-40160520"/>
-            <a:ext cx="82196640" cy="83337480"/>
+            <a:ext cx="82196280" cy="83337120"/>
           </a:xfrm>
           <a:custGeom>
             <a:avLst/>
@@ -11781,7 +12532,7 @@
         <p:spPr>
           <a:xfrm>
             <a:off x="9367200" y="1139400"/>
-            <a:ext cx="1699560" cy="363960"/>
+            <a:ext cx="1699200" cy="363960"/>
           </a:xfrm>
           <a:prstGeom prst="rect">
             <a:avLst/>
@@ -11833,7 +12584,7 @@
         <p:spPr>
           <a:xfrm>
             <a:off x="8088480" y="2558160"/>
-            <a:ext cx="617040" cy="1197000"/>
+            <a:ext cx="616680" cy="1196640"/>
           </a:xfrm>
           <a:prstGeom prst="rect">
             <a:avLst/>
@@ -11872,7 +12623,7 @@
         <p:spPr>
           <a:xfrm>
             <a:off x="8176680" y="2963880"/>
-            <a:ext cx="470160" cy="241920"/>
+            <a:ext cx="469800" cy="241920"/>
           </a:xfrm>
           <a:prstGeom prst="rect">
             <a:avLst/>
@@ -11924,7 +12675,7 @@
         <p:spPr>
           <a:xfrm>
             <a:off x="6627600" y="2170800"/>
-            <a:ext cx="849960" cy="280800"/>
+            <a:ext cx="849600" cy="280440"/>
           </a:xfrm>
           <a:prstGeom prst="rect">
             <a:avLst/>
@@ -11963,7 +12714,7 @@
         <p:spPr>
           <a:xfrm>
             <a:off x="6839280" y="2198880"/>
-            <a:ext cx="714960" cy="241920"/>
+            <a:ext cx="714600" cy="241920"/>
           </a:xfrm>
           <a:prstGeom prst="rect">
             <a:avLst/>
@@ -12014,8 +12765,8 @@
         </p:nvSpPr>
         <p:spPr>
           <a:xfrm flipV="1">
-            <a:off x="6859800" y="1179000"/>
-            <a:ext cx="2358720" cy="986760"/>
+            <a:off x="6859800" y="1178640"/>
+            <a:ext cx="2358360" cy="986400"/>
           </a:xfrm>
           <a:custGeom>
             <a:avLst/>
@@ -12063,8 +12814,8 @@
         </p:nvSpPr>
         <p:spPr>
           <a:xfrm flipH="1">
-            <a:off x="7238160" y="1324800"/>
-            <a:ext cx="1979280" cy="857520"/>
+            <a:off x="7237440" y="1324800"/>
+            <a:ext cx="1978920" cy="857160"/>
           </a:xfrm>
           <a:custGeom>
             <a:avLst/>
@@ -12112,8 +12863,8 @@
         </p:nvSpPr>
         <p:spPr>
           <a:xfrm flipV="1">
-            <a:off x="6859800" y="2444400"/>
-            <a:ext cx="360" cy="154800"/>
+            <a:off x="6859800" y="2443680"/>
+            <a:ext cx="360" cy="154440"/>
           </a:xfrm>
           <a:custGeom>
             <a:avLst/>
@@ -12162,7 +12913,7 @@
         <p:spPr>
           <a:xfrm>
             <a:off x="7197480" y="2452680"/>
-            <a:ext cx="360" cy="200520"/>
+            <a:ext cx="360" cy="200160"/>
           </a:xfrm>
           <a:custGeom>
             <a:avLst/>
@@ -12241,7 +12992,7 @@
         <p:spPr>
           <a:xfrm>
             <a:off x="9219600" y="955440"/>
-            <a:ext cx="1894680" cy="737280"/>
+            <a:ext cx="1894320" cy="736920"/>
           </a:xfrm>
           <a:prstGeom prst="can">
             <a:avLst>
@@ -12286,7 +13037,7 @@
         <p:spPr>
           <a:xfrm>
             <a:off x="1069920" y="484560"/>
-            <a:ext cx="10057320" cy="1608120"/>
+            <a:ext cx="10056960" cy="1607760"/>
           </a:xfrm>
           <a:prstGeom prst="rect">
             <a:avLst/>
@@ -12337,7 +13088,7 @@
         <p:spPr>
           <a:xfrm>
             <a:off x="2172600" y="2432880"/>
-            <a:ext cx="7045560" cy="4118760"/>
+            <a:ext cx="7045200" cy="4118400"/>
           </a:xfrm>
           <a:prstGeom prst="rect">
             <a:avLst/>
@@ -12363,7 +13114,7 @@
         <p:spPr>
           <a:xfrm>
             <a:off x="2122560" y="2114280"/>
-            <a:ext cx="9280440" cy="2243520"/>
+            <a:ext cx="9280080" cy="2243160"/>
           </a:xfrm>
           <a:prstGeom prst="rect">
             <a:avLst/>
@@ -12404,7 +13155,7 @@
         <p:spPr>
           <a:xfrm>
             <a:off x="3481560" y="5512320"/>
-            <a:ext cx="3505680" cy="1199520"/>
+            <a:ext cx="3505320" cy="1199160"/>
           </a:xfrm>
           <a:prstGeom prst="rect">
             <a:avLst/>
@@ -12445,7 +13196,7 @@
         <p:spPr>
           <a:xfrm>
             <a:off x="3731040" y="4659840"/>
-            <a:ext cx="2884680" cy="648360"/>
+            <a:ext cx="2884320" cy="648000"/>
           </a:xfrm>
           <a:prstGeom prst="cloud">
             <a:avLst/>
@@ -12484,7 +13235,7 @@
         <p:spPr>
           <a:xfrm>
             <a:off x="4591440" y="4799880"/>
-            <a:ext cx="1715760" cy="363960"/>
+            <a:ext cx="1715400" cy="363960"/>
           </a:xfrm>
           <a:prstGeom prst="rect">
             <a:avLst/>
@@ -12536,7 +13287,7 @@
         <p:spPr>
           <a:xfrm>
             <a:off x="2847960" y="5172840"/>
-            <a:ext cx="1999800" cy="363960"/>
+            <a:ext cx="1999440" cy="363960"/>
           </a:xfrm>
           <a:prstGeom prst="rect">
             <a:avLst/>
@@ -12588,7 +13339,7 @@
         <p:spPr>
           <a:xfrm>
             <a:off x="5731920" y="5169240"/>
-            <a:ext cx="1785600" cy="638280"/>
+            <a:ext cx="1785240" cy="638280"/>
           </a:xfrm>
           <a:prstGeom prst="rect">
             <a:avLst/>
@@ -12640,7 +13391,7 @@
         <p:spPr>
           <a:xfrm>
             <a:off x="2256840" y="2126880"/>
-            <a:ext cx="938160" cy="363960"/>
+            <a:ext cx="937800" cy="363960"/>
           </a:xfrm>
           <a:prstGeom prst="rect">
             <a:avLst/>
@@ -12692,7 +13443,7 @@
         <p:spPr>
           <a:xfrm>
             <a:off x="3624120" y="3703320"/>
-            <a:ext cx="2809080" cy="494280"/>
+            <a:ext cx="2808720" cy="493920"/>
           </a:xfrm>
           <a:prstGeom prst="rect">
             <a:avLst/>
@@ -12731,7 +13482,7 @@
         <p:spPr>
           <a:xfrm>
             <a:off x="3825360" y="3759120"/>
-            <a:ext cx="2549160" cy="638280"/>
+            <a:ext cx="2548800" cy="638280"/>
           </a:xfrm>
           <a:prstGeom prst="rect">
             <a:avLst/>
@@ -12783,7 +13534,7 @@
         <p:spPr>
           <a:xfrm>
             <a:off x="2676240" y="2632320"/>
-            <a:ext cx="2171520" cy="909720"/>
+            <a:ext cx="2171160" cy="909360"/>
           </a:xfrm>
           <a:prstGeom prst="rect">
             <a:avLst/>
@@ -12825,7 +13576,7 @@
         <p:spPr>
           <a:xfrm>
             <a:off x="2608920" y="2621520"/>
-            <a:ext cx="2238840" cy="241920"/>
+            <a:ext cx="2238480" cy="241920"/>
           </a:xfrm>
           <a:prstGeom prst="rect">
             <a:avLst/>
@@ -12877,7 +13628,7 @@
         <p:spPr>
           <a:xfrm>
             <a:off x="2801880" y="3056760"/>
-            <a:ext cx="821160" cy="344880"/>
+            <a:ext cx="820800" cy="344520"/>
           </a:xfrm>
           <a:prstGeom prst="rect">
             <a:avLst/>
@@ -12918,7 +13669,7 @@
         <p:spPr>
           <a:xfrm>
             <a:off x="2801880" y="3077640"/>
-            <a:ext cx="720360" cy="333000"/>
+            <a:ext cx="720000" cy="333000"/>
           </a:xfrm>
           <a:prstGeom prst="rect">
             <a:avLst/>
@@ -12970,7 +13721,7 @@
         <p:spPr>
           <a:xfrm>
             <a:off x="3871440" y="3042000"/>
-            <a:ext cx="821160" cy="344880"/>
+            <a:ext cx="820800" cy="344520"/>
           </a:xfrm>
           <a:prstGeom prst="rect">
             <a:avLst/>
@@ -13011,7 +13762,7 @@
         <p:spPr>
           <a:xfrm>
             <a:off x="3947040" y="3070080"/>
-            <a:ext cx="720360" cy="211320"/>
+            <a:ext cx="720000" cy="211320"/>
           </a:xfrm>
           <a:prstGeom prst="rect">
             <a:avLst/>
@@ -13063,7 +13814,7 @@
         <p:spPr>
           <a:xfrm>
             <a:off x="5721120" y="2611800"/>
-            <a:ext cx="1756080" cy="1143360"/>
+            <a:ext cx="1755720" cy="1143000"/>
           </a:xfrm>
           <a:prstGeom prst="rect">
             <a:avLst/>
@@ -13102,7 +13853,7 @@
         <p:spPr>
           <a:xfrm>
             <a:off x="5897520" y="2740320"/>
-            <a:ext cx="1274040" cy="394200"/>
+            <a:ext cx="1273680" cy="394200"/>
           </a:xfrm>
           <a:prstGeom prst="rect">
             <a:avLst/>
@@ -13154,7 +13905,7 @@
         <p:spPr>
           <a:xfrm>
             <a:off x="3213000" y="3402360"/>
-            <a:ext cx="2507400" cy="935280"/>
+            <a:ext cx="2507040" cy="934920"/>
           </a:xfrm>
           <a:custGeom>
             <a:avLst/>
@@ -13203,7 +13954,7 @@
         <p:spPr>
           <a:xfrm flipH="1">
             <a:off x="5736600" y="3767040"/>
-            <a:ext cx="1248840" cy="591120"/>
+            <a:ext cx="1248480" cy="590760"/>
           </a:xfrm>
           <a:custGeom>
             <a:avLst/>
@@ -13252,7 +14003,7 @@
         <p:spPr>
           <a:xfrm>
             <a:off x="9219600" y="2374200"/>
-            <a:ext cx="1894680" cy="1894680"/>
+            <a:ext cx="1894320" cy="1894320"/>
           </a:xfrm>
           <a:prstGeom prst="can">
             <a:avLst>
@@ -13293,7 +14044,7 @@
         <p:spPr>
           <a:xfrm>
             <a:off x="9576000" y="3285720"/>
-            <a:ext cx="1450080" cy="363960"/>
+            <a:ext cx="1449720" cy="363960"/>
           </a:xfrm>
           <a:prstGeom prst="rect">
             <a:avLst/>
@@ -13345,7 +14096,7 @@
         <p:spPr>
           <a:xfrm>
             <a:off x="7478640" y="2888640"/>
-            <a:ext cx="1739880" cy="6120"/>
+            <a:ext cx="1739520" cy="5760"/>
           </a:xfrm>
           <a:custGeom>
             <a:avLst/>
@@ -13393,8 +14144,8 @@
         </p:nvSpPr>
         <p:spPr>
           <a:xfrm flipH="1" flipV="1">
-            <a:off x="7477200" y="3183120"/>
-            <a:ext cx="1739880" cy="11520"/>
+            <a:off x="7477200" y="3182400"/>
+            <a:ext cx="1739520" cy="11160"/>
           </a:xfrm>
           <a:custGeom>
             <a:avLst/>
@@ -13443,7 +14194,7 @@
         <p:spPr>
           <a:xfrm>
             <a:off x="8659080" y="4624200"/>
-            <a:ext cx="913320" cy="363960"/>
+            <a:ext cx="912960" cy="363960"/>
           </a:xfrm>
           <a:prstGeom prst="rect">
             <a:avLst/>
@@ -13494,8 +14245,8 @@
         </p:nvSpPr>
         <p:spPr>
           <a:xfrm flipH="1" flipV="1">
-            <a:off x="6520320" y="4197960"/>
-            <a:ext cx="2136960" cy="609120"/>
+            <a:off x="6519600" y="4197240"/>
+            <a:ext cx="2136600" cy="608760"/>
           </a:xfrm>
           <a:custGeom>
             <a:avLst/>
@@ -13539,7 +14290,7 @@
         <p:spPr>
           <a:xfrm>
             <a:off x="3515040" y="5512320"/>
-            <a:ext cx="965520" cy="363960"/>
+            <a:ext cx="965160" cy="363960"/>
           </a:xfrm>
           <a:prstGeom prst="rect">
             <a:avLst/>
@@ -13591,7 +14342,7 @@
         <p:spPr>
           <a:xfrm flipV="1">
             <a:off x="4525200" y="4141800"/>
-            <a:ext cx="360" cy="1551240"/>
+            <a:ext cx="360" cy="1550880"/>
           </a:xfrm>
           <a:custGeom>
             <a:avLst/>
@@ -13640,7 +14391,7 @@
         <p:spPr>
           <a:xfrm>
             <a:off x="5738040" y="4338720"/>
-            <a:ext cx="360" cy="1355760"/>
+            <a:ext cx="360" cy="1355400"/>
           </a:xfrm>
           <a:custGeom>
             <a:avLst/>
@@ -13689,7 +14440,7 @@
         <p:spPr>
           <a:xfrm>
             <a:off x="4402440" y="5695560"/>
-            <a:ext cx="1387080" cy="912600"/>
+            <a:ext cx="1386720" cy="912600"/>
           </a:xfrm>
           <a:prstGeom prst="rect">
             <a:avLst/>
@@ -13749,7 +14500,7 @@
         <p:spPr>
           <a:xfrm>
             <a:off x="-30141360" y="-40160520"/>
-            <a:ext cx="82196640" cy="83337480"/>
+            <a:ext cx="82196280" cy="83337120"/>
           </a:xfrm>
           <a:custGeom>
             <a:avLst/>
@@ -13834,7 +14585,7 @@
         <p:spPr>
           <a:xfrm>
             <a:off x="9367200" y="1139400"/>
-            <a:ext cx="1699560" cy="363960"/>
+            <a:ext cx="1699200" cy="363960"/>
           </a:xfrm>
           <a:prstGeom prst="rect">
             <a:avLst/>
@@ -13886,7 +14637,7 @@
         <p:spPr>
           <a:xfrm>
             <a:off x="8088480" y="2558160"/>
-            <a:ext cx="617040" cy="1197000"/>
+            <a:ext cx="616680" cy="1196640"/>
           </a:xfrm>
           <a:prstGeom prst="rect">
             <a:avLst/>
@@ -13925,7 +14676,7 @@
         <p:spPr>
           <a:xfrm>
             <a:off x="8176680" y="2963880"/>
-            <a:ext cx="470160" cy="241920"/>
+            <a:ext cx="469800" cy="241920"/>
           </a:xfrm>
           <a:prstGeom prst="rect">
             <a:avLst/>
@@ -13977,7 +14728,7 @@
         <p:spPr>
           <a:xfrm>
             <a:off x="6627600" y="2170800"/>
-            <a:ext cx="849960" cy="280800"/>
+            <a:ext cx="849600" cy="280440"/>
           </a:xfrm>
           <a:prstGeom prst="rect">
             <a:avLst/>
@@ -14016,7 +14767,7 @@
         <p:spPr>
           <a:xfrm>
             <a:off x="6839280" y="2198880"/>
-            <a:ext cx="714960" cy="241920"/>
+            <a:ext cx="714600" cy="241920"/>
           </a:xfrm>
           <a:prstGeom prst="rect">
             <a:avLst/>
@@ -14067,8 +14818,8 @@
         </p:nvSpPr>
         <p:spPr>
           <a:xfrm flipV="1">
-            <a:off x="6859800" y="1179000"/>
-            <a:ext cx="2358720" cy="986760"/>
+            <a:off x="6859800" y="1178640"/>
+            <a:ext cx="2358360" cy="986400"/>
           </a:xfrm>
           <a:custGeom>
             <a:avLst/>
@@ -14116,8 +14867,8 @@
         </p:nvSpPr>
         <p:spPr>
           <a:xfrm flipH="1">
-            <a:off x="7238160" y="1324800"/>
-            <a:ext cx="1979280" cy="857520"/>
+            <a:off x="7237440" y="1324800"/>
+            <a:ext cx="1978920" cy="857160"/>
           </a:xfrm>
           <a:custGeom>
             <a:avLst/>
@@ -14165,8 +14916,8 @@
         </p:nvSpPr>
         <p:spPr>
           <a:xfrm flipV="1">
-            <a:off x="6859800" y="2444400"/>
-            <a:ext cx="360" cy="154800"/>
+            <a:off x="6859800" y="2443680"/>
+            <a:ext cx="360" cy="154440"/>
           </a:xfrm>
           <a:custGeom>
             <a:avLst/>
@@ -14215,7 +14966,7 @@
         <p:spPr>
           <a:xfrm>
             <a:off x="7197480" y="2452680"/>
-            <a:ext cx="360" cy="200520"/>
+            <a:ext cx="360" cy="200160"/>
           </a:xfrm>
           <a:custGeom>
             <a:avLst/>
@@ -14264,7 +15015,7 @@
         <p:spPr>
           <a:xfrm>
             <a:off x="8088480" y="2740320"/>
-            <a:ext cx="127800" cy="660960"/>
+            <a:ext cx="127440" cy="660600"/>
           </a:xfrm>
           <a:prstGeom prst="rect">
             <a:avLst/>
@@ -14337,7 +15088,7 @@
         <p:spPr>
           <a:xfrm>
             <a:off x="1069920" y="484560"/>
-            <a:ext cx="10057320" cy="1608120"/>
+            <a:ext cx="10056960" cy="1607760"/>
           </a:xfrm>
           <a:prstGeom prst="rect">
             <a:avLst/>
@@ -15547,7 +16298,7 @@
         <p:spPr>
           <a:xfrm>
             <a:off x="9219600" y="955440"/>
-            <a:ext cx="1894680" cy="737280"/>
+            <a:ext cx="1894320" cy="736920"/>
           </a:xfrm>
           <a:prstGeom prst="can">
             <a:avLst>
@@ -15592,7 +16343,7 @@
         <p:spPr>
           <a:xfrm>
             <a:off x="1069920" y="484560"/>
-            <a:ext cx="10057320" cy="1608120"/>
+            <a:ext cx="10056960" cy="1607760"/>
           </a:xfrm>
           <a:prstGeom prst="rect">
             <a:avLst/>
@@ -15643,7 +16394,7 @@
         <p:spPr>
           <a:xfrm>
             <a:off x="2172600" y="2432880"/>
-            <a:ext cx="7045560" cy="4118760"/>
+            <a:ext cx="7045200" cy="4118400"/>
           </a:xfrm>
           <a:prstGeom prst="rect">
             <a:avLst/>
@@ -15669,7 +16420,7 @@
         <p:spPr>
           <a:xfrm>
             <a:off x="2122560" y="2114280"/>
-            <a:ext cx="9280440" cy="2243520"/>
+            <a:ext cx="9280080" cy="2243160"/>
           </a:xfrm>
           <a:prstGeom prst="rect">
             <a:avLst/>
@@ -15710,7 +16461,7 @@
         <p:spPr>
           <a:xfrm>
             <a:off x="3481560" y="5512320"/>
-            <a:ext cx="3505680" cy="1199520"/>
+            <a:ext cx="3505320" cy="1199160"/>
           </a:xfrm>
           <a:prstGeom prst="rect">
             <a:avLst/>
@@ -15751,7 +16502,7 @@
         <p:spPr>
           <a:xfrm>
             <a:off x="3731040" y="4659840"/>
-            <a:ext cx="2884680" cy="648360"/>
+            <a:ext cx="2884320" cy="648000"/>
           </a:xfrm>
           <a:prstGeom prst="cloud">
             <a:avLst/>
@@ -15790,7 +16541,7 @@
         <p:spPr>
           <a:xfrm>
             <a:off x="4591440" y="4799880"/>
-            <a:ext cx="1715760" cy="363960"/>
+            <a:ext cx="1715400" cy="363960"/>
           </a:xfrm>
           <a:prstGeom prst="rect">
             <a:avLst/>
@@ -15842,7 +16593,7 @@
         <p:spPr>
           <a:xfrm>
             <a:off x="2847960" y="5172840"/>
-            <a:ext cx="1999800" cy="363960"/>
+            <a:ext cx="1999440" cy="363960"/>
           </a:xfrm>
           <a:prstGeom prst="rect">
             <a:avLst/>
@@ -15894,7 +16645,7 @@
         <p:spPr>
           <a:xfrm>
             <a:off x="5731920" y="5169240"/>
-            <a:ext cx="1785600" cy="638280"/>
+            <a:ext cx="1785240" cy="638280"/>
           </a:xfrm>
           <a:prstGeom prst="rect">
             <a:avLst/>
@@ -15946,7 +16697,7 @@
         <p:spPr>
           <a:xfrm>
             <a:off x="2256840" y="2126880"/>
-            <a:ext cx="938160" cy="363960"/>
+            <a:ext cx="937800" cy="363960"/>
           </a:xfrm>
           <a:prstGeom prst="rect">
             <a:avLst/>
@@ -15998,7 +16749,7 @@
         <p:spPr>
           <a:xfrm>
             <a:off x="3624120" y="3703320"/>
-            <a:ext cx="2809080" cy="494280"/>
+            <a:ext cx="2808720" cy="493920"/>
           </a:xfrm>
           <a:prstGeom prst="rect">
             <a:avLst/>
@@ -16037,7 +16788,7 @@
         <p:spPr>
           <a:xfrm>
             <a:off x="3825360" y="3759120"/>
-            <a:ext cx="2549160" cy="638280"/>
+            <a:ext cx="2548800" cy="638280"/>
           </a:xfrm>
           <a:prstGeom prst="rect">
             <a:avLst/>
@@ -16089,7 +16840,7 @@
         <p:spPr>
           <a:xfrm>
             <a:off x="2676240" y="2632320"/>
-            <a:ext cx="2171520" cy="909720"/>
+            <a:ext cx="2171160" cy="909360"/>
           </a:xfrm>
           <a:prstGeom prst="rect">
             <a:avLst/>
@@ -16131,7 +16882,7 @@
         <p:spPr>
           <a:xfrm>
             <a:off x="2608920" y="2621520"/>
-            <a:ext cx="2238840" cy="241920"/>
+            <a:ext cx="2238480" cy="241920"/>
           </a:xfrm>
           <a:prstGeom prst="rect">
             <a:avLst/>
@@ -16183,7 +16934,7 @@
         <p:spPr>
           <a:xfrm>
             <a:off x="2801880" y="3056760"/>
-            <a:ext cx="821160" cy="344880"/>
+            <a:ext cx="820800" cy="344520"/>
           </a:xfrm>
           <a:prstGeom prst="rect">
             <a:avLst/>
@@ -16224,7 +16975,7 @@
         <p:spPr>
           <a:xfrm>
             <a:off x="2801880" y="3077640"/>
-            <a:ext cx="720360" cy="333000"/>
+            <a:ext cx="720000" cy="333000"/>
           </a:xfrm>
           <a:prstGeom prst="rect">
             <a:avLst/>
@@ -16276,7 +17027,7 @@
         <p:spPr>
           <a:xfrm>
             <a:off x="3871440" y="3042000"/>
-            <a:ext cx="821160" cy="344880"/>
+            <a:ext cx="820800" cy="344520"/>
           </a:xfrm>
           <a:prstGeom prst="rect">
             <a:avLst/>
@@ -16317,7 +17068,7 @@
         <p:spPr>
           <a:xfrm>
             <a:off x="3947040" y="3070080"/>
-            <a:ext cx="720360" cy="211320"/>
+            <a:ext cx="720000" cy="211320"/>
           </a:xfrm>
           <a:prstGeom prst="rect">
             <a:avLst/>
@@ -16369,7 +17120,7 @@
         <p:spPr>
           <a:xfrm>
             <a:off x="5721120" y="2611800"/>
-            <a:ext cx="1756080" cy="1143360"/>
+            <a:ext cx="1755720" cy="1143000"/>
           </a:xfrm>
           <a:prstGeom prst="rect">
             <a:avLst/>
@@ -16408,7 +17159,7 @@
         <p:spPr>
           <a:xfrm>
             <a:off x="5897520" y="2740320"/>
-            <a:ext cx="1274040" cy="394200"/>
+            <a:ext cx="1273680" cy="394200"/>
           </a:xfrm>
           <a:prstGeom prst="rect">
             <a:avLst/>
@@ -16460,7 +17211,7 @@
         <p:spPr>
           <a:xfrm>
             <a:off x="3213000" y="3402360"/>
-            <a:ext cx="2507400" cy="935280"/>
+            <a:ext cx="2507040" cy="934920"/>
           </a:xfrm>
           <a:custGeom>
             <a:avLst/>
@@ -16509,7 +17260,7 @@
         <p:spPr>
           <a:xfrm flipH="1">
             <a:off x="5736600" y="3767040"/>
-            <a:ext cx="1248840" cy="591120"/>
+            <a:ext cx="1248480" cy="590760"/>
           </a:xfrm>
           <a:custGeom>
             <a:avLst/>
@@ -16558,7 +17309,7 @@
         <p:spPr>
           <a:xfrm>
             <a:off x="9219600" y="2374200"/>
-            <a:ext cx="1894680" cy="1894680"/>
+            <a:ext cx="1894320" cy="1894320"/>
           </a:xfrm>
           <a:prstGeom prst="can">
             <a:avLst>
@@ -16599,7 +17350,7 @@
         <p:spPr>
           <a:xfrm>
             <a:off x="9576000" y="3285720"/>
-            <a:ext cx="1450080" cy="363960"/>
+            <a:ext cx="1449720" cy="363960"/>
           </a:xfrm>
           <a:prstGeom prst="rect">
             <a:avLst/>
@@ -16651,7 +17402,7 @@
         <p:spPr>
           <a:xfrm>
             <a:off x="7478640" y="2888640"/>
-            <a:ext cx="1739880" cy="6120"/>
+            <a:ext cx="1739520" cy="5760"/>
           </a:xfrm>
           <a:custGeom>
             <a:avLst/>
@@ -16699,8 +17450,8 @@
         </p:nvSpPr>
         <p:spPr>
           <a:xfrm flipH="1" flipV="1">
-            <a:off x="7477200" y="3183120"/>
-            <a:ext cx="1739880" cy="11520"/>
+            <a:off x="7477200" y="3182400"/>
+            <a:ext cx="1739520" cy="11160"/>
           </a:xfrm>
           <a:custGeom>
             <a:avLst/>
@@ -16749,7 +17500,7 @@
         <p:spPr>
           <a:xfrm>
             <a:off x="8659080" y="4624200"/>
-            <a:ext cx="913320" cy="363960"/>
+            <a:ext cx="912960" cy="363960"/>
           </a:xfrm>
           <a:prstGeom prst="rect">
             <a:avLst/>
@@ -16800,8 +17551,8 @@
         </p:nvSpPr>
         <p:spPr>
           <a:xfrm flipH="1" flipV="1">
-            <a:off x="6520320" y="4197960"/>
-            <a:ext cx="2136960" cy="609120"/>
+            <a:off x="6519600" y="4197240"/>
+            <a:ext cx="2136600" cy="608760"/>
           </a:xfrm>
           <a:custGeom>
             <a:avLst/>
@@ -16845,7 +17596,7 @@
         <p:spPr>
           <a:xfrm>
             <a:off x="3515040" y="5512320"/>
-            <a:ext cx="965520" cy="363960"/>
+            <a:ext cx="965160" cy="363960"/>
           </a:xfrm>
           <a:prstGeom prst="rect">
             <a:avLst/>
@@ -16897,7 +17648,7 @@
         <p:spPr>
           <a:xfrm flipV="1">
             <a:off x="4525200" y="4141800"/>
-            <a:ext cx="360" cy="1551240"/>
+            <a:ext cx="360" cy="1550880"/>
           </a:xfrm>
           <a:custGeom>
             <a:avLst/>
@@ -16946,7 +17697,7 @@
         <p:spPr>
           <a:xfrm>
             <a:off x="5738040" y="4338720"/>
-            <a:ext cx="360" cy="1355760"/>
+            <a:ext cx="360" cy="1355400"/>
           </a:xfrm>
           <a:custGeom>
             <a:avLst/>
@@ -16995,7 +17746,7 @@
         <p:spPr>
           <a:xfrm>
             <a:off x="4402440" y="5695560"/>
-            <a:ext cx="1387080" cy="912600"/>
+            <a:ext cx="1386720" cy="912600"/>
           </a:xfrm>
           <a:prstGeom prst="rect">
             <a:avLst/>
@@ -17055,7 +17806,7 @@
         <p:spPr>
           <a:xfrm>
             <a:off x="-30141360" y="-40160520"/>
-            <a:ext cx="82196640" cy="83337480"/>
+            <a:ext cx="82196280" cy="83337120"/>
           </a:xfrm>
           <a:custGeom>
             <a:avLst/>
@@ -17140,7 +17891,7 @@
         <p:spPr>
           <a:xfrm>
             <a:off x="9367200" y="1139400"/>
-            <a:ext cx="1699560" cy="363960"/>
+            <a:ext cx="1699200" cy="363960"/>
           </a:xfrm>
           <a:prstGeom prst="rect">
             <a:avLst/>
@@ -17192,7 +17943,7 @@
         <p:spPr>
           <a:xfrm>
             <a:off x="8088480" y="2558160"/>
-            <a:ext cx="617040" cy="1197000"/>
+            <a:ext cx="616680" cy="1196640"/>
           </a:xfrm>
           <a:prstGeom prst="rect">
             <a:avLst/>
@@ -17231,7 +17982,7 @@
         <p:spPr>
           <a:xfrm>
             <a:off x="8176680" y="2963880"/>
-            <a:ext cx="470160" cy="241920"/>
+            <a:ext cx="469800" cy="241920"/>
           </a:xfrm>
           <a:prstGeom prst="rect">
             <a:avLst/>
@@ -17283,7 +18034,7 @@
         <p:spPr>
           <a:xfrm>
             <a:off x="6627600" y="2170800"/>
-            <a:ext cx="849960" cy="280800"/>
+            <a:ext cx="849600" cy="280440"/>
           </a:xfrm>
           <a:prstGeom prst="rect">
             <a:avLst/>
@@ -17322,7 +18073,7 @@
         <p:spPr>
           <a:xfrm>
             <a:off x="6839280" y="2198880"/>
-            <a:ext cx="714960" cy="241920"/>
+            <a:ext cx="714600" cy="241920"/>
           </a:xfrm>
           <a:prstGeom prst="rect">
             <a:avLst/>
@@ -17373,8 +18124,8 @@
         </p:nvSpPr>
         <p:spPr>
           <a:xfrm flipV="1">
-            <a:off x="6859800" y="1179000"/>
-            <a:ext cx="2358720" cy="986760"/>
+            <a:off x="6859800" y="1178640"/>
+            <a:ext cx="2358360" cy="986400"/>
           </a:xfrm>
           <a:custGeom>
             <a:avLst/>
@@ -17422,8 +18173,8 @@
         </p:nvSpPr>
         <p:spPr>
           <a:xfrm flipH="1">
-            <a:off x="7238160" y="1324800"/>
-            <a:ext cx="1979280" cy="857520"/>
+            <a:off x="7237440" y="1324800"/>
+            <a:ext cx="1978920" cy="857160"/>
           </a:xfrm>
           <a:custGeom>
             <a:avLst/>
@@ -17471,8 +18222,8 @@
         </p:nvSpPr>
         <p:spPr>
           <a:xfrm flipV="1">
-            <a:off x="6859800" y="2444400"/>
-            <a:ext cx="360" cy="154800"/>
+            <a:off x="6859800" y="2443680"/>
+            <a:ext cx="360" cy="154440"/>
           </a:xfrm>
           <a:custGeom>
             <a:avLst/>
@@ -17521,7 +18272,7 @@
         <p:spPr>
           <a:xfrm>
             <a:off x="7197480" y="2452680"/>
-            <a:ext cx="360" cy="200520"/>
+            <a:ext cx="360" cy="200160"/>
           </a:xfrm>
           <a:custGeom>
             <a:avLst/>
@@ -17600,7 +18351,7 @@
         <p:spPr>
           <a:xfrm>
             <a:off x="9219600" y="955440"/>
-            <a:ext cx="1894680" cy="737280"/>
+            <a:ext cx="1894320" cy="736920"/>
           </a:xfrm>
           <a:prstGeom prst="can">
             <a:avLst>
@@ -17645,7 +18396,7 @@
         <p:spPr>
           <a:xfrm>
             <a:off x="1069920" y="484560"/>
-            <a:ext cx="10057320" cy="1608120"/>
+            <a:ext cx="10056960" cy="1607760"/>
           </a:xfrm>
           <a:prstGeom prst="rect">
             <a:avLst/>
@@ -17696,7 +18447,7 @@
         <p:spPr>
           <a:xfrm>
             <a:off x="2172600" y="2432880"/>
-            <a:ext cx="7045560" cy="4118760"/>
+            <a:ext cx="7045200" cy="4118400"/>
           </a:xfrm>
           <a:prstGeom prst="rect">
             <a:avLst/>
@@ -17722,7 +18473,7 @@
         <p:spPr>
           <a:xfrm>
             <a:off x="2122560" y="2114280"/>
-            <a:ext cx="9280440" cy="2243520"/>
+            <a:ext cx="9280080" cy="2243160"/>
           </a:xfrm>
           <a:prstGeom prst="rect">
             <a:avLst/>
@@ -17763,7 +18514,7 @@
         <p:spPr>
           <a:xfrm>
             <a:off x="3481560" y="5512320"/>
-            <a:ext cx="3505680" cy="1199520"/>
+            <a:ext cx="3505320" cy="1199160"/>
           </a:xfrm>
           <a:prstGeom prst="rect">
             <a:avLst/>
@@ -17804,7 +18555,7 @@
         <p:spPr>
           <a:xfrm>
             <a:off x="3731040" y="4659840"/>
-            <a:ext cx="2884680" cy="648360"/>
+            <a:ext cx="2884320" cy="648000"/>
           </a:xfrm>
           <a:prstGeom prst="cloud">
             <a:avLst/>
@@ -17843,7 +18594,7 @@
         <p:spPr>
           <a:xfrm>
             <a:off x="4591440" y="4799880"/>
-            <a:ext cx="1715760" cy="363960"/>
+            <a:ext cx="1715400" cy="363960"/>
           </a:xfrm>
           <a:prstGeom prst="rect">
             <a:avLst/>
@@ -17895,7 +18646,7 @@
         <p:spPr>
           <a:xfrm>
             <a:off x="2847960" y="5172840"/>
-            <a:ext cx="1999800" cy="363960"/>
+            <a:ext cx="1999440" cy="363960"/>
           </a:xfrm>
           <a:prstGeom prst="rect">
             <a:avLst/>
@@ -17947,7 +18698,7 @@
         <p:spPr>
           <a:xfrm>
             <a:off x="5731920" y="5169240"/>
-            <a:ext cx="1785600" cy="638280"/>
+            <a:ext cx="1785240" cy="638280"/>
           </a:xfrm>
           <a:prstGeom prst="rect">
             <a:avLst/>
@@ -17999,7 +18750,7 @@
         <p:spPr>
           <a:xfrm>
             <a:off x="2256840" y="2126880"/>
-            <a:ext cx="938160" cy="363960"/>
+            <a:ext cx="937800" cy="363960"/>
           </a:xfrm>
           <a:prstGeom prst="rect">
             <a:avLst/>
@@ -18051,7 +18802,7 @@
         <p:spPr>
           <a:xfrm>
             <a:off x="3624120" y="3703320"/>
-            <a:ext cx="2809080" cy="494280"/>
+            <a:ext cx="2808720" cy="493920"/>
           </a:xfrm>
           <a:prstGeom prst="rect">
             <a:avLst/>
@@ -18090,7 +18841,7 @@
         <p:spPr>
           <a:xfrm>
             <a:off x="3825360" y="3759120"/>
-            <a:ext cx="2549160" cy="638280"/>
+            <a:ext cx="2548800" cy="638280"/>
           </a:xfrm>
           <a:prstGeom prst="rect">
             <a:avLst/>
@@ -18142,7 +18893,7 @@
         <p:spPr>
           <a:xfrm>
             <a:off x="2676240" y="2632320"/>
-            <a:ext cx="2171520" cy="909720"/>
+            <a:ext cx="2171160" cy="909360"/>
           </a:xfrm>
           <a:prstGeom prst="rect">
             <a:avLst/>
@@ -18184,7 +18935,7 @@
         <p:spPr>
           <a:xfrm>
             <a:off x="2608920" y="2621520"/>
-            <a:ext cx="2238840" cy="241920"/>
+            <a:ext cx="2238480" cy="241920"/>
           </a:xfrm>
           <a:prstGeom prst="rect">
             <a:avLst/>
@@ -18236,7 +18987,7 @@
         <p:spPr>
           <a:xfrm>
             <a:off x="2801880" y="3056760"/>
-            <a:ext cx="821160" cy="344880"/>
+            <a:ext cx="820800" cy="344520"/>
           </a:xfrm>
           <a:prstGeom prst="rect">
             <a:avLst/>
@@ -18277,7 +19028,7 @@
         <p:spPr>
           <a:xfrm>
             <a:off x="2801880" y="3077640"/>
-            <a:ext cx="720360" cy="333000"/>
+            <a:ext cx="720000" cy="333000"/>
           </a:xfrm>
           <a:prstGeom prst="rect">
             <a:avLst/>
@@ -18329,7 +19080,7 @@
         <p:spPr>
           <a:xfrm>
             <a:off x="3871440" y="3042000"/>
-            <a:ext cx="821160" cy="344880"/>
+            <a:ext cx="820800" cy="344520"/>
           </a:xfrm>
           <a:prstGeom prst="rect">
             <a:avLst/>
@@ -18370,7 +19121,7 @@
         <p:spPr>
           <a:xfrm>
             <a:off x="3947040" y="3070080"/>
-            <a:ext cx="720360" cy="211320"/>
+            <a:ext cx="720000" cy="211320"/>
           </a:xfrm>
           <a:prstGeom prst="rect">
             <a:avLst/>
@@ -18422,7 +19173,7 @@
         <p:spPr>
           <a:xfrm>
             <a:off x="5721120" y="2611800"/>
-            <a:ext cx="1756080" cy="1143360"/>
+            <a:ext cx="1755720" cy="1143000"/>
           </a:xfrm>
           <a:prstGeom prst="rect">
             <a:avLst/>
@@ -18461,7 +19212,7 @@
         <p:spPr>
           <a:xfrm>
             <a:off x="5897520" y="2740320"/>
-            <a:ext cx="1274040" cy="394200"/>
+            <a:ext cx="1273680" cy="394200"/>
           </a:xfrm>
           <a:prstGeom prst="rect">
             <a:avLst/>
@@ -18513,7 +19264,7 @@
         <p:spPr>
           <a:xfrm>
             <a:off x="3213000" y="3402360"/>
-            <a:ext cx="2507400" cy="935280"/>
+            <a:ext cx="2507040" cy="934920"/>
           </a:xfrm>
           <a:custGeom>
             <a:avLst/>
@@ -18562,7 +19313,7 @@
         <p:spPr>
           <a:xfrm flipH="1">
             <a:off x="5736600" y="3767040"/>
-            <a:ext cx="1248840" cy="591120"/>
+            <a:ext cx="1248480" cy="590760"/>
           </a:xfrm>
           <a:custGeom>
             <a:avLst/>
@@ -18611,7 +19362,7 @@
         <p:spPr>
           <a:xfrm>
             <a:off x="9219600" y="2374200"/>
-            <a:ext cx="1894680" cy="1894680"/>
+            <a:ext cx="1894320" cy="1894320"/>
           </a:xfrm>
           <a:prstGeom prst="can">
             <a:avLst>
@@ -18652,7 +19403,7 @@
         <p:spPr>
           <a:xfrm>
             <a:off x="9576000" y="3285720"/>
-            <a:ext cx="1450080" cy="363960"/>
+            <a:ext cx="1449720" cy="363960"/>
           </a:xfrm>
           <a:prstGeom prst="rect">
             <a:avLst/>
@@ -18704,7 +19455,7 @@
         <p:spPr>
           <a:xfrm>
             <a:off x="7478640" y="2888640"/>
-            <a:ext cx="1739880" cy="6120"/>
+            <a:ext cx="1739520" cy="5760"/>
           </a:xfrm>
           <a:custGeom>
             <a:avLst/>
@@ -18752,8 +19503,8 @@
         </p:nvSpPr>
         <p:spPr>
           <a:xfrm flipH="1" flipV="1">
-            <a:off x="7477200" y="3183120"/>
-            <a:ext cx="1739880" cy="11520"/>
+            <a:off x="7477200" y="3182400"/>
+            <a:ext cx="1739520" cy="11160"/>
           </a:xfrm>
           <a:custGeom>
             <a:avLst/>
@@ -18802,7 +19553,7 @@
         <p:spPr>
           <a:xfrm>
             <a:off x="8659080" y="4624200"/>
-            <a:ext cx="913320" cy="363960"/>
+            <a:ext cx="912960" cy="363960"/>
           </a:xfrm>
           <a:prstGeom prst="rect">
             <a:avLst/>
@@ -18853,8 +19604,8 @@
         </p:nvSpPr>
         <p:spPr>
           <a:xfrm flipH="1" flipV="1">
-            <a:off x="6520320" y="4197960"/>
-            <a:ext cx="2136960" cy="609120"/>
+            <a:off x="6519600" y="4197240"/>
+            <a:ext cx="2136600" cy="608760"/>
           </a:xfrm>
           <a:custGeom>
             <a:avLst/>
@@ -18898,7 +19649,7 @@
         <p:spPr>
           <a:xfrm>
             <a:off x="3515040" y="5512320"/>
-            <a:ext cx="965520" cy="363960"/>
+            <a:ext cx="965160" cy="363960"/>
           </a:xfrm>
           <a:prstGeom prst="rect">
             <a:avLst/>
@@ -18950,7 +19701,7 @@
         <p:spPr>
           <a:xfrm flipV="1">
             <a:off x="4525200" y="4141800"/>
-            <a:ext cx="360" cy="1551240"/>
+            <a:ext cx="360" cy="1550880"/>
           </a:xfrm>
           <a:custGeom>
             <a:avLst/>
@@ -18999,7 +19750,7 @@
         <p:spPr>
           <a:xfrm>
             <a:off x="5738040" y="4338720"/>
-            <a:ext cx="360" cy="1355760"/>
+            <a:ext cx="360" cy="1355400"/>
           </a:xfrm>
           <a:custGeom>
             <a:avLst/>
@@ -19048,7 +19799,7 @@
         <p:spPr>
           <a:xfrm>
             <a:off x="4402440" y="5695560"/>
-            <a:ext cx="1387080" cy="912600"/>
+            <a:ext cx="1386720" cy="912600"/>
           </a:xfrm>
           <a:prstGeom prst="rect">
             <a:avLst/>
@@ -19108,7 +19859,7 @@
         <p:spPr>
           <a:xfrm>
             <a:off x="-30141360" y="-40160520"/>
-            <a:ext cx="82196640" cy="83337480"/>
+            <a:ext cx="82196280" cy="83337120"/>
           </a:xfrm>
           <a:custGeom>
             <a:avLst/>
@@ -19193,7 +19944,7 @@
         <p:spPr>
           <a:xfrm>
             <a:off x="9367200" y="1139400"/>
-            <a:ext cx="1699560" cy="363960"/>
+            <a:ext cx="1699200" cy="363960"/>
           </a:xfrm>
           <a:prstGeom prst="rect">
             <a:avLst/>
@@ -19245,7 +19996,7 @@
         <p:spPr>
           <a:xfrm>
             <a:off x="8088480" y="2558160"/>
-            <a:ext cx="617040" cy="1197000"/>
+            <a:ext cx="616680" cy="1196640"/>
           </a:xfrm>
           <a:prstGeom prst="rect">
             <a:avLst/>
@@ -19284,7 +20035,7 @@
         <p:spPr>
           <a:xfrm>
             <a:off x="8176680" y="2963880"/>
-            <a:ext cx="470160" cy="241920"/>
+            <a:ext cx="469800" cy="241920"/>
           </a:xfrm>
           <a:prstGeom prst="rect">
             <a:avLst/>
@@ -19336,7 +20087,7 @@
         <p:spPr>
           <a:xfrm>
             <a:off x="6627600" y="2170800"/>
-            <a:ext cx="849960" cy="280800"/>
+            <a:ext cx="849600" cy="280440"/>
           </a:xfrm>
           <a:prstGeom prst="rect">
             <a:avLst/>
@@ -19375,7 +20126,7 @@
         <p:spPr>
           <a:xfrm>
             <a:off x="6839280" y="2198880"/>
-            <a:ext cx="714960" cy="241920"/>
+            <a:ext cx="714600" cy="241920"/>
           </a:xfrm>
           <a:prstGeom prst="rect">
             <a:avLst/>
@@ -19426,8 +20177,8 @@
         </p:nvSpPr>
         <p:spPr>
           <a:xfrm flipV="1">
-            <a:off x="6859800" y="1179000"/>
-            <a:ext cx="2358720" cy="986760"/>
+            <a:off x="6859800" y="1178640"/>
+            <a:ext cx="2358360" cy="986400"/>
           </a:xfrm>
           <a:custGeom>
             <a:avLst/>
@@ -19475,8 +20226,8 @@
         </p:nvSpPr>
         <p:spPr>
           <a:xfrm flipH="1">
-            <a:off x="7238160" y="1324800"/>
-            <a:ext cx="1979280" cy="857520"/>
+            <a:off x="7237440" y="1324800"/>
+            <a:ext cx="1978920" cy="857160"/>
           </a:xfrm>
           <a:custGeom>
             <a:avLst/>
@@ -19524,8 +20275,8 @@
         </p:nvSpPr>
         <p:spPr>
           <a:xfrm flipV="1">
-            <a:off x="6859800" y="2444400"/>
-            <a:ext cx="360" cy="154800"/>
+            <a:off x="6859800" y="2443680"/>
+            <a:ext cx="360" cy="154440"/>
           </a:xfrm>
           <a:custGeom>
             <a:avLst/>
@@ -19574,7 +20325,7 @@
         <p:spPr>
           <a:xfrm>
             <a:off x="7197480" y="2452680"/>
-            <a:ext cx="360" cy="200520"/>
+            <a:ext cx="360" cy="200160"/>
           </a:xfrm>
           <a:custGeom>
             <a:avLst/>
@@ -19623,7 +20374,7 @@
         <p:spPr>
           <a:xfrm>
             <a:off x="6616800" y="2377080"/>
-            <a:ext cx="860760" cy="74160"/>
+            <a:ext cx="860400" cy="73800"/>
           </a:xfrm>
           <a:prstGeom prst="rect">
             <a:avLst/>
@@ -19696,7 +20447,7 @@
         <p:spPr>
           <a:xfrm>
             <a:off x="1069920" y="484560"/>
-            <a:ext cx="10057320" cy="1608120"/>
+            <a:ext cx="10056960" cy="1607760"/>
           </a:xfrm>
           <a:prstGeom prst="rect">
             <a:avLst/>
